--- a/adv_new/Module 05 - Processes.pptx
+++ b/adv_new/Module 05 - Processes.pptx
@@ -5,7 +5,7 @@
     <p:sldMasterId id="2147483648" r:id="rId1"/>
   </p:sldMasterIdLst>
   <p:notesMasterIdLst>
-    <p:notesMasterId r:id="rId26"/>
+    <p:notesMasterId r:id="rId27"/>
   </p:notesMasterIdLst>
   <p:sldIdLst>
     <p:sldId id="321" r:id="rId2"/>
@@ -18,20 +18,21 @@
     <p:sldId id="325" r:id="rId9"/>
     <p:sldId id="324" r:id="rId10"/>
     <p:sldId id="326" r:id="rId11"/>
-    <p:sldId id="327" r:id="rId12"/>
-    <p:sldId id="328" r:id="rId13"/>
-    <p:sldId id="323" r:id="rId14"/>
-    <p:sldId id="267" r:id="rId15"/>
-    <p:sldId id="270" r:id="rId16"/>
-    <p:sldId id="271" r:id="rId17"/>
-    <p:sldId id="333" r:id="rId18"/>
-    <p:sldId id="273" r:id="rId19"/>
-    <p:sldId id="329" r:id="rId20"/>
-    <p:sldId id="330" r:id="rId21"/>
-    <p:sldId id="332" r:id="rId22"/>
-    <p:sldId id="331" r:id="rId23"/>
-    <p:sldId id="294" r:id="rId24"/>
-    <p:sldId id="316" r:id="rId25"/>
+    <p:sldId id="334" r:id="rId12"/>
+    <p:sldId id="327" r:id="rId13"/>
+    <p:sldId id="328" r:id="rId14"/>
+    <p:sldId id="335" r:id="rId15"/>
+    <p:sldId id="323" r:id="rId16"/>
+    <p:sldId id="267" r:id="rId17"/>
+    <p:sldId id="271" r:id="rId18"/>
+    <p:sldId id="333" r:id="rId19"/>
+    <p:sldId id="273" r:id="rId20"/>
+    <p:sldId id="329" r:id="rId21"/>
+    <p:sldId id="330" r:id="rId22"/>
+    <p:sldId id="332" r:id="rId23"/>
+    <p:sldId id="331" r:id="rId24"/>
+    <p:sldId id="294" r:id="rId25"/>
+    <p:sldId id="316" r:id="rId26"/>
   </p:sldIdLst>
   <p:sldSz cx="12192000" cy="6858000"/>
   <p:notesSz cx="6858000" cy="9144000"/>
@@ -504,7 +505,7 @@
           <a:p>
             <a:fld id="{81043921-7569-41A3-B947-8944ED878C50}" type="datetimeFigureOut">
               <a:rPr lang="he-IL" smtClean="0"/>
-              <a:t>ו'/תמוז/תשפ"ג</a:t>
+              <a:t>כ'/תמוז/תשפ"ג</a:t>
             </a:fld>
             <a:endParaRPr lang="he-IL"/>
           </a:p>
@@ -1072,7 +1073,7 @@
             <a:fld id="{C18343ED-3762-4D46-A439-B4D407E13EF8}" type="slidenum">
               <a:rPr lang="en-US" smtClean="0"/>
               <a:pPr/>
-              <a:t>14</a:t>
+              <a:t>16</a:t>
             </a:fld>
             <a:endParaRPr lang="en-US"/>
           </a:p>
@@ -1135,7 +1136,78 @@
           <a:bodyPr/>
           <a:lstStyle/>
           <a:p>
-            <a:endParaRPr lang="en-US"/>
+            <a:pPr>
+              <a:defRPr/>
+            </a:pPr>
+            <a:r>
+              <a:rPr lang="en-US" dirty="0">
+                <a:cs typeface="Calibri"/>
+              </a:rPr>
+              <a:t>This is the main screen for opening a new project, all project are "of the same type" but not really.</a:t>
+            </a:r>
+          </a:p>
+          <a:p>
+            <a:pPr>
+              <a:defRPr/>
+            </a:pPr>
+            <a:r>
+              <a:rPr lang="en-US" dirty="0">
+                <a:cs typeface="+mn-lt"/>
+              </a:rPr>
+              <a:t>We can choose our projects name by changing the last section of the  location box</a:t>
+            </a:r>
+          </a:p>
+          <a:p>
+            <a:pPr>
+              <a:defRPr/>
+            </a:pPr>
+            <a:br>
+              <a:rPr lang="en-US" dirty="0">
+                <a:cs typeface="+mn-lt"/>
+              </a:rPr>
+            </a:br>
+            <a:r>
+              <a:rPr lang="en-US" dirty="0">
+                <a:cs typeface="Calibri"/>
+              </a:rPr>
+              <a:t>We can choose different environments like Virtualenv(the base one here), or Conda.</a:t>
+            </a:r>
+            <a:endParaRPr lang="en-US" dirty="0"/>
+          </a:p>
+          <a:p>
+            <a:pPr>
+              <a:defRPr/>
+            </a:pPr>
+            <a:endParaRPr lang="en-US" dirty="0">
+              <a:cs typeface="Calibri"/>
+            </a:endParaRPr>
+          </a:p>
+          <a:p>
+            <a:pPr>
+              <a:defRPr/>
+            </a:pPr>
+            <a:r>
+              <a:rPr lang="en-US" dirty="0">
+                <a:cs typeface="Calibri"/>
+              </a:rPr>
+              <a:t>Also, we can use a new (base) interpreter or just pick one of our previously used ones if we choose so.</a:t>
+            </a:r>
+            <a:br>
+              <a:rPr lang="en-US" dirty="0">
+                <a:cs typeface="+mn-lt"/>
+              </a:rPr>
+            </a:br>
+            <a:br>
+              <a:rPr lang="en-US" dirty="0">
+                <a:cs typeface="+mn-lt"/>
+              </a:rPr>
+            </a:br>
+            <a:r>
+              <a:rPr lang="en-US" dirty="0">
+                <a:cs typeface="Calibri"/>
+              </a:rPr>
+              <a:t>For beginners this is all we need to know, we want a new interpreter </a:t>
+            </a:r>
           </a:p>
         </p:txBody>
       </p:sp>
@@ -1157,7 +1229,7 @@
             <a:fld id="{C18343ED-3762-4D46-A439-B4D407E13EF8}" type="slidenum">
               <a:rPr lang="en-US" smtClean="0"/>
               <a:pPr/>
-              <a:t>15</a:t>
+              <a:t>17</a:t>
             </a:fld>
             <a:endParaRPr lang="en-US"/>
           </a:p>
@@ -1166,7 +1238,7 @@
     </p:spTree>
     <p:extLst>
       <p:ext uri="{BB962C8B-B14F-4D97-AF65-F5344CB8AC3E}">
-        <p14:creationId xmlns:p14="http://schemas.microsoft.com/office/powerpoint/2010/main" val="3896666901"/>
+        <p14:creationId xmlns:p14="http://schemas.microsoft.com/office/powerpoint/2010/main" val="3949587220"/>
       </p:ext>
     </p:extLst>
   </p:cSld>
@@ -1220,31 +1292,10 @@
           <a:bodyPr/>
           <a:lstStyle/>
           <a:p>
-            <a:pPr>
-              <a:defRPr/>
-            </a:pPr>
-            <a:r>
-              <a:rPr lang="en-US" dirty="0">
-                <a:cs typeface="Calibri"/>
-              </a:rPr>
-              <a:t>This is the main screen for opening a new project, all project are "of the same type" but not really.</a:t>
-            </a:r>
-          </a:p>
-          <a:p>
-            <a:pPr>
-              <a:defRPr/>
-            </a:pPr>
-            <a:r>
-              <a:rPr lang="en-US" dirty="0">
-                <a:cs typeface="+mn-lt"/>
-              </a:rPr>
-              <a:t>We can choose our projects name by changing the last section of the  location box</a:t>
-            </a:r>
-          </a:p>
-          <a:p>
-            <a:pPr>
-              <a:defRPr/>
-            </a:pPr>
+            <a:r>
+              <a:rPr lang="en-US" dirty="0"/>
+              <a:t>This is the main work area in PyCharm:</a:t>
+            </a:r>
             <a:br>
               <a:rPr lang="en-US" dirty="0">
                 <a:cs typeface="+mn-lt"/>
@@ -1254,44 +1305,45 @@
               <a:rPr lang="en-US" dirty="0">
                 <a:cs typeface="Calibri"/>
               </a:rPr>
-              <a:t>We can choose different environments like Virtualenv(the base one here), or Conda.</a:t>
-            </a:r>
-            <a:endParaRPr lang="en-US" dirty="0"/>
-          </a:p>
-          <a:p>
-            <a:pPr>
-              <a:defRPr/>
-            </a:pPr>
+              <a:t>The Coding section is where you write you code</a:t>
+            </a:r>
+          </a:p>
+          <a:p>
+            <a:r>
+              <a:rPr lang="en-US" dirty="0">
+                <a:cs typeface="Calibri"/>
+              </a:rPr>
+              <a:t>Menu bar is all the options, setting etc.</a:t>
+            </a:r>
+          </a:p>
+          <a:p>
+            <a:r>
+              <a:rPr lang="en-US" dirty="0">
+                <a:cs typeface="Calibri"/>
+              </a:rPr>
+              <a:t>Project explorer is where all of our current project files and folders are located, we can navigate between them there</a:t>
+            </a:r>
+          </a:p>
+          <a:p>
+            <a:r>
+              <a:rPr lang="en-US" dirty="0">
+                <a:cs typeface="Calibri"/>
+              </a:rPr>
+              <a:t>The tools are our main uses, like the console, terminal, debug section, etc.</a:t>
+            </a:r>
+          </a:p>
+          <a:p>
+            <a:r>
+              <a:rPr lang="en-US" dirty="0">
+                <a:cs typeface="Calibri"/>
+              </a:rPr>
+              <a:t>The run script section is where we run our current open script, of course our script can run our entire project, depends on what's connected to the script we are running</a:t>
+            </a:r>
+          </a:p>
+          <a:p>
             <a:endParaRPr lang="en-US" dirty="0">
               <a:cs typeface="Calibri"/>
             </a:endParaRPr>
-          </a:p>
-          <a:p>
-            <a:pPr>
-              <a:defRPr/>
-            </a:pPr>
-            <a:r>
-              <a:rPr lang="en-US" dirty="0">
-                <a:cs typeface="Calibri"/>
-              </a:rPr>
-              <a:t>Also, we can use a new (base) interpreter or just pick one of our previously used ones if we choose so.</a:t>
-            </a:r>
-            <a:br>
-              <a:rPr lang="en-US" dirty="0">
-                <a:cs typeface="+mn-lt"/>
-              </a:rPr>
-            </a:br>
-            <a:br>
-              <a:rPr lang="en-US" dirty="0">
-                <a:cs typeface="+mn-lt"/>
-              </a:rPr>
-            </a:br>
-            <a:r>
-              <a:rPr lang="en-US" dirty="0">
-                <a:cs typeface="Calibri"/>
-              </a:rPr>
-              <a:t>For beginners this is all we need to know, we want a new interpreter </a:t>
-            </a:r>
           </a:p>
         </p:txBody>
       </p:sp>
@@ -1313,7 +1365,7 @@
             <a:fld id="{C18343ED-3762-4D46-A439-B4D407E13EF8}" type="slidenum">
               <a:rPr lang="en-US" smtClean="0"/>
               <a:pPr/>
-              <a:t>16</a:t>
+              <a:t>19</a:t>
             </a:fld>
             <a:endParaRPr lang="en-US"/>
           </a:p>
@@ -1322,7 +1374,7 @@
     </p:spTree>
     <p:extLst>
       <p:ext uri="{BB962C8B-B14F-4D97-AF65-F5344CB8AC3E}">
-        <p14:creationId xmlns:p14="http://schemas.microsoft.com/office/powerpoint/2010/main" val="3949587220"/>
+        <p14:creationId xmlns:p14="http://schemas.microsoft.com/office/powerpoint/2010/main" val="2368652420"/>
       </p:ext>
     </p:extLst>
   </p:cSld>
@@ -1449,7 +1501,7 @@
             <a:fld id="{C18343ED-3762-4D46-A439-B4D407E13EF8}" type="slidenum">
               <a:rPr lang="en-US" smtClean="0"/>
               <a:pPr/>
-              <a:t>18</a:t>
+              <a:t>20</a:t>
             </a:fld>
             <a:endParaRPr lang="en-US"/>
           </a:p>
@@ -1458,7 +1510,7 @@
     </p:spTree>
     <p:extLst>
       <p:ext uri="{BB962C8B-B14F-4D97-AF65-F5344CB8AC3E}">
-        <p14:creationId xmlns:p14="http://schemas.microsoft.com/office/powerpoint/2010/main" val="2368652420"/>
+        <p14:creationId xmlns:p14="http://schemas.microsoft.com/office/powerpoint/2010/main" val="2292869806"/>
       </p:ext>
     </p:extLst>
   </p:cSld>
@@ -1585,7 +1637,7 @@
             <a:fld id="{C18343ED-3762-4D46-A439-B4D407E13EF8}" type="slidenum">
               <a:rPr lang="en-US" smtClean="0"/>
               <a:pPr/>
-              <a:t>19</a:t>
+              <a:t>21</a:t>
             </a:fld>
             <a:endParaRPr lang="en-US"/>
           </a:p>
@@ -1594,7 +1646,7 @@
     </p:spTree>
     <p:extLst>
       <p:ext uri="{BB962C8B-B14F-4D97-AF65-F5344CB8AC3E}">
-        <p14:creationId xmlns:p14="http://schemas.microsoft.com/office/powerpoint/2010/main" val="2292869806"/>
+        <p14:creationId xmlns:p14="http://schemas.microsoft.com/office/powerpoint/2010/main" val="1504573229"/>
       </p:ext>
     </p:extLst>
   </p:cSld>
@@ -1721,143 +1773,7 @@
             <a:fld id="{C18343ED-3762-4D46-A439-B4D407E13EF8}" type="slidenum">
               <a:rPr lang="en-US" smtClean="0"/>
               <a:pPr/>
-              <a:t>20</a:t>
-            </a:fld>
-            <a:endParaRPr lang="en-US"/>
-          </a:p>
-        </p:txBody>
-      </p:sp>
-    </p:spTree>
-    <p:extLst>
-      <p:ext uri="{BB962C8B-B14F-4D97-AF65-F5344CB8AC3E}">
-        <p14:creationId xmlns:p14="http://schemas.microsoft.com/office/powerpoint/2010/main" val="1504573229"/>
-      </p:ext>
-    </p:extLst>
-  </p:cSld>
-  <p:clrMapOvr>
-    <a:masterClrMapping/>
-  </p:clrMapOvr>
-</p:notes>
-</file>
-
-<file path=ppt/notesSlides/notesSlide16.xml><?xml version="1.0" encoding="utf-8"?>
-<p:notes xmlns:a="http://schemas.openxmlformats.org/drawingml/2006/main" xmlns:r="http://schemas.openxmlformats.org/officeDocument/2006/relationships" xmlns:p="http://schemas.openxmlformats.org/presentationml/2006/main">
-  <p:cSld>
-    <p:spTree>
-      <p:nvGrpSpPr>
-        <p:cNvPr id="1" name=""/>
-        <p:cNvGrpSpPr/>
-        <p:nvPr/>
-      </p:nvGrpSpPr>
-      <p:grpSpPr>
-        <a:xfrm>
-          <a:off x="0" y="0"/>
-          <a:ext cx="0" cy="0"/>
-          <a:chOff x="0" y="0"/>
-          <a:chExt cx="0" cy="0"/>
-        </a:xfrm>
-      </p:grpSpPr>
-      <p:sp>
-        <p:nvSpPr>
-          <p:cNvPr id="2" name="Slide Image Placeholder 1"/>
-          <p:cNvSpPr>
-            <a:spLocks noGrp="1" noRot="1" noChangeAspect="1"/>
-          </p:cNvSpPr>
-          <p:nvPr>
-            <p:ph type="sldImg"/>
-          </p:nvPr>
-        </p:nvSpPr>
-        <p:spPr/>
-      </p:sp>
-      <p:sp>
-        <p:nvSpPr>
-          <p:cNvPr id="3" name="Notes Placeholder 2"/>
-          <p:cNvSpPr>
-            <a:spLocks noGrp="1"/>
-          </p:cNvSpPr>
-          <p:nvPr>
-            <p:ph type="body" idx="1"/>
-          </p:nvPr>
-        </p:nvSpPr>
-        <p:spPr/>
-        <p:txBody>
-          <a:bodyPr/>
-          <a:lstStyle/>
-          <a:p>
-            <a:r>
-              <a:rPr lang="en-US" dirty="0"/>
-              <a:t>This is the main work area in PyCharm:</a:t>
-            </a:r>
-            <a:br>
-              <a:rPr lang="en-US" dirty="0">
-                <a:cs typeface="+mn-lt"/>
-              </a:rPr>
-            </a:br>
-            <a:r>
-              <a:rPr lang="en-US" dirty="0">
-                <a:cs typeface="Calibri"/>
-              </a:rPr>
-              <a:t>The Coding section is where you write you code</a:t>
-            </a:r>
-          </a:p>
-          <a:p>
-            <a:r>
-              <a:rPr lang="en-US" dirty="0">
-                <a:cs typeface="Calibri"/>
-              </a:rPr>
-              <a:t>Menu bar is all the options, setting etc.</a:t>
-            </a:r>
-          </a:p>
-          <a:p>
-            <a:r>
-              <a:rPr lang="en-US" dirty="0">
-                <a:cs typeface="Calibri"/>
-              </a:rPr>
-              <a:t>Project explorer is where all of our current project files and folders are located, we can navigate between them there</a:t>
-            </a:r>
-          </a:p>
-          <a:p>
-            <a:r>
-              <a:rPr lang="en-US" dirty="0">
-                <a:cs typeface="Calibri"/>
-              </a:rPr>
-              <a:t>The tools are our main uses, like the console, terminal, debug section, etc.</a:t>
-            </a:r>
-          </a:p>
-          <a:p>
-            <a:r>
-              <a:rPr lang="en-US" dirty="0">
-                <a:cs typeface="Calibri"/>
-              </a:rPr>
-              <a:t>The run script section is where we run our current open script, of course our script can run our entire project, depends on what's connected to the script we are running</a:t>
-            </a:r>
-          </a:p>
-          <a:p>
-            <a:endParaRPr lang="en-US" dirty="0">
-              <a:cs typeface="Calibri"/>
-            </a:endParaRPr>
-          </a:p>
-        </p:txBody>
-      </p:sp>
-      <p:sp>
-        <p:nvSpPr>
-          <p:cNvPr id="4" name="Slide Number Placeholder 3"/>
-          <p:cNvSpPr>
-            <a:spLocks noGrp="1"/>
-          </p:cNvSpPr>
-          <p:nvPr>
-            <p:ph type="sldNum" sz="quarter" idx="10"/>
-          </p:nvPr>
-        </p:nvSpPr>
-        <p:spPr/>
-        <p:txBody>
-          <a:bodyPr/>
-          <a:lstStyle/>
-          <a:p>
-            <a:fld id="{C18343ED-3762-4D46-A439-B4D407E13EF8}" type="slidenum">
-              <a:rPr lang="en-US" smtClean="0"/>
-              <a:pPr/>
-              <a:t>22</a:t>
+              <a:t>23</a:t>
             </a:fld>
             <a:endParaRPr lang="en-US"/>
           </a:p>
@@ -3094,7 +3010,7 @@
             <a:fld id="{C18343ED-3762-4D46-A439-B4D407E13EF8}" type="slidenum">
               <a:rPr lang="en-US" smtClean="0"/>
               <a:pPr/>
-              <a:t>11</a:t>
+              <a:t>12</a:t>
             </a:fld>
             <a:endParaRPr lang="en-US"/>
           </a:p>
@@ -3296,7 +3212,7 @@
             <a:fld id="{C18343ED-3762-4D46-A439-B4D407E13EF8}" type="slidenum">
               <a:rPr lang="en-US" smtClean="0"/>
               <a:pPr/>
-              <a:t>12</a:t>
+              <a:t>13</a:t>
             </a:fld>
             <a:endParaRPr lang="en-US"/>
           </a:p>
@@ -3498,7 +3414,7 @@
             <a:fld id="{C18343ED-3762-4D46-A439-B4D407E13EF8}" type="slidenum">
               <a:rPr lang="en-US" smtClean="0"/>
               <a:pPr/>
-              <a:t>13</a:t>
+              <a:t>15</a:t>
             </a:fld>
             <a:endParaRPr lang="en-US"/>
           </a:p>
@@ -3666,7 +3582,7 @@
           <a:p>
             <a:fld id="{A9D9B7D1-305C-49A9-9D59-000E5D30F1FD}" type="datetimeFigureOut">
               <a:rPr lang="he-IL" smtClean="0"/>
-              <a:t>ו'/תמוז/תשפ"ג</a:t>
+              <a:t>כ'/תמוז/תשפ"ג</a:t>
             </a:fld>
             <a:endParaRPr lang="he-IL"/>
           </a:p>
@@ -3866,7 +3782,7 @@
           <a:p>
             <a:fld id="{A9D9B7D1-305C-49A9-9D59-000E5D30F1FD}" type="datetimeFigureOut">
               <a:rPr lang="he-IL" smtClean="0"/>
-              <a:t>ו'/תמוז/תשפ"ג</a:t>
+              <a:t>כ'/תמוז/תשפ"ג</a:t>
             </a:fld>
             <a:endParaRPr lang="he-IL"/>
           </a:p>
@@ -4076,7 +3992,7 @@
           <a:p>
             <a:fld id="{A9D9B7D1-305C-49A9-9D59-000E5D30F1FD}" type="datetimeFigureOut">
               <a:rPr lang="he-IL" smtClean="0"/>
-              <a:t>ו'/תמוז/תשפ"ג</a:t>
+              <a:t>כ'/תמוז/תשפ"ג</a:t>
             </a:fld>
             <a:endParaRPr lang="he-IL"/>
           </a:p>
@@ -6226,7 +6142,7 @@
           <a:p>
             <a:fld id="{A9D9B7D1-305C-49A9-9D59-000E5D30F1FD}" type="datetimeFigureOut">
               <a:rPr lang="he-IL" smtClean="0"/>
-              <a:t>ו'/תמוז/תשפ"ג</a:t>
+              <a:t>כ'/תמוז/תשפ"ג</a:t>
             </a:fld>
             <a:endParaRPr lang="he-IL"/>
           </a:p>
@@ -6502,7 +6418,7 @@
           <a:p>
             <a:fld id="{A9D9B7D1-305C-49A9-9D59-000E5D30F1FD}" type="datetimeFigureOut">
               <a:rPr lang="he-IL" smtClean="0"/>
-              <a:t>ו'/תמוז/תשפ"ג</a:t>
+              <a:t>כ'/תמוז/תשפ"ג</a:t>
             </a:fld>
             <a:endParaRPr lang="he-IL"/>
           </a:p>
@@ -6770,7 +6686,7 @@
           <a:p>
             <a:fld id="{A9D9B7D1-305C-49A9-9D59-000E5D30F1FD}" type="datetimeFigureOut">
               <a:rPr lang="he-IL" smtClean="0"/>
-              <a:t>ו'/תמוז/תשפ"ג</a:t>
+              <a:t>כ'/תמוז/תשפ"ג</a:t>
             </a:fld>
             <a:endParaRPr lang="he-IL"/>
           </a:p>
@@ -7185,7 +7101,7 @@
           <a:p>
             <a:fld id="{A9D9B7D1-305C-49A9-9D59-000E5D30F1FD}" type="datetimeFigureOut">
               <a:rPr lang="he-IL" smtClean="0"/>
-              <a:t>ו'/תמוז/תשפ"ג</a:t>
+              <a:t>כ'/תמוז/תשפ"ג</a:t>
             </a:fld>
             <a:endParaRPr lang="he-IL"/>
           </a:p>
@@ -7327,7 +7243,7 @@
           <a:p>
             <a:fld id="{A9D9B7D1-305C-49A9-9D59-000E5D30F1FD}" type="datetimeFigureOut">
               <a:rPr lang="he-IL" smtClean="0"/>
-              <a:t>ו'/תמוז/תשפ"ג</a:t>
+              <a:t>כ'/תמוז/תשפ"ג</a:t>
             </a:fld>
             <a:endParaRPr lang="he-IL"/>
           </a:p>
@@ -7440,7 +7356,7 @@
           <a:p>
             <a:fld id="{A9D9B7D1-305C-49A9-9D59-000E5D30F1FD}" type="datetimeFigureOut">
               <a:rPr lang="he-IL" smtClean="0"/>
-              <a:t>ו'/תמוז/תשפ"ג</a:t>
+              <a:t>כ'/תמוז/תשפ"ג</a:t>
             </a:fld>
             <a:endParaRPr lang="he-IL"/>
           </a:p>
@@ -7753,7 +7669,7 @@
           <a:p>
             <a:fld id="{A9D9B7D1-305C-49A9-9D59-000E5D30F1FD}" type="datetimeFigureOut">
               <a:rPr lang="he-IL" smtClean="0"/>
-              <a:t>ו'/תמוז/תשפ"ג</a:t>
+              <a:t>כ'/תמוז/תשפ"ג</a:t>
             </a:fld>
             <a:endParaRPr lang="he-IL"/>
           </a:p>
@@ -8042,7 +7958,7 @@
           <a:p>
             <a:fld id="{A9D9B7D1-305C-49A9-9D59-000E5D30F1FD}" type="datetimeFigureOut">
               <a:rPr lang="he-IL" smtClean="0"/>
-              <a:t>ו'/תמוז/תשפ"ג</a:t>
+              <a:t>כ'/תמוז/תשפ"ג</a:t>
             </a:fld>
             <a:endParaRPr lang="he-IL"/>
           </a:p>
@@ -8285,7 +8201,7 @@
           <a:p>
             <a:fld id="{A9D9B7D1-305C-49A9-9D59-000E5D30F1FD}" type="datetimeFigureOut">
               <a:rPr lang="he-IL" smtClean="0"/>
-              <a:t>ו'/תמוז/תשפ"ג</a:t>
+              <a:t>כ'/תמוז/תשפ"ג</a:t>
             </a:fld>
             <a:endParaRPr lang="he-IL"/>
           </a:p>
@@ -8944,6 +8860,53 @@
           </a:p>
         </p:txBody>
       </p:sp>
+      <p:pic>
+        <p:nvPicPr>
+          <p:cNvPr id="2050" name="Picture 2" descr="PyLessons">
+            <a:extLst>
+              <a:ext uri="{FF2B5EF4-FFF2-40B4-BE49-F238E27FC236}">
+                <a16:creationId xmlns:a16="http://schemas.microsoft.com/office/drawing/2014/main" id="{0CA2CDC6-45CE-4065-857D-01199CDB0017}"/>
+              </a:ext>
+            </a:extLst>
+          </p:cNvPr>
+          <p:cNvPicPr>
+            <a:picLocks noChangeAspect="1" noChangeArrowheads="1"/>
+          </p:cNvPicPr>
+          <p:nvPr/>
+        </p:nvPicPr>
+        <p:blipFill>
+          <a:blip r:embed="rId3">
+            <a:extLst>
+              <a:ext uri="{28A0092B-C50C-407E-A947-70E740481C1C}">
+                <a14:useLocalDpi xmlns:a14="http://schemas.microsoft.com/office/drawing/2010/main" val="0"/>
+              </a:ext>
+            </a:extLst>
+          </a:blip>
+          <a:srcRect/>
+          <a:stretch>
+            <a:fillRect/>
+          </a:stretch>
+        </p:blipFill>
+        <p:spPr bwMode="auto">
+          <a:xfrm>
+            <a:off x="4933384" y="2868124"/>
+            <a:ext cx="6716748" cy="3249227"/>
+          </a:xfrm>
+          <a:prstGeom prst="rect">
+            <a:avLst/>
+          </a:prstGeom>
+          <a:noFill/>
+          <a:extLst>
+            <a:ext uri="{909E8E84-426E-40DD-AFC4-6F175D3DCCD1}">
+              <a14:hiddenFill xmlns:a14="http://schemas.microsoft.com/office/drawing/2010/main">
+                <a:solidFill>
+                  <a:srgbClr val="FFFFFF"/>
+                </a:solidFill>
+              </a14:hiddenFill>
+            </a:ext>
+          </a:extLst>
+        </p:spPr>
+      </p:pic>
     </p:spTree>
     <p:extLst>
       <p:ext uri="{BB962C8B-B14F-4D97-AF65-F5344CB8AC3E}">
@@ -8976,7 +8939,7 @@
       </p:grpSpPr>
       <p:sp>
         <p:nvSpPr>
-          <p:cNvPr id="2" name="Title 1"/>
+          <p:cNvPr id="7" name="Title 6"/>
           <p:cNvSpPr>
             <a:spLocks noGrp="1"/>
           </p:cNvSpPr>
@@ -8986,9 +8949,7 @@
         </p:nvSpPr>
         <p:spPr/>
         <p:txBody>
-          <a:bodyPr>
-            <a:normAutofit/>
-          </a:bodyPr>
+          <a:bodyPr/>
           <a:lstStyle/>
           <a:p>
             <a:r>
@@ -8999,255 +8960,16 @@
                 <a:effectLst/>
                 <a:latin typeface="+mn-lt"/>
               </a:rPr>
-              <a:t>Exchanging data between processes — Queue</a:t>
-            </a:r>
-            <a:endParaRPr lang="en-US" dirty="0">
-              <a:latin typeface="+mn-lt"/>
-              <a:cs typeface="Calibri" panose="020F0502020204030204" pitchFamily="34" charset="0"/>
-            </a:endParaRPr>
-          </a:p>
-        </p:txBody>
-      </p:sp>
-      <p:sp>
-        <p:nvSpPr>
-          <p:cNvPr id="10" name="TextBox 9">
-            <a:extLst>
-              <a:ext uri="{FF2B5EF4-FFF2-40B4-BE49-F238E27FC236}">
-                <a16:creationId xmlns:a16="http://schemas.microsoft.com/office/drawing/2014/main" id="{3497A8A4-177D-4E9C-BA15-7E47D950F550}"/>
-              </a:ext>
-            </a:extLst>
-          </p:cNvPr>
-          <p:cNvSpPr txBox="1"/>
-          <p:nvPr/>
-        </p:nvSpPr>
-        <p:spPr>
-          <a:xfrm>
-            <a:off x="838200" y="1953153"/>
-            <a:ext cx="10591800" cy="3139321"/>
-          </a:xfrm>
-          <a:prstGeom prst="rect">
-            <a:avLst/>
-          </a:prstGeom>
-          <a:noFill/>
-        </p:spPr>
-        <p:txBody>
-          <a:bodyPr wrap="square" rtlCol="0">
-            <a:spAutoFit/>
-          </a:bodyPr>
-          <a:lstStyle/>
-          <a:p>
-            <a:r>
-              <a:rPr lang="en-US" b="0" i="0" dirty="0">
-                <a:solidFill>
-                  <a:srgbClr val="000000"/>
-                </a:solidFill>
-                <a:effectLst/>
-              </a:rPr>
-              <a:t>from multiprocessing import Process, Queue </a:t>
-            </a:r>
-          </a:p>
-          <a:p>
-            <a:r>
-              <a:rPr lang="en-US" b="0" i="0" dirty="0">
-                <a:solidFill>
-                  <a:srgbClr val="000000"/>
-                </a:solidFill>
-                <a:effectLst/>
-              </a:rPr>
-              <a:t>def f(q): </a:t>
-            </a:r>
-          </a:p>
-          <a:p>
-            <a:r>
-              <a:rPr lang="en-US" b="0" i="0" dirty="0">
-                <a:solidFill>
-                  <a:srgbClr val="000000"/>
-                </a:solidFill>
-                <a:effectLst/>
-              </a:rPr>
-              <a:t>	</a:t>
-            </a:r>
-            <a:r>
-              <a:rPr lang="en-US" b="0" i="0" dirty="0" err="1">
-                <a:solidFill>
-                  <a:srgbClr val="000000"/>
-                </a:solidFill>
-                <a:effectLst/>
-              </a:rPr>
-              <a:t>q.put</a:t>
-            </a:r>
-            <a:r>
-              <a:rPr lang="en-US" b="0" i="0" dirty="0">
-                <a:solidFill>
-                  <a:srgbClr val="000000"/>
-                </a:solidFill>
-                <a:effectLst/>
-              </a:rPr>
-              <a:t>(["one", "two",3]) </a:t>
-            </a:r>
-          </a:p>
-          <a:p>
-            <a:endParaRPr lang="en-US" dirty="0">
-              <a:solidFill>
-                <a:srgbClr val="000000"/>
-              </a:solidFill>
-            </a:endParaRPr>
-          </a:p>
-          <a:p>
-            <a:r>
-              <a:rPr lang="en-US" b="0" i="0" dirty="0">
-                <a:solidFill>
-                  <a:srgbClr val="000000"/>
-                </a:solidFill>
-                <a:effectLst/>
-              </a:rPr>
-              <a:t>if __name__ == ‘__main__’: </a:t>
-            </a:r>
-          </a:p>
-          <a:p>
-            <a:pPr lvl="1"/>
-            <a:r>
-              <a:rPr lang="en-US" b="0" i="0" dirty="0">
-                <a:solidFill>
-                  <a:srgbClr val="000000"/>
-                </a:solidFill>
-                <a:effectLst/>
-              </a:rPr>
-              <a:t>q = Queue() </a:t>
-            </a:r>
-          </a:p>
-          <a:p>
-            <a:pPr lvl="1"/>
-            <a:r>
-              <a:rPr lang="en-US" b="0" i="0" dirty="0">
-                <a:solidFill>
-                  <a:srgbClr val="000000"/>
-                </a:solidFill>
-                <a:effectLst/>
-              </a:rPr>
-              <a:t>p = Process(target=f, </a:t>
-            </a:r>
-            <a:r>
-              <a:rPr lang="en-US" b="0" i="0" dirty="0" err="1">
-                <a:solidFill>
-                  <a:srgbClr val="000000"/>
-                </a:solidFill>
-                <a:effectLst/>
-              </a:rPr>
-              <a:t>args</a:t>
-            </a:r>
-            <a:r>
-              <a:rPr lang="en-US" b="0" i="0" dirty="0">
-                <a:solidFill>
-                  <a:srgbClr val="000000"/>
-                </a:solidFill>
-                <a:effectLst/>
-              </a:rPr>
-              <a:t>=(q,)) </a:t>
-            </a:r>
-          </a:p>
-          <a:p>
-            <a:pPr lvl="1"/>
-            <a:r>
-              <a:rPr lang="en-US" b="0" i="0" dirty="0" err="1">
-                <a:solidFill>
-                  <a:srgbClr val="000000"/>
-                </a:solidFill>
-                <a:effectLst/>
-              </a:rPr>
-              <a:t>p.start</a:t>
-            </a:r>
-            <a:r>
-              <a:rPr lang="en-US" b="0" i="0" dirty="0">
-                <a:solidFill>
-                  <a:srgbClr val="000000"/>
-                </a:solidFill>
-                <a:effectLst/>
-              </a:rPr>
-              <a:t>() </a:t>
-            </a:r>
-          </a:p>
-          <a:p>
-            <a:pPr lvl="1"/>
-            <a:r>
-              <a:rPr lang="en-US" b="0" i="0" dirty="0">
-                <a:solidFill>
-                  <a:srgbClr val="000000"/>
-                </a:solidFill>
-                <a:effectLst/>
-              </a:rPr>
-              <a:t>print(</a:t>
-            </a:r>
-            <a:r>
-              <a:rPr lang="en-US" b="0" i="0" dirty="0" err="1">
-                <a:solidFill>
-                  <a:srgbClr val="000000"/>
-                </a:solidFill>
-                <a:effectLst/>
-              </a:rPr>
-              <a:t>q.get</a:t>
-            </a:r>
-            <a:r>
-              <a:rPr lang="en-US" b="0" i="0" dirty="0">
-                <a:solidFill>
-                  <a:srgbClr val="000000"/>
-                </a:solidFill>
-                <a:effectLst/>
-              </a:rPr>
-              <a:t>()) #prints (["one", "two",3] </a:t>
-            </a:r>
-          </a:p>
-          <a:p>
-            <a:pPr lvl="1"/>
-            <a:r>
-              <a:rPr lang="en-US" b="0" i="0" dirty="0" err="1">
-                <a:solidFill>
-                  <a:srgbClr val="000000"/>
-                </a:solidFill>
-                <a:effectLst/>
-              </a:rPr>
-              <a:t>p.join</a:t>
-            </a:r>
-            <a:r>
-              <a:rPr lang="en-US" b="0" i="0" dirty="0">
-                <a:solidFill>
-                  <a:srgbClr val="000000"/>
-                </a:solidFill>
-                <a:effectLst/>
-              </a:rPr>
-              <a:t>() </a:t>
-            </a:r>
-          </a:p>
-          <a:p>
-            <a:pPr lvl="1"/>
-            <a:r>
-              <a:rPr lang="en-US" b="0" i="0" dirty="0" err="1">
-                <a:solidFill>
-                  <a:srgbClr val="000000"/>
-                </a:solidFill>
-                <a:effectLst/>
-              </a:rPr>
-              <a:t>q.close</a:t>
-            </a:r>
-            <a:r>
-              <a:rPr lang="en-US" b="0" i="0" dirty="0">
-                <a:solidFill>
-                  <a:srgbClr val="000000"/>
-                </a:solidFill>
-                <a:effectLst/>
-              </a:rPr>
-              <a:t>()</a:t>
-            </a:r>
-            <a:endParaRPr lang="en-GB" dirty="0">
-              <a:cs typeface="Calibri" panose="020F0502020204030204" pitchFamily="34" charset="0"/>
-            </a:endParaRPr>
+              <a:t>The Process - Queue</a:t>
+            </a:r>
+            <a:endParaRPr lang="he-IL" dirty="0"/>
           </a:p>
         </p:txBody>
       </p:sp>
     </p:spTree>
     <p:extLst>
       <p:ext uri="{BB962C8B-B14F-4D97-AF65-F5344CB8AC3E}">
-        <p14:creationId xmlns:p14="http://schemas.microsoft.com/office/powerpoint/2010/main" val="3997234439"/>
+        <p14:creationId xmlns:p14="http://schemas.microsoft.com/office/powerpoint/2010/main" val="2477332983"/>
       </p:ext>
     </p:extLst>
   </p:cSld>
@@ -9299,7 +9021,7 @@
                 <a:effectLst/>
                 <a:latin typeface="+mn-lt"/>
               </a:rPr>
-              <a:t>Exchanging data between processes -— Pipe</a:t>
+              <a:t>Exchanging data between processes — Queue</a:t>
             </a:r>
             <a:endParaRPr lang="en-US" dirty="0">
               <a:latin typeface="+mn-lt"/>
@@ -9310,107 +9032,715 @@
       </p:sp>
       <p:sp>
         <p:nvSpPr>
-          <p:cNvPr id="10" name="TextBox 9">
+          <p:cNvPr id="3" name="Rectangle 1">
             <a:extLst>
               <a:ext uri="{FF2B5EF4-FFF2-40B4-BE49-F238E27FC236}">
-                <a16:creationId xmlns:a16="http://schemas.microsoft.com/office/drawing/2014/main" id="{3497A8A4-177D-4E9C-BA15-7E47D950F550}"/>
+                <a16:creationId xmlns:a16="http://schemas.microsoft.com/office/drawing/2014/main" id="{5DD42D71-81C1-4BB4-8A74-CA0C4587763F}"/>
               </a:ext>
             </a:extLst>
           </p:cNvPr>
-          <p:cNvSpPr txBox="1"/>
+          <p:cNvSpPr>
+            <a:spLocks noChangeArrowheads="1"/>
+          </p:cNvSpPr>
           <p:nvPr/>
         </p:nvSpPr>
-        <p:spPr>
+        <p:spPr bwMode="auto">
           <a:xfrm>
-            <a:off x="838200" y="1884279"/>
-            <a:ext cx="10397067" cy="2554545"/>
+            <a:off x="838200" y="2017646"/>
+            <a:ext cx="9357064" cy="3754874"/>
           </a:xfrm>
           <a:prstGeom prst="rect">
             <a:avLst/>
           </a:prstGeom>
-          <a:noFill/>
+          <a:solidFill>
+            <a:srgbClr val="2B2B2B"/>
+          </a:solidFill>
+          <a:ln>
+            <a:noFill/>
+          </a:ln>
+          <a:effectLst/>
+          <a:extLst>
+            <a:ext uri="{91240B29-F687-4F45-9708-019B960494DF}">
+              <a14:hiddenLine xmlns:a14="http://schemas.microsoft.com/office/drawing/2010/main" w="9525">
+                <a:solidFill>
+                  <a:schemeClr val="tx1"/>
+                </a:solidFill>
+                <a:miter lim="800000"/>
+                <a:headEnd/>
+                <a:tailEnd/>
+              </a14:hiddenLine>
+            </a:ext>
+            <a:ext uri="{AF507438-7753-43E0-B8FC-AC1667EBCBE1}">
+              <a14:hiddenEffects xmlns:a14="http://schemas.microsoft.com/office/drawing/2010/main">
+                <a:effectLst>
+                  <a:outerShdw dist="35921" dir="2700000" algn="ctr" rotWithShape="0">
+                    <a:schemeClr val="bg2"/>
+                  </a:outerShdw>
+                </a:effectLst>
+              </a14:hiddenEffects>
+            </a:ext>
+          </a:extLst>
         </p:spPr>
         <p:txBody>
-          <a:bodyPr wrap="square" rtlCol="0">
+          <a:bodyPr vert="horz" wrap="square" lIns="91440" tIns="45720" rIns="91440" bIns="45720" numCol="1" anchor="ctr" anchorCtr="0" compatLnSpc="1">
+            <a:prstTxWarp prst="textNoShape">
+              <a:avLst/>
+            </a:prstTxWarp>
             <a:spAutoFit/>
           </a:bodyPr>
           <a:lstStyle/>
           <a:p>
-            <a:pPr marL="342900" indent="-342900">
-              <a:buFont typeface="Arial" panose="020B0604020202020204" pitchFamily="34" charset="0"/>
-              <a:buChar char="•"/>
+            <a:pPr marL="0" marR="0" lvl="0" indent="0" algn="l" defTabSz="914400" rtl="0" eaLnBrk="0" fontAlgn="base" latinLnBrk="0" hangingPunct="0">
+              <a:lnSpc>
+                <a:spcPct val="100000"/>
+              </a:lnSpc>
+              <a:spcBef>
+                <a:spcPct val="0"/>
+              </a:spcBef>
+              <a:spcAft>
+                <a:spcPct val="0"/>
+              </a:spcAft>
+              <a:buClrTx/>
+              <a:buSzTx/>
+              <a:buFontTx/>
+              <a:buNone/>
+              <a:tabLst/>
             </a:pPr>
             <a:r>
-              <a:rPr lang="en-US" sz="3200" b="0" i="0" dirty="0">
-                <a:solidFill>
-                  <a:srgbClr val="000000"/>
-                </a:solidFill>
-                <a:effectLst/>
-              </a:rPr>
-              <a:t>Pipe() returns a pair of connection objects connected by a pipe which by default is duplex (two-way) </a:t>
-            </a:r>
-          </a:p>
-          <a:p>
-            <a:pPr lvl="1"/>
-            <a:r>
-              <a:rPr lang="en-US" sz="3200" b="0" i="0" dirty="0">
-                <a:solidFill>
-                  <a:srgbClr val="000000"/>
-                </a:solidFill>
-                <a:effectLst/>
-              </a:rPr>
-              <a:t>- Each connection object has send() and </a:t>
-            </a:r>
-            <a:r>
-              <a:rPr lang="en-US" sz="3200" b="0" i="0" dirty="0" err="1">
-                <a:solidFill>
-                  <a:srgbClr val="000000"/>
-                </a:solidFill>
-                <a:effectLst/>
-              </a:rPr>
-              <a:t>recv</a:t>
-            </a:r>
-            <a:r>
-              <a:rPr lang="en-US" sz="3200" b="0" i="0" dirty="0">
-                <a:solidFill>
-                  <a:srgbClr val="000000"/>
-                </a:solidFill>
-                <a:effectLst/>
-              </a:rPr>
-              <a:t>() methods </a:t>
-            </a:r>
-          </a:p>
-          <a:p>
-            <a:pPr marL="342900" indent="-342900">
-              <a:buFont typeface="Arial" panose="020B0604020202020204" pitchFamily="34" charset="0"/>
-              <a:buChar char="•"/>
-            </a:pPr>
-            <a:r>
-              <a:rPr lang="en-US" sz="3200" b="0" i="0" dirty="0">
-                <a:solidFill>
-                  <a:srgbClr val="000000"/>
-                </a:solidFill>
-                <a:effectLst/>
-              </a:rPr>
-              <a:t>A Pipe can only have two endpoints </a:t>
-            </a:r>
-          </a:p>
-          <a:p>
-            <a:pPr marL="342900" indent="-342900">
-              <a:buFont typeface="Arial" panose="020B0604020202020204" pitchFamily="34" charset="0"/>
-              <a:buChar char="•"/>
-            </a:pPr>
-            <a:r>
-              <a:rPr lang="en-US" sz="3200" b="0" i="0" dirty="0">
-                <a:solidFill>
-                  <a:srgbClr val="000000"/>
-                </a:solidFill>
-                <a:effectLst/>
-              </a:rPr>
-              <a:t>A Pipe is much faster</a:t>
-            </a:r>
-            <a:endParaRPr lang="en-GB" sz="3200" dirty="0">
-              <a:cs typeface="Calibri" panose="020F0502020204030204" pitchFamily="34" charset="0"/>
+              <a:rPr kumimoji="0" lang="en-US" altLang="en-US" b="0" i="0" u="none" strike="noStrike" cap="none" normalizeH="0" baseline="0" dirty="0">
+                <a:ln>
+                  <a:noFill/>
+                </a:ln>
+                <a:solidFill>
+                  <a:srgbClr val="CC7832"/>
+                </a:solidFill>
+                <a:effectLst/>
+                <a:latin typeface="Arial Unicode MS"/>
+              </a:rPr>
+              <a:t>from </a:t>
+            </a:r>
+            <a:r>
+              <a:rPr kumimoji="0" lang="en-US" altLang="en-US" b="0" i="0" u="none" strike="noStrike" cap="none" normalizeH="0" baseline="0" dirty="0">
+                <a:ln>
+                  <a:noFill/>
+                </a:ln>
+                <a:solidFill>
+                  <a:srgbClr val="A9B7C6"/>
+                </a:solidFill>
+                <a:effectLst/>
+                <a:latin typeface="Arial Unicode MS"/>
+              </a:rPr>
+              <a:t>multiprocessing </a:t>
+            </a:r>
+            <a:r>
+              <a:rPr kumimoji="0" lang="en-US" altLang="en-US" b="0" i="0" u="none" strike="noStrike" cap="none" normalizeH="0" baseline="0" dirty="0">
+                <a:ln>
+                  <a:noFill/>
+                </a:ln>
+                <a:solidFill>
+                  <a:srgbClr val="CC7832"/>
+                </a:solidFill>
+                <a:effectLst/>
+                <a:latin typeface="Arial Unicode MS"/>
+              </a:rPr>
+              <a:t>import </a:t>
+            </a:r>
+            <a:r>
+              <a:rPr kumimoji="0" lang="en-US" altLang="en-US" b="0" i="0" u="none" strike="noStrike" cap="none" normalizeH="0" baseline="0" dirty="0">
+                <a:ln>
+                  <a:noFill/>
+                </a:ln>
+                <a:solidFill>
+                  <a:srgbClr val="A9B7C6"/>
+                </a:solidFill>
+                <a:effectLst/>
+                <a:latin typeface="Arial Unicode MS"/>
+              </a:rPr>
+              <a:t>Process</a:t>
+            </a:r>
+            <a:r>
+              <a:rPr kumimoji="0" lang="en-US" altLang="en-US" b="0" i="0" u="none" strike="noStrike" cap="none" normalizeH="0" baseline="0" dirty="0">
+                <a:ln>
+                  <a:noFill/>
+                </a:ln>
+                <a:solidFill>
+                  <a:srgbClr val="CC7832"/>
+                </a:solidFill>
+                <a:effectLst/>
+                <a:latin typeface="Arial Unicode MS"/>
+              </a:rPr>
+              <a:t>, </a:t>
+            </a:r>
+            <a:r>
+              <a:rPr kumimoji="0" lang="en-US" altLang="en-US" b="0" i="0" u="none" strike="noStrike" cap="none" normalizeH="0" baseline="0" dirty="0">
+                <a:ln>
+                  <a:noFill/>
+                </a:ln>
+                <a:solidFill>
+                  <a:srgbClr val="A9B7C6"/>
+                </a:solidFill>
+                <a:effectLst/>
+                <a:latin typeface="Arial Unicode MS"/>
+              </a:rPr>
+              <a:t>Queue </a:t>
+            </a:r>
+            <a:br>
+              <a:rPr kumimoji="0" lang="en-US" altLang="en-US" b="0" i="0" u="none" strike="noStrike" cap="none" normalizeH="0" baseline="0" dirty="0">
+                <a:ln>
+                  <a:noFill/>
+                </a:ln>
+                <a:solidFill>
+                  <a:srgbClr val="A9B7C6"/>
+                </a:solidFill>
+                <a:effectLst/>
+                <a:latin typeface="Arial Unicode MS"/>
+              </a:rPr>
+            </a:br>
+            <a:r>
+              <a:rPr kumimoji="0" lang="en-US" altLang="en-US" b="0" i="0" u="none" strike="noStrike" cap="none" normalizeH="0" baseline="0" dirty="0">
+                <a:ln>
+                  <a:noFill/>
+                </a:ln>
+                <a:solidFill>
+                  <a:srgbClr val="CC7832"/>
+                </a:solidFill>
+                <a:effectLst/>
+                <a:latin typeface="Arial Unicode MS"/>
+              </a:rPr>
+              <a:t>def </a:t>
+            </a:r>
+            <a:r>
+              <a:rPr kumimoji="0" lang="en-US" altLang="en-US" b="0" i="0" u="none" strike="noStrike" cap="none" normalizeH="0" baseline="0" dirty="0">
+                <a:ln>
+                  <a:noFill/>
+                </a:ln>
+                <a:solidFill>
+                  <a:srgbClr val="A9B7C6"/>
+                </a:solidFill>
+                <a:effectLst/>
+                <a:latin typeface="Arial Unicode MS"/>
+              </a:rPr>
+              <a:t>f(q): </a:t>
+            </a:r>
+            <a:br>
+              <a:rPr kumimoji="0" lang="en-US" altLang="en-US" b="0" i="0" u="none" strike="noStrike" cap="none" normalizeH="0" baseline="0" dirty="0">
+                <a:ln>
+                  <a:noFill/>
+                </a:ln>
+                <a:solidFill>
+                  <a:srgbClr val="A9B7C6"/>
+                </a:solidFill>
+                <a:effectLst/>
+                <a:latin typeface="Arial Unicode MS"/>
+              </a:rPr>
+            </a:br>
+            <a:r>
+              <a:rPr kumimoji="0" lang="en-US" altLang="en-US" b="0" i="0" u="none" strike="noStrike" cap="none" normalizeH="0" baseline="0" dirty="0">
+                <a:ln>
+                  <a:noFill/>
+                </a:ln>
+                <a:solidFill>
+                  <a:srgbClr val="A9B7C6"/>
+                </a:solidFill>
+                <a:effectLst/>
+                <a:latin typeface="Arial Unicode MS"/>
+              </a:rPr>
+              <a:t>   </a:t>
+            </a:r>
+            <a:r>
+              <a:rPr kumimoji="0" lang="en-US" altLang="en-US" b="0" i="0" u="none" strike="noStrike" cap="none" normalizeH="0" baseline="0" dirty="0" err="1">
+                <a:ln>
+                  <a:noFill/>
+                </a:ln>
+                <a:solidFill>
+                  <a:srgbClr val="A9B7C6"/>
+                </a:solidFill>
+                <a:effectLst/>
+                <a:latin typeface="Arial Unicode MS"/>
+              </a:rPr>
+              <a:t>q.put</a:t>
+            </a:r>
+            <a:r>
+              <a:rPr kumimoji="0" lang="en-US" altLang="en-US" b="0" i="0" u="none" strike="noStrike" cap="none" normalizeH="0" baseline="0" dirty="0">
+                <a:ln>
+                  <a:noFill/>
+                </a:ln>
+                <a:solidFill>
+                  <a:srgbClr val="A9B7C6"/>
+                </a:solidFill>
+                <a:effectLst/>
+                <a:latin typeface="Arial Unicode MS"/>
+              </a:rPr>
+              <a:t>([</a:t>
+            </a:r>
+            <a:r>
+              <a:rPr kumimoji="0" lang="en-US" altLang="en-US" b="0" i="0" u="none" strike="noStrike" cap="none" normalizeH="0" baseline="0" dirty="0">
+                <a:ln>
+                  <a:noFill/>
+                </a:ln>
+                <a:solidFill>
+                  <a:srgbClr val="6A8759"/>
+                </a:solidFill>
+                <a:effectLst/>
+                <a:latin typeface="Arial Unicode MS"/>
+              </a:rPr>
+              <a:t>"one"</a:t>
+            </a:r>
+            <a:r>
+              <a:rPr kumimoji="0" lang="en-US" altLang="en-US" b="0" i="0" u="none" strike="noStrike" cap="none" normalizeH="0" baseline="0" dirty="0">
+                <a:ln>
+                  <a:noFill/>
+                </a:ln>
+                <a:solidFill>
+                  <a:srgbClr val="CC7832"/>
+                </a:solidFill>
+                <a:effectLst/>
+                <a:latin typeface="Arial Unicode MS"/>
+              </a:rPr>
+              <a:t>, </a:t>
+            </a:r>
+            <a:r>
+              <a:rPr kumimoji="0" lang="en-US" altLang="en-US" b="0" i="0" u="none" strike="noStrike" cap="none" normalizeH="0" baseline="0" dirty="0">
+                <a:ln>
+                  <a:noFill/>
+                </a:ln>
+                <a:solidFill>
+                  <a:srgbClr val="6A8759"/>
+                </a:solidFill>
+                <a:effectLst/>
+                <a:latin typeface="Arial Unicode MS"/>
+              </a:rPr>
+              <a:t>"two"</a:t>
+            </a:r>
+            <a:r>
+              <a:rPr kumimoji="0" lang="en-US" altLang="en-US" b="0" i="0" u="none" strike="noStrike" cap="none" normalizeH="0" baseline="0" dirty="0">
+                <a:ln>
+                  <a:noFill/>
+                </a:ln>
+                <a:solidFill>
+                  <a:srgbClr val="CC7832"/>
+                </a:solidFill>
+                <a:effectLst/>
+                <a:latin typeface="Arial Unicode MS"/>
+              </a:rPr>
+              <a:t>,</a:t>
+            </a:r>
+            <a:r>
+              <a:rPr kumimoji="0" lang="en-US" altLang="en-US" b="0" i="0" u="none" strike="noStrike" cap="none" normalizeH="0" baseline="0" dirty="0">
+                <a:ln>
+                  <a:noFill/>
+                </a:ln>
+                <a:solidFill>
+                  <a:srgbClr val="6897BB"/>
+                </a:solidFill>
+                <a:effectLst/>
+                <a:latin typeface="Arial Unicode MS"/>
+              </a:rPr>
+              <a:t>3</a:t>
+            </a:r>
+            <a:r>
+              <a:rPr kumimoji="0" lang="en-US" altLang="en-US" b="0" i="0" u="none" strike="noStrike" cap="none" normalizeH="0" baseline="0" dirty="0">
+                <a:ln>
+                  <a:noFill/>
+                </a:ln>
+                <a:solidFill>
+                  <a:srgbClr val="A9B7C6"/>
+                </a:solidFill>
+                <a:effectLst/>
+                <a:latin typeface="Arial Unicode MS"/>
+              </a:rPr>
+              <a:t>]) </a:t>
+            </a:r>
+            <a:br>
+              <a:rPr kumimoji="0" lang="en-US" altLang="en-US" b="0" i="0" u="none" strike="noStrike" cap="none" normalizeH="0" baseline="0" dirty="0">
+                <a:ln>
+                  <a:noFill/>
+                </a:ln>
+                <a:solidFill>
+                  <a:srgbClr val="A9B7C6"/>
+                </a:solidFill>
+                <a:effectLst/>
+                <a:latin typeface="Arial Unicode MS"/>
+              </a:rPr>
+            </a:br>
+            <a:br>
+              <a:rPr kumimoji="0" lang="en-US" altLang="en-US" b="0" i="0" u="none" strike="noStrike" cap="none" normalizeH="0" baseline="0" dirty="0">
+                <a:ln>
+                  <a:noFill/>
+                </a:ln>
+                <a:solidFill>
+                  <a:srgbClr val="A9B7C6"/>
+                </a:solidFill>
+                <a:effectLst/>
+                <a:latin typeface="Arial Unicode MS"/>
+              </a:rPr>
+            </a:br>
+            <a:r>
+              <a:rPr kumimoji="0" lang="en-US" altLang="en-US" b="0" i="0" u="none" strike="noStrike" cap="none" normalizeH="0" baseline="0" dirty="0">
+                <a:ln>
+                  <a:noFill/>
+                </a:ln>
+                <a:solidFill>
+                  <a:srgbClr val="CC7832"/>
+                </a:solidFill>
+                <a:effectLst/>
+                <a:latin typeface="Arial Unicode MS"/>
+              </a:rPr>
+              <a:t>if </a:t>
+            </a:r>
+            <a:r>
+              <a:rPr kumimoji="0" lang="en-US" altLang="en-US" b="0" i="0" u="none" strike="noStrike" cap="none" normalizeH="0" baseline="0" dirty="0">
+                <a:ln>
+                  <a:noFill/>
+                </a:ln>
+                <a:solidFill>
+                  <a:srgbClr val="A9B7C6"/>
+                </a:solidFill>
+                <a:effectLst/>
+                <a:latin typeface="Arial Unicode MS"/>
+              </a:rPr>
+              <a:t>__name__ == </a:t>
+            </a:r>
+            <a:r>
+              <a:rPr kumimoji="0" lang="en-US" altLang="en-US" b="0" i="0" u="none" strike="noStrike" cap="none" normalizeH="0" baseline="0" dirty="0">
+                <a:ln>
+                  <a:noFill/>
+                </a:ln>
+                <a:solidFill>
+                  <a:srgbClr val="6A8759"/>
+                </a:solidFill>
+                <a:effectLst/>
+                <a:latin typeface="Arial Unicode MS"/>
+              </a:rPr>
+              <a:t>"__main__"</a:t>
+            </a:r>
+            <a:r>
+              <a:rPr kumimoji="0" lang="en-US" altLang="en-US" b="0" i="0" u="none" strike="noStrike" cap="none" normalizeH="0" baseline="0" dirty="0">
+                <a:ln>
+                  <a:noFill/>
+                </a:ln>
+                <a:solidFill>
+                  <a:srgbClr val="A9B7C6"/>
+                </a:solidFill>
+                <a:effectLst/>
+                <a:latin typeface="Arial Unicode MS"/>
+              </a:rPr>
+              <a:t>: </a:t>
+            </a:r>
+            <a:br>
+              <a:rPr kumimoji="0" lang="en-US" altLang="en-US" b="0" i="0" u="none" strike="noStrike" cap="none" normalizeH="0" baseline="0" dirty="0">
+                <a:ln>
+                  <a:noFill/>
+                </a:ln>
+                <a:solidFill>
+                  <a:srgbClr val="A9B7C6"/>
+                </a:solidFill>
+                <a:effectLst/>
+                <a:latin typeface="Arial Unicode MS"/>
+              </a:rPr>
+            </a:br>
+            <a:r>
+              <a:rPr kumimoji="0" lang="en-US" altLang="en-US" b="0" i="0" u="none" strike="noStrike" cap="none" normalizeH="0" baseline="0" dirty="0">
+                <a:ln>
+                  <a:noFill/>
+                </a:ln>
+                <a:solidFill>
+                  <a:srgbClr val="A9B7C6"/>
+                </a:solidFill>
+                <a:effectLst/>
+                <a:latin typeface="Arial Unicode MS"/>
+              </a:rPr>
+              <a:t>q = Queue() </a:t>
+            </a:r>
+            <a:br>
+              <a:rPr kumimoji="0" lang="en-US" altLang="en-US" b="0" i="0" u="none" strike="noStrike" cap="none" normalizeH="0" baseline="0" dirty="0">
+                <a:ln>
+                  <a:noFill/>
+                </a:ln>
+                <a:solidFill>
+                  <a:srgbClr val="A9B7C6"/>
+                </a:solidFill>
+                <a:effectLst/>
+                <a:latin typeface="Arial Unicode MS"/>
+              </a:rPr>
+            </a:br>
+            <a:r>
+              <a:rPr kumimoji="0" lang="en-US" altLang="en-US" b="0" i="0" u="none" strike="noStrike" cap="none" normalizeH="0" baseline="0" dirty="0">
+                <a:ln>
+                  <a:noFill/>
+                </a:ln>
+                <a:solidFill>
+                  <a:srgbClr val="A9B7C6"/>
+                </a:solidFill>
+                <a:effectLst/>
+                <a:latin typeface="Arial Unicode MS"/>
+              </a:rPr>
+              <a:t>p = Process(target=f</a:t>
+            </a:r>
+            <a:r>
+              <a:rPr kumimoji="0" lang="en-US" altLang="en-US" b="0" i="0" u="none" strike="noStrike" cap="none" normalizeH="0" baseline="0" dirty="0">
+                <a:ln>
+                  <a:noFill/>
+                </a:ln>
+                <a:solidFill>
+                  <a:srgbClr val="CC7832"/>
+                </a:solidFill>
+                <a:effectLst/>
+                <a:latin typeface="Arial Unicode MS"/>
+              </a:rPr>
+              <a:t>, </a:t>
+            </a:r>
+            <a:r>
+              <a:rPr kumimoji="0" lang="en-US" altLang="en-US" b="0" i="0" u="none" strike="noStrike" cap="none" normalizeH="0" baseline="0" dirty="0" err="1">
+                <a:ln>
+                  <a:noFill/>
+                </a:ln>
+                <a:solidFill>
+                  <a:srgbClr val="A9B7C6"/>
+                </a:solidFill>
+                <a:effectLst/>
+                <a:latin typeface="Arial Unicode MS"/>
+              </a:rPr>
+              <a:t>args</a:t>
+            </a:r>
+            <a:r>
+              <a:rPr kumimoji="0" lang="en-US" altLang="en-US" b="0" i="0" u="none" strike="noStrike" cap="none" normalizeH="0" baseline="0" dirty="0">
+                <a:ln>
+                  <a:noFill/>
+                </a:ln>
+                <a:solidFill>
+                  <a:srgbClr val="A9B7C6"/>
+                </a:solidFill>
+                <a:effectLst/>
+                <a:latin typeface="Arial Unicode MS"/>
+              </a:rPr>
+              <a:t>=(q</a:t>
+            </a:r>
+            <a:r>
+              <a:rPr kumimoji="0" lang="en-US" altLang="en-US" b="0" i="0" u="none" strike="noStrike" cap="none" normalizeH="0" baseline="0" dirty="0">
+                <a:ln>
+                  <a:noFill/>
+                </a:ln>
+                <a:solidFill>
+                  <a:srgbClr val="CC7832"/>
+                </a:solidFill>
+                <a:effectLst/>
+                <a:latin typeface="Arial Unicode MS"/>
+              </a:rPr>
+              <a:t>,</a:t>
+            </a:r>
+            <a:r>
+              <a:rPr kumimoji="0" lang="en-US" altLang="en-US" b="0" i="0" u="none" strike="noStrike" cap="none" normalizeH="0" baseline="0" dirty="0">
+                <a:ln>
+                  <a:noFill/>
+                </a:ln>
+                <a:solidFill>
+                  <a:srgbClr val="A9B7C6"/>
+                </a:solidFill>
+                <a:effectLst/>
+                <a:latin typeface="Arial Unicode MS"/>
+              </a:rPr>
+              <a:t>)) </a:t>
+            </a:r>
+            <a:br>
+              <a:rPr kumimoji="0" lang="en-US" altLang="en-US" b="0" i="0" u="none" strike="noStrike" cap="none" normalizeH="0" baseline="0" dirty="0">
+                <a:ln>
+                  <a:noFill/>
+                </a:ln>
+                <a:solidFill>
+                  <a:srgbClr val="A9B7C6"/>
+                </a:solidFill>
+                <a:effectLst/>
+                <a:latin typeface="Arial Unicode MS"/>
+              </a:rPr>
+            </a:br>
+            <a:r>
+              <a:rPr kumimoji="0" lang="en-US" altLang="en-US" b="0" i="0" u="none" strike="noStrike" cap="none" normalizeH="0" baseline="0" dirty="0" err="1">
+                <a:ln>
+                  <a:noFill/>
+                </a:ln>
+                <a:solidFill>
+                  <a:srgbClr val="A9B7C6"/>
+                </a:solidFill>
+                <a:effectLst/>
+                <a:latin typeface="Arial Unicode MS"/>
+              </a:rPr>
+              <a:t>p.start</a:t>
+            </a:r>
+            <a:r>
+              <a:rPr kumimoji="0" lang="en-US" altLang="en-US" b="0" i="0" u="none" strike="noStrike" cap="none" normalizeH="0" baseline="0" dirty="0">
+                <a:ln>
+                  <a:noFill/>
+                </a:ln>
+                <a:solidFill>
+                  <a:srgbClr val="A9B7C6"/>
+                </a:solidFill>
+                <a:effectLst/>
+                <a:latin typeface="Arial Unicode MS"/>
+              </a:rPr>
+              <a:t>() </a:t>
+            </a:r>
+            <a:br>
+              <a:rPr kumimoji="0" lang="en-US" altLang="en-US" b="0" i="0" u="none" strike="noStrike" cap="none" normalizeH="0" baseline="0" dirty="0">
+                <a:ln>
+                  <a:noFill/>
+                </a:ln>
+                <a:solidFill>
+                  <a:srgbClr val="A9B7C6"/>
+                </a:solidFill>
+                <a:effectLst/>
+                <a:latin typeface="Arial Unicode MS"/>
+              </a:rPr>
+            </a:br>
+            <a:r>
+              <a:rPr kumimoji="0" lang="en-US" altLang="en-US" b="0" i="0" u="none" strike="noStrike" cap="none" normalizeH="0" baseline="0" dirty="0">
+                <a:ln>
+                  <a:noFill/>
+                </a:ln>
+                <a:solidFill>
+                  <a:srgbClr val="A9B7C6"/>
+                </a:solidFill>
+                <a:effectLst/>
+                <a:latin typeface="Arial Unicode MS"/>
+              </a:rPr>
+              <a:t>print(</a:t>
+            </a:r>
+            <a:r>
+              <a:rPr kumimoji="0" lang="en-US" altLang="en-US" b="0" i="0" u="none" strike="noStrike" cap="none" normalizeH="0" baseline="0" dirty="0" err="1">
+                <a:ln>
+                  <a:noFill/>
+                </a:ln>
+                <a:solidFill>
+                  <a:srgbClr val="A9B7C6"/>
+                </a:solidFill>
+                <a:effectLst/>
+                <a:latin typeface="Arial Unicode MS"/>
+              </a:rPr>
+              <a:t>q.get</a:t>
+            </a:r>
+            <a:r>
+              <a:rPr kumimoji="0" lang="en-US" altLang="en-US" b="0" i="0" u="none" strike="noStrike" cap="none" normalizeH="0" baseline="0" dirty="0">
+                <a:ln>
+                  <a:noFill/>
+                </a:ln>
+                <a:solidFill>
+                  <a:srgbClr val="A9B7C6"/>
+                </a:solidFill>
+                <a:effectLst/>
+                <a:latin typeface="Arial Unicode MS"/>
+              </a:rPr>
+              <a:t>()) </a:t>
+            </a:r>
+            <a:r>
+              <a:rPr kumimoji="0" lang="en-US" altLang="en-US" b="0" i="0" u="none" strike="noStrike" cap="none" normalizeH="0" baseline="0" dirty="0">
+                <a:ln>
+                  <a:noFill/>
+                </a:ln>
+                <a:solidFill>
+                  <a:srgbClr val="808080"/>
+                </a:solidFill>
+                <a:effectLst/>
+                <a:latin typeface="Arial Unicode MS"/>
+              </a:rPr>
+              <a:t>#prints (["one", "two",3] </a:t>
+            </a:r>
+            <a:br>
+              <a:rPr kumimoji="0" lang="en-US" altLang="en-US" b="0" i="0" u="none" strike="noStrike" cap="none" normalizeH="0" baseline="0" dirty="0">
+                <a:ln>
+                  <a:noFill/>
+                </a:ln>
+                <a:solidFill>
+                  <a:srgbClr val="808080"/>
+                </a:solidFill>
+                <a:effectLst/>
+                <a:latin typeface="Arial Unicode MS"/>
+              </a:rPr>
+            </a:br>
+            <a:r>
+              <a:rPr kumimoji="0" lang="en-US" altLang="en-US" b="0" i="0" u="none" strike="noStrike" cap="none" normalizeH="0" baseline="0" dirty="0" err="1">
+                <a:ln>
+                  <a:noFill/>
+                </a:ln>
+                <a:solidFill>
+                  <a:srgbClr val="A9B7C6"/>
+                </a:solidFill>
+                <a:effectLst/>
+                <a:latin typeface="Arial Unicode MS"/>
+              </a:rPr>
+              <a:t>p.join</a:t>
+            </a:r>
+            <a:r>
+              <a:rPr kumimoji="0" lang="en-US" altLang="en-US" b="0" i="0" u="none" strike="noStrike" cap="none" normalizeH="0" baseline="0" dirty="0">
+                <a:ln>
+                  <a:noFill/>
+                </a:ln>
+                <a:solidFill>
+                  <a:srgbClr val="A9B7C6"/>
+                </a:solidFill>
+                <a:effectLst/>
+                <a:latin typeface="Arial Unicode MS"/>
+              </a:rPr>
+              <a:t>() </a:t>
+            </a:r>
+            <a:br>
+              <a:rPr kumimoji="0" lang="en-US" altLang="en-US" b="0" i="0" u="none" strike="noStrike" cap="none" normalizeH="0" baseline="0" dirty="0">
+                <a:ln>
+                  <a:noFill/>
+                </a:ln>
+                <a:solidFill>
+                  <a:srgbClr val="A9B7C6"/>
+                </a:solidFill>
+                <a:effectLst/>
+                <a:latin typeface="Arial Unicode MS"/>
+              </a:rPr>
+            </a:br>
+            <a:r>
+              <a:rPr kumimoji="0" lang="en-US" altLang="en-US" b="0" i="0" u="none" strike="noStrike" cap="none" normalizeH="0" baseline="0" dirty="0" err="1">
+                <a:ln>
+                  <a:noFill/>
+                </a:ln>
+                <a:solidFill>
+                  <a:srgbClr val="A9B7C6"/>
+                </a:solidFill>
+                <a:effectLst/>
+                <a:latin typeface="Arial Unicode MS"/>
+              </a:rPr>
+              <a:t>q.close</a:t>
+            </a:r>
+            <a:r>
+              <a:rPr kumimoji="0" lang="en-US" altLang="en-US" b="0" i="0" u="none" strike="noStrike" cap="none" normalizeH="0" baseline="0" dirty="0">
+                <a:ln>
+                  <a:noFill/>
+                </a:ln>
+                <a:solidFill>
+                  <a:srgbClr val="A9B7C6"/>
+                </a:solidFill>
+                <a:effectLst/>
+                <a:latin typeface="Arial Unicode MS"/>
+              </a:rPr>
+              <a:t>()</a:t>
+            </a:r>
+            <a:br>
+              <a:rPr kumimoji="0" lang="en-US" altLang="en-US" b="0" i="0" u="none" strike="noStrike" cap="none" normalizeH="0" baseline="0" dirty="0">
+                <a:ln>
+                  <a:noFill/>
+                </a:ln>
+                <a:solidFill>
+                  <a:srgbClr val="A9B7C6"/>
+                </a:solidFill>
+                <a:effectLst/>
+                <a:latin typeface="Arial Unicode MS"/>
+              </a:rPr>
+            </a:br>
+            <a:endParaRPr kumimoji="0" lang="en-US" altLang="en-US" sz="4000" b="0" i="0" u="none" strike="noStrike" cap="none" normalizeH="0" baseline="0" dirty="0">
+              <a:ln>
+                <a:noFill/>
+              </a:ln>
+              <a:solidFill>
+                <a:schemeClr val="tx1"/>
+              </a:solidFill>
+              <a:effectLst/>
+              <a:latin typeface="Arial" panose="020B0604020202020204" pitchFamily="34" charset="0"/>
             </a:endParaRPr>
           </a:p>
         </p:txBody>
@@ -9418,7 +9748,7 @@
     </p:spTree>
     <p:extLst>
       <p:ext uri="{BB962C8B-B14F-4D97-AF65-F5344CB8AC3E}">
-        <p14:creationId xmlns:p14="http://schemas.microsoft.com/office/powerpoint/2010/main" val="550977858"/>
+        <p14:creationId xmlns:p14="http://schemas.microsoft.com/office/powerpoint/2010/main" val="3997234439"/>
       </p:ext>
     </p:extLst>
   </p:cSld>
@@ -9481,338 +9811,106 @@
       </p:sp>
       <p:sp>
         <p:nvSpPr>
-          <p:cNvPr id="3" name="Content Placeholder 2"/>
-          <p:cNvSpPr>
-            <a:spLocks noGrp="1"/>
-          </p:cNvSpPr>
-          <p:nvPr>
-            <p:ph idx="1"/>
-          </p:nvPr>
+          <p:cNvPr id="10" name="TextBox 9">
+            <a:extLst>
+              <a:ext uri="{FF2B5EF4-FFF2-40B4-BE49-F238E27FC236}">
+                <a16:creationId xmlns:a16="http://schemas.microsoft.com/office/drawing/2014/main" id="{3497A8A4-177D-4E9C-BA15-7E47D950F550}"/>
+              </a:ext>
+            </a:extLst>
+          </p:cNvPr>
+          <p:cNvSpPr txBox="1"/>
+          <p:nvPr/>
         </p:nvSpPr>
-        <p:spPr/>
+        <p:spPr>
+          <a:xfrm>
+            <a:off x="838200" y="1884279"/>
+            <a:ext cx="10397067" cy="2554545"/>
+          </a:xfrm>
+          <a:prstGeom prst="rect">
+            <a:avLst/>
+          </a:prstGeom>
+          <a:noFill/>
+        </p:spPr>
         <p:txBody>
-          <a:bodyPr>
-            <a:noAutofit/>
+          <a:bodyPr wrap="square" rtlCol="0">
+            <a:spAutoFit/>
           </a:bodyPr>
           <a:lstStyle/>
           <a:p>
-            <a:pPr marL="0" indent="0">
-              <a:buNone/>
+            <a:pPr marL="342900" indent="-342900">
+              <a:buFont typeface="Arial" panose="020B0604020202020204" pitchFamily="34" charset="0"/>
+              <a:buChar char="•"/>
             </a:pPr>
             <a:r>
-              <a:rPr lang="en-US" sz="1800" b="0" i="0" dirty="0">
+              <a:rPr lang="en-US" sz="3200" b="0" i="0" dirty="0">
                 <a:solidFill>
                   <a:srgbClr val="000000"/>
                 </a:solidFill>
                 <a:effectLst/>
               </a:rPr>
-              <a:t>from multiprocessing import Process, Pipe </a:t>
-            </a:r>
-          </a:p>
-          <a:p>
-            <a:endParaRPr lang="en-US" sz="1800" b="0" i="0" dirty="0">
-              <a:solidFill>
-                <a:srgbClr val="000000"/>
-              </a:solidFill>
-              <a:effectLst/>
-            </a:endParaRPr>
-          </a:p>
-          <a:p>
-            <a:pPr marL="0" indent="0">
-              <a:buNone/>
+              <a:t>Pipe() returns a pair of connection objects connected by a pipe which by default is duplex (two-way) </a:t>
+            </a:r>
+          </a:p>
+          <a:p>
+            <a:pPr lvl="1"/>
+            <a:r>
+              <a:rPr lang="en-US" sz="3200" b="0" i="0" dirty="0">
+                <a:solidFill>
+                  <a:srgbClr val="000000"/>
+                </a:solidFill>
+                <a:effectLst/>
+              </a:rPr>
+              <a:t>- Each connection object has send() and </a:t>
+            </a:r>
+            <a:r>
+              <a:rPr lang="en-US" sz="3200" b="0" i="0" dirty="0" err="1">
+                <a:solidFill>
+                  <a:srgbClr val="000000"/>
+                </a:solidFill>
+                <a:effectLst/>
+              </a:rPr>
+              <a:t>recv</a:t>
+            </a:r>
+            <a:r>
+              <a:rPr lang="en-US" sz="3200" b="0" i="0" dirty="0">
+                <a:solidFill>
+                  <a:srgbClr val="000000"/>
+                </a:solidFill>
+                <a:effectLst/>
+              </a:rPr>
+              <a:t>() methods </a:t>
+            </a:r>
+          </a:p>
+          <a:p>
+            <a:pPr marL="342900" indent="-342900">
+              <a:buFont typeface="Arial" panose="020B0604020202020204" pitchFamily="34" charset="0"/>
+              <a:buChar char="•"/>
             </a:pPr>
             <a:r>
-              <a:rPr lang="en-US" sz="1800" b="0" i="0" dirty="0">
+              <a:rPr lang="en-US" sz="3200" b="0" i="0" dirty="0">
                 <a:solidFill>
                   <a:srgbClr val="000000"/>
                 </a:solidFill>
                 <a:effectLst/>
               </a:rPr>
-              <a:t>def f(conn): </a:t>
-            </a:r>
-          </a:p>
-          <a:p>
-            <a:pPr marL="0" indent="0">
-              <a:buNone/>
+              <a:t>A Pipe can only have two endpoints </a:t>
+            </a:r>
+          </a:p>
+          <a:p>
+            <a:pPr marL="342900" indent="-342900">
+              <a:buFont typeface="Arial" panose="020B0604020202020204" pitchFamily="34" charset="0"/>
+              <a:buChar char="•"/>
             </a:pPr>
             <a:r>
-              <a:rPr lang="en-US" sz="1800" b="0" i="0" dirty="0">
+              <a:rPr lang="en-US" sz="3200" b="0" i="0" dirty="0">
                 <a:solidFill>
                   <a:srgbClr val="000000"/>
                 </a:solidFill>
                 <a:effectLst/>
               </a:rPr>
-              <a:t>	</a:t>
-            </a:r>
-            <a:r>
-              <a:rPr lang="en-US" sz="1800" b="0" i="0" dirty="0" err="1">
-                <a:solidFill>
-                  <a:srgbClr val="000000"/>
-                </a:solidFill>
-                <a:effectLst/>
-              </a:rPr>
-              <a:t>conn.send</a:t>
-            </a:r>
-            <a:r>
-              <a:rPr lang="en-US" sz="1800" b="0" i="0" dirty="0">
-                <a:solidFill>
-                  <a:srgbClr val="000000"/>
-                </a:solidFill>
-                <a:effectLst/>
-              </a:rPr>
-              <a:t>(['hello’, 'world’]) </a:t>
-            </a:r>
-          </a:p>
-          <a:p>
-            <a:pPr marL="0" indent="0">
-              <a:buNone/>
-            </a:pPr>
-            <a:r>
-              <a:rPr lang="en-US" sz="1800" b="0" i="0" dirty="0">
-                <a:solidFill>
-                  <a:srgbClr val="000000"/>
-                </a:solidFill>
-                <a:effectLst/>
-              </a:rPr>
-              <a:t>	</a:t>
-            </a:r>
-            <a:r>
-              <a:rPr lang="en-US" sz="1800" b="0" i="0" dirty="0" err="1">
-                <a:solidFill>
-                  <a:srgbClr val="000000"/>
-                </a:solidFill>
-                <a:effectLst/>
-              </a:rPr>
-              <a:t>conn.close</a:t>
-            </a:r>
-            <a:r>
-              <a:rPr lang="en-US" sz="1800" b="0" i="0" dirty="0">
-                <a:solidFill>
-                  <a:srgbClr val="000000"/>
-                </a:solidFill>
-                <a:effectLst/>
-              </a:rPr>
-              <a:t>() </a:t>
-            </a:r>
-          </a:p>
-          <a:p>
-            <a:endParaRPr lang="en-US" sz="1800" b="0" i="0" dirty="0">
-              <a:solidFill>
-                <a:srgbClr val="000000"/>
-              </a:solidFill>
-              <a:effectLst/>
-            </a:endParaRPr>
-          </a:p>
-          <a:p>
-            <a:pPr marL="0" indent="0">
-              <a:buNone/>
-            </a:pPr>
-            <a:r>
-              <a:rPr lang="en-US" sz="1800" b="0" i="0" dirty="0">
-                <a:solidFill>
-                  <a:srgbClr val="000000"/>
-                </a:solidFill>
-                <a:effectLst/>
-              </a:rPr>
-              <a:t>if __name__ == '__main__’: </a:t>
-            </a:r>
-          </a:p>
-          <a:p>
-            <a:pPr marL="0" indent="0">
-              <a:buNone/>
-            </a:pPr>
-            <a:r>
-              <a:rPr lang="en-US" sz="1800" b="0" i="0" dirty="0">
-                <a:solidFill>
-                  <a:srgbClr val="000000"/>
-                </a:solidFill>
-                <a:effectLst/>
-              </a:rPr>
-              <a:t>	</a:t>
-            </a:r>
-            <a:r>
-              <a:rPr lang="en-US" sz="1800" b="0" i="0" dirty="0" err="1">
-                <a:solidFill>
-                  <a:srgbClr val="000000"/>
-                </a:solidFill>
-                <a:effectLst/>
-              </a:rPr>
-              <a:t>parent_conn</a:t>
-            </a:r>
-            <a:r>
-              <a:rPr lang="en-US" sz="1800" b="0" i="0" dirty="0">
-                <a:solidFill>
-                  <a:srgbClr val="000000"/>
-                </a:solidFill>
-                <a:effectLst/>
-              </a:rPr>
-              <a:t>, </a:t>
-            </a:r>
-            <a:r>
-              <a:rPr lang="en-US" sz="1800" b="0" i="0" dirty="0" err="1">
-                <a:solidFill>
-                  <a:srgbClr val="000000"/>
-                </a:solidFill>
-                <a:effectLst/>
-              </a:rPr>
-              <a:t>child_conn</a:t>
-            </a:r>
-            <a:r>
-              <a:rPr lang="en-US" sz="1800" b="0" i="0" dirty="0">
-                <a:solidFill>
-                  <a:srgbClr val="000000"/>
-                </a:solidFill>
-                <a:effectLst/>
-              </a:rPr>
-              <a:t> = Pipe() </a:t>
-            </a:r>
-          </a:p>
-          <a:p>
-            <a:pPr marL="0" indent="0">
-              <a:buNone/>
-            </a:pPr>
-            <a:r>
-              <a:rPr lang="en-US" sz="1800" b="0" i="0" dirty="0">
-                <a:solidFill>
-                  <a:srgbClr val="000000"/>
-                </a:solidFill>
-                <a:effectLst/>
-              </a:rPr>
-              <a:t>	p = Process(target=f, </a:t>
-            </a:r>
-            <a:r>
-              <a:rPr lang="en-US" sz="1800" b="0" i="0" dirty="0" err="1">
-                <a:solidFill>
-                  <a:srgbClr val="000000"/>
-                </a:solidFill>
-                <a:effectLst/>
-              </a:rPr>
-              <a:t>args</a:t>
-            </a:r>
-            <a:r>
-              <a:rPr lang="en-US" sz="1800" b="0" i="0" dirty="0">
-                <a:solidFill>
-                  <a:srgbClr val="000000"/>
-                </a:solidFill>
-                <a:effectLst/>
-              </a:rPr>
-              <a:t>=(</a:t>
-            </a:r>
-            <a:r>
-              <a:rPr lang="en-US" sz="1800" b="0" i="0" dirty="0" err="1">
-                <a:solidFill>
-                  <a:srgbClr val="000000"/>
-                </a:solidFill>
-                <a:effectLst/>
-              </a:rPr>
-              <a:t>child_conn</a:t>
-            </a:r>
-            <a:r>
-              <a:rPr lang="en-US" sz="1800" b="0" i="0" dirty="0">
-                <a:solidFill>
-                  <a:srgbClr val="000000"/>
-                </a:solidFill>
-                <a:effectLst/>
-              </a:rPr>
-              <a:t>,)) </a:t>
-            </a:r>
-          </a:p>
-          <a:p>
-            <a:pPr marL="0" indent="0">
-              <a:buNone/>
-            </a:pPr>
-            <a:r>
-              <a:rPr lang="en-US" sz="1800" b="0" i="0" dirty="0">
-                <a:solidFill>
-                  <a:srgbClr val="000000"/>
-                </a:solidFill>
-                <a:effectLst/>
-              </a:rPr>
-              <a:t>	</a:t>
-            </a:r>
-            <a:r>
-              <a:rPr lang="en-US" sz="1800" b="0" i="0" dirty="0" err="1">
-                <a:solidFill>
-                  <a:srgbClr val="000000"/>
-                </a:solidFill>
-                <a:effectLst/>
-              </a:rPr>
-              <a:t>p.start</a:t>
-            </a:r>
-            <a:r>
-              <a:rPr lang="en-US" sz="1800" b="0" i="0" dirty="0">
-                <a:solidFill>
-                  <a:srgbClr val="000000"/>
-                </a:solidFill>
-                <a:effectLst/>
-              </a:rPr>
-              <a:t>() </a:t>
-            </a:r>
-          </a:p>
-          <a:p>
-            <a:pPr marL="0" indent="0">
-              <a:buNone/>
-            </a:pPr>
-            <a:r>
-              <a:rPr lang="en-US" sz="1800" b="0" i="0" dirty="0">
-                <a:solidFill>
-                  <a:srgbClr val="000000"/>
-                </a:solidFill>
-                <a:effectLst/>
-              </a:rPr>
-              <a:t>	print(</a:t>
-            </a:r>
-            <a:r>
-              <a:rPr lang="en-US" sz="1800" b="0" i="0" dirty="0" err="1">
-                <a:solidFill>
-                  <a:srgbClr val="000000"/>
-                </a:solidFill>
-                <a:effectLst/>
-              </a:rPr>
-              <a:t>parent_conn.recv</a:t>
-            </a:r>
-            <a:r>
-              <a:rPr lang="en-US" sz="1800" b="0" i="0" dirty="0">
-                <a:solidFill>
-                  <a:srgbClr val="000000"/>
-                </a:solidFill>
-                <a:effectLst/>
-              </a:rPr>
-              <a:t>()) # ['hello’, 'world’] </a:t>
-            </a:r>
-          </a:p>
-          <a:p>
-            <a:pPr marL="0" indent="0">
-              <a:buNone/>
-            </a:pPr>
-            <a:r>
-              <a:rPr lang="en-US" sz="1800" b="0" i="0" dirty="0">
-                <a:solidFill>
-                  <a:srgbClr val="000000"/>
-                </a:solidFill>
-                <a:effectLst/>
-              </a:rPr>
-              <a:t>	</a:t>
-            </a:r>
-            <a:r>
-              <a:rPr lang="en-US" sz="1800" b="0" i="0" dirty="0" err="1">
-                <a:solidFill>
-                  <a:srgbClr val="000000"/>
-                </a:solidFill>
-                <a:effectLst/>
-              </a:rPr>
-              <a:t>p.join</a:t>
-            </a:r>
-            <a:r>
-              <a:rPr lang="en-US" sz="1800" b="0" i="0" dirty="0">
-                <a:solidFill>
-                  <a:srgbClr val="000000"/>
-                </a:solidFill>
-                <a:effectLst/>
-              </a:rPr>
-              <a:t>()</a:t>
-            </a:r>
-            <a:endParaRPr lang="en-US" sz="1800" dirty="0">
+              <a:t>A Pipe is much faster</a:t>
+            </a:r>
+            <a:endParaRPr lang="en-GB" sz="3200" dirty="0">
               <a:cs typeface="Calibri" panose="020F0502020204030204" pitchFamily="34" charset="0"/>
             </a:endParaRPr>
           </a:p>
@@ -9821,7 +9919,7 @@
     </p:spTree>
     <p:extLst>
       <p:ext uri="{BB962C8B-B14F-4D97-AF65-F5344CB8AC3E}">
-        <p14:creationId xmlns:p14="http://schemas.microsoft.com/office/powerpoint/2010/main" val="95739443"/>
+        <p14:creationId xmlns:p14="http://schemas.microsoft.com/office/powerpoint/2010/main" val="550977858"/>
       </p:ext>
     </p:extLst>
   </p:cSld>
@@ -9850,7 +9948,7 @@
       </p:grpSpPr>
       <p:sp>
         <p:nvSpPr>
-          <p:cNvPr id="2" name="Title 1"/>
+          <p:cNvPr id="7" name="Title 6"/>
           <p:cNvSpPr>
             <a:spLocks noGrp="1"/>
           </p:cNvSpPr>
@@ -9860,9 +9958,7 @@
         </p:nvSpPr>
         <p:spPr/>
         <p:txBody>
-          <a:bodyPr>
-            <a:normAutofit/>
-          </a:bodyPr>
+          <a:bodyPr/>
           <a:lstStyle/>
           <a:p>
             <a:r>
@@ -9873,419 +9969,16 @@
                 <a:effectLst/>
                 <a:latin typeface="+mn-lt"/>
               </a:rPr>
-              <a:t>Synchronization between processes</a:t>
-            </a:r>
-            <a:endParaRPr lang="he-IL" dirty="0">
-              <a:latin typeface="+mn-lt"/>
-              <a:cs typeface="Calibri" panose="020F0502020204030204" pitchFamily="34" charset="0"/>
-            </a:endParaRPr>
-          </a:p>
-        </p:txBody>
-      </p:sp>
-      <p:sp>
-        <p:nvSpPr>
-          <p:cNvPr id="3" name="Content Placeholder 2"/>
-          <p:cNvSpPr>
-            <a:spLocks noGrp="1"/>
-          </p:cNvSpPr>
-          <p:nvPr>
-            <p:ph idx="1"/>
-          </p:nvPr>
-        </p:nvSpPr>
-        <p:spPr>
-          <a:xfrm>
-            <a:off x="643466" y="1574800"/>
-            <a:ext cx="10515600" cy="4918075"/>
-          </a:xfrm>
-        </p:spPr>
-        <p:txBody>
-          <a:bodyPr>
-            <a:noAutofit/>
-          </a:bodyPr>
-          <a:lstStyle/>
-          <a:p>
-            <a:pPr>
-              <a:lnSpc>
-                <a:spcPct val="100000"/>
-              </a:lnSpc>
-            </a:pPr>
-            <a:r>
-              <a:rPr lang="en-US" sz="1800" b="0" i="0" dirty="0">
-                <a:solidFill>
-                  <a:srgbClr val="000000"/>
-                </a:solidFill>
-                <a:effectLst/>
-              </a:rPr>
-              <a:t>Take a look at the following program: </a:t>
-            </a:r>
-          </a:p>
-          <a:p>
-            <a:pPr marL="0" indent="0">
-              <a:lnSpc>
-                <a:spcPct val="100000"/>
-              </a:lnSpc>
-              <a:buNone/>
-            </a:pPr>
-            <a:endParaRPr lang="en-US" sz="1800" dirty="0">
-              <a:solidFill>
-                <a:srgbClr val="000000"/>
-              </a:solidFill>
-            </a:endParaRPr>
-          </a:p>
-          <a:p>
-            <a:pPr marL="0" indent="0">
-              <a:lnSpc>
-                <a:spcPct val="100000"/>
-              </a:lnSpc>
-              <a:buNone/>
-            </a:pPr>
-            <a:r>
-              <a:rPr lang="en-US" sz="1800" b="0" i="0" dirty="0">
-                <a:solidFill>
-                  <a:srgbClr val="000000"/>
-                </a:solidFill>
-                <a:effectLst/>
-              </a:rPr>
-              <a:t>import multiprocessing as MP </a:t>
-            </a:r>
-          </a:p>
-          <a:p>
-            <a:pPr marL="0" indent="0">
-              <a:lnSpc>
-                <a:spcPct val="100000"/>
-              </a:lnSpc>
-              <a:buNone/>
-            </a:pPr>
-            <a:r>
-              <a:rPr lang="en-US" sz="1800" b="0" i="0" dirty="0">
-                <a:solidFill>
-                  <a:srgbClr val="000000"/>
-                </a:solidFill>
-                <a:effectLst/>
-              </a:rPr>
-              <a:t>import sys </a:t>
-            </a:r>
-          </a:p>
-          <a:p>
-            <a:pPr marL="0" indent="0">
-              <a:lnSpc>
-                <a:spcPct val="100000"/>
-              </a:lnSpc>
-              <a:buNone/>
-            </a:pPr>
-            <a:endParaRPr lang="en-US" sz="1800" dirty="0">
-              <a:solidFill>
-                <a:srgbClr val="000000"/>
-              </a:solidFill>
-            </a:endParaRPr>
-          </a:p>
-          <a:p>
-            <a:pPr marL="0" indent="0">
-              <a:lnSpc>
-                <a:spcPct val="100000"/>
-              </a:lnSpc>
-              <a:buNone/>
-            </a:pPr>
-            <a:r>
-              <a:rPr lang="en-US" sz="1800" b="0" i="0" dirty="0">
-                <a:solidFill>
-                  <a:srgbClr val="000000"/>
-                </a:solidFill>
-                <a:effectLst/>
-              </a:rPr>
-              <a:t>def loop(): </a:t>
-            </a:r>
-          </a:p>
-          <a:p>
-            <a:pPr marL="0" indent="0">
-              <a:lnSpc>
-                <a:spcPct val="100000"/>
-              </a:lnSpc>
-              <a:buNone/>
-            </a:pPr>
-            <a:r>
-              <a:rPr lang="en-US" sz="1800" b="0" i="0" dirty="0">
-                <a:solidFill>
-                  <a:srgbClr val="000000"/>
-                </a:solidFill>
-                <a:effectLst/>
-              </a:rPr>
-              <a:t>	for </a:t>
-            </a:r>
-            <a:r>
-              <a:rPr lang="en-US" sz="1800" b="0" i="0" dirty="0" err="1">
-                <a:solidFill>
-                  <a:srgbClr val="000000"/>
-                </a:solidFill>
-                <a:effectLst/>
-              </a:rPr>
-              <a:t>i</a:t>
-            </a:r>
-            <a:r>
-              <a:rPr lang="en-US" sz="1800" b="0" i="0" dirty="0">
-                <a:solidFill>
-                  <a:srgbClr val="000000"/>
-                </a:solidFill>
-                <a:effectLst/>
-              </a:rPr>
-              <a:t> in range(400): </a:t>
-            </a:r>
-          </a:p>
-          <a:p>
-            <a:pPr marL="0" indent="0">
-              <a:lnSpc>
-                <a:spcPct val="100000"/>
-              </a:lnSpc>
-              <a:buNone/>
-            </a:pPr>
-            <a:r>
-              <a:rPr lang="en-US" sz="1800" b="0" i="0" dirty="0">
-                <a:solidFill>
-                  <a:srgbClr val="000000"/>
-                </a:solidFill>
-                <a:effectLst/>
-              </a:rPr>
-              <a:t>		</a:t>
-            </a:r>
-            <a:r>
-              <a:rPr lang="en-US" sz="1800" b="0" i="0" dirty="0" err="1">
-                <a:solidFill>
-                  <a:srgbClr val="000000"/>
-                </a:solidFill>
-                <a:effectLst/>
-              </a:rPr>
-              <a:t>sys.stdout.write</a:t>
-            </a:r>
-            <a:r>
-              <a:rPr lang="en-US" sz="1800" b="0" i="0" dirty="0">
-                <a:solidFill>
-                  <a:srgbClr val="000000"/>
-                </a:solidFill>
-                <a:effectLst/>
-              </a:rPr>
-              <a:t>(str(</a:t>
-            </a:r>
-            <a:r>
-              <a:rPr lang="en-US" sz="1800" b="0" i="0" dirty="0" err="1">
-                <a:solidFill>
-                  <a:srgbClr val="000000"/>
-                </a:solidFill>
-                <a:effectLst/>
-              </a:rPr>
-              <a:t>i</a:t>
-            </a:r>
-            <a:r>
-              <a:rPr lang="en-US" sz="1800" b="0" i="0" dirty="0">
-                <a:solidFill>
-                  <a:srgbClr val="000000"/>
-                </a:solidFill>
-                <a:effectLst/>
-              </a:rPr>
-              <a:t>)+" ") </a:t>
-            </a:r>
-          </a:p>
-          <a:p>
-            <a:pPr marL="0" indent="0">
-              <a:lnSpc>
-                <a:spcPct val="100000"/>
-              </a:lnSpc>
-              <a:buNone/>
-            </a:pPr>
-            <a:r>
-              <a:rPr lang="en-US" sz="1800" b="0" i="0" dirty="0">
-                <a:solidFill>
-                  <a:srgbClr val="000000"/>
-                </a:solidFill>
-                <a:effectLst/>
-              </a:rPr>
-              <a:t>		</a:t>
-            </a:r>
-            <a:r>
-              <a:rPr lang="en-US" sz="1800" b="0" i="0" dirty="0" err="1">
-                <a:solidFill>
-                  <a:srgbClr val="000000"/>
-                </a:solidFill>
-                <a:effectLst/>
-              </a:rPr>
-              <a:t>sys.stdout.flush</a:t>
-            </a:r>
-            <a:r>
-              <a:rPr lang="en-US" sz="1800" b="0" i="0" dirty="0">
-                <a:solidFill>
-                  <a:srgbClr val="000000"/>
-                </a:solidFill>
-                <a:effectLst/>
-              </a:rPr>
-              <a:t>() </a:t>
-            </a:r>
-          </a:p>
-          <a:p>
-            <a:pPr marL="0" indent="0">
-              <a:lnSpc>
-                <a:spcPct val="100000"/>
-              </a:lnSpc>
-              <a:buNone/>
-            </a:pPr>
-            <a:r>
-              <a:rPr lang="en-US" sz="1800" b="0" i="0" dirty="0">
-                <a:solidFill>
-                  <a:srgbClr val="000000"/>
-                </a:solidFill>
-                <a:effectLst/>
-              </a:rPr>
-              <a:t>		</a:t>
-            </a:r>
-            <a:r>
-              <a:rPr lang="en-US" sz="1800" b="0" i="0" dirty="0" err="1">
-                <a:solidFill>
-                  <a:srgbClr val="000000"/>
-                </a:solidFill>
-                <a:effectLst/>
-              </a:rPr>
-              <a:t>sys.stdout.write</a:t>
-            </a:r>
-            <a:r>
-              <a:rPr lang="en-US" sz="1800" b="0" i="0" dirty="0">
-                <a:solidFill>
-                  <a:srgbClr val="000000"/>
-                </a:solidFill>
-                <a:effectLst/>
-              </a:rPr>
-              <a:t>("in process ") </a:t>
-            </a:r>
-          </a:p>
-          <a:p>
-            <a:pPr marL="0" indent="0">
-              <a:lnSpc>
-                <a:spcPct val="100000"/>
-              </a:lnSpc>
-              <a:buNone/>
-            </a:pPr>
-            <a:r>
-              <a:rPr lang="en-US" sz="1800" b="0" i="0" dirty="0">
-                <a:solidFill>
-                  <a:srgbClr val="000000"/>
-                </a:solidFill>
-                <a:effectLst/>
-              </a:rPr>
-              <a:t>		</a:t>
-            </a:r>
-            <a:r>
-              <a:rPr lang="en-US" sz="1800" b="0" i="0" dirty="0" err="1">
-                <a:solidFill>
-                  <a:srgbClr val="000000"/>
-                </a:solidFill>
-                <a:effectLst/>
-              </a:rPr>
-              <a:t>sys.stdout.flush</a:t>
-            </a:r>
-            <a:r>
-              <a:rPr lang="en-US" sz="1800" b="0" i="0" dirty="0">
-                <a:solidFill>
-                  <a:srgbClr val="000000"/>
-                </a:solidFill>
-                <a:effectLst/>
-              </a:rPr>
-              <a:t>() </a:t>
-            </a:r>
-          </a:p>
-          <a:p>
-            <a:pPr marL="0" indent="0">
-              <a:lnSpc>
-                <a:spcPct val="100000"/>
-              </a:lnSpc>
-              <a:buNone/>
-            </a:pPr>
-            <a:r>
-              <a:rPr lang="en-US" sz="1800" b="0" i="0" dirty="0">
-                <a:solidFill>
-                  <a:srgbClr val="000000"/>
-                </a:solidFill>
-                <a:effectLst/>
-              </a:rPr>
-              <a:t>		</a:t>
-            </a:r>
-            <a:r>
-              <a:rPr lang="en-US" sz="1800" b="0" i="0" dirty="0" err="1">
-                <a:solidFill>
-                  <a:srgbClr val="000000"/>
-                </a:solidFill>
-                <a:effectLst/>
-              </a:rPr>
-              <a:t>sys.stdout.write</a:t>
-            </a:r>
-            <a:r>
-              <a:rPr lang="en-US" sz="1800" b="0" i="0" dirty="0">
-                <a:solidFill>
-                  <a:srgbClr val="000000"/>
-                </a:solidFill>
-                <a:effectLst/>
-              </a:rPr>
-              <a:t>(</a:t>
-            </a:r>
-            <a:r>
-              <a:rPr lang="en-US" sz="1800" b="0" i="0" dirty="0" err="1">
-                <a:solidFill>
-                  <a:srgbClr val="000000"/>
-                </a:solidFill>
-                <a:effectLst/>
-              </a:rPr>
-              <a:t>MP.current_process</a:t>
-            </a:r>
-            <a:r>
-              <a:rPr lang="en-US" sz="1800" b="0" i="0" dirty="0">
-                <a:solidFill>
-                  <a:srgbClr val="000000"/>
-                </a:solidFill>
-                <a:effectLst/>
-              </a:rPr>
-              <a:t>().name+ "\n") </a:t>
-            </a:r>
-          </a:p>
-          <a:p>
-            <a:pPr marL="0" indent="0">
-              <a:lnSpc>
-                <a:spcPct val="100000"/>
-              </a:lnSpc>
-              <a:buNone/>
-            </a:pPr>
-            <a:r>
-              <a:rPr lang="en-US" sz="1800" b="0" i="0" dirty="0">
-                <a:solidFill>
-                  <a:srgbClr val="000000"/>
-                </a:solidFill>
-                <a:effectLst/>
-              </a:rPr>
-              <a:t>		</a:t>
-            </a:r>
-            <a:r>
-              <a:rPr lang="en-US" sz="1800" b="0" i="0" dirty="0" err="1">
-                <a:solidFill>
-                  <a:srgbClr val="000000"/>
-                </a:solidFill>
-                <a:effectLst/>
-              </a:rPr>
-              <a:t>sys.stdout.flush</a:t>
-            </a:r>
-            <a:r>
-              <a:rPr lang="en-US" sz="1800" b="0" i="0" dirty="0">
-                <a:solidFill>
-                  <a:srgbClr val="000000"/>
-                </a:solidFill>
-                <a:effectLst/>
-              </a:rPr>
-              <a:t>()</a:t>
-            </a:r>
-            <a:endParaRPr lang="he-IL" sz="1800" dirty="0">
-              <a:cs typeface="Calibri" panose="020F0502020204030204" pitchFamily="34" charset="0"/>
-            </a:endParaRPr>
+              <a:t>The Process - Pipe</a:t>
+            </a:r>
+            <a:endParaRPr lang="he-IL" dirty="0"/>
           </a:p>
         </p:txBody>
       </p:sp>
     </p:spTree>
     <p:extLst>
       <p:ext uri="{BB962C8B-B14F-4D97-AF65-F5344CB8AC3E}">
-        <p14:creationId xmlns:p14="http://schemas.microsoft.com/office/powerpoint/2010/main" val="715340640"/>
+        <p14:creationId xmlns:p14="http://schemas.microsoft.com/office/powerpoint/2010/main" val="209739841"/>
       </p:ext>
     </p:extLst>
   </p:cSld>
@@ -10337,9 +10030,9 @@
                 <a:effectLst/>
                 <a:latin typeface="+mn-lt"/>
               </a:rPr>
-              <a:t>Synchronization between processes — cont’d</a:t>
-            </a:r>
-            <a:endParaRPr lang="he-IL" dirty="0">
+              <a:t>Exchanging data between processes -— Pipe</a:t>
+            </a:r>
+            <a:endParaRPr lang="en-US" dirty="0">
               <a:latin typeface="+mn-lt"/>
               <a:cs typeface="Calibri" panose="020F0502020204030204" pitchFamily="34" charset="0"/>
             </a:endParaRPr>
@@ -10348,297 +10041,792 @@
       </p:sp>
       <p:sp>
         <p:nvSpPr>
-          <p:cNvPr id="6" name="TextBox 5">
+          <p:cNvPr id="6" name="Rectangle 1">
             <a:extLst>
               <a:ext uri="{FF2B5EF4-FFF2-40B4-BE49-F238E27FC236}">
-                <a16:creationId xmlns:a16="http://schemas.microsoft.com/office/drawing/2014/main" id="{C89790D9-081C-4343-820C-B9C2A4EAF4DD}"/>
+                <a16:creationId xmlns:a16="http://schemas.microsoft.com/office/drawing/2014/main" id="{41903443-EA45-4068-9F4D-A88CDF918F8A}"/>
               </a:ext>
             </a:extLst>
           </p:cNvPr>
-          <p:cNvSpPr txBox="1"/>
+          <p:cNvSpPr>
+            <a:spLocks noChangeArrowheads="1"/>
+          </p:cNvSpPr>
           <p:nvPr/>
         </p:nvSpPr>
-        <p:spPr>
+        <p:spPr bwMode="auto">
           <a:xfrm>
-            <a:off x="815413" y="1268680"/>
-            <a:ext cx="10657184" cy="4401205"/>
+            <a:off x="838200" y="2021188"/>
+            <a:ext cx="10185647" cy="4031873"/>
           </a:xfrm>
           <a:prstGeom prst="rect">
             <a:avLst/>
           </a:prstGeom>
-          <a:noFill/>
+          <a:solidFill>
+            <a:srgbClr val="2B2B2B"/>
+          </a:solidFill>
+          <a:ln>
+            <a:noFill/>
+          </a:ln>
+          <a:effectLst/>
+          <a:extLst>
+            <a:ext uri="{91240B29-F687-4F45-9708-019B960494DF}">
+              <a14:hiddenLine xmlns:a14="http://schemas.microsoft.com/office/drawing/2010/main" w="9525">
+                <a:solidFill>
+                  <a:schemeClr val="tx1"/>
+                </a:solidFill>
+                <a:miter lim="800000"/>
+                <a:headEnd/>
+                <a:tailEnd/>
+              </a14:hiddenLine>
+            </a:ext>
+            <a:ext uri="{AF507438-7753-43E0-B8FC-AC1667EBCBE1}">
+              <a14:hiddenEffects xmlns:a14="http://schemas.microsoft.com/office/drawing/2010/main">
+                <a:effectLst>
+                  <a:outerShdw dist="35921" dir="2700000" algn="ctr" rotWithShape="0">
+                    <a:schemeClr val="bg2"/>
+                  </a:outerShdw>
+                </a:effectLst>
+              </a14:hiddenEffects>
+            </a:ext>
+          </a:extLst>
         </p:spPr>
         <p:txBody>
-          <a:bodyPr wrap="square" rtlCol="1">
+          <a:bodyPr vert="horz" wrap="square" lIns="91440" tIns="45720" rIns="91440" bIns="45720" numCol="1" anchor="ctr" anchorCtr="0" compatLnSpc="1">
+            <a:prstTxWarp prst="textNoShape">
+              <a:avLst/>
+            </a:prstTxWarp>
             <a:spAutoFit/>
           </a:bodyPr>
           <a:lstStyle/>
           <a:p>
-            <a:r>
-              <a:rPr lang="en-US" sz="2800" b="0" i="0" dirty="0">
-                <a:solidFill>
-                  <a:srgbClr val="000000"/>
-                </a:solidFill>
-                <a:effectLst/>
-              </a:rPr>
-              <a:t>if __name__ == "__ main__": </a:t>
-            </a:r>
-          </a:p>
-          <a:p>
-            <a:r>
-              <a:rPr lang="en-US" sz="2800" b="0" i="0" dirty="0">
-                <a:solidFill>
-                  <a:srgbClr val="000000"/>
-                </a:solidFill>
-                <a:effectLst/>
-              </a:rPr>
-              <a:t>	</a:t>
-            </a:r>
-            <a:r>
-              <a:rPr lang="en-US" sz="2800" b="0" i="0" dirty="0" err="1">
-                <a:solidFill>
-                  <a:srgbClr val="000000"/>
-                </a:solidFill>
-                <a:effectLst/>
-              </a:rPr>
-              <a:t>MP.Process</a:t>
-            </a:r>
-            <a:r>
-              <a:rPr lang="en-US" sz="2800" b="0" i="0" dirty="0">
-                <a:solidFill>
-                  <a:srgbClr val="000000"/>
-                </a:solidFill>
-                <a:effectLst/>
-              </a:rPr>
-              <a:t>(target=loop, name="child1").start()</a:t>
-            </a:r>
-          </a:p>
-          <a:p>
-            <a:r>
-              <a:rPr lang="en-US" sz="2800" b="0" i="0" dirty="0">
-                <a:solidFill>
-                  <a:srgbClr val="000000"/>
-                </a:solidFill>
-                <a:effectLst/>
-              </a:rPr>
-              <a:t>	</a:t>
-            </a:r>
-            <a:r>
-              <a:rPr lang="en-US" sz="2800" b="0" i="0" dirty="0" err="1">
-                <a:solidFill>
-                  <a:srgbClr val="000000"/>
-                </a:solidFill>
-                <a:effectLst/>
-              </a:rPr>
-              <a:t>MP.Process</a:t>
-            </a:r>
-            <a:r>
-              <a:rPr lang="en-US" sz="2800" b="0" i="0" dirty="0">
-                <a:solidFill>
-                  <a:srgbClr val="000000"/>
-                </a:solidFill>
-                <a:effectLst/>
-              </a:rPr>
-              <a:t>(target=loop, name="child2").start()</a:t>
-            </a:r>
-          </a:p>
-          <a:p>
-            <a:endParaRPr lang="en-US" sz="2800" b="0" i="0" dirty="0">
+            <a:pPr marL="0" marR="0" lvl="0" indent="0" algn="l" defTabSz="914400" rtl="0" eaLnBrk="0" fontAlgn="base" latinLnBrk="0" hangingPunct="0">
+              <a:lnSpc>
+                <a:spcPct val="100000"/>
+              </a:lnSpc>
+              <a:spcBef>
+                <a:spcPct val="0"/>
+              </a:spcBef>
+              <a:spcAft>
+                <a:spcPct val="0"/>
+              </a:spcAft>
+              <a:buClrTx/>
+              <a:buSzTx/>
+              <a:buFontTx/>
+              <a:buNone/>
+              <a:tabLst/>
+            </a:pPr>
+            <a:r>
+              <a:rPr kumimoji="0" lang="en-US" altLang="en-US" b="0" i="0" u="none" strike="noStrike" cap="none" normalizeH="0" baseline="0" dirty="0">
+                <a:ln>
+                  <a:noFill/>
+                </a:ln>
+                <a:solidFill>
+                  <a:srgbClr val="CC7832"/>
+                </a:solidFill>
+                <a:effectLst/>
+                <a:latin typeface="Arial Unicode MS"/>
+              </a:rPr>
+              <a:t>from </a:t>
+            </a:r>
+            <a:r>
+              <a:rPr kumimoji="0" lang="en-US" altLang="en-US" b="0" i="0" u="none" strike="noStrike" cap="none" normalizeH="0" baseline="0" dirty="0">
+                <a:ln>
+                  <a:noFill/>
+                </a:ln>
+                <a:solidFill>
+                  <a:srgbClr val="A9B7C6"/>
+                </a:solidFill>
+                <a:effectLst/>
+                <a:latin typeface="Arial Unicode MS"/>
+              </a:rPr>
+              <a:t>multiprocessing </a:t>
+            </a:r>
+            <a:r>
+              <a:rPr kumimoji="0" lang="en-US" altLang="en-US" b="0" i="0" u="none" strike="noStrike" cap="none" normalizeH="0" baseline="0" dirty="0">
+                <a:ln>
+                  <a:noFill/>
+                </a:ln>
+                <a:solidFill>
+                  <a:srgbClr val="CC7832"/>
+                </a:solidFill>
+                <a:effectLst/>
+                <a:latin typeface="Arial Unicode MS"/>
+              </a:rPr>
+              <a:t>import </a:t>
+            </a:r>
+            <a:r>
+              <a:rPr kumimoji="0" lang="en-US" altLang="en-US" b="0" i="0" u="none" strike="noStrike" cap="none" normalizeH="0" baseline="0" dirty="0">
+                <a:ln>
+                  <a:noFill/>
+                </a:ln>
+                <a:solidFill>
+                  <a:srgbClr val="A9B7C6"/>
+                </a:solidFill>
+                <a:effectLst/>
+                <a:latin typeface="Arial Unicode MS"/>
+              </a:rPr>
+              <a:t>Process</a:t>
+            </a:r>
+            <a:r>
+              <a:rPr kumimoji="0" lang="en-US" altLang="en-US" b="0" i="0" u="none" strike="noStrike" cap="none" normalizeH="0" baseline="0" dirty="0">
+                <a:ln>
+                  <a:noFill/>
+                </a:ln>
+                <a:solidFill>
+                  <a:srgbClr val="CC7832"/>
+                </a:solidFill>
+                <a:effectLst/>
+                <a:latin typeface="Arial Unicode MS"/>
+              </a:rPr>
+              <a:t>, </a:t>
+            </a:r>
+            <a:r>
+              <a:rPr kumimoji="0" lang="en-US" altLang="en-US" b="0" i="0" u="none" strike="noStrike" cap="none" normalizeH="0" baseline="0" dirty="0">
+                <a:ln>
+                  <a:noFill/>
+                </a:ln>
+                <a:solidFill>
+                  <a:srgbClr val="A9B7C6"/>
+                </a:solidFill>
+                <a:effectLst/>
+                <a:latin typeface="Arial Unicode MS"/>
+              </a:rPr>
+              <a:t>Pipe </a:t>
+            </a:r>
+            <a:br>
+              <a:rPr kumimoji="0" lang="en-US" altLang="en-US" b="0" i="0" u="none" strike="noStrike" cap="none" normalizeH="0" baseline="0" dirty="0">
+                <a:ln>
+                  <a:noFill/>
+                </a:ln>
+                <a:solidFill>
+                  <a:srgbClr val="A9B7C6"/>
+                </a:solidFill>
+                <a:effectLst/>
+                <a:latin typeface="Arial Unicode MS"/>
+              </a:rPr>
+            </a:br>
+            <a:br>
+              <a:rPr kumimoji="0" lang="en-US" altLang="en-US" b="0" i="0" u="none" strike="noStrike" cap="none" normalizeH="0" baseline="0" dirty="0">
+                <a:ln>
+                  <a:noFill/>
+                </a:ln>
+                <a:solidFill>
+                  <a:srgbClr val="A9B7C6"/>
+                </a:solidFill>
+                <a:effectLst/>
+                <a:latin typeface="Arial Unicode MS"/>
+              </a:rPr>
+            </a:br>
+            <a:r>
+              <a:rPr kumimoji="0" lang="en-US" altLang="en-US" b="0" i="0" u="none" strike="noStrike" cap="none" normalizeH="0" baseline="0" dirty="0">
+                <a:ln>
+                  <a:noFill/>
+                </a:ln>
+                <a:solidFill>
+                  <a:srgbClr val="CC7832"/>
+                </a:solidFill>
+                <a:effectLst/>
+                <a:latin typeface="Arial Unicode MS"/>
+              </a:rPr>
+              <a:t>def </a:t>
+            </a:r>
+            <a:r>
+              <a:rPr kumimoji="0" lang="en-US" altLang="en-US" b="0" i="0" u="none" strike="noStrike" cap="none" normalizeH="0" baseline="0" dirty="0">
+                <a:ln>
+                  <a:noFill/>
+                </a:ln>
+                <a:solidFill>
+                  <a:srgbClr val="A9B7C6"/>
+                </a:solidFill>
+                <a:effectLst/>
+                <a:latin typeface="Arial Unicode MS"/>
+              </a:rPr>
+              <a:t>f(conn): </a:t>
+            </a:r>
+            <a:br>
+              <a:rPr kumimoji="0" lang="en-US" altLang="en-US" b="0" i="0" u="none" strike="noStrike" cap="none" normalizeH="0" baseline="0" dirty="0">
+                <a:ln>
+                  <a:noFill/>
+                </a:ln>
+                <a:solidFill>
+                  <a:srgbClr val="A9B7C6"/>
+                </a:solidFill>
+                <a:effectLst/>
+                <a:latin typeface="Arial Unicode MS"/>
+              </a:rPr>
+            </a:br>
+            <a:r>
+              <a:rPr kumimoji="0" lang="en-US" altLang="en-US" b="0" i="0" u="none" strike="noStrike" cap="none" normalizeH="0" baseline="0" dirty="0">
+                <a:ln>
+                  <a:noFill/>
+                </a:ln>
+                <a:solidFill>
+                  <a:srgbClr val="A9B7C6"/>
+                </a:solidFill>
+                <a:effectLst/>
+                <a:latin typeface="Arial Unicode MS"/>
+              </a:rPr>
+              <a:t>   </a:t>
+            </a:r>
+            <a:r>
+              <a:rPr kumimoji="0" lang="en-US" altLang="en-US" b="0" i="0" u="none" strike="noStrike" cap="none" normalizeH="0" baseline="0" dirty="0" err="1">
+                <a:ln>
+                  <a:noFill/>
+                </a:ln>
+                <a:solidFill>
+                  <a:srgbClr val="A9B7C6"/>
+                </a:solidFill>
+                <a:effectLst/>
+                <a:latin typeface="Arial Unicode MS"/>
+              </a:rPr>
+              <a:t>conn.send</a:t>
+            </a:r>
+            <a:r>
+              <a:rPr kumimoji="0" lang="en-US" altLang="en-US" b="0" i="0" u="none" strike="noStrike" cap="none" normalizeH="0" baseline="0" dirty="0">
+                <a:ln>
+                  <a:noFill/>
+                </a:ln>
+                <a:solidFill>
+                  <a:srgbClr val="A9B7C6"/>
+                </a:solidFill>
+                <a:effectLst/>
+                <a:latin typeface="Arial Unicode MS"/>
+              </a:rPr>
+              <a:t>([</a:t>
+            </a:r>
+            <a:r>
+              <a:rPr kumimoji="0" lang="en-US" altLang="en-US" b="0" i="0" u="none" strike="noStrike" cap="none" normalizeH="0" baseline="0" dirty="0">
+                <a:ln>
+                  <a:noFill/>
+                </a:ln>
+                <a:solidFill>
+                  <a:srgbClr val="6A8759"/>
+                </a:solidFill>
+                <a:effectLst/>
+                <a:latin typeface="Arial Unicode MS"/>
+              </a:rPr>
+              <a:t>'hello'</a:t>
+            </a:r>
+            <a:r>
+              <a:rPr kumimoji="0" lang="en-US" altLang="en-US" b="0" i="0" u="none" strike="noStrike" cap="none" normalizeH="0" baseline="0" dirty="0">
+                <a:ln>
+                  <a:noFill/>
+                </a:ln>
+                <a:solidFill>
+                  <a:srgbClr val="CC7832"/>
+                </a:solidFill>
+                <a:effectLst/>
+                <a:latin typeface="Arial Unicode MS"/>
+              </a:rPr>
+              <a:t>, </a:t>
+            </a:r>
+            <a:r>
+              <a:rPr kumimoji="0" lang="en-US" altLang="en-US" b="0" i="0" u="none" strike="noStrike" cap="none" normalizeH="0" baseline="0" dirty="0">
+                <a:ln>
+                  <a:noFill/>
+                </a:ln>
+                <a:solidFill>
+                  <a:srgbClr val="6A8759"/>
+                </a:solidFill>
+                <a:effectLst/>
+                <a:latin typeface="Arial Unicode MS"/>
+              </a:rPr>
+              <a:t>'world'</a:t>
+            </a:r>
+            <a:r>
+              <a:rPr kumimoji="0" lang="en-US" altLang="en-US" b="0" i="0" u="none" strike="noStrike" cap="none" normalizeH="0" baseline="0" dirty="0">
+                <a:ln>
+                  <a:noFill/>
+                </a:ln>
+                <a:solidFill>
+                  <a:srgbClr val="A9B7C6"/>
+                </a:solidFill>
+                <a:effectLst/>
+                <a:latin typeface="Arial Unicode MS"/>
+              </a:rPr>
+              <a:t>]) </a:t>
+            </a:r>
+            <a:br>
+              <a:rPr kumimoji="0" lang="en-US" altLang="en-US" b="0" i="0" u="none" strike="noStrike" cap="none" normalizeH="0" baseline="0" dirty="0">
+                <a:ln>
+                  <a:noFill/>
+                </a:ln>
+                <a:solidFill>
+                  <a:srgbClr val="A9B7C6"/>
+                </a:solidFill>
+                <a:effectLst/>
+                <a:latin typeface="Arial Unicode MS"/>
+              </a:rPr>
+            </a:br>
+            <a:r>
+              <a:rPr kumimoji="0" lang="en-US" altLang="en-US" b="0" i="0" u="none" strike="noStrike" cap="none" normalizeH="0" baseline="0" dirty="0">
+                <a:ln>
+                  <a:noFill/>
+                </a:ln>
+                <a:solidFill>
+                  <a:srgbClr val="A9B7C6"/>
+                </a:solidFill>
+                <a:effectLst/>
+                <a:latin typeface="Arial Unicode MS"/>
+              </a:rPr>
+              <a:t>   </a:t>
+            </a:r>
+            <a:r>
+              <a:rPr kumimoji="0" lang="en-US" altLang="en-US" b="0" i="0" u="none" strike="noStrike" cap="none" normalizeH="0" baseline="0" dirty="0" err="1">
+                <a:ln>
+                  <a:noFill/>
+                </a:ln>
+                <a:solidFill>
+                  <a:srgbClr val="A9B7C6"/>
+                </a:solidFill>
+                <a:effectLst/>
+                <a:latin typeface="Arial Unicode MS"/>
+              </a:rPr>
+              <a:t>conn.close</a:t>
+            </a:r>
+            <a:r>
+              <a:rPr kumimoji="0" lang="en-US" altLang="en-US" b="0" i="0" u="none" strike="noStrike" cap="none" normalizeH="0" baseline="0" dirty="0">
+                <a:ln>
+                  <a:noFill/>
+                </a:ln>
+                <a:solidFill>
+                  <a:srgbClr val="A9B7C6"/>
+                </a:solidFill>
+                <a:effectLst/>
+                <a:latin typeface="Arial Unicode MS"/>
+              </a:rPr>
+              <a:t>() </a:t>
+            </a:r>
+            <a:br>
+              <a:rPr kumimoji="0" lang="en-US" altLang="en-US" b="0" i="0" u="none" strike="noStrike" cap="none" normalizeH="0" baseline="0" dirty="0">
+                <a:ln>
+                  <a:noFill/>
+                </a:ln>
+                <a:solidFill>
+                  <a:srgbClr val="A9B7C6"/>
+                </a:solidFill>
+                <a:effectLst/>
+                <a:latin typeface="Arial Unicode MS"/>
+              </a:rPr>
+            </a:br>
+            <a:br>
+              <a:rPr kumimoji="0" lang="en-US" altLang="en-US" b="0" i="0" u="none" strike="noStrike" cap="none" normalizeH="0" baseline="0" dirty="0">
+                <a:ln>
+                  <a:noFill/>
+                </a:ln>
+                <a:solidFill>
+                  <a:srgbClr val="A9B7C6"/>
+                </a:solidFill>
+                <a:effectLst/>
+                <a:latin typeface="Arial Unicode MS"/>
+              </a:rPr>
+            </a:br>
+            <a:r>
+              <a:rPr kumimoji="0" lang="en-US" altLang="en-US" b="0" i="0" u="none" strike="noStrike" cap="none" normalizeH="0" baseline="0" dirty="0">
+                <a:ln>
+                  <a:noFill/>
+                </a:ln>
+                <a:solidFill>
+                  <a:srgbClr val="CC7832"/>
+                </a:solidFill>
+                <a:effectLst/>
+                <a:latin typeface="Arial Unicode MS"/>
+              </a:rPr>
+              <a:t>if </a:t>
+            </a:r>
+            <a:r>
+              <a:rPr kumimoji="0" lang="en-US" altLang="en-US" b="0" i="0" u="none" strike="noStrike" cap="none" normalizeH="0" baseline="0" dirty="0">
+                <a:ln>
+                  <a:noFill/>
+                </a:ln>
+                <a:solidFill>
+                  <a:srgbClr val="A9B7C6"/>
+                </a:solidFill>
+                <a:effectLst/>
+                <a:latin typeface="Arial Unicode MS"/>
+              </a:rPr>
+              <a:t>__name__ == </a:t>
+            </a:r>
+            <a:r>
+              <a:rPr kumimoji="0" lang="en-US" altLang="en-US" b="0" i="0" u="none" strike="noStrike" cap="none" normalizeH="0" baseline="0" dirty="0">
+                <a:ln>
+                  <a:noFill/>
+                </a:ln>
+                <a:solidFill>
+                  <a:srgbClr val="6A8759"/>
+                </a:solidFill>
+                <a:effectLst/>
+                <a:latin typeface="Arial Unicode MS"/>
+              </a:rPr>
+              <a:t>'__main__’: </a:t>
+            </a:r>
+            <a:br>
+              <a:rPr kumimoji="0" lang="en-US" altLang="en-US" b="0" i="0" u="none" strike="noStrike" cap="none" normalizeH="0" baseline="0" dirty="0">
+                <a:ln>
+                  <a:noFill/>
+                </a:ln>
+                <a:solidFill>
+                  <a:srgbClr val="6A8759"/>
+                </a:solidFill>
+                <a:effectLst/>
+                <a:latin typeface="Arial Unicode MS"/>
+              </a:rPr>
+            </a:br>
+            <a:r>
+              <a:rPr kumimoji="0" lang="en-US" altLang="en-US" b="0" i="0" u="none" strike="noStrike" cap="none" normalizeH="0" baseline="0" dirty="0">
+                <a:ln>
+                  <a:noFill/>
+                </a:ln>
+                <a:solidFill>
+                  <a:srgbClr val="6A8759"/>
+                </a:solidFill>
+                <a:effectLst/>
+                <a:latin typeface="Arial Unicode MS"/>
+              </a:rPr>
+              <a:t>   </a:t>
+            </a:r>
+            <a:r>
+              <a:rPr kumimoji="0" lang="en-US" altLang="en-US" b="0" i="0" u="none" strike="noStrike" cap="none" normalizeH="0" baseline="0" dirty="0" err="1">
+                <a:ln>
+                  <a:noFill/>
+                </a:ln>
+                <a:solidFill>
+                  <a:srgbClr val="A9B7C6"/>
+                </a:solidFill>
+                <a:effectLst/>
+                <a:latin typeface="Arial Unicode MS"/>
+              </a:rPr>
+              <a:t>parent_conn</a:t>
+            </a:r>
+            <a:r>
+              <a:rPr kumimoji="0" lang="en-US" altLang="en-US" b="0" i="0" u="none" strike="noStrike" cap="none" normalizeH="0" baseline="0" dirty="0">
+                <a:ln>
+                  <a:noFill/>
+                </a:ln>
+                <a:solidFill>
+                  <a:srgbClr val="CC7832"/>
+                </a:solidFill>
+                <a:effectLst/>
+                <a:latin typeface="Arial Unicode MS"/>
+              </a:rPr>
+              <a:t>, </a:t>
+            </a:r>
+            <a:r>
+              <a:rPr kumimoji="0" lang="en-US" altLang="en-US" b="0" i="0" u="none" strike="noStrike" cap="none" normalizeH="0" baseline="0" dirty="0" err="1">
+                <a:ln>
+                  <a:noFill/>
+                </a:ln>
+                <a:solidFill>
+                  <a:srgbClr val="A9B7C6"/>
+                </a:solidFill>
+                <a:effectLst/>
+                <a:latin typeface="Arial Unicode MS"/>
+              </a:rPr>
+              <a:t>child_conn</a:t>
+            </a:r>
+            <a:r>
+              <a:rPr kumimoji="0" lang="en-US" altLang="en-US" b="0" i="0" u="none" strike="noStrike" cap="none" normalizeH="0" baseline="0" dirty="0">
+                <a:ln>
+                  <a:noFill/>
+                </a:ln>
+                <a:solidFill>
+                  <a:srgbClr val="A9B7C6"/>
+                </a:solidFill>
+                <a:effectLst/>
+                <a:latin typeface="Arial Unicode MS"/>
+              </a:rPr>
+              <a:t> = Pipe() </a:t>
+            </a:r>
+            <a:br>
+              <a:rPr kumimoji="0" lang="en-US" altLang="en-US" b="0" i="0" u="none" strike="noStrike" cap="none" normalizeH="0" baseline="0" dirty="0">
+                <a:ln>
+                  <a:noFill/>
+                </a:ln>
+                <a:solidFill>
+                  <a:srgbClr val="A9B7C6"/>
+                </a:solidFill>
+                <a:effectLst/>
+                <a:latin typeface="Arial Unicode MS"/>
+              </a:rPr>
+            </a:br>
+            <a:r>
+              <a:rPr kumimoji="0" lang="en-US" altLang="en-US" b="0" i="0" u="none" strike="noStrike" cap="none" normalizeH="0" baseline="0" dirty="0">
+                <a:ln>
+                  <a:noFill/>
+                </a:ln>
+                <a:solidFill>
+                  <a:srgbClr val="A9B7C6"/>
+                </a:solidFill>
+                <a:effectLst/>
+                <a:latin typeface="Arial Unicode MS"/>
+              </a:rPr>
+              <a:t>   p = Process(target=f</a:t>
+            </a:r>
+            <a:r>
+              <a:rPr kumimoji="0" lang="en-US" altLang="en-US" b="0" i="0" u="none" strike="noStrike" cap="none" normalizeH="0" baseline="0" dirty="0">
+                <a:ln>
+                  <a:noFill/>
+                </a:ln>
+                <a:solidFill>
+                  <a:srgbClr val="CC7832"/>
+                </a:solidFill>
+                <a:effectLst/>
+                <a:latin typeface="Arial Unicode MS"/>
+              </a:rPr>
+              <a:t>, </a:t>
+            </a:r>
+            <a:r>
+              <a:rPr kumimoji="0" lang="en-US" altLang="en-US" b="0" i="0" u="none" strike="noStrike" cap="none" normalizeH="0" baseline="0" dirty="0" err="1">
+                <a:ln>
+                  <a:noFill/>
+                </a:ln>
+                <a:solidFill>
+                  <a:srgbClr val="A9B7C6"/>
+                </a:solidFill>
+                <a:effectLst/>
+                <a:latin typeface="Arial Unicode MS"/>
+              </a:rPr>
+              <a:t>args</a:t>
+            </a:r>
+            <a:r>
+              <a:rPr kumimoji="0" lang="en-US" altLang="en-US" b="0" i="0" u="none" strike="noStrike" cap="none" normalizeH="0" baseline="0" dirty="0">
+                <a:ln>
+                  <a:noFill/>
+                </a:ln>
+                <a:solidFill>
+                  <a:srgbClr val="A9B7C6"/>
+                </a:solidFill>
+                <a:effectLst/>
+                <a:latin typeface="Arial Unicode MS"/>
+              </a:rPr>
+              <a:t>=(</a:t>
+            </a:r>
+            <a:r>
+              <a:rPr kumimoji="0" lang="en-US" altLang="en-US" b="0" i="0" u="none" strike="noStrike" cap="none" normalizeH="0" baseline="0" dirty="0" err="1">
+                <a:ln>
+                  <a:noFill/>
+                </a:ln>
+                <a:solidFill>
+                  <a:srgbClr val="A9B7C6"/>
+                </a:solidFill>
+                <a:effectLst/>
+                <a:latin typeface="Arial Unicode MS"/>
+              </a:rPr>
+              <a:t>child_conn</a:t>
+            </a:r>
+            <a:r>
+              <a:rPr kumimoji="0" lang="en-US" altLang="en-US" b="0" i="0" u="none" strike="noStrike" cap="none" normalizeH="0" baseline="0" dirty="0">
+                <a:ln>
+                  <a:noFill/>
+                </a:ln>
+                <a:solidFill>
+                  <a:srgbClr val="CC7832"/>
+                </a:solidFill>
+                <a:effectLst/>
+                <a:latin typeface="Arial Unicode MS"/>
+              </a:rPr>
+              <a:t>,</a:t>
+            </a:r>
+            <a:r>
+              <a:rPr kumimoji="0" lang="en-US" altLang="en-US" b="0" i="0" u="none" strike="noStrike" cap="none" normalizeH="0" baseline="0" dirty="0">
+                <a:ln>
+                  <a:noFill/>
+                </a:ln>
+                <a:solidFill>
+                  <a:srgbClr val="A9B7C6"/>
+                </a:solidFill>
+                <a:effectLst/>
+                <a:latin typeface="Arial Unicode MS"/>
+              </a:rPr>
+              <a:t>)) </a:t>
+            </a:r>
+            <a:br>
+              <a:rPr kumimoji="0" lang="en-US" altLang="en-US" b="0" i="0" u="none" strike="noStrike" cap="none" normalizeH="0" baseline="0" dirty="0">
+                <a:ln>
+                  <a:noFill/>
+                </a:ln>
+                <a:solidFill>
+                  <a:srgbClr val="A9B7C6"/>
+                </a:solidFill>
+                <a:effectLst/>
+                <a:latin typeface="Arial Unicode MS"/>
+              </a:rPr>
+            </a:br>
+            <a:r>
+              <a:rPr kumimoji="0" lang="en-US" altLang="en-US" b="0" i="0" u="none" strike="noStrike" cap="none" normalizeH="0" baseline="0" dirty="0">
+                <a:ln>
+                  <a:noFill/>
+                </a:ln>
+                <a:solidFill>
+                  <a:srgbClr val="A9B7C6"/>
+                </a:solidFill>
+                <a:effectLst/>
+                <a:latin typeface="Arial Unicode MS"/>
+              </a:rPr>
+              <a:t>   </a:t>
+            </a:r>
+            <a:r>
+              <a:rPr kumimoji="0" lang="en-US" altLang="en-US" b="0" i="0" u="none" strike="noStrike" cap="none" normalizeH="0" baseline="0" dirty="0" err="1">
+                <a:ln>
+                  <a:noFill/>
+                </a:ln>
+                <a:solidFill>
+                  <a:srgbClr val="A9B7C6"/>
+                </a:solidFill>
+                <a:effectLst/>
+                <a:latin typeface="Arial Unicode MS"/>
+              </a:rPr>
+              <a:t>p.start</a:t>
+            </a:r>
+            <a:r>
+              <a:rPr kumimoji="0" lang="en-US" altLang="en-US" b="0" i="0" u="none" strike="noStrike" cap="none" normalizeH="0" baseline="0" dirty="0">
+                <a:ln>
+                  <a:noFill/>
+                </a:ln>
+                <a:solidFill>
+                  <a:srgbClr val="A9B7C6"/>
+                </a:solidFill>
+                <a:effectLst/>
+                <a:latin typeface="Arial Unicode MS"/>
+              </a:rPr>
+              <a:t>() </a:t>
+            </a:r>
+            <a:br>
+              <a:rPr kumimoji="0" lang="en-US" altLang="en-US" b="0" i="0" u="none" strike="noStrike" cap="none" normalizeH="0" baseline="0" dirty="0">
+                <a:ln>
+                  <a:noFill/>
+                </a:ln>
+                <a:solidFill>
+                  <a:srgbClr val="A9B7C6"/>
+                </a:solidFill>
+                <a:effectLst/>
+                <a:latin typeface="Arial Unicode MS"/>
+              </a:rPr>
+            </a:br>
+            <a:r>
+              <a:rPr kumimoji="0" lang="en-US" altLang="en-US" b="0" i="0" u="none" strike="noStrike" cap="none" normalizeH="0" baseline="0" dirty="0">
+                <a:ln>
+                  <a:noFill/>
+                </a:ln>
+                <a:solidFill>
+                  <a:srgbClr val="A9B7C6"/>
+                </a:solidFill>
+                <a:effectLst/>
+                <a:latin typeface="Arial Unicode MS"/>
+              </a:rPr>
+              <a:t>   print(</a:t>
+            </a:r>
+            <a:r>
+              <a:rPr kumimoji="0" lang="en-US" altLang="en-US" b="0" i="0" u="none" strike="noStrike" cap="none" normalizeH="0" baseline="0" dirty="0" err="1">
+                <a:ln>
+                  <a:noFill/>
+                </a:ln>
+                <a:solidFill>
+                  <a:srgbClr val="A9B7C6"/>
+                </a:solidFill>
+                <a:effectLst/>
+                <a:latin typeface="Arial Unicode MS"/>
+              </a:rPr>
+              <a:t>parent_conn.recv</a:t>
+            </a:r>
+            <a:r>
+              <a:rPr kumimoji="0" lang="en-US" altLang="en-US" b="0" i="0" u="none" strike="noStrike" cap="none" normalizeH="0" baseline="0" dirty="0">
+                <a:ln>
+                  <a:noFill/>
+                </a:ln>
+                <a:solidFill>
+                  <a:srgbClr val="A9B7C6"/>
+                </a:solidFill>
+                <a:effectLst/>
+                <a:latin typeface="Arial Unicode MS"/>
+              </a:rPr>
+              <a:t>()) </a:t>
+            </a:r>
+            <a:r>
+              <a:rPr kumimoji="0" lang="en-US" altLang="en-US" b="0" i="0" u="none" strike="noStrike" cap="none" normalizeH="0" baseline="0" dirty="0">
+                <a:ln>
+                  <a:noFill/>
+                </a:ln>
+                <a:solidFill>
+                  <a:srgbClr val="808080"/>
+                </a:solidFill>
+                <a:effectLst/>
+                <a:latin typeface="Arial Unicode MS"/>
+              </a:rPr>
+              <a:t># ['hello’, 'world’] </a:t>
+            </a:r>
+            <a:br>
+              <a:rPr kumimoji="0" lang="en-US" altLang="en-US" b="0" i="0" u="none" strike="noStrike" cap="none" normalizeH="0" baseline="0" dirty="0">
+                <a:ln>
+                  <a:noFill/>
+                </a:ln>
+                <a:solidFill>
+                  <a:srgbClr val="808080"/>
+                </a:solidFill>
+                <a:effectLst/>
+                <a:latin typeface="Arial Unicode MS"/>
+              </a:rPr>
+            </a:br>
+            <a:r>
+              <a:rPr kumimoji="0" lang="en-US" altLang="en-US" b="0" i="0" u="none" strike="noStrike" cap="none" normalizeH="0" baseline="0" dirty="0">
+                <a:ln>
+                  <a:noFill/>
+                </a:ln>
+                <a:solidFill>
+                  <a:srgbClr val="808080"/>
+                </a:solidFill>
+                <a:effectLst/>
+                <a:latin typeface="Arial Unicode MS"/>
+              </a:rPr>
+              <a:t>   </a:t>
+            </a:r>
+            <a:r>
+              <a:rPr kumimoji="0" lang="en-US" altLang="en-US" b="0" i="0" u="none" strike="noStrike" cap="none" normalizeH="0" baseline="0" dirty="0" err="1">
+                <a:ln>
+                  <a:noFill/>
+                </a:ln>
+                <a:solidFill>
+                  <a:srgbClr val="A9B7C6"/>
+                </a:solidFill>
+                <a:effectLst/>
+                <a:latin typeface="Arial Unicode MS"/>
+              </a:rPr>
+              <a:t>p.join</a:t>
+            </a:r>
+            <a:r>
+              <a:rPr kumimoji="0" lang="en-US" altLang="en-US" b="0" i="0" u="none" strike="noStrike" cap="none" normalizeH="0" baseline="0" dirty="0">
+                <a:ln>
+                  <a:noFill/>
+                </a:ln>
+                <a:solidFill>
+                  <a:srgbClr val="A9B7C6"/>
+                </a:solidFill>
+                <a:effectLst/>
+                <a:latin typeface="Arial Unicode MS"/>
+              </a:rPr>
+              <a:t>()</a:t>
+            </a:r>
+            <a:br>
+              <a:rPr kumimoji="0" lang="en-US" altLang="en-US" b="0" i="0" u="none" strike="noStrike" cap="none" normalizeH="0" baseline="0" dirty="0">
+                <a:ln>
+                  <a:noFill/>
+                </a:ln>
+                <a:solidFill>
+                  <a:srgbClr val="A9B7C6"/>
+                </a:solidFill>
+                <a:effectLst/>
+                <a:latin typeface="Arial Unicode MS"/>
+              </a:rPr>
+            </a:br>
+            <a:endParaRPr kumimoji="0" lang="en-US" altLang="en-US" sz="4000" b="0" i="0" u="none" strike="noStrike" cap="none" normalizeH="0" baseline="0" dirty="0">
+              <a:ln>
+                <a:noFill/>
+              </a:ln>
               <a:solidFill>
-                <a:srgbClr val="000000"/>
+                <a:schemeClr val="tx1"/>
               </a:solidFill>
               <a:effectLst/>
-            </a:endParaRPr>
-          </a:p>
-          <a:p>
-            <a:r>
-              <a:rPr lang="en-US" sz="2800" b="0" i="0" dirty="0">
-                <a:solidFill>
-                  <a:srgbClr val="000000"/>
-                </a:solidFill>
-                <a:effectLst/>
-              </a:rPr>
-              <a:t>for </a:t>
-            </a:r>
-            <a:r>
-              <a:rPr lang="en-US" sz="2800" b="0" i="0" dirty="0" err="1">
-                <a:solidFill>
-                  <a:srgbClr val="000000"/>
-                </a:solidFill>
-                <a:effectLst/>
-              </a:rPr>
-              <a:t>i</a:t>
-            </a:r>
-            <a:r>
-              <a:rPr lang="en-US" sz="2800" b="0" i="0" dirty="0">
-                <a:solidFill>
-                  <a:srgbClr val="000000"/>
-                </a:solidFill>
-                <a:effectLst/>
-              </a:rPr>
-              <a:t> in range(400): </a:t>
-            </a:r>
-          </a:p>
-          <a:p>
-            <a:pPr lvl="1"/>
-            <a:r>
-              <a:rPr lang="en-US" sz="2800" b="0" i="0" dirty="0" err="1">
-                <a:solidFill>
-                  <a:srgbClr val="000000"/>
-                </a:solidFill>
-                <a:effectLst/>
-              </a:rPr>
-              <a:t>sys.stdout.write</a:t>
-            </a:r>
-            <a:r>
-              <a:rPr lang="en-US" sz="2800" b="0" i="0" dirty="0">
-                <a:solidFill>
-                  <a:srgbClr val="000000"/>
-                </a:solidFill>
-                <a:effectLst/>
-              </a:rPr>
-              <a:t>(str(</a:t>
-            </a:r>
-            <a:r>
-              <a:rPr lang="en-US" sz="2800" b="0" i="0" dirty="0" err="1">
-                <a:solidFill>
-                  <a:srgbClr val="000000"/>
-                </a:solidFill>
-                <a:effectLst/>
-              </a:rPr>
-              <a:t>i</a:t>
-            </a:r>
-            <a:r>
-              <a:rPr lang="en-US" sz="2800" b="0" i="0" dirty="0">
-                <a:solidFill>
-                  <a:srgbClr val="000000"/>
-                </a:solidFill>
-                <a:effectLst/>
-              </a:rPr>
-              <a:t>)+" ")</a:t>
-            </a:r>
-          </a:p>
-          <a:p>
-            <a:pPr lvl="1"/>
-            <a:r>
-              <a:rPr lang="en-US" sz="2800" b="0" i="0" dirty="0" err="1">
-                <a:solidFill>
-                  <a:srgbClr val="000000"/>
-                </a:solidFill>
-                <a:effectLst/>
-              </a:rPr>
-              <a:t>sys.stdout.flush</a:t>
-            </a:r>
-            <a:r>
-              <a:rPr lang="en-US" sz="2800" b="0" i="0" dirty="0">
-                <a:solidFill>
-                  <a:srgbClr val="000000"/>
-                </a:solidFill>
-                <a:effectLst/>
-              </a:rPr>
-              <a:t>() </a:t>
-            </a:r>
-          </a:p>
-          <a:p>
-            <a:pPr lvl="1"/>
-            <a:r>
-              <a:rPr lang="en-US" sz="2800" b="0" i="0" dirty="0" err="1">
-                <a:solidFill>
-                  <a:srgbClr val="000000"/>
-                </a:solidFill>
-                <a:effectLst/>
-              </a:rPr>
-              <a:t>sys.stdout.write</a:t>
-            </a:r>
-            <a:r>
-              <a:rPr lang="en-US" sz="2800" b="0" i="0" dirty="0">
-                <a:solidFill>
-                  <a:srgbClr val="000000"/>
-                </a:solidFill>
-                <a:effectLst/>
-              </a:rPr>
-              <a:t>("in process ") </a:t>
-            </a:r>
-          </a:p>
-          <a:p>
-            <a:pPr lvl="1"/>
-            <a:r>
-              <a:rPr lang="en-US" sz="2800" b="0" i="0" dirty="0" err="1">
-                <a:solidFill>
-                  <a:srgbClr val="000000"/>
-                </a:solidFill>
-                <a:effectLst/>
-              </a:rPr>
-              <a:t>sys.stdout.flush</a:t>
-            </a:r>
-            <a:r>
-              <a:rPr lang="en-US" sz="2800" b="0" i="0" dirty="0">
-                <a:solidFill>
-                  <a:srgbClr val="000000"/>
-                </a:solidFill>
-                <a:effectLst/>
-              </a:rPr>
-              <a:t>() </a:t>
-            </a:r>
-            <a:r>
-              <a:rPr lang="en-US" sz="2800" b="0" i="0" dirty="0" err="1">
-                <a:solidFill>
-                  <a:srgbClr val="000000"/>
-                </a:solidFill>
-                <a:effectLst/>
-              </a:rPr>
-              <a:t>sys.stdout.write</a:t>
-            </a:r>
-            <a:r>
-              <a:rPr lang="en-US" sz="2800" b="0" i="0" dirty="0">
-                <a:solidFill>
-                  <a:srgbClr val="000000"/>
-                </a:solidFill>
-                <a:effectLst/>
-              </a:rPr>
-              <a:t>(</a:t>
-            </a:r>
-            <a:r>
-              <a:rPr lang="en-US" sz="2800" b="0" i="0" dirty="0" err="1">
-                <a:solidFill>
-                  <a:srgbClr val="000000"/>
-                </a:solidFill>
-                <a:effectLst/>
-              </a:rPr>
-              <a:t>MP.current_process</a:t>
-            </a:r>
-            <a:r>
-              <a:rPr lang="en-US" sz="2800" b="0" i="0" dirty="0">
-                <a:solidFill>
-                  <a:srgbClr val="000000"/>
-                </a:solidFill>
-                <a:effectLst/>
-              </a:rPr>
-              <a:t>().name+ "\n") </a:t>
-            </a:r>
-          </a:p>
-          <a:p>
-            <a:pPr lvl="1"/>
-            <a:r>
-              <a:rPr lang="en-US" sz="2800" b="0" i="0" dirty="0" err="1">
-                <a:solidFill>
-                  <a:srgbClr val="000000"/>
-                </a:solidFill>
-                <a:effectLst/>
-              </a:rPr>
-              <a:t>sys.stdout.flush</a:t>
-            </a:r>
-            <a:r>
-              <a:rPr lang="en-US" sz="2800" b="0" i="0" dirty="0">
-                <a:solidFill>
-                  <a:srgbClr val="000000"/>
-                </a:solidFill>
-                <a:effectLst/>
-              </a:rPr>
-              <a:t>()</a:t>
-            </a:r>
-            <a:endParaRPr lang="he-IL" sz="2800" dirty="0">
-              <a:cs typeface="Calibri" panose="020F0502020204030204" pitchFamily="34" charset="0"/>
+              <a:latin typeface="Arial" panose="020B0604020202020204" pitchFamily="34" charset="0"/>
             </a:endParaRPr>
           </a:p>
         </p:txBody>
@@ -10646,7 +10834,7 @@
     </p:spTree>
     <p:extLst>
       <p:ext uri="{BB962C8B-B14F-4D97-AF65-F5344CB8AC3E}">
-        <p14:creationId xmlns:p14="http://schemas.microsoft.com/office/powerpoint/2010/main" val="2689029024"/>
+        <p14:creationId xmlns:p14="http://schemas.microsoft.com/office/powerpoint/2010/main" val="95739443"/>
       </p:ext>
     </p:extLst>
   </p:cSld>
@@ -10686,7 +10874,7 @@
         <p:spPr/>
         <p:txBody>
           <a:bodyPr>
-            <a:noAutofit/>
+            <a:normAutofit/>
           </a:bodyPr>
           <a:lstStyle/>
           <a:p>
@@ -10698,7 +10886,7 @@
                 <a:effectLst/>
                 <a:latin typeface="+mn-lt"/>
               </a:rPr>
-              <a:t>Synchronization between processes-cont’d</a:t>
+              <a:t>Synchronization between processes</a:t>
             </a:r>
             <a:endParaRPr lang="he-IL" dirty="0">
               <a:latin typeface="+mn-lt"/>
@@ -10709,205 +10897,1640 @@
       </p:sp>
       <p:sp>
         <p:nvSpPr>
-          <p:cNvPr id="4" name="TextBox 3">
+          <p:cNvPr id="3" name="Content Placeholder 2"/>
+          <p:cNvSpPr>
+            <a:spLocks noGrp="1"/>
+          </p:cNvSpPr>
+          <p:nvPr>
+            <p:ph idx="1"/>
+          </p:nvPr>
+        </p:nvSpPr>
+        <p:spPr>
+          <a:xfrm>
+            <a:off x="815841" y="1494902"/>
+            <a:ext cx="10515600" cy="467064"/>
+          </a:xfrm>
+        </p:spPr>
+        <p:txBody>
+          <a:bodyPr>
+            <a:noAutofit/>
+          </a:bodyPr>
+          <a:lstStyle/>
+          <a:p>
+            <a:pPr>
+              <a:lnSpc>
+                <a:spcPct val="100000"/>
+              </a:lnSpc>
+            </a:pPr>
+            <a:r>
+              <a:rPr lang="en-US" sz="1800" b="0" i="0" dirty="0">
+                <a:solidFill>
+                  <a:srgbClr val="000000"/>
+                </a:solidFill>
+                <a:effectLst/>
+              </a:rPr>
+              <a:t>Take a look at the following program: </a:t>
+            </a:r>
+          </a:p>
+          <a:p>
+            <a:pPr marL="0" indent="0">
+              <a:lnSpc>
+                <a:spcPct val="100000"/>
+              </a:lnSpc>
+              <a:buNone/>
+            </a:pPr>
+            <a:endParaRPr lang="en-US" sz="1800" dirty="0">
+              <a:solidFill>
+                <a:srgbClr val="000000"/>
+              </a:solidFill>
+            </a:endParaRPr>
+          </a:p>
+        </p:txBody>
+      </p:sp>
+      <p:sp>
+        <p:nvSpPr>
+          <p:cNvPr id="4" name="Rectangle 1">
             <a:extLst>
               <a:ext uri="{FF2B5EF4-FFF2-40B4-BE49-F238E27FC236}">
-                <a16:creationId xmlns:a16="http://schemas.microsoft.com/office/drawing/2014/main" id="{4EB97233-A4A5-4F49-A9D0-EDDFF40EF87C}"/>
+                <a16:creationId xmlns:a16="http://schemas.microsoft.com/office/drawing/2014/main" id="{803C8CEB-2C4D-4C16-9943-0F7C7B64E9CB}"/>
               </a:ext>
             </a:extLst>
           </p:cNvPr>
-          <p:cNvSpPr txBox="1"/>
+          <p:cNvSpPr>
+            <a:spLocks noChangeArrowheads="1"/>
+          </p:cNvSpPr>
           <p:nvPr/>
         </p:nvSpPr>
-        <p:spPr>
+        <p:spPr bwMode="auto">
           <a:xfrm>
-            <a:off x="586813" y="1642534"/>
-            <a:ext cx="10657184" cy="2585323"/>
+            <a:off x="838200" y="2063783"/>
+            <a:ext cx="10040645" cy="4585871"/>
           </a:xfrm>
           <a:prstGeom prst="rect">
             <a:avLst/>
           </a:prstGeom>
-          <a:noFill/>
+          <a:solidFill>
+            <a:srgbClr val="2B2B2B"/>
+          </a:solidFill>
+          <a:ln>
+            <a:noFill/>
+          </a:ln>
+          <a:effectLst/>
+          <a:extLst>
+            <a:ext uri="{91240B29-F687-4F45-9708-019B960494DF}">
+              <a14:hiddenLine xmlns:a14="http://schemas.microsoft.com/office/drawing/2010/main" w="9525">
+                <a:solidFill>
+                  <a:schemeClr val="tx1"/>
+                </a:solidFill>
+                <a:miter lim="800000"/>
+                <a:headEnd/>
+                <a:tailEnd/>
+              </a14:hiddenLine>
+            </a:ext>
+            <a:ext uri="{AF507438-7753-43E0-B8FC-AC1667EBCBE1}">
+              <a14:hiddenEffects xmlns:a14="http://schemas.microsoft.com/office/drawing/2010/main">
+                <a:effectLst>
+                  <a:outerShdw dist="35921" dir="2700000" algn="ctr" rotWithShape="0">
+                    <a:schemeClr val="bg2"/>
+                  </a:outerShdw>
+                </a:effectLst>
+              </a14:hiddenEffects>
+            </a:ext>
+          </a:extLst>
         </p:spPr>
         <p:txBody>
-          <a:bodyPr wrap="square" rtlCol="0">
+          <a:bodyPr vert="horz" wrap="square" lIns="91440" tIns="45720" rIns="91440" bIns="45720" numCol="1" anchor="ctr" anchorCtr="0" compatLnSpc="1">
+            <a:prstTxWarp prst="textNoShape">
+              <a:avLst/>
+            </a:prstTxWarp>
             <a:spAutoFit/>
           </a:bodyPr>
           <a:lstStyle/>
           <a:p>
-            <a:pPr marL="285750" indent="-285750">
-              <a:buFont typeface="Arial" panose="020B0604020202020204" pitchFamily="34" charset="0"/>
-              <a:buChar char="•"/>
+            <a:pPr marL="0" marR="0" lvl="0" indent="0" algn="l" defTabSz="914400" rtl="0" eaLnBrk="0" fontAlgn="base" latinLnBrk="0" hangingPunct="0">
+              <a:lnSpc>
+                <a:spcPct val="100000"/>
+              </a:lnSpc>
+              <a:spcBef>
+                <a:spcPct val="0"/>
+              </a:spcBef>
+              <a:spcAft>
+                <a:spcPct val="0"/>
+              </a:spcAft>
+              <a:buClrTx/>
+              <a:buSzTx/>
+              <a:buFontTx/>
+              <a:buNone/>
+              <a:tabLst/>
             </a:pPr>
             <a:r>
-              <a:rPr lang="en-US" b="0" i="0" dirty="0">
-                <a:solidFill>
-                  <a:srgbClr val="000000"/>
-                </a:solidFill>
-                <a:effectLst/>
-              </a:rPr>
-              <a:t>multiprocessing module has 3 classes for process synchronization: </a:t>
-            </a:r>
-          </a:p>
-          <a:p>
-            <a:pPr marL="742950" lvl="1" indent="-285750">
-              <a:buFont typeface="Arial" panose="020B0604020202020204" pitchFamily="34" charset="0"/>
-              <a:buChar char="•"/>
-            </a:pPr>
-            <a:r>
-              <a:rPr lang="en-US" b="0" i="0" dirty="0">
-                <a:solidFill>
-                  <a:srgbClr val="000000"/>
-                </a:solidFill>
-                <a:effectLst/>
-              </a:rPr>
-              <a:t>Lock - non-recursive lock object </a:t>
-            </a:r>
-          </a:p>
-          <a:p>
-            <a:pPr marL="742950" lvl="1" indent="-285750">
-              <a:buFont typeface="Arial" panose="020B0604020202020204" pitchFamily="34" charset="0"/>
-              <a:buChar char="•"/>
-            </a:pPr>
-            <a:r>
-              <a:rPr lang="en-US" b="0" i="0" dirty="0" err="1">
-                <a:solidFill>
-                  <a:srgbClr val="000000"/>
-                </a:solidFill>
-                <a:effectLst/>
-              </a:rPr>
-              <a:t>Rlock</a:t>
-            </a:r>
-            <a:r>
-              <a:rPr lang="en-US" b="0" i="0" dirty="0">
-                <a:solidFill>
-                  <a:srgbClr val="000000"/>
-                </a:solidFill>
-                <a:effectLst/>
-              </a:rPr>
-              <a:t> - recursive lock object </a:t>
-            </a:r>
-          </a:p>
-          <a:p>
-            <a:pPr marL="742950" lvl="1" indent="-285750">
-              <a:buFont typeface="Arial" panose="020B0604020202020204" pitchFamily="34" charset="0"/>
-              <a:buChar char="•"/>
-            </a:pPr>
-            <a:r>
-              <a:rPr lang="en-US" b="0" i="0" dirty="0">
-                <a:solidFill>
-                  <a:srgbClr val="000000"/>
-                </a:solidFill>
-                <a:effectLst/>
-              </a:rPr>
-              <a:t>Semaphore — created with internal counter and can be acquired </a:t>
-            </a:r>
-            <a:r>
-              <a:rPr lang="en-US" b="0" i="0" dirty="0" err="1">
-                <a:solidFill>
-                  <a:srgbClr val="000000"/>
-                </a:solidFill>
-                <a:effectLst/>
-              </a:rPr>
-              <a:t>countertimes</a:t>
-            </a:r>
-            <a:r>
-              <a:rPr lang="en-US" b="0" i="0" dirty="0">
-                <a:solidFill>
-                  <a:srgbClr val="000000"/>
-                </a:solidFill>
-                <a:effectLst/>
-              </a:rPr>
-              <a:t> before released </a:t>
-            </a:r>
-          </a:p>
-          <a:p>
-            <a:pPr marL="285750" indent="-285750">
-              <a:buFont typeface="Arial" panose="020B0604020202020204" pitchFamily="34" charset="0"/>
-              <a:buChar char="•"/>
-            </a:pPr>
-            <a:r>
-              <a:rPr lang="en-US" b="0" i="0" dirty="0">
-                <a:solidFill>
-                  <a:srgbClr val="000000"/>
-                </a:solidFill>
-                <a:effectLst/>
-              </a:rPr>
-              <a:t>They all support context manages and can be used with </a:t>
-            </a:r>
-            <a:r>
-              <a:rPr lang="en-US" b="0" i="0" dirty="0" err="1">
-                <a:solidFill>
-                  <a:srgbClr val="000000"/>
-                </a:solidFill>
-                <a:effectLst/>
-              </a:rPr>
-              <a:t>with</a:t>
-            </a:r>
-            <a:r>
-              <a:rPr lang="en-US" b="0" i="0" dirty="0">
-                <a:solidFill>
-                  <a:srgbClr val="000000"/>
-                </a:solidFill>
-                <a:effectLst/>
-              </a:rPr>
-              <a:t> statement </a:t>
-            </a:r>
-          </a:p>
-          <a:p>
-            <a:pPr marL="285750" indent="-285750">
-              <a:buFont typeface="Arial" panose="020B0604020202020204" pitchFamily="34" charset="0"/>
-              <a:buChar char="•"/>
-            </a:pPr>
-            <a:r>
-              <a:rPr lang="en-US" b="0" i="0" dirty="0">
-                <a:solidFill>
-                  <a:srgbClr val="000000"/>
-                </a:solidFill>
-                <a:effectLst/>
-              </a:rPr>
-              <a:t>They all have the following function: </a:t>
-            </a:r>
-          </a:p>
-          <a:p>
-            <a:r>
-              <a:rPr lang="en-US" b="0" i="0" dirty="0">
-                <a:solidFill>
-                  <a:srgbClr val="000000"/>
-                </a:solidFill>
-                <a:effectLst/>
-              </a:rPr>
-              <a:t>	— acquire(blocking=True, timeout=-1) </a:t>
-            </a:r>
-          </a:p>
-          <a:p>
-            <a:pPr marL="1200150" lvl="2" indent="-285750">
-              <a:buFont typeface="Arial" panose="020B0604020202020204" pitchFamily="34" charset="0"/>
-              <a:buChar char="•"/>
-            </a:pPr>
-            <a:r>
-              <a:rPr lang="en-US" b="0" i="0" dirty="0">
-                <a:solidFill>
-                  <a:srgbClr val="000000"/>
-                </a:solidFill>
-                <a:effectLst/>
-              </a:rPr>
-              <a:t>acquire returns True if the locking were successful and False; otherwise al </a:t>
-            </a:r>
-          </a:p>
-          <a:p>
-            <a:pPr lvl="1"/>
-            <a:r>
-              <a:rPr lang="en-US" b="0" i="0" dirty="0">
-                <a:solidFill>
-                  <a:srgbClr val="000000"/>
-                </a:solidFill>
-                <a:effectLst/>
-              </a:rPr>
-              <a:t>— release()</a:t>
-            </a:r>
-            <a:endParaRPr lang="en-US" dirty="0">
-              <a:cs typeface="Calibri" panose="020F0502020204030204" pitchFamily="34" charset="0"/>
+              <a:rPr kumimoji="0" lang="en-US" altLang="en-US" sz="1200" b="0" i="0" u="none" strike="noStrike" cap="none" normalizeH="0" baseline="0" dirty="0">
+                <a:ln>
+                  <a:noFill/>
+                </a:ln>
+                <a:solidFill>
+                  <a:srgbClr val="CC7832"/>
+                </a:solidFill>
+                <a:effectLst/>
+                <a:latin typeface="Arial Unicode MS"/>
+              </a:rPr>
+              <a:t>import </a:t>
+            </a:r>
+            <a:r>
+              <a:rPr kumimoji="0" lang="en-US" altLang="en-US" sz="1200" b="0" i="0" u="none" strike="noStrike" cap="none" normalizeH="0" baseline="0" dirty="0">
+                <a:ln>
+                  <a:noFill/>
+                </a:ln>
+                <a:solidFill>
+                  <a:srgbClr val="A9B7C6"/>
+                </a:solidFill>
+                <a:effectLst/>
+                <a:latin typeface="Arial Unicode MS"/>
+              </a:rPr>
+              <a:t>multiprocessing </a:t>
+            </a:r>
+            <a:r>
+              <a:rPr kumimoji="0" lang="en-US" altLang="en-US" sz="1200" b="0" i="0" u="none" strike="noStrike" cap="none" normalizeH="0" baseline="0" dirty="0">
+                <a:ln>
+                  <a:noFill/>
+                </a:ln>
+                <a:solidFill>
+                  <a:srgbClr val="CC7832"/>
+                </a:solidFill>
+                <a:effectLst/>
+                <a:latin typeface="Arial Unicode MS"/>
+              </a:rPr>
+              <a:t>as </a:t>
+            </a:r>
+            <a:r>
+              <a:rPr kumimoji="0" lang="en-US" altLang="en-US" sz="1200" b="0" i="0" u="none" strike="noStrike" cap="none" normalizeH="0" baseline="0" dirty="0">
+                <a:ln>
+                  <a:noFill/>
+                </a:ln>
+                <a:solidFill>
+                  <a:srgbClr val="A9B7C6"/>
+                </a:solidFill>
+                <a:effectLst/>
+                <a:latin typeface="Arial Unicode MS"/>
+              </a:rPr>
+              <a:t>MP </a:t>
+            </a:r>
+            <a:br>
+              <a:rPr kumimoji="0" lang="en-US" altLang="en-US" sz="1200" b="0" i="0" u="none" strike="noStrike" cap="none" normalizeH="0" baseline="0" dirty="0">
+                <a:ln>
+                  <a:noFill/>
+                </a:ln>
+                <a:solidFill>
+                  <a:srgbClr val="A9B7C6"/>
+                </a:solidFill>
+                <a:effectLst/>
+                <a:latin typeface="Arial Unicode MS"/>
+              </a:rPr>
+            </a:br>
+            <a:r>
+              <a:rPr kumimoji="0" lang="en-US" altLang="en-US" sz="1200" b="0" i="0" u="none" strike="noStrike" cap="none" normalizeH="0" baseline="0" dirty="0">
+                <a:ln>
+                  <a:noFill/>
+                </a:ln>
+                <a:solidFill>
+                  <a:srgbClr val="CC7832"/>
+                </a:solidFill>
+                <a:effectLst/>
+                <a:latin typeface="Arial Unicode MS"/>
+              </a:rPr>
+              <a:t>import </a:t>
+            </a:r>
+            <a:r>
+              <a:rPr kumimoji="0" lang="en-US" altLang="en-US" sz="1200" b="0" i="0" u="none" strike="noStrike" cap="none" normalizeH="0" baseline="0" dirty="0">
+                <a:ln>
+                  <a:noFill/>
+                </a:ln>
+                <a:solidFill>
+                  <a:srgbClr val="A9B7C6"/>
+                </a:solidFill>
+                <a:effectLst/>
+                <a:latin typeface="Arial Unicode MS"/>
+              </a:rPr>
+              <a:t>sys </a:t>
+            </a:r>
+            <a:br>
+              <a:rPr kumimoji="0" lang="en-US" altLang="en-US" sz="1200" b="0" i="0" u="none" strike="noStrike" cap="none" normalizeH="0" baseline="0" dirty="0">
+                <a:ln>
+                  <a:noFill/>
+                </a:ln>
+                <a:solidFill>
+                  <a:srgbClr val="A9B7C6"/>
+                </a:solidFill>
+                <a:effectLst/>
+                <a:latin typeface="Arial Unicode MS"/>
+              </a:rPr>
+            </a:br>
+            <a:br>
+              <a:rPr kumimoji="0" lang="en-US" altLang="en-US" sz="1200" b="0" i="0" u="none" strike="noStrike" cap="none" normalizeH="0" baseline="0" dirty="0">
+                <a:ln>
+                  <a:noFill/>
+                </a:ln>
+                <a:solidFill>
+                  <a:srgbClr val="A9B7C6"/>
+                </a:solidFill>
+                <a:effectLst/>
+                <a:latin typeface="Arial Unicode MS"/>
+              </a:rPr>
+            </a:br>
+            <a:r>
+              <a:rPr kumimoji="0" lang="en-US" altLang="en-US" sz="1200" b="0" i="0" u="none" strike="noStrike" cap="none" normalizeH="0" baseline="0" dirty="0">
+                <a:ln>
+                  <a:noFill/>
+                </a:ln>
+                <a:solidFill>
+                  <a:srgbClr val="CC7832"/>
+                </a:solidFill>
+                <a:effectLst/>
+                <a:latin typeface="Arial Unicode MS"/>
+              </a:rPr>
+              <a:t>def </a:t>
+            </a:r>
+            <a:r>
+              <a:rPr kumimoji="0" lang="en-US" altLang="en-US" sz="1200" b="0" i="0" u="none" strike="noStrike" cap="none" normalizeH="0" baseline="0" dirty="0">
+                <a:ln>
+                  <a:noFill/>
+                </a:ln>
+                <a:solidFill>
+                  <a:srgbClr val="A9B7C6"/>
+                </a:solidFill>
+                <a:effectLst/>
+                <a:latin typeface="Arial Unicode MS"/>
+              </a:rPr>
+              <a:t>loop(): </a:t>
+            </a:r>
+            <a:br>
+              <a:rPr kumimoji="0" lang="en-US" altLang="en-US" sz="1200" b="0" i="0" u="none" strike="noStrike" cap="none" normalizeH="0" baseline="0" dirty="0">
+                <a:ln>
+                  <a:noFill/>
+                </a:ln>
+                <a:solidFill>
+                  <a:srgbClr val="A9B7C6"/>
+                </a:solidFill>
+                <a:effectLst/>
+                <a:latin typeface="Arial Unicode MS"/>
+              </a:rPr>
+            </a:br>
+            <a:r>
+              <a:rPr kumimoji="0" lang="en-US" altLang="en-US" sz="1200" b="0" i="0" u="none" strike="noStrike" cap="none" normalizeH="0" baseline="0" dirty="0">
+                <a:ln>
+                  <a:noFill/>
+                </a:ln>
+                <a:solidFill>
+                  <a:srgbClr val="A9B7C6"/>
+                </a:solidFill>
+                <a:effectLst/>
+                <a:latin typeface="Arial Unicode MS"/>
+              </a:rPr>
+              <a:t>   </a:t>
+            </a:r>
+            <a:r>
+              <a:rPr kumimoji="0" lang="en-US" altLang="en-US" sz="1200" b="0" i="0" u="none" strike="noStrike" cap="none" normalizeH="0" baseline="0" dirty="0">
+                <a:ln>
+                  <a:noFill/>
+                </a:ln>
+                <a:solidFill>
+                  <a:srgbClr val="CC7832"/>
+                </a:solidFill>
+                <a:effectLst/>
+                <a:latin typeface="Arial Unicode MS"/>
+              </a:rPr>
+              <a:t>for </a:t>
+            </a:r>
+            <a:r>
+              <a:rPr kumimoji="0" lang="en-US" altLang="en-US" sz="1200" b="0" i="0" u="none" strike="noStrike" cap="none" normalizeH="0" baseline="0" dirty="0" err="1">
+                <a:ln>
+                  <a:noFill/>
+                </a:ln>
+                <a:solidFill>
+                  <a:srgbClr val="A9B7C6"/>
+                </a:solidFill>
+                <a:effectLst/>
+                <a:latin typeface="Arial Unicode MS"/>
+              </a:rPr>
+              <a:t>i</a:t>
+            </a:r>
+            <a:r>
+              <a:rPr kumimoji="0" lang="en-US" altLang="en-US" sz="1200" b="0" i="0" u="none" strike="noStrike" cap="none" normalizeH="0" baseline="0" dirty="0">
+                <a:ln>
+                  <a:noFill/>
+                </a:ln>
+                <a:solidFill>
+                  <a:srgbClr val="A9B7C6"/>
+                </a:solidFill>
+                <a:effectLst/>
+                <a:latin typeface="Arial Unicode MS"/>
+              </a:rPr>
+              <a:t> </a:t>
+            </a:r>
+            <a:r>
+              <a:rPr kumimoji="0" lang="en-US" altLang="en-US" sz="1200" b="0" i="0" u="none" strike="noStrike" cap="none" normalizeH="0" baseline="0" dirty="0">
+                <a:ln>
+                  <a:noFill/>
+                </a:ln>
+                <a:solidFill>
+                  <a:srgbClr val="CC7832"/>
+                </a:solidFill>
+                <a:effectLst/>
+                <a:latin typeface="Arial Unicode MS"/>
+              </a:rPr>
+              <a:t>in </a:t>
+            </a:r>
+            <a:r>
+              <a:rPr kumimoji="0" lang="en-US" altLang="en-US" sz="1200" b="0" i="0" u="none" strike="noStrike" cap="none" normalizeH="0" baseline="0" dirty="0">
+                <a:ln>
+                  <a:noFill/>
+                </a:ln>
+                <a:solidFill>
+                  <a:srgbClr val="A9B7C6"/>
+                </a:solidFill>
+                <a:effectLst/>
+                <a:latin typeface="Arial Unicode MS"/>
+              </a:rPr>
+              <a:t>range(</a:t>
+            </a:r>
+            <a:r>
+              <a:rPr kumimoji="0" lang="en-US" altLang="en-US" sz="1200" b="0" i="0" u="none" strike="noStrike" cap="none" normalizeH="0" baseline="0" dirty="0">
+                <a:ln>
+                  <a:noFill/>
+                </a:ln>
+                <a:solidFill>
+                  <a:srgbClr val="6897BB"/>
+                </a:solidFill>
+                <a:effectLst/>
+                <a:latin typeface="Arial Unicode MS"/>
+              </a:rPr>
+              <a:t>400</a:t>
+            </a:r>
+            <a:r>
+              <a:rPr kumimoji="0" lang="en-US" altLang="en-US" sz="1200" b="0" i="0" u="none" strike="noStrike" cap="none" normalizeH="0" baseline="0" dirty="0">
+                <a:ln>
+                  <a:noFill/>
+                </a:ln>
+                <a:solidFill>
+                  <a:srgbClr val="A9B7C6"/>
+                </a:solidFill>
+                <a:effectLst/>
+                <a:latin typeface="Arial Unicode MS"/>
+              </a:rPr>
+              <a:t>): </a:t>
+            </a:r>
+            <a:br>
+              <a:rPr kumimoji="0" lang="en-US" altLang="en-US" sz="1200" b="0" i="0" u="none" strike="noStrike" cap="none" normalizeH="0" baseline="0" dirty="0">
+                <a:ln>
+                  <a:noFill/>
+                </a:ln>
+                <a:solidFill>
+                  <a:srgbClr val="A9B7C6"/>
+                </a:solidFill>
+                <a:effectLst/>
+                <a:latin typeface="Arial Unicode MS"/>
+              </a:rPr>
+            </a:br>
+            <a:r>
+              <a:rPr kumimoji="0" lang="en-US" altLang="en-US" sz="1200" b="0" i="0" u="none" strike="noStrike" cap="none" normalizeH="0" baseline="0" dirty="0">
+                <a:ln>
+                  <a:noFill/>
+                </a:ln>
+                <a:solidFill>
+                  <a:srgbClr val="A9B7C6"/>
+                </a:solidFill>
+                <a:effectLst/>
+                <a:latin typeface="Arial Unicode MS"/>
+              </a:rPr>
+              <a:t>      </a:t>
+            </a:r>
+            <a:r>
+              <a:rPr kumimoji="0" lang="en-US" altLang="en-US" sz="1200" b="0" i="0" u="none" strike="noStrike" cap="none" normalizeH="0" baseline="0" dirty="0" err="1">
+                <a:ln>
+                  <a:noFill/>
+                </a:ln>
+                <a:solidFill>
+                  <a:srgbClr val="A9B7C6"/>
+                </a:solidFill>
+                <a:effectLst/>
+                <a:latin typeface="Arial Unicode MS"/>
+              </a:rPr>
+              <a:t>sys.stdout.write</a:t>
+            </a:r>
+            <a:r>
+              <a:rPr kumimoji="0" lang="en-US" altLang="en-US" sz="1200" b="0" i="0" u="none" strike="noStrike" cap="none" normalizeH="0" baseline="0" dirty="0">
+                <a:ln>
+                  <a:noFill/>
+                </a:ln>
+                <a:solidFill>
+                  <a:srgbClr val="A9B7C6"/>
+                </a:solidFill>
+                <a:effectLst/>
+                <a:latin typeface="Arial Unicode MS"/>
+              </a:rPr>
+              <a:t>(str(</a:t>
+            </a:r>
+            <a:r>
+              <a:rPr kumimoji="0" lang="en-US" altLang="en-US" sz="1200" b="0" i="0" u="none" strike="noStrike" cap="none" normalizeH="0" baseline="0" dirty="0" err="1">
+                <a:ln>
+                  <a:noFill/>
+                </a:ln>
+                <a:solidFill>
+                  <a:srgbClr val="A9B7C6"/>
+                </a:solidFill>
+                <a:effectLst/>
+                <a:latin typeface="Arial Unicode MS"/>
+              </a:rPr>
+              <a:t>i</a:t>
+            </a:r>
+            <a:r>
+              <a:rPr kumimoji="0" lang="en-US" altLang="en-US" sz="1200" b="0" i="0" u="none" strike="noStrike" cap="none" normalizeH="0" baseline="0" dirty="0">
+                <a:ln>
+                  <a:noFill/>
+                </a:ln>
+                <a:solidFill>
+                  <a:srgbClr val="A9B7C6"/>
+                </a:solidFill>
+                <a:effectLst/>
+                <a:latin typeface="Arial Unicode MS"/>
+              </a:rPr>
+              <a:t>)+</a:t>
+            </a:r>
+            <a:r>
+              <a:rPr kumimoji="0" lang="en-US" altLang="en-US" sz="1200" b="0" i="0" u="none" strike="noStrike" cap="none" normalizeH="0" baseline="0" dirty="0">
+                <a:ln>
+                  <a:noFill/>
+                </a:ln>
+                <a:solidFill>
+                  <a:srgbClr val="6A8759"/>
+                </a:solidFill>
+                <a:effectLst/>
+                <a:latin typeface="Arial Unicode MS"/>
+              </a:rPr>
+              <a:t>" "</a:t>
+            </a:r>
+            <a:r>
+              <a:rPr kumimoji="0" lang="en-US" altLang="en-US" sz="1200" b="0" i="0" u="none" strike="noStrike" cap="none" normalizeH="0" baseline="0" dirty="0">
+                <a:ln>
+                  <a:noFill/>
+                </a:ln>
+                <a:solidFill>
+                  <a:srgbClr val="A9B7C6"/>
+                </a:solidFill>
+                <a:effectLst/>
+                <a:latin typeface="Arial Unicode MS"/>
+              </a:rPr>
+              <a:t>) </a:t>
+            </a:r>
+            <a:br>
+              <a:rPr kumimoji="0" lang="en-US" altLang="en-US" sz="1200" b="0" i="0" u="none" strike="noStrike" cap="none" normalizeH="0" baseline="0" dirty="0">
+                <a:ln>
+                  <a:noFill/>
+                </a:ln>
+                <a:solidFill>
+                  <a:srgbClr val="A9B7C6"/>
+                </a:solidFill>
+                <a:effectLst/>
+                <a:latin typeface="Arial Unicode MS"/>
+              </a:rPr>
+            </a:br>
+            <a:r>
+              <a:rPr kumimoji="0" lang="en-US" altLang="en-US" sz="1200" b="0" i="0" u="none" strike="noStrike" cap="none" normalizeH="0" baseline="0" dirty="0">
+                <a:ln>
+                  <a:noFill/>
+                </a:ln>
+                <a:solidFill>
+                  <a:srgbClr val="A9B7C6"/>
+                </a:solidFill>
+                <a:effectLst/>
+                <a:latin typeface="Arial Unicode MS"/>
+              </a:rPr>
+              <a:t>      </a:t>
+            </a:r>
+            <a:r>
+              <a:rPr kumimoji="0" lang="en-US" altLang="en-US" sz="1200" b="0" i="0" u="none" strike="noStrike" cap="none" normalizeH="0" baseline="0" dirty="0" err="1">
+                <a:ln>
+                  <a:noFill/>
+                </a:ln>
+                <a:solidFill>
+                  <a:srgbClr val="A9B7C6"/>
+                </a:solidFill>
+                <a:effectLst/>
+                <a:latin typeface="Arial Unicode MS"/>
+              </a:rPr>
+              <a:t>sys.stdout.flush</a:t>
+            </a:r>
+            <a:r>
+              <a:rPr kumimoji="0" lang="en-US" altLang="en-US" sz="1200" b="0" i="0" u="none" strike="noStrike" cap="none" normalizeH="0" baseline="0" dirty="0">
+                <a:ln>
+                  <a:noFill/>
+                </a:ln>
+                <a:solidFill>
+                  <a:srgbClr val="A9B7C6"/>
+                </a:solidFill>
+                <a:effectLst/>
+                <a:latin typeface="Arial Unicode MS"/>
+              </a:rPr>
+              <a:t>() </a:t>
+            </a:r>
+            <a:br>
+              <a:rPr kumimoji="0" lang="en-US" altLang="en-US" sz="1200" b="0" i="0" u="none" strike="noStrike" cap="none" normalizeH="0" baseline="0" dirty="0">
+                <a:ln>
+                  <a:noFill/>
+                </a:ln>
+                <a:solidFill>
+                  <a:srgbClr val="A9B7C6"/>
+                </a:solidFill>
+                <a:effectLst/>
+                <a:latin typeface="Arial Unicode MS"/>
+              </a:rPr>
+            </a:br>
+            <a:r>
+              <a:rPr kumimoji="0" lang="en-US" altLang="en-US" sz="1200" b="0" i="0" u="none" strike="noStrike" cap="none" normalizeH="0" baseline="0" dirty="0">
+                <a:ln>
+                  <a:noFill/>
+                </a:ln>
+                <a:solidFill>
+                  <a:srgbClr val="A9B7C6"/>
+                </a:solidFill>
+                <a:effectLst/>
+                <a:latin typeface="Arial Unicode MS"/>
+              </a:rPr>
+              <a:t>      </a:t>
+            </a:r>
+            <a:r>
+              <a:rPr kumimoji="0" lang="en-US" altLang="en-US" sz="1200" b="0" i="0" u="none" strike="noStrike" cap="none" normalizeH="0" baseline="0" dirty="0" err="1">
+                <a:ln>
+                  <a:noFill/>
+                </a:ln>
+                <a:solidFill>
+                  <a:srgbClr val="A9B7C6"/>
+                </a:solidFill>
+                <a:effectLst/>
+                <a:latin typeface="Arial Unicode MS"/>
+              </a:rPr>
+              <a:t>sys.stdout.write</a:t>
+            </a:r>
+            <a:r>
+              <a:rPr kumimoji="0" lang="en-US" altLang="en-US" sz="1200" b="0" i="0" u="none" strike="noStrike" cap="none" normalizeH="0" baseline="0" dirty="0">
+                <a:ln>
+                  <a:noFill/>
+                </a:ln>
+                <a:solidFill>
+                  <a:srgbClr val="A9B7C6"/>
+                </a:solidFill>
+                <a:effectLst/>
+                <a:latin typeface="Arial Unicode MS"/>
+              </a:rPr>
+              <a:t>(</a:t>
+            </a:r>
+            <a:r>
+              <a:rPr kumimoji="0" lang="en-US" altLang="en-US" sz="1200" b="0" i="0" u="none" strike="noStrike" cap="none" normalizeH="0" baseline="0" dirty="0">
+                <a:ln>
+                  <a:noFill/>
+                </a:ln>
+                <a:solidFill>
+                  <a:srgbClr val="6A8759"/>
+                </a:solidFill>
+                <a:effectLst/>
+                <a:latin typeface="Arial Unicode MS"/>
+              </a:rPr>
+              <a:t>"in process "</a:t>
+            </a:r>
+            <a:r>
+              <a:rPr kumimoji="0" lang="en-US" altLang="en-US" sz="1200" b="0" i="0" u="none" strike="noStrike" cap="none" normalizeH="0" baseline="0" dirty="0">
+                <a:ln>
+                  <a:noFill/>
+                </a:ln>
+                <a:solidFill>
+                  <a:srgbClr val="A9B7C6"/>
+                </a:solidFill>
+                <a:effectLst/>
+                <a:latin typeface="Arial Unicode MS"/>
+              </a:rPr>
+              <a:t>) </a:t>
+            </a:r>
+            <a:br>
+              <a:rPr kumimoji="0" lang="en-US" altLang="en-US" sz="1200" b="0" i="0" u="none" strike="noStrike" cap="none" normalizeH="0" baseline="0" dirty="0">
+                <a:ln>
+                  <a:noFill/>
+                </a:ln>
+                <a:solidFill>
+                  <a:srgbClr val="A9B7C6"/>
+                </a:solidFill>
+                <a:effectLst/>
+                <a:latin typeface="Arial Unicode MS"/>
+              </a:rPr>
+            </a:br>
+            <a:r>
+              <a:rPr kumimoji="0" lang="en-US" altLang="en-US" sz="1200" b="0" i="0" u="none" strike="noStrike" cap="none" normalizeH="0" baseline="0" dirty="0">
+                <a:ln>
+                  <a:noFill/>
+                </a:ln>
+                <a:solidFill>
+                  <a:srgbClr val="A9B7C6"/>
+                </a:solidFill>
+                <a:effectLst/>
+                <a:latin typeface="Arial Unicode MS"/>
+              </a:rPr>
+              <a:t>      </a:t>
+            </a:r>
+            <a:r>
+              <a:rPr kumimoji="0" lang="en-US" altLang="en-US" sz="1200" b="0" i="0" u="none" strike="noStrike" cap="none" normalizeH="0" baseline="0" dirty="0" err="1">
+                <a:ln>
+                  <a:noFill/>
+                </a:ln>
+                <a:solidFill>
+                  <a:srgbClr val="A9B7C6"/>
+                </a:solidFill>
+                <a:effectLst/>
+                <a:latin typeface="Arial Unicode MS"/>
+              </a:rPr>
+              <a:t>sys.stdout.flush</a:t>
+            </a:r>
+            <a:r>
+              <a:rPr kumimoji="0" lang="en-US" altLang="en-US" sz="1200" b="0" i="0" u="none" strike="noStrike" cap="none" normalizeH="0" baseline="0" dirty="0">
+                <a:ln>
+                  <a:noFill/>
+                </a:ln>
+                <a:solidFill>
+                  <a:srgbClr val="A9B7C6"/>
+                </a:solidFill>
+                <a:effectLst/>
+                <a:latin typeface="Arial Unicode MS"/>
+              </a:rPr>
+              <a:t>() </a:t>
+            </a:r>
+            <a:br>
+              <a:rPr kumimoji="0" lang="en-US" altLang="en-US" sz="1200" b="0" i="0" u="none" strike="noStrike" cap="none" normalizeH="0" baseline="0" dirty="0">
+                <a:ln>
+                  <a:noFill/>
+                </a:ln>
+                <a:solidFill>
+                  <a:srgbClr val="A9B7C6"/>
+                </a:solidFill>
+                <a:effectLst/>
+                <a:latin typeface="Arial Unicode MS"/>
+              </a:rPr>
+            </a:br>
+            <a:r>
+              <a:rPr kumimoji="0" lang="en-US" altLang="en-US" sz="1200" b="0" i="0" u="none" strike="noStrike" cap="none" normalizeH="0" baseline="0" dirty="0">
+                <a:ln>
+                  <a:noFill/>
+                </a:ln>
+                <a:solidFill>
+                  <a:srgbClr val="A9B7C6"/>
+                </a:solidFill>
+                <a:effectLst/>
+                <a:latin typeface="Arial Unicode MS"/>
+              </a:rPr>
+              <a:t>      </a:t>
+            </a:r>
+            <a:r>
+              <a:rPr kumimoji="0" lang="en-US" altLang="en-US" sz="1200" b="0" i="0" u="none" strike="noStrike" cap="none" normalizeH="0" baseline="0" dirty="0" err="1">
+                <a:ln>
+                  <a:noFill/>
+                </a:ln>
+                <a:solidFill>
+                  <a:srgbClr val="A9B7C6"/>
+                </a:solidFill>
+                <a:effectLst/>
+                <a:latin typeface="Arial Unicode MS"/>
+              </a:rPr>
+              <a:t>sys.stdout.write</a:t>
+            </a:r>
+            <a:r>
+              <a:rPr kumimoji="0" lang="en-US" altLang="en-US" sz="1200" b="0" i="0" u="none" strike="noStrike" cap="none" normalizeH="0" baseline="0" dirty="0">
+                <a:ln>
+                  <a:noFill/>
+                </a:ln>
+                <a:solidFill>
+                  <a:srgbClr val="A9B7C6"/>
+                </a:solidFill>
+                <a:effectLst/>
+                <a:latin typeface="Arial Unicode MS"/>
+              </a:rPr>
+              <a:t>(</a:t>
+            </a:r>
+            <a:r>
+              <a:rPr kumimoji="0" lang="en-US" altLang="en-US" sz="1200" b="0" i="0" u="none" strike="noStrike" cap="none" normalizeH="0" baseline="0" dirty="0" err="1">
+                <a:ln>
+                  <a:noFill/>
+                </a:ln>
+                <a:solidFill>
+                  <a:srgbClr val="A9B7C6"/>
+                </a:solidFill>
+                <a:effectLst/>
+                <a:latin typeface="Arial Unicode MS"/>
+              </a:rPr>
+              <a:t>MP.current_process</a:t>
+            </a:r>
+            <a:r>
+              <a:rPr kumimoji="0" lang="en-US" altLang="en-US" sz="1200" b="0" i="0" u="none" strike="noStrike" cap="none" normalizeH="0" baseline="0" dirty="0">
+                <a:ln>
+                  <a:noFill/>
+                </a:ln>
+                <a:solidFill>
+                  <a:srgbClr val="A9B7C6"/>
+                </a:solidFill>
+                <a:effectLst/>
+                <a:latin typeface="Arial Unicode MS"/>
+              </a:rPr>
+              <a:t>().name+ </a:t>
+            </a:r>
+            <a:r>
+              <a:rPr kumimoji="0" lang="en-US" altLang="en-US" sz="1200" b="0" i="0" u="none" strike="noStrike" cap="none" normalizeH="0" baseline="0" dirty="0">
+                <a:ln>
+                  <a:noFill/>
+                </a:ln>
+                <a:solidFill>
+                  <a:srgbClr val="6A8759"/>
+                </a:solidFill>
+                <a:effectLst/>
+                <a:latin typeface="Arial Unicode MS"/>
+              </a:rPr>
+              <a:t>"</a:t>
+            </a:r>
+            <a:r>
+              <a:rPr kumimoji="0" lang="en-US" altLang="en-US" sz="1200" b="0" i="0" u="none" strike="noStrike" cap="none" normalizeH="0" baseline="0" dirty="0">
+                <a:ln>
+                  <a:noFill/>
+                </a:ln>
+                <a:solidFill>
+                  <a:srgbClr val="CC7832"/>
+                </a:solidFill>
+                <a:effectLst/>
+                <a:latin typeface="Arial Unicode MS"/>
+              </a:rPr>
+              <a:t>\n</a:t>
+            </a:r>
+            <a:r>
+              <a:rPr kumimoji="0" lang="en-US" altLang="en-US" sz="1200" b="0" i="0" u="none" strike="noStrike" cap="none" normalizeH="0" baseline="0" dirty="0">
+                <a:ln>
+                  <a:noFill/>
+                </a:ln>
+                <a:solidFill>
+                  <a:srgbClr val="6A8759"/>
+                </a:solidFill>
+                <a:effectLst/>
+                <a:latin typeface="Arial Unicode MS"/>
+              </a:rPr>
+              <a:t>"</a:t>
+            </a:r>
+            <a:r>
+              <a:rPr kumimoji="0" lang="en-US" altLang="en-US" sz="1200" b="0" i="0" u="none" strike="noStrike" cap="none" normalizeH="0" baseline="0" dirty="0">
+                <a:ln>
+                  <a:noFill/>
+                </a:ln>
+                <a:solidFill>
+                  <a:srgbClr val="A9B7C6"/>
+                </a:solidFill>
+                <a:effectLst/>
+                <a:latin typeface="Arial Unicode MS"/>
+              </a:rPr>
+              <a:t>) </a:t>
+            </a:r>
+            <a:br>
+              <a:rPr kumimoji="0" lang="en-US" altLang="en-US" sz="1200" b="0" i="0" u="none" strike="noStrike" cap="none" normalizeH="0" baseline="0" dirty="0">
+                <a:ln>
+                  <a:noFill/>
+                </a:ln>
+                <a:solidFill>
+                  <a:srgbClr val="A9B7C6"/>
+                </a:solidFill>
+                <a:effectLst/>
+                <a:latin typeface="Arial Unicode MS"/>
+              </a:rPr>
+            </a:br>
+            <a:r>
+              <a:rPr kumimoji="0" lang="en-US" altLang="en-US" sz="1200" b="0" i="0" u="none" strike="noStrike" cap="none" normalizeH="0" baseline="0" dirty="0">
+                <a:ln>
+                  <a:noFill/>
+                </a:ln>
+                <a:solidFill>
+                  <a:srgbClr val="A9B7C6"/>
+                </a:solidFill>
+                <a:effectLst/>
+                <a:latin typeface="Arial Unicode MS"/>
+              </a:rPr>
+              <a:t>      </a:t>
+            </a:r>
+            <a:r>
+              <a:rPr kumimoji="0" lang="en-US" altLang="en-US" sz="1200" b="0" i="0" u="none" strike="noStrike" cap="none" normalizeH="0" baseline="0" dirty="0" err="1">
+                <a:ln>
+                  <a:noFill/>
+                </a:ln>
+                <a:solidFill>
+                  <a:srgbClr val="A9B7C6"/>
+                </a:solidFill>
+                <a:effectLst/>
+                <a:latin typeface="Arial Unicode MS"/>
+              </a:rPr>
+              <a:t>sys.stdout.flush</a:t>
+            </a:r>
+            <a:r>
+              <a:rPr kumimoji="0" lang="en-US" altLang="en-US" sz="1200" b="0" i="0" u="none" strike="noStrike" cap="none" normalizeH="0" baseline="0" dirty="0">
+                <a:ln>
+                  <a:noFill/>
+                </a:ln>
+                <a:solidFill>
+                  <a:srgbClr val="A9B7C6"/>
+                </a:solidFill>
+                <a:effectLst/>
+                <a:latin typeface="Arial Unicode MS"/>
+              </a:rPr>
+              <a:t>()</a:t>
+            </a:r>
+            <a:br>
+              <a:rPr kumimoji="0" lang="en-US" altLang="en-US" sz="1200" b="0" i="0" u="none" strike="noStrike" cap="none" normalizeH="0" baseline="0" dirty="0">
+                <a:ln>
+                  <a:noFill/>
+                </a:ln>
+                <a:solidFill>
+                  <a:srgbClr val="A9B7C6"/>
+                </a:solidFill>
+                <a:effectLst/>
+                <a:latin typeface="Arial Unicode MS"/>
+              </a:rPr>
+            </a:br>
+            <a:br>
+              <a:rPr kumimoji="0" lang="en-US" altLang="en-US" sz="1200" b="0" i="0" u="none" strike="noStrike" cap="none" normalizeH="0" baseline="0" dirty="0">
+                <a:ln>
+                  <a:noFill/>
+                </a:ln>
+                <a:solidFill>
+                  <a:srgbClr val="A9B7C6"/>
+                </a:solidFill>
+                <a:effectLst/>
+                <a:latin typeface="Arial Unicode MS"/>
+              </a:rPr>
+            </a:br>
+            <a:r>
+              <a:rPr kumimoji="0" lang="en-US" altLang="en-US" sz="1200" b="0" i="0" u="none" strike="noStrike" cap="none" normalizeH="0" baseline="0" dirty="0">
+                <a:ln>
+                  <a:noFill/>
+                </a:ln>
+                <a:solidFill>
+                  <a:srgbClr val="CC7832"/>
+                </a:solidFill>
+                <a:effectLst/>
+                <a:latin typeface="Arial Unicode MS"/>
+              </a:rPr>
+              <a:t>if </a:t>
+            </a:r>
+            <a:r>
+              <a:rPr kumimoji="0" lang="en-US" altLang="en-US" sz="1200" b="0" i="0" u="none" strike="noStrike" cap="none" normalizeH="0" baseline="0" dirty="0">
+                <a:ln>
+                  <a:noFill/>
+                </a:ln>
+                <a:solidFill>
+                  <a:srgbClr val="A9B7C6"/>
+                </a:solidFill>
+                <a:effectLst/>
+                <a:latin typeface="Arial Unicode MS"/>
+              </a:rPr>
+              <a:t>__name__ == </a:t>
+            </a:r>
+            <a:r>
+              <a:rPr kumimoji="0" lang="en-US" altLang="en-US" sz="1200" b="0" i="0" u="none" strike="noStrike" cap="none" normalizeH="0" baseline="0" dirty="0">
+                <a:ln>
+                  <a:noFill/>
+                </a:ln>
+                <a:solidFill>
+                  <a:srgbClr val="6A8759"/>
+                </a:solidFill>
+                <a:effectLst/>
+                <a:latin typeface="Arial Unicode MS"/>
+              </a:rPr>
+              <a:t>"__ main__"</a:t>
+            </a:r>
+            <a:r>
+              <a:rPr kumimoji="0" lang="en-US" altLang="en-US" sz="1200" b="0" i="0" u="none" strike="noStrike" cap="none" normalizeH="0" baseline="0" dirty="0">
+                <a:ln>
+                  <a:noFill/>
+                </a:ln>
+                <a:solidFill>
+                  <a:srgbClr val="A9B7C6"/>
+                </a:solidFill>
+                <a:effectLst/>
+                <a:latin typeface="Arial Unicode MS"/>
+              </a:rPr>
+              <a:t>: </a:t>
+            </a:r>
+            <a:br>
+              <a:rPr kumimoji="0" lang="en-US" altLang="en-US" sz="1200" b="0" i="0" u="none" strike="noStrike" cap="none" normalizeH="0" baseline="0" dirty="0">
+                <a:ln>
+                  <a:noFill/>
+                </a:ln>
+                <a:solidFill>
+                  <a:srgbClr val="A9B7C6"/>
+                </a:solidFill>
+                <a:effectLst/>
+                <a:latin typeface="Arial Unicode MS"/>
+              </a:rPr>
+            </a:br>
+            <a:r>
+              <a:rPr kumimoji="0" lang="en-US" altLang="en-US" sz="1200" b="0" i="0" u="none" strike="noStrike" cap="none" normalizeH="0" baseline="0" dirty="0">
+                <a:ln>
+                  <a:noFill/>
+                </a:ln>
+                <a:solidFill>
+                  <a:srgbClr val="A9B7C6"/>
+                </a:solidFill>
+                <a:effectLst/>
+                <a:latin typeface="Arial Unicode MS"/>
+              </a:rPr>
+              <a:t>   </a:t>
+            </a:r>
+            <a:r>
+              <a:rPr kumimoji="0" lang="en-US" altLang="en-US" sz="1200" b="0" i="0" u="none" strike="noStrike" cap="none" normalizeH="0" baseline="0" dirty="0" err="1">
+                <a:ln>
+                  <a:noFill/>
+                </a:ln>
+                <a:solidFill>
+                  <a:srgbClr val="A9B7C6"/>
+                </a:solidFill>
+                <a:effectLst/>
+                <a:latin typeface="Arial Unicode MS"/>
+              </a:rPr>
+              <a:t>MP.Process</a:t>
+            </a:r>
+            <a:r>
+              <a:rPr kumimoji="0" lang="en-US" altLang="en-US" sz="1200" b="0" i="0" u="none" strike="noStrike" cap="none" normalizeH="0" baseline="0" dirty="0">
+                <a:ln>
+                  <a:noFill/>
+                </a:ln>
+                <a:solidFill>
+                  <a:srgbClr val="A9B7C6"/>
+                </a:solidFill>
+                <a:effectLst/>
+                <a:latin typeface="Arial Unicode MS"/>
+              </a:rPr>
+              <a:t>(target=loop</a:t>
+            </a:r>
+            <a:r>
+              <a:rPr kumimoji="0" lang="en-US" altLang="en-US" sz="1200" b="0" i="0" u="none" strike="noStrike" cap="none" normalizeH="0" baseline="0" dirty="0">
+                <a:ln>
+                  <a:noFill/>
+                </a:ln>
+                <a:solidFill>
+                  <a:srgbClr val="CC7832"/>
+                </a:solidFill>
+                <a:effectLst/>
+                <a:latin typeface="Arial Unicode MS"/>
+              </a:rPr>
+              <a:t>, </a:t>
+            </a:r>
+            <a:r>
+              <a:rPr kumimoji="0" lang="en-US" altLang="en-US" sz="1200" b="0" i="0" u="none" strike="noStrike" cap="none" normalizeH="0" baseline="0" dirty="0">
+                <a:ln>
+                  <a:noFill/>
+                </a:ln>
+                <a:solidFill>
+                  <a:srgbClr val="A9B7C6"/>
+                </a:solidFill>
+                <a:effectLst/>
+                <a:latin typeface="Arial Unicode MS"/>
+              </a:rPr>
+              <a:t>name=</a:t>
+            </a:r>
+            <a:r>
+              <a:rPr kumimoji="0" lang="en-US" altLang="en-US" sz="1200" b="0" i="0" u="none" strike="noStrike" cap="none" normalizeH="0" baseline="0" dirty="0">
+                <a:ln>
+                  <a:noFill/>
+                </a:ln>
+                <a:solidFill>
+                  <a:srgbClr val="6A8759"/>
+                </a:solidFill>
+                <a:effectLst/>
+                <a:latin typeface="Arial Unicode MS"/>
+              </a:rPr>
+              <a:t>"child1"</a:t>
+            </a:r>
+            <a:r>
+              <a:rPr kumimoji="0" lang="en-US" altLang="en-US" sz="1200" b="0" i="0" u="none" strike="noStrike" cap="none" normalizeH="0" baseline="0" dirty="0">
+                <a:ln>
+                  <a:noFill/>
+                </a:ln>
+                <a:solidFill>
+                  <a:srgbClr val="A9B7C6"/>
+                </a:solidFill>
+                <a:effectLst/>
+                <a:latin typeface="Arial Unicode MS"/>
+              </a:rPr>
+              <a:t>).start()</a:t>
+            </a:r>
+            <a:br>
+              <a:rPr kumimoji="0" lang="en-US" altLang="en-US" sz="1200" b="0" i="0" u="none" strike="noStrike" cap="none" normalizeH="0" baseline="0" dirty="0">
+                <a:ln>
+                  <a:noFill/>
+                </a:ln>
+                <a:solidFill>
+                  <a:srgbClr val="A9B7C6"/>
+                </a:solidFill>
+                <a:effectLst/>
+                <a:latin typeface="Arial Unicode MS"/>
+              </a:rPr>
+            </a:br>
+            <a:r>
+              <a:rPr kumimoji="0" lang="en-US" altLang="en-US" sz="1200" b="0" i="0" u="none" strike="noStrike" cap="none" normalizeH="0" baseline="0" dirty="0">
+                <a:ln>
+                  <a:noFill/>
+                </a:ln>
+                <a:solidFill>
+                  <a:srgbClr val="A9B7C6"/>
+                </a:solidFill>
+                <a:effectLst/>
+                <a:latin typeface="Arial Unicode MS"/>
+              </a:rPr>
+              <a:t>   </a:t>
+            </a:r>
+            <a:r>
+              <a:rPr kumimoji="0" lang="en-US" altLang="en-US" sz="1200" b="0" i="0" u="none" strike="noStrike" cap="none" normalizeH="0" baseline="0" dirty="0" err="1">
+                <a:ln>
+                  <a:noFill/>
+                </a:ln>
+                <a:solidFill>
+                  <a:srgbClr val="A9B7C6"/>
+                </a:solidFill>
+                <a:effectLst/>
+                <a:latin typeface="Arial Unicode MS"/>
+              </a:rPr>
+              <a:t>MP.Process</a:t>
+            </a:r>
+            <a:r>
+              <a:rPr kumimoji="0" lang="en-US" altLang="en-US" sz="1200" b="0" i="0" u="none" strike="noStrike" cap="none" normalizeH="0" baseline="0" dirty="0">
+                <a:ln>
+                  <a:noFill/>
+                </a:ln>
+                <a:solidFill>
+                  <a:srgbClr val="A9B7C6"/>
+                </a:solidFill>
+                <a:effectLst/>
+                <a:latin typeface="Arial Unicode MS"/>
+              </a:rPr>
+              <a:t>(target=loop</a:t>
+            </a:r>
+            <a:r>
+              <a:rPr kumimoji="0" lang="en-US" altLang="en-US" sz="1200" b="0" i="0" u="none" strike="noStrike" cap="none" normalizeH="0" baseline="0" dirty="0">
+                <a:ln>
+                  <a:noFill/>
+                </a:ln>
+                <a:solidFill>
+                  <a:srgbClr val="CC7832"/>
+                </a:solidFill>
+                <a:effectLst/>
+                <a:latin typeface="Arial Unicode MS"/>
+              </a:rPr>
+              <a:t>, </a:t>
+            </a:r>
+            <a:r>
+              <a:rPr kumimoji="0" lang="en-US" altLang="en-US" sz="1200" b="0" i="0" u="none" strike="noStrike" cap="none" normalizeH="0" baseline="0" dirty="0">
+                <a:ln>
+                  <a:noFill/>
+                </a:ln>
+                <a:solidFill>
+                  <a:srgbClr val="A9B7C6"/>
+                </a:solidFill>
+                <a:effectLst/>
+                <a:latin typeface="Arial Unicode MS"/>
+              </a:rPr>
+              <a:t>name=</a:t>
+            </a:r>
+            <a:r>
+              <a:rPr kumimoji="0" lang="en-US" altLang="en-US" sz="1200" b="0" i="0" u="none" strike="noStrike" cap="none" normalizeH="0" baseline="0" dirty="0">
+                <a:ln>
+                  <a:noFill/>
+                </a:ln>
+                <a:solidFill>
+                  <a:srgbClr val="6A8759"/>
+                </a:solidFill>
+                <a:effectLst/>
+                <a:latin typeface="Arial Unicode MS"/>
+              </a:rPr>
+              <a:t>"child2"</a:t>
+            </a:r>
+            <a:r>
+              <a:rPr kumimoji="0" lang="en-US" altLang="en-US" sz="1200" b="0" i="0" u="none" strike="noStrike" cap="none" normalizeH="0" baseline="0" dirty="0">
+                <a:ln>
+                  <a:noFill/>
+                </a:ln>
+                <a:solidFill>
+                  <a:srgbClr val="A9B7C6"/>
+                </a:solidFill>
+                <a:effectLst/>
+                <a:latin typeface="Arial Unicode MS"/>
+              </a:rPr>
+              <a:t>).start()</a:t>
+            </a:r>
+            <a:br>
+              <a:rPr kumimoji="0" lang="en-US" altLang="en-US" sz="1200" b="0" i="0" u="none" strike="noStrike" cap="none" normalizeH="0" baseline="0" dirty="0">
+                <a:ln>
+                  <a:noFill/>
+                </a:ln>
+                <a:solidFill>
+                  <a:srgbClr val="A9B7C6"/>
+                </a:solidFill>
+                <a:effectLst/>
+                <a:latin typeface="Arial Unicode MS"/>
+              </a:rPr>
+            </a:br>
+            <a:br>
+              <a:rPr kumimoji="0" lang="en-US" altLang="en-US" sz="1200" b="0" i="0" u="none" strike="noStrike" cap="none" normalizeH="0" baseline="0" dirty="0">
+                <a:ln>
+                  <a:noFill/>
+                </a:ln>
+                <a:solidFill>
+                  <a:srgbClr val="A9B7C6"/>
+                </a:solidFill>
+                <a:effectLst/>
+                <a:latin typeface="Arial Unicode MS"/>
+              </a:rPr>
+            </a:br>
+            <a:r>
+              <a:rPr kumimoji="0" lang="en-US" altLang="en-US" sz="1200" b="0" i="0" u="none" strike="noStrike" cap="none" normalizeH="0" baseline="0" dirty="0">
+                <a:ln>
+                  <a:noFill/>
+                </a:ln>
+                <a:solidFill>
+                  <a:srgbClr val="CC7832"/>
+                </a:solidFill>
+                <a:effectLst/>
+                <a:latin typeface="Arial Unicode MS"/>
+              </a:rPr>
+              <a:t>for </a:t>
+            </a:r>
+            <a:r>
+              <a:rPr kumimoji="0" lang="en-US" altLang="en-US" sz="1200" b="0" i="0" u="none" strike="noStrike" cap="none" normalizeH="0" baseline="0" dirty="0" err="1">
+                <a:ln>
+                  <a:noFill/>
+                </a:ln>
+                <a:solidFill>
+                  <a:srgbClr val="A9B7C6"/>
+                </a:solidFill>
+                <a:effectLst/>
+                <a:latin typeface="Arial Unicode MS"/>
+              </a:rPr>
+              <a:t>i</a:t>
+            </a:r>
+            <a:r>
+              <a:rPr kumimoji="0" lang="en-US" altLang="en-US" sz="1200" b="0" i="0" u="none" strike="noStrike" cap="none" normalizeH="0" baseline="0" dirty="0">
+                <a:ln>
+                  <a:noFill/>
+                </a:ln>
+                <a:solidFill>
+                  <a:srgbClr val="A9B7C6"/>
+                </a:solidFill>
+                <a:effectLst/>
+                <a:latin typeface="Arial Unicode MS"/>
+              </a:rPr>
+              <a:t> </a:t>
+            </a:r>
+            <a:r>
+              <a:rPr kumimoji="0" lang="en-US" altLang="en-US" sz="1200" b="0" i="0" u="none" strike="noStrike" cap="none" normalizeH="0" baseline="0" dirty="0">
+                <a:ln>
+                  <a:noFill/>
+                </a:ln>
+                <a:solidFill>
+                  <a:srgbClr val="CC7832"/>
+                </a:solidFill>
+                <a:effectLst/>
+                <a:latin typeface="Arial Unicode MS"/>
+              </a:rPr>
+              <a:t>in </a:t>
+            </a:r>
+            <a:r>
+              <a:rPr kumimoji="0" lang="en-US" altLang="en-US" sz="1200" b="0" i="0" u="none" strike="noStrike" cap="none" normalizeH="0" baseline="0" dirty="0">
+                <a:ln>
+                  <a:noFill/>
+                </a:ln>
+                <a:solidFill>
+                  <a:srgbClr val="A9B7C6"/>
+                </a:solidFill>
+                <a:effectLst/>
+                <a:latin typeface="Arial Unicode MS"/>
+              </a:rPr>
+              <a:t>range(</a:t>
+            </a:r>
+            <a:r>
+              <a:rPr kumimoji="0" lang="en-US" altLang="en-US" sz="1200" b="0" i="0" u="none" strike="noStrike" cap="none" normalizeH="0" baseline="0" dirty="0">
+                <a:ln>
+                  <a:noFill/>
+                </a:ln>
+                <a:solidFill>
+                  <a:srgbClr val="6897BB"/>
+                </a:solidFill>
+                <a:effectLst/>
+                <a:latin typeface="Arial Unicode MS"/>
+              </a:rPr>
+              <a:t>400</a:t>
+            </a:r>
+            <a:r>
+              <a:rPr kumimoji="0" lang="en-US" altLang="en-US" sz="1200" b="0" i="0" u="none" strike="noStrike" cap="none" normalizeH="0" baseline="0" dirty="0">
+                <a:ln>
+                  <a:noFill/>
+                </a:ln>
+                <a:solidFill>
+                  <a:srgbClr val="A9B7C6"/>
+                </a:solidFill>
+                <a:effectLst/>
+                <a:latin typeface="Arial Unicode MS"/>
+              </a:rPr>
+              <a:t>): </a:t>
+            </a:r>
+            <a:br>
+              <a:rPr kumimoji="0" lang="en-US" altLang="en-US" sz="1200" b="0" i="0" u="none" strike="noStrike" cap="none" normalizeH="0" baseline="0" dirty="0">
+                <a:ln>
+                  <a:noFill/>
+                </a:ln>
+                <a:solidFill>
+                  <a:srgbClr val="A9B7C6"/>
+                </a:solidFill>
+                <a:effectLst/>
+                <a:latin typeface="Arial Unicode MS"/>
+              </a:rPr>
+            </a:br>
+            <a:r>
+              <a:rPr kumimoji="0" lang="en-US" altLang="en-US" sz="1200" b="0" i="0" u="none" strike="noStrike" cap="none" normalizeH="0" baseline="0" dirty="0" err="1">
+                <a:ln>
+                  <a:noFill/>
+                </a:ln>
+                <a:solidFill>
+                  <a:srgbClr val="A9B7C6"/>
+                </a:solidFill>
+                <a:effectLst/>
+                <a:latin typeface="Arial Unicode MS"/>
+              </a:rPr>
+              <a:t>sys.stdout.write</a:t>
+            </a:r>
+            <a:r>
+              <a:rPr kumimoji="0" lang="en-US" altLang="en-US" sz="1200" b="0" i="0" u="none" strike="noStrike" cap="none" normalizeH="0" baseline="0" dirty="0">
+                <a:ln>
+                  <a:noFill/>
+                </a:ln>
+                <a:solidFill>
+                  <a:srgbClr val="A9B7C6"/>
+                </a:solidFill>
+                <a:effectLst/>
+                <a:latin typeface="Arial Unicode MS"/>
+              </a:rPr>
+              <a:t>(str(</a:t>
+            </a:r>
+            <a:r>
+              <a:rPr kumimoji="0" lang="en-US" altLang="en-US" sz="1200" b="0" i="0" u="none" strike="noStrike" cap="none" normalizeH="0" baseline="0" dirty="0" err="1">
+                <a:ln>
+                  <a:noFill/>
+                </a:ln>
+                <a:solidFill>
+                  <a:srgbClr val="A9B7C6"/>
+                </a:solidFill>
+                <a:effectLst/>
+                <a:latin typeface="Arial Unicode MS"/>
+              </a:rPr>
+              <a:t>i</a:t>
+            </a:r>
+            <a:r>
+              <a:rPr kumimoji="0" lang="en-US" altLang="en-US" sz="1200" b="0" i="0" u="none" strike="noStrike" cap="none" normalizeH="0" baseline="0" dirty="0">
+                <a:ln>
+                  <a:noFill/>
+                </a:ln>
+                <a:solidFill>
+                  <a:srgbClr val="A9B7C6"/>
+                </a:solidFill>
+                <a:effectLst/>
+                <a:latin typeface="Arial Unicode MS"/>
+              </a:rPr>
+              <a:t>)+</a:t>
+            </a:r>
+            <a:r>
+              <a:rPr kumimoji="0" lang="en-US" altLang="en-US" sz="1200" b="0" i="0" u="none" strike="noStrike" cap="none" normalizeH="0" baseline="0" dirty="0">
+                <a:ln>
+                  <a:noFill/>
+                </a:ln>
+                <a:solidFill>
+                  <a:srgbClr val="6A8759"/>
+                </a:solidFill>
+                <a:effectLst/>
+                <a:latin typeface="Arial Unicode MS"/>
+              </a:rPr>
+              <a:t>" "</a:t>
+            </a:r>
+            <a:r>
+              <a:rPr kumimoji="0" lang="en-US" altLang="en-US" sz="1200" b="0" i="0" u="none" strike="noStrike" cap="none" normalizeH="0" baseline="0" dirty="0">
+                <a:ln>
+                  <a:noFill/>
+                </a:ln>
+                <a:solidFill>
+                  <a:srgbClr val="A9B7C6"/>
+                </a:solidFill>
+                <a:effectLst/>
+                <a:latin typeface="Arial Unicode MS"/>
+              </a:rPr>
+              <a:t>)</a:t>
+            </a:r>
+            <a:br>
+              <a:rPr kumimoji="0" lang="en-US" altLang="en-US" sz="1200" b="0" i="0" u="none" strike="noStrike" cap="none" normalizeH="0" baseline="0" dirty="0">
+                <a:ln>
+                  <a:noFill/>
+                </a:ln>
+                <a:solidFill>
+                  <a:srgbClr val="A9B7C6"/>
+                </a:solidFill>
+                <a:effectLst/>
+                <a:latin typeface="Arial Unicode MS"/>
+              </a:rPr>
+            </a:br>
+            <a:r>
+              <a:rPr kumimoji="0" lang="en-US" altLang="en-US" sz="1200" b="0" i="0" u="none" strike="noStrike" cap="none" normalizeH="0" baseline="0" dirty="0" err="1">
+                <a:ln>
+                  <a:noFill/>
+                </a:ln>
+                <a:solidFill>
+                  <a:srgbClr val="A9B7C6"/>
+                </a:solidFill>
+                <a:effectLst/>
+                <a:latin typeface="Arial Unicode MS"/>
+              </a:rPr>
+              <a:t>sys.stdout.flush</a:t>
+            </a:r>
+            <a:r>
+              <a:rPr kumimoji="0" lang="en-US" altLang="en-US" sz="1200" b="0" i="0" u="none" strike="noStrike" cap="none" normalizeH="0" baseline="0" dirty="0">
+                <a:ln>
+                  <a:noFill/>
+                </a:ln>
+                <a:solidFill>
+                  <a:srgbClr val="A9B7C6"/>
+                </a:solidFill>
+                <a:effectLst/>
+                <a:latin typeface="Arial Unicode MS"/>
+              </a:rPr>
+              <a:t>() </a:t>
+            </a:r>
+            <a:br>
+              <a:rPr kumimoji="0" lang="en-US" altLang="en-US" sz="1200" b="0" i="0" u="none" strike="noStrike" cap="none" normalizeH="0" baseline="0" dirty="0">
+                <a:ln>
+                  <a:noFill/>
+                </a:ln>
+                <a:solidFill>
+                  <a:srgbClr val="A9B7C6"/>
+                </a:solidFill>
+                <a:effectLst/>
+                <a:latin typeface="Arial Unicode MS"/>
+              </a:rPr>
+            </a:br>
+            <a:r>
+              <a:rPr kumimoji="0" lang="en-US" altLang="en-US" sz="1200" b="0" i="0" u="none" strike="noStrike" cap="none" normalizeH="0" baseline="0" dirty="0" err="1">
+                <a:ln>
+                  <a:noFill/>
+                </a:ln>
+                <a:solidFill>
+                  <a:srgbClr val="A9B7C6"/>
+                </a:solidFill>
+                <a:effectLst/>
+                <a:latin typeface="Arial Unicode MS"/>
+              </a:rPr>
+              <a:t>sys.stdout.write</a:t>
+            </a:r>
+            <a:r>
+              <a:rPr kumimoji="0" lang="en-US" altLang="en-US" sz="1200" b="0" i="0" u="none" strike="noStrike" cap="none" normalizeH="0" baseline="0" dirty="0">
+                <a:ln>
+                  <a:noFill/>
+                </a:ln>
+                <a:solidFill>
+                  <a:srgbClr val="A9B7C6"/>
+                </a:solidFill>
+                <a:effectLst/>
+                <a:latin typeface="Arial Unicode MS"/>
+              </a:rPr>
+              <a:t>(</a:t>
+            </a:r>
+            <a:r>
+              <a:rPr kumimoji="0" lang="en-US" altLang="en-US" sz="1200" b="0" i="0" u="none" strike="noStrike" cap="none" normalizeH="0" baseline="0" dirty="0">
+                <a:ln>
+                  <a:noFill/>
+                </a:ln>
+                <a:solidFill>
+                  <a:srgbClr val="6A8759"/>
+                </a:solidFill>
+                <a:effectLst/>
+                <a:latin typeface="Arial Unicode MS"/>
+              </a:rPr>
+              <a:t>"in process "</a:t>
+            </a:r>
+            <a:r>
+              <a:rPr kumimoji="0" lang="en-US" altLang="en-US" sz="1200" b="0" i="0" u="none" strike="noStrike" cap="none" normalizeH="0" baseline="0" dirty="0">
+                <a:ln>
+                  <a:noFill/>
+                </a:ln>
+                <a:solidFill>
+                  <a:srgbClr val="A9B7C6"/>
+                </a:solidFill>
+                <a:effectLst/>
+                <a:latin typeface="Arial Unicode MS"/>
+              </a:rPr>
+              <a:t>) </a:t>
+            </a:r>
+            <a:br>
+              <a:rPr kumimoji="0" lang="en-US" altLang="en-US" sz="1200" b="0" i="0" u="none" strike="noStrike" cap="none" normalizeH="0" baseline="0" dirty="0">
+                <a:ln>
+                  <a:noFill/>
+                </a:ln>
+                <a:solidFill>
+                  <a:srgbClr val="A9B7C6"/>
+                </a:solidFill>
+                <a:effectLst/>
+                <a:latin typeface="Arial Unicode MS"/>
+              </a:rPr>
+            </a:br>
+            <a:r>
+              <a:rPr kumimoji="0" lang="en-US" altLang="en-US" sz="1200" b="0" i="0" u="none" strike="noStrike" cap="none" normalizeH="0" baseline="0" dirty="0" err="1">
+                <a:ln>
+                  <a:noFill/>
+                </a:ln>
+                <a:solidFill>
+                  <a:srgbClr val="A9B7C6"/>
+                </a:solidFill>
+                <a:effectLst/>
+                <a:latin typeface="Arial Unicode MS"/>
+              </a:rPr>
+              <a:t>sys.stdout.flush</a:t>
+            </a:r>
+            <a:r>
+              <a:rPr kumimoji="0" lang="en-US" altLang="en-US" sz="1200" b="0" i="0" u="none" strike="noStrike" cap="none" normalizeH="0" baseline="0" dirty="0">
+                <a:ln>
+                  <a:noFill/>
+                </a:ln>
+                <a:solidFill>
+                  <a:srgbClr val="A9B7C6"/>
+                </a:solidFill>
+                <a:effectLst/>
+                <a:latin typeface="Arial Unicode MS"/>
+              </a:rPr>
+              <a:t>() </a:t>
+            </a:r>
+            <a:r>
+              <a:rPr kumimoji="0" lang="en-US" altLang="en-US" sz="1200" b="0" i="0" u="none" strike="noStrike" cap="none" normalizeH="0" baseline="0" dirty="0" err="1">
+                <a:ln>
+                  <a:noFill/>
+                </a:ln>
+                <a:solidFill>
+                  <a:srgbClr val="A9B7C6"/>
+                </a:solidFill>
+                <a:effectLst/>
+                <a:latin typeface="Arial Unicode MS"/>
+              </a:rPr>
+              <a:t>sys.stdout.write</a:t>
+            </a:r>
+            <a:r>
+              <a:rPr kumimoji="0" lang="en-US" altLang="en-US" sz="1200" b="0" i="0" u="none" strike="noStrike" cap="none" normalizeH="0" baseline="0" dirty="0">
+                <a:ln>
+                  <a:noFill/>
+                </a:ln>
+                <a:solidFill>
+                  <a:srgbClr val="A9B7C6"/>
+                </a:solidFill>
+                <a:effectLst/>
+                <a:latin typeface="Arial Unicode MS"/>
+              </a:rPr>
+              <a:t>(</a:t>
+            </a:r>
+            <a:r>
+              <a:rPr kumimoji="0" lang="en-US" altLang="en-US" sz="1200" b="0" i="0" u="none" strike="noStrike" cap="none" normalizeH="0" baseline="0" dirty="0" err="1">
+                <a:ln>
+                  <a:noFill/>
+                </a:ln>
+                <a:solidFill>
+                  <a:srgbClr val="A9B7C6"/>
+                </a:solidFill>
+                <a:effectLst/>
+                <a:latin typeface="Arial Unicode MS"/>
+              </a:rPr>
+              <a:t>MP.current_process</a:t>
+            </a:r>
+            <a:r>
+              <a:rPr kumimoji="0" lang="en-US" altLang="en-US" sz="1200" b="0" i="0" u="none" strike="noStrike" cap="none" normalizeH="0" baseline="0" dirty="0">
+                <a:ln>
+                  <a:noFill/>
+                </a:ln>
+                <a:solidFill>
+                  <a:srgbClr val="A9B7C6"/>
+                </a:solidFill>
+                <a:effectLst/>
+                <a:latin typeface="Arial Unicode MS"/>
+              </a:rPr>
+              <a:t>().name+ </a:t>
+            </a:r>
+            <a:r>
+              <a:rPr kumimoji="0" lang="en-US" altLang="en-US" sz="1200" b="0" i="0" u="none" strike="noStrike" cap="none" normalizeH="0" baseline="0" dirty="0">
+                <a:ln>
+                  <a:noFill/>
+                </a:ln>
+                <a:solidFill>
+                  <a:srgbClr val="6A8759"/>
+                </a:solidFill>
+                <a:effectLst/>
+                <a:latin typeface="Arial Unicode MS"/>
+              </a:rPr>
+              <a:t>"</a:t>
+            </a:r>
+            <a:r>
+              <a:rPr kumimoji="0" lang="en-US" altLang="en-US" sz="1200" b="0" i="0" u="none" strike="noStrike" cap="none" normalizeH="0" baseline="0" dirty="0">
+                <a:ln>
+                  <a:noFill/>
+                </a:ln>
+                <a:solidFill>
+                  <a:srgbClr val="CC7832"/>
+                </a:solidFill>
+                <a:effectLst/>
+                <a:latin typeface="Arial Unicode MS"/>
+              </a:rPr>
+              <a:t>\n</a:t>
+            </a:r>
+            <a:r>
+              <a:rPr kumimoji="0" lang="en-US" altLang="en-US" sz="1200" b="0" i="0" u="none" strike="noStrike" cap="none" normalizeH="0" baseline="0" dirty="0">
+                <a:ln>
+                  <a:noFill/>
+                </a:ln>
+                <a:solidFill>
+                  <a:srgbClr val="6A8759"/>
+                </a:solidFill>
+                <a:effectLst/>
+                <a:latin typeface="Arial Unicode MS"/>
+              </a:rPr>
+              <a:t>"</a:t>
+            </a:r>
+            <a:r>
+              <a:rPr kumimoji="0" lang="en-US" altLang="en-US" sz="1200" b="0" i="0" u="none" strike="noStrike" cap="none" normalizeH="0" baseline="0" dirty="0">
+                <a:ln>
+                  <a:noFill/>
+                </a:ln>
+                <a:solidFill>
+                  <a:srgbClr val="A9B7C6"/>
+                </a:solidFill>
+                <a:effectLst/>
+                <a:latin typeface="Arial Unicode MS"/>
+              </a:rPr>
+              <a:t>) </a:t>
+            </a:r>
+            <a:br>
+              <a:rPr kumimoji="0" lang="en-US" altLang="en-US" sz="1200" b="0" i="0" u="none" strike="noStrike" cap="none" normalizeH="0" baseline="0" dirty="0">
+                <a:ln>
+                  <a:noFill/>
+                </a:ln>
+                <a:solidFill>
+                  <a:srgbClr val="A9B7C6"/>
+                </a:solidFill>
+                <a:effectLst/>
+                <a:latin typeface="Arial Unicode MS"/>
+              </a:rPr>
+            </a:br>
+            <a:r>
+              <a:rPr kumimoji="0" lang="en-US" altLang="en-US" sz="1200" b="0" i="0" u="none" strike="noStrike" cap="none" normalizeH="0" baseline="0" dirty="0" err="1">
+                <a:ln>
+                  <a:noFill/>
+                </a:ln>
+                <a:solidFill>
+                  <a:srgbClr val="A9B7C6"/>
+                </a:solidFill>
+                <a:effectLst/>
+                <a:latin typeface="Arial Unicode MS"/>
+              </a:rPr>
+              <a:t>sys.stdout.flush</a:t>
+            </a:r>
+            <a:r>
+              <a:rPr kumimoji="0" lang="en-US" altLang="en-US" sz="1200" b="0" i="0" u="none" strike="noStrike" cap="none" normalizeH="0" baseline="0" dirty="0">
+                <a:ln>
+                  <a:noFill/>
+                </a:ln>
+                <a:solidFill>
+                  <a:srgbClr val="A9B7C6"/>
+                </a:solidFill>
+                <a:effectLst/>
+                <a:latin typeface="Arial Unicode MS"/>
+              </a:rPr>
+              <a:t>()</a:t>
+            </a:r>
+            <a:br>
+              <a:rPr kumimoji="0" lang="en-US" altLang="en-US" sz="1200" b="0" i="0" u="none" strike="noStrike" cap="none" normalizeH="0" baseline="0" dirty="0">
+                <a:ln>
+                  <a:noFill/>
+                </a:ln>
+                <a:solidFill>
+                  <a:srgbClr val="A9B7C6"/>
+                </a:solidFill>
+                <a:effectLst/>
+                <a:latin typeface="Arial Unicode MS"/>
+              </a:rPr>
+            </a:br>
+            <a:endParaRPr kumimoji="0" lang="en-US" altLang="en-US" sz="2800" b="0" i="0" u="none" strike="noStrike" cap="none" normalizeH="0" baseline="0" dirty="0">
+              <a:ln>
+                <a:noFill/>
+              </a:ln>
+              <a:solidFill>
+                <a:schemeClr val="tx1"/>
+              </a:solidFill>
+              <a:effectLst/>
+              <a:latin typeface="Arial" panose="020B0604020202020204" pitchFamily="34" charset="0"/>
             </a:endParaRPr>
           </a:p>
         </p:txBody>
@@ -10915,7 +12538,7 @@
     </p:spTree>
     <p:extLst>
       <p:ext uri="{BB962C8B-B14F-4D97-AF65-F5344CB8AC3E}">
-        <p14:creationId xmlns:p14="http://schemas.microsoft.com/office/powerpoint/2010/main" val="3214580080"/>
+        <p14:creationId xmlns:p14="http://schemas.microsoft.com/office/powerpoint/2010/main" val="715340640"/>
       </p:ext>
     </p:extLst>
   </p:cSld>
@@ -10926,65 +12549,6 @@
 </file>
 
 <file path=ppt/slides/slide17.xml><?xml version="1.0" encoding="utf-8"?>
-<p:sld xmlns:a="http://schemas.openxmlformats.org/drawingml/2006/main" xmlns:r="http://schemas.openxmlformats.org/officeDocument/2006/relationships" xmlns:p="http://schemas.openxmlformats.org/presentationml/2006/main">
-  <p:cSld>
-    <p:spTree>
-      <p:nvGrpSpPr>
-        <p:cNvPr id="1" name=""/>
-        <p:cNvGrpSpPr/>
-        <p:nvPr/>
-      </p:nvGrpSpPr>
-      <p:grpSpPr>
-        <a:xfrm>
-          <a:off x="0" y="0"/>
-          <a:ext cx="0" cy="0"/>
-          <a:chOff x="0" y="0"/>
-          <a:chExt cx="0" cy="0"/>
-        </a:xfrm>
-      </p:grpSpPr>
-      <p:sp>
-        <p:nvSpPr>
-          <p:cNvPr id="7" name="Title 6"/>
-          <p:cNvSpPr>
-            <a:spLocks noGrp="1"/>
-          </p:cNvSpPr>
-          <p:nvPr>
-            <p:ph type="title"/>
-          </p:nvPr>
-        </p:nvSpPr>
-        <p:spPr/>
-        <p:txBody>
-          <a:bodyPr/>
-          <a:lstStyle/>
-          <a:p>
-            <a:r>
-              <a:rPr lang="en-US" b="0" i="0" dirty="0">
-                <a:solidFill>
-                  <a:srgbClr val="000000"/>
-                </a:solidFill>
-                <a:effectLst/>
-                <a:latin typeface="+mn-lt"/>
-              </a:rPr>
-              <a:t>Multiprocessing Pool</a:t>
-            </a:r>
-            <a:endParaRPr lang="he-IL" dirty="0"/>
-          </a:p>
-        </p:txBody>
-      </p:sp>
-    </p:spTree>
-    <p:extLst>
-      <p:ext uri="{BB962C8B-B14F-4D97-AF65-F5344CB8AC3E}">
-        <p14:creationId xmlns:p14="http://schemas.microsoft.com/office/powerpoint/2010/main" val="1196678461"/>
-      </p:ext>
-    </p:extLst>
-  </p:cSld>
-  <p:clrMapOvr>
-    <a:masterClrMapping/>
-  </p:clrMapOvr>
-</p:sld>
-</file>
-
-<file path=ppt/slides/slide18.xml><?xml version="1.0" encoding="utf-8"?>
 <p:sld xmlns:a="http://schemas.openxmlformats.org/drawingml/2006/main" xmlns:r="http://schemas.openxmlformats.org/officeDocument/2006/relationships" xmlns:p="http://schemas.openxmlformats.org/presentationml/2006/main">
   <p:cSld>
     <p:spTree>
@@ -11026,7 +12590,7 @@
                 <a:effectLst/>
                 <a:latin typeface="+mn-lt"/>
               </a:rPr>
-              <a:t>Multiprocessing Lock example</a:t>
+              <a:t>Synchronization between processes-cont’d</a:t>
             </a:r>
             <a:endParaRPr lang="he-IL" dirty="0">
               <a:latin typeface="+mn-lt"/>
@@ -11037,1062 +12601,205 @@
       </p:sp>
       <p:sp>
         <p:nvSpPr>
-          <p:cNvPr id="4" name="Rectangle 1">
+          <p:cNvPr id="4" name="TextBox 3">
             <a:extLst>
               <a:ext uri="{FF2B5EF4-FFF2-40B4-BE49-F238E27FC236}">
-                <a16:creationId xmlns:a16="http://schemas.microsoft.com/office/drawing/2014/main" id="{69F1CE1D-DD17-474D-ACF9-8B35C69498C2}"/>
+                <a16:creationId xmlns:a16="http://schemas.microsoft.com/office/drawing/2014/main" id="{4EB97233-A4A5-4F49-A9D0-EDDFF40EF87C}"/>
               </a:ext>
             </a:extLst>
           </p:cNvPr>
-          <p:cNvSpPr>
-            <a:spLocks noChangeArrowheads="1"/>
-          </p:cNvSpPr>
+          <p:cNvSpPr txBox="1"/>
           <p:nvPr/>
         </p:nvSpPr>
-        <p:spPr bwMode="auto">
+        <p:spPr>
           <a:xfrm>
-            <a:off x="815413" y="1785005"/>
-            <a:ext cx="8806648" cy="4524315"/>
+            <a:off x="586813" y="1642534"/>
+            <a:ext cx="10657184" cy="2585323"/>
           </a:xfrm>
           <a:prstGeom prst="rect">
             <a:avLst/>
           </a:prstGeom>
-          <a:solidFill>
-            <a:srgbClr val="2B2B2B"/>
-          </a:solidFill>
-          <a:ln>
-            <a:noFill/>
-          </a:ln>
-          <a:effectLst/>
-          <a:extLst>
-            <a:ext uri="{91240B29-F687-4F45-9708-019B960494DF}">
-              <a14:hiddenLine xmlns:a14="http://schemas.microsoft.com/office/drawing/2010/main" w="9525">
-                <a:solidFill>
-                  <a:schemeClr val="tx1"/>
-                </a:solidFill>
-                <a:miter lim="800000"/>
-                <a:headEnd/>
-                <a:tailEnd/>
-              </a14:hiddenLine>
-            </a:ext>
-            <a:ext uri="{AF507438-7753-43E0-B8FC-AC1667EBCBE1}">
-              <a14:hiddenEffects xmlns:a14="http://schemas.microsoft.com/office/drawing/2010/main">
-                <a:effectLst>
-                  <a:outerShdw dist="35921" dir="2700000" algn="ctr" rotWithShape="0">
-                    <a:schemeClr val="bg2"/>
-                  </a:outerShdw>
-                </a:effectLst>
-              </a14:hiddenEffects>
-            </a:ext>
-          </a:extLst>
+          <a:noFill/>
         </p:spPr>
         <p:txBody>
-          <a:bodyPr vert="horz" wrap="square" lIns="91440" tIns="45720" rIns="91440" bIns="45720" numCol="1" anchor="ctr" anchorCtr="0" compatLnSpc="1">
-            <a:prstTxWarp prst="textNoShape">
-              <a:avLst/>
-            </a:prstTxWarp>
+          <a:bodyPr wrap="square" rtlCol="0">
             <a:spAutoFit/>
           </a:bodyPr>
           <a:lstStyle/>
           <a:p>
-            <a:pPr marL="0" marR="0" lvl="0" indent="0" algn="l" defTabSz="914400" rtl="0" eaLnBrk="0" fontAlgn="base" latinLnBrk="0" hangingPunct="0">
-              <a:lnSpc>
-                <a:spcPct val="100000"/>
-              </a:lnSpc>
-              <a:spcBef>
-                <a:spcPct val="0"/>
-              </a:spcBef>
-              <a:spcAft>
-                <a:spcPct val="0"/>
-              </a:spcAft>
-              <a:buClrTx/>
-              <a:buSzTx/>
-              <a:buFontTx/>
-              <a:buNone/>
-              <a:tabLst/>
+            <a:pPr marL="285750" indent="-285750">
+              <a:buFont typeface="Arial" panose="020B0604020202020204" pitchFamily="34" charset="0"/>
+              <a:buChar char="•"/>
             </a:pPr>
             <a:r>
-              <a:rPr kumimoji="0" lang="en-US" altLang="en-US" b="0" i="0" u="none" strike="noStrike" cap="none" normalizeH="0" baseline="0" dirty="0">
-                <a:ln>
-                  <a:noFill/>
-                </a:ln>
-                <a:solidFill>
-                  <a:srgbClr val="CC7832"/>
-                </a:solidFill>
-                <a:effectLst/>
-                <a:latin typeface="Arial Unicode MS"/>
-              </a:rPr>
-              <a:t>import </a:t>
-            </a:r>
-            <a:r>
-              <a:rPr kumimoji="0" lang="en-US" altLang="en-US" b="0" i="0" u="none" strike="noStrike" cap="none" normalizeH="0" baseline="0" dirty="0">
-                <a:ln>
-                  <a:noFill/>
-                </a:ln>
-                <a:solidFill>
-                  <a:srgbClr val="A9B7C6"/>
-                </a:solidFill>
-                <a:effectLst/>
-                <a:latin typeface="Arial Unicode MS"/>
-              </a:rPr>
-              <a:t>multiprocessing </a:t>
-            </a:r>
-            <a:r>
-              <a:rPr kumimoji="0" lang="en-US" altLang="en-US" b="0" i="0" u="none" strike="noStrike" cap="none" normalizeH="0" baseline="0" dirty="0">
-                <a:ln>
-                  <a:noFill/>
-                </a:ln>
-                <a:solidFill>
-                  <a:srgbClr val="CC7832"/>
-                </a:solidFill>
-                <a:effectLst/>
-                <a:latin typeface="Arial Unicode MS"/>
-              </a:rPr>
-              <a:t>as </a:t>
-            </a:r>
-            <a:r>
-              <a:rPr kumimoji="0" lang="en-US" altLang="en-US" b="0" i="0" u="none" strike="noStrike" cap="none" normalizeH="0" baseline="0" dirty="0" err="1">
-                <a:ln>
-                  <a:noFill/>
-                </a:ln>
-                <a:solidFill>
-                  <a:srgbClr val="A9B7C6"/>
-                </a:solidFill>
-                <a:effectLst/>
-                <a:latin typeface="Arial Unicode MS"/>
-              </a:rPr>
-              <a:t>mp</a:t>
-            </a:r>
-            <a:br>
-              <a:rPr kumimoji="0" lang="en-US" altLang="en-US" b="0" i="0" u="none" strike="noStrike" cap="none" normalizeH="0" baseline="0" dirty="0">
-                <a:ln>
-                  <a:noFill/>
-                </a:ln>
-                <a:solidFill>
-                  <a:srgbClr val="A9B7C6"/>
-                </a:solidFill>
-                <a:effectLst/>
-                <a:latin typeface="Arial Unicode MS"/>
-              </a:rPr>
-            </a:br>
-            <a:r>
-              <a:rPr kumimoji="0" lang="en-US" altLang="en-US" b="0" i="0" u="none" strike="noStrike" cap="none" normalizeH="0" baseline="0" dirty="0">
-                <a:ln>
-                  <a:noFill/>
-                </a:ln>
-                <a:solidFill>
-                  <a:srgbClr val="CC7832"/>
-                </a:solidFill>
-                <a:effectLst/>
-                <a:latin typeface="Arial Unicode MS"/>
-              </a:rPr>
-              <a:t>import </a:t>
-            </a:r>
-            <a:r>
-              <a:rPr kumimoji="0" lang="en-US" altLang="en-US" b="0" i="0" u="none" strike="noStrike" cap="none" normalizeH="0" baseline="0" dirty="0">
-                <a:ln>
-                  <a:noFill/>
-                </a:ln>
-                <a:solidFill>
-                  <a:srgbClr val="A9B7C6"/>
-                </a:solidFill>
-                <a:effectLst/>
-                <a:latin typeface="Arial Unicode MS"/>
-              </a:rPr>
-              <a:t>sys</a:t>
-            </a:r>
-            <a:br>
-              <a:rPr kumimoji="0" lang="en-US" altLang="en-US" b="0" i="0" u="none" strike="noStrike" cap="none" normalizeH="0" baseline="0" dirty="0">
-                <a:ln>
-                  <a:noFill/>
-                </a:ln>
-                <a:solidFill>
-                  <a:srgbClr val="A9B7C6"/>
-                </a:solidFill>
-                <a:effectLst/>
-                <a:latin typeface="Arial Unicode MS"/>
-              </a:rPr>
-            </a:br>
-            <a:br>
-              <a:rPr kumimoji="0" lang="en-US" altLang="en-US" b="0" i="0" u="none" strike="noStrike" cap="none" normalizeH="0" baseline="0" dirty="0">
-                <a:ln>
-                  <a:noFill/>
-                </a:ln>
-                <a:solidFill>
-                  <a:srgbClr val="A9B7C6"/>
-                </a:solidFill>
-                <a:effectLst/>
-                <a:latin typeface="Arial Unicode MS"/>
-              </a:rPr>
-            </a:br>
-            <a:r>
-              <a:rPr kumimoji="0" lang="en-US" altLang="en-US" b="0" i="0" u="none" strike="noStrike" cap="none" normalizeH="0" baseline="0" dirty="0">
-                <a:ln>
-                  <a:noFill/>
-                </a:ln>
-                <a:solidFill>
-                  <a:srgbClr val="CC7832"/>
-                </a:solidFill>
-                <a:effectLst/>
-                <a:latin typeface="Arial Unicode MS"/>
-              </a:rPr>
-              <a:t>def </a:t>
-            </a:r>
-            <a:r>
-              <a:rPr kumimoji="0" lang="en-US" altLang="en-US" b="0" i="0" u="none" strike="noStrike" cap="none" normalizeH="0" baseline="0" dirty="0">
-                <a:ln>
-                  <a:noFill/>
-                </a:ln>
-                <a:solidFill>
-                  <a:srgbClr val="FFC66D"/>
-                </a:solidFill>
-                <a:effectLst/>
-                <a:latin typeface="Arial Unicode MS"/>
-              </a:rPr>
-              <a:t>loop</a:t>
-            </a:r>
-            <a:r>
-              <a:rPr kumimoji="0" lang="en-US" altLang="en-US" b="0" i="0" u="none" strike="noStrike" cap="none" normalizeH="0" baseline="0" dirty="0">
-                <a:ln>
-                  <a:noFill/>
-                </a:ln>
-                <a:solidFill>
-                  <a:srgbClr val="A9B7C6"/>
-                </a:solidFill>
-                <a:effectLst/>
-                <a:latin typeface="Arial Unicode MS"/>
-              </a:rPr>
-              <a:t>(lock):</a:t>
-            </a:r>
-            <a:br>
-              <a:rPr kumimoji="0" lang="en-US" altLang="en-US" b="0" i="0" u="none" strike="noStrike" cap="none" normalizeH="0" baseline="0" dirty="0">
-                <a:ln>
-                  <a:noFill/>
-                </a:ln>
-                <a:solidFill>
-                  <a:srgbClr val="A9B7C6"/>
-                </a:solidFill>
-                <a:effectLst/>
-                <a:latin typeface="Arial Unicode MS"/>
-              </a:rPr>
-            </a:br>
-            <a:r>
-              <a:rPr kumimoji="0" lang="en-US" altLang="en-US" b="0" i="0" u="none" strike="noStrike" cap="none" normalizeH="0" baseline="0" dirty="0">
-                <a:ln>
-                  <a:noFill/>
-                </a:ln>
-                <a:solidFill>
-                  <a:srgbClr val="A9B7C6"/>
-                </a:solidFill>
-                <a:effectLst/>
-                <a:latin typeface="Arial Unicode MS"/>
-              </a:rPr>
-              <a:t>    </a:t>
-            </a:r>
-            <a:r>
-              <a:rPr kumimoji="0" lang="en-US" altLang="en-US" b="0" i="0" u="none" strike="noStrike" cap="none" normalizeH="0" baseline="0" dirty="0">
-                <a:ln>
-                  <a:noFill/>
-                </a:ln>
-                <a:solidFill>
-                  <a:srgbClr val="CC7832"/>
-                </a:solidFill>
-                <a:effectLst/>
-                <a:latin typeface="Arial Unicode MS"/>
-              </a:rPr>
-              <a:t>for </a:t>
-            </a:r>
-            <a:r>
-              <a:rPr kumimoji="0" lang="en-US" altLang="en-US" b="0" i="0" u="none" strike="noStrike" cap="none" normalizeH="0" baseline="0" dirty="0" err="1">
-                <a:ln>
-                  <a:noFill/>
-                </a:ln>
-                <a:solidFill>
-                  <a:srgbClr val="A9B7C6"/>
-                </a:solidFill>
-                <a:effectLst/>
-                <a:latin typeface="Arial Unicode MS"/>
-              </a:rPr>
-              <a:t>i</a:t>
-            </a:r>
-            <a:r>
-              <a:rPr kumimoji="0" lang="en-US" altLang="en-US" b="0" i="0" u="none" strike="noStrike" cap="none" normalizeH="0" baseline="0" dirty="0">
-                <a:ln>
-                  <a:noFill/>
-                </a:ln>
-                <a:solidFill>
-                  <a:srgbClr val="A9B7C6"/>
-                </a:solidFill>
-                <a:effectLst/>
-                <a:latin typeface="Arial Unicode MS"/>
-              </a:rPr>
-              <a:t> </a:t>
-            </a:r>
-            <a:r>
-              <a:rPr kumimoji="0" lang="en-US" altLang="en-US" b="0" i="0" u="none" strike="noStrike" cap="none" normalizeH="0" baseline="0" dirty="0">
-                <a:ln>
-                  <a:noFill/>
-                </a:ln>
-                <a:solidFill>
-                  <a:srgbClr val="CC7832"/>
-                </a:solidFill>
-                <a:effectLst/>
-                <a:latin typeface="Arial Unicode MS"/>
-              </a:rPr>
-              <a:t>in </a:t>
-            </a:r>
-            <a:r>
-              <a:rPr kumimoji="0" lang="en-US" altLang="en-US" b="0" i="0" u="none" strike="noStrike" cap="none" normalizeH="0" baseline="0" dirty="0">
-                <a:ln>
-                  <a:noFill/>
-                </a:ln>
-                <a:solidFill>
-                  <a:srgbClr val="8888C6"/>
-                </a:solidFill>
-                <a:effectLst/>
-                <a:latin typeface="Arial Unicode MS"/>
-              </a:rPr>
-              <a:t>range</a:t>
-            </a:r>
-            <a:r>
-              <a:rPr kumimoji="0" lang="en-US" altLang="en-US" b="0" i="0" u="none" strike="noStrike" cap="none" normalizeH="0" baseline="0" dirty="0">
-                <a:ln>
-                  <a:noFill/>
-                </a:ln>
-                <a:solidFill>
-                  <a:srgbClr val="A9B7C6"/>
-                </a:solidFill>
-                <a:effectLst/>
-                <a:latin typeface="Arial Unicode MS"/>
-              </a:rPr>
-              <a:t>(</a:t>
-            </a:r>
-            <a:r>
-              <a:rPr kumimoji="0" lang="en-US" altLang="en-US" b="0" i="0" u="none" strike="noStrike" cap="none" normalizeH="0" baseline="0" dirty="0">
-                <a:ln>
-                  <a:noFill/>
-                </a:ln>
-                <a:solidFill>
-                  <a:srgbClr val="6897BB"/>
-                </a:solidFill>
-                <a:effectLst/>
-                <a:latin typeface="Arial Unicode MS"/>
-              </a:rPr>
-              <a:t>400</a:t>
-            </a:r>
-            <a:r>
-              <a:rPr kumimoji="0" lang="en-US" altLang="en-US" b="0" i="0" u="none" strike="noStrike" cap="none" normalizeH="0" baseline="0" dirty="0">
-                <a:ln>
-                  <a:noFill/>
-                </a:ln>
-                <a:solidFill>
-                  <a:srgbClr val="A9B7C6"/>
-                </a:solidFill>
-                <a:effectLst/>
-                <a:latin typeface="Arial Unicode MS"/>
-              </a:rPr>
-              <a:t>):</a:t>
-            </a:r>
-            <a:br>
-              <a:rPr kumimoji="0" lang="en-US" altLang="en-US" b="0" i="0" u="none" strike="noStrike" cap="none" normalizeH="0" baseline="0" dirty="0">
-                <a:ln>
-                  <a:noFill/>
-                </a:ln>
-                <a:solidFill>
-                  <a:srgbClr val="A9B7C6"/>
-                </a:solidFill>
-                <a:effectLst/>
-                <a:latin typeface="Arial Unicode MS"/>
-              </a:rPr>
-            </a:br>
-            <a:r>
-              <a:rPr kumimoji="0" lang="en-US" altLang="en-US" b="0" i="0" u="none" strike="noStrike" cap="none" normalizeH="0" baseline="0" dirty="0">
-                <a:ln>
-                  <a:noFill/>
-                </a:ln>
-                <a:solidFill>
-                  <a:srgbClr val="A9B7C6"/>
-                </a:solidFill>
-                <a:effectLst/>
-                <a:latin typeface="Arial Unicode MS"/>
-              </a:rPr>
-              <a:t>        </a:t>
-            </a:r>
-            <a:r>
-              <a:rPr kumimoji="0" lang="en-US" altLang="en-US" b="0" i="0" u="none" strike="noStrike" cap="none" normalizeH="0" baseline="0" dirty="0">
-                <a:ln>
-                  <a:noFill/>
-                </a:ln>
-                <a:solidFill>
-                  <a:srgbClr val="CC7832"/>
-                </a:solidFill>
-                <a:effectLst/>
-                <a:latin typeface="Arial Unicode MS"/>
-              </a:rPr>
-              <a:t>with </a:t>
-            </a:r>
-            <a:r>
-              <a:rPr kumimoji="0" lang="en-US" altLang="en-US" b="0" i="0" u="none" strike="noStrike" cap="none" normalizeH="0" baseline="0" dirty="0">
-                <a:ln>
-                  <a:noFill/>
-                </a:ln>
-                <a:solidFill>
-                  <a:srgbClr val="A9B7C6"/>
-                </a:solidFill>
-                <a:effectLst/>
-                <a:latin typeface="Arial Unicode MS"/>
-              </a:rPr>
-              <a:t>lock:</a:t>
-            </a:r>
-            <a:br>
-              <a:rPr kumimoji="0" lang="en-US" altLang="en-US" b="0" i="0" u="none" strike="noStrike" cap="none" normalizeH="0" baseline="0" dirty="0">
-                <a:ln>
-                  <a:noFill/>
-                </a:ln>
-                <a:solidFill>
-                  <a:srgbClr val="A9B7C6"/>
-                </a:solidFill>
-                <a:effectLst/>
-                <a:latin typeface="Arial Unicode MS"/>
-              </a:rPr>
-            </a:br>
-            <a:r>
-              <a:rPr kumimoji="0" lang="en-US" altLang="en-US" b="0" i="0" u="none" strike="noStrike" cap="none" normalizeH="0" baseline="0" dirty="0">
-                <a:ln>
-                  <a:noFill/>
-                </a:ln>
-                <a:solidFill>
-                  <a:srgbClr val="A9B7C6"/>
-                </a:solidFill>
-                <a:effectLst/>
-                <a:latin typeface="Arial Unicode MS"/>
-              </a:rPr>
-              <a:t>            </a:t>
-            </a:r>
-            <a:r>
-              <a:rPr kumimoji="0" lang="en-US" altLang="en-US" b="0" i="0" u="none" strike="noStrike" cap="none" normalizeH="0" baseline="0" dirty="0" err="1">
-                <a:ln>
-                  <a:noFill/>
-                </a:ln>
-                <a:solidFill>
-                  <a:srgbClr val="A9B7C6"/>
-                </a:solidFill>
-                <a:effectLst/>
-                <a:latin typeface="Arial Unicode MS"/>
-              </a:rPr>
-              <a:t>sys.stdout.write</a:t>
-            </a:r>
-            <a:r>
-              <a:rPr kumimoji="0" lang="en-US" altLang="en-US" b="0" i="0" u="none" strike="noStrike" cap="none" normalizeH="0" baseline="0" dirty="0">
-                <a:ln>
-                  <a:noFill/>
-                </a:ln>
-                <a:solidFill>
-                  <a:srgbClr val="A9B7C6"/>
-                </a:solidFill>
-                <a:effectLst/>
-                <a:latin typeface="Arial Unicode MS"/>
-              </a:rPr>
-              <a:t>(</a:t>
-            </a:r>
-            <a:r>
-              <a:rPr kumimoji="0" lang="en-US" altLang="en-US" b="0" i="0" u="none" strike="noStrike" cap="none" normalizeH="0" baseline="0" dirty="0">
-                <a:ln>
-                  <a:noFill/>
-                </a:ln>
-                <a:solidFill>
-                  <a:srgbClr val="8888C6"/>
-                </a:solidFill>
-                <a:effectLst/>
-                <a:latin typeface="Arial Unicode MS"/>
-              </a:rPr>
-              <a:t>str</a:t>
-            </a:r>
-            <a:r>
-              <a:rPr kumimoji="0" lang="en-US" altLang="en-US" b="0" i="0" u="none" strike="noStrike" cap="none" normalizeH="0" baseline="0" dirty="0">
-                <a:ln>
-                  <a:noFill/>
-                </a:ln>
-                <a:solidFill>
-                  <a:srgbClr val="A9B7C6"/>
-                </a:solidFill>
-                <a:effectLst/>
-                <a:latin typeface="Arial Unicode MS"/>
-              </a:rPr>
-              <a:t>(</a:t>
-            </a:r>
-            <a:r>
-              <a:rPr kumimoji="0" lang="en-US" altLang="en-US" b="0" i="0" u="none" strike="noStrike" cap="none" normalizeH="0" baseline="0" dirty="0" err="1">
-                <a:ln>
-                  <a:noFill/>
-                </a:ln>
-                <a:solidFill>
-                  <a:srgbClr val="A9B7C6"/>
-                </a:solidFill>
-                <a:effectLst/>
-                <a:latin typeface="Arial Unicode MS"/>
-              </a:rPr>
-              <a:t>i</a:t>
-            </a:r>
-            <a:r>
-              <a:rPr kumimoji="0" lang="en-US" altLang="en-US" b="0" i="0" u="none" strike="noStrike" cap="none" normalizeH="0" baseline="0" dirty="0">
-                <a:ln>
-                  <a:noFill/>
-                </a:ln>
-                <a:solidFill>
-                  <a:srgbClr val="A9B7C6"/>
-                </a:solidFill>
-                <a:effectLst/>
-                <a:latin typeface="Arial Unicode MS"/>
-              </a:rPr>
-              <a:t>) + </a:t>
-            </a:r>
-            <a:r>
-              <a:rPr kumimoji="0" lang="en-US" altLang="en-US" b="0" i="0" u="none" strike="noStrike" cap="none" normalizeH="0" baseline="0" dirty="0">
-                <a:ln>
-                  <a:noFill/>
-                </a:ln>
-                <a:solidFill>
-                  <a:srgbClr val="6A8759"/>
-                </a:solidFill>
-                <a:effectLst/>
-                <a:latin typeface="Arial Unicode MS"/>
-              </a:rPr>
-              <a:t>" "</a:t>
-            </a:r>
-            <a:r>
-              <a:rPr kumimoji="0" lang="en-US" altLang="en-US" b="0" i="0" u="none" strike="noStrike" cap="none" normalizeH="0" baseline="0" dirty="0">
-                <a:ln>
-                  <a:noFill/>
-                </a:ln>
-                <a:solidFill>
-                  <a:srgbClr val="A9B7C6"/>
-                </a:solidFill>
-                <a:effectLst/>
-                <a:latin typeface="Arial Unicode MS"/>
-              </a:rPr>
-              <a:t>)</a:t>
-            </a:r>
-            <a:br>
-              <a:rPr kumimoji="0" lang="en-US" altLang="en-US" b="0" i="0" u="none" strike="noStrike" cap="none" normalizeH="0" baseline="0" dirty="0">
-                <a:ln>
-                  <a:noFill/>
-                </a:ln>
-                <a:solidFill>
-                  <a:srgbClr val="A9B7C6"/>
-                </a:solidFill>
-                <a:effectLst/>
-                <a:latin typeface="Arial Unicode MS"/>
-              </a:rPr>
-            </a:br>
-            <a:r>
-              <a:rPr kumimoji="0" lang="en-US" altLang="en-US" b="0" i="0" u="none" strike="noStrike" cap="none" normalizeH="0" baseline="0" dirty="0">
-                <a:ln>
-                  <a:noFill/>
-                </a:ln>
-                <a:solidFill>
-                  <a:srgbClr val="A9B7C6"/>
-                </a:solidFill>
-                <a:effectLst/>
-                <a:latin typeface="Arial Unicode MS"/>
-              </a:rPr>
-              <a:t>            </a:t>
-            </a:r>
-            <a:r>
-              <a:rPr kumimoji="0" lang="en-US" altLang="en-US" b="0" i="0" u="none" strike="noStrike" cap="none" normalizeH="0" baseline="0" dirty="0" err="1">
-                <a:ln>
-                  <a:noFill/>
-                </a:ln>
-                <a:solidFill>
-                  <a:srgbClr val="A9B7C6"/>
-                </a:solidFill>
-                <a:effectLst/>
-                <a:latin typeface="Arial Unicode MS"/>
-              </a:rPr>
-              <a:t>sys.stdout.flush</a:t>
-            </a:r>
-            <a:r>
-              <a:rPr kumimoji="0" lang="en-US" altLang="en-US" b="0" i="0" u="none" strike="noStrike" cap="none" normalizeH="0" baseline="0" dirty="0">
-                <a:ln>
-                  <a:noFill/>
-                </a:ln>
-                <a:solidFill>
-                  <a:srgbClr val="A9B7C6"/>
-                </a:solidFill>
-                <a:effectLst/>
-                <a:latin typeface="Arial Unicode MS"/>
-              </a:rPr>
-              <a:t>()</a:t>
-            </a:r>
-            <a:br>
-              <a:rPr kumimoji="0" lang="en-US" altLang="en-US" b="0" i="0" u="none" strike="noStrike" cap="none" normalizeH="0" baseline="0" dirty="0">
-                <a:ln>
-                  <a:noFill/>
-                </a:ln>
-                <a:solidFill>
-                  <a:srgbClr val="A9B7C6"/>
-                </a:solidFill>
-                <a:effectLst/>
-                <a:latin typeface="Arial Unicode MS"/>
-              </a:rPr>
-            </a:br>
-            <a:br>
-              <a:rPr kumimoji="0" lang="en-US" altLang="en-US" b="0" i="0" u="none" strike="noStrike" cap="none" normalizeH="0" baseline="0" dirty="0">
-                <a:ln>
-                  <a:noFill/>
-                </a:ln>
-                <a:solidFill>
-                  <a:srgbClr val="A9B7C6"/>
-                </a:solidFill>
-                <a:effectLst/>
-                <a:latin typeface="Arial Unicode MS"/>
-              </a:rPr>
-            </a:br>
-            <a:r>
-              <a:rPr kumimoji="0" lang="en-US" altLang="en-US" b="0" i="0" u="none" strike="noStrike" cap="none" normalizeH="0" baseline="0" dirty="0">
-                <a:ln>
-                  <a:noFill/>
-                </a:ln>
-                <a:solidFill>
-                  <a:srgbClr val="CC7832"/>
-                </a:solidFill>
-                <a:effectLst/>
-                <a:latin typeface="Arial Unicode MS"/>
-              </a:rPr>
-              <a:t>if </a:t>
-            </a:r>
-            <a:r>
-              <a:rPr kumimoji="0" lang="en-US" altLang="en-US" b="0" i="0" u="none" strike="noStrike" cap="none" normalizeH="0" baseline="0" dirty="0">
-                <a:ln>
-                  <a:noFill/>
-                </a:ln>
-                <a:solidFill>
-                  <a:srgbClr val="A9B7C6"/>
-                </a:solidFill>
-                <a:effectLst/>
-                <a:latin typeface="Arial Unicode MS"/>
-              </a:rPr>
-              <a:t>__name__ == </a:t>
-            </a:r>
-            <a:r>
-              <a:rPr kumimoji="0" lang="en-US" altLang="en-US" b="0" i="0" u="none" strike="noStrike" cap="none" normalizeH="0" baseline="0" dirty="0">
-                <a:ln>
-                  <a:noFill/>
-                </a:ln>
-                <a:solidFill>
-                  <a:srgbClr val="6A8759"/>
-                </a:solidFill>
-                <a:effectLst/>
-                <a:latin typeface="Arial Unicode MS"/>
-              </a:rPr>
-              <a:t>"__main__"</a:t>
-            </a:r>
-            <a:r>
-              <a:rPr kumimoji="0" lang="en-US" altLang="en-US" b="0" i="0" u="none" strike="noStrike" cap="none" normalizeH="0" baseline="0" dirty="0">
-                <a:ln>
-                  <a:noFill/>
-                </a:ln>
-                <a:solidFill>
-                  <a:srgbClr val="A9B7C6"/>
-                </a:solidFill>
-                <a:effectLst/>
-                <a:latin typeface="Arial Unicode MS"/>
-              </a:rPr>
-              <a:t>:</a:t>
-            </a:r>
-            <a:br>
-              <a:rPr kumimoji="0" lang="en-US" altLang="en-US" b="0" i="0" u="none" strike="noStrike" cap="none" normalizeH="0" baseline="0" dirty="0">
-                <a:ln>
-                  <a:noFill/>
-                </a:ln>
-                <a:solidFill>
-                  <a:srgbClr val="A9B7C6"/>
-                </a:solidFill>
-                <a:effectLst/>
-                <a:latin typeface="Arial Unicode MS"/>
-              </a:rPr>
-            </a:br>
-            <a:r>
-              <a:rPr kumimoji="0" lang="en-US" altLang="en-US" b="0" i="0" u="none" strike="noStrike" cap="none" normalizeH="0" baseline="0" dirty="0">
-                <a:ln>
-                  <a:noFill/>
-                </a:ln>
-                <a:solidFill>
-                  <a:srgbClr val="A9B7C6"/>
-                </a:solidFill>
-                <a:effectLst/>
-                <a:latin typeface="Arial Unicode MS"/>
-              </a:rPr>
-              <a:t>    lock = </a:t>
-            </a:r>
-            <a:r>
-              <a:rPr kumimoji="0" lang="en-US" altLang="en-US" b="0" i="0" u="none" strike="noStrike" cap="none" normalizeH="0" baseline="0" dirty="0" err="1">
-                <a:ln>
-                  <a:noFill/>
-                </a:ln>
-                <a:solidFill>
-                  <a:srgbClr val="A9B7C6"/>
-                </a:solidFill>
-                <a:effectLst/>
-                <a:latin typeface="Arial Unicode MS"/>
-              </a:rPr>
-              <a:t>mp.Lock</a:t>
-            </a:r>
-            <a:r>
-              <a:rPr kumimoji="0" lang="en-US" altLang="en-US" b="0" i="0" u="none" strike="noStrike" cap="none" normalizeH="0" baseline="0" dirty="0">
-                <a:ln>
-                  <a:noFill/>
-                </a:ln>
-                <a:solidFill>
-                  <a:srgbClr val="A9B7C6"/>
-                </a:solidFill>
-                <a:effectLst/>
-                <a:latin typeface="Arial Unicode MS"/>
-              </a:rPr>
-              <a:t>()</a:t>
-            </a:r>
-            <a:br>
-              <a:rPr kumimoji="0" lang="en-US" altLang="en-US" b="0" i="0" u="none" strike="noStrike" cap="none" normalizeH="0" baseline="0" dirty="0">
-                <a:ln>
-                  <a:noFill/>
-                </a:ln>
-                <a:solidFill>
-                  <a:srgbClr val="A9B7C6"/>
-                </a:solidFill>
-                <a:effectLst/>
-                <a:latin typeface="Arial Unicode MS"/>
-              </a:rPr>
-            </a:br>
-            <a:r>
-              <a:rPr kumimoji="0" lang="en-US" altLang="en-US" b="0" i="0" u="none" strike="noStrike" cap="none" normalizeH="0" baseline="0" dirty="0">
-                <a:ln>
-                  <a:noFill/>
-                </a:ln>
-                <a:solidFill>
-                  <a:srgbClr val="A9B7C6"/>
-                </a:solidFill>
-                <a:effectLst/>
-                <a:latin typeface="Arial Unicode MS"/>
-              </a:rPr>
-              <a:t>    </a:t>
-            </a:r>
-            <a:r>
-              <a:rPr kumimoji="0" lang="en-US" altLang="en-US" b="0" i="0" u="none" strike="noStrike" cap="none" normalizeH="0" baseline="0" dirty="0" err="1">
-                <a:ln>
-                  <a:noFill/>
-                </a:ln>
-                <a:solidFill>
-                  <a:srgbClr val="A9B7C6"/>
-                </a:solidFill>
-                <a:effectLst/>
-                <a:latin typeface="Arial Unicode MS"/>
-              </a:rPr>
-              <a:t>sys.stdout.write</a:t>
-            </a:r>
-            <a:r>
-              <a:rPr kumimoji="0" lang="en-US" altLang="en-US" b="0" i="0" u="none" strike="noStrike" cap="none" normalizeH="0" baseline="0" dirty="0">
-                <a:ln>
-                  <a:noFill/>
-                </a:ln>
-                <a:solidFill>
-                  <a:srgbClr val="A9B7C6"/>
-                </a:solidFill>
-                <a:effectLst/>
-                <a:latin typeface="Arial Unicode MS"/>
-              </a:rPr>
-              <a:t>(</a:t>
-            </a:r>
-            <a:r>
-              <a:rPr kumimoji="0" lang="en-US" altLang="en-US" b="0" i="0" u="none" strike="noStrike" cap="none" normalizeH="0" baseline="0" dirty="0">
-                <a:ln>
-                  <a:noFill/>
-                </a:ln>
-                <a:solidFill>
-                  <a:srgbClr val="6A8759"/>
-                </a:solidFill>
-                <a:effectLst/>
-                <a:latin typeface="Arial Unicode MS"/>
-              </a:rPr>
-              <a:t>"in process "</a:t>
-            </a:r>
-            <a:r>
-              <a:rPr kumimoji="0" lang="en-US" altLang="en-US" b="0" i="0" u="none" strike="noStrike" cap="none" normalizeH="0" baseline="0" dirty="0">
-                <a:ln>
-                  <a:noFill/>
-                </a:ln>
-                <a:solidFill>
-                  <a:srgbClr val="A9B7C6"/>
-                </a:solidFill>
-                <a:effectLst/>
-                <a:latin typeface="Arial Unicode MS"/>
-              </a:rPr>
-              <a:t>)</a:t>
-            </a:r>
-            <a:br>
-              <a:rPr kumimoji="0" lang="en-US" altLang="en-US" b="0" i="0" u="none" strike="noStrike" cap="none" normalizeH="0" baseline="0" dirty="0">
-                <a:ln>
-                  <a:noFill/>
-                </a:ln>
-                <a:solidFill>
-                  <a:srgbClr val="A9B7C6"/>
-                </a:solidFill>
-                <a:effectLst/>
-                <a:latin typeface="Arial Unicode MS"/>
-              </a:rPr>
-            </a:br>
-            <a:r>
-              <a:rPr kumimoji="0" lang="en-US" altLang="en-US" b="0" i="0" u="none" strike="noStrike" cap="none" normalizeH="0" baseline="0" dirty="0">
-                <a:ln>
-                  <a:noFill/>
-                </a:ln>
-                <a:solidFill>
-                  <a:srgbClr val="A9B7C6"/>
-                </a:solidFill>
-                <a:effectLst/>
-                <a:latin typeface="Arial Unicode MS"/>
-              </a:rPr>
-              <a:t>    </a:t>
-            </a:r>
-            <a:r>
-              <a:rPr kumimoji="0" lang="en-US" altLang="en-US" b="0" i="0" u="none" strike="noStrike" cap="none" normalizeH="0" baseline="0" dirty="0" err="1">
-                <a:ln>
-                  <a:noFill/>
-                </a:ln>
-                <a:solidFill>
-                  <a:srgbClr val="A9B7C6"/>
-                </a:solidFill>
-                <a:effectLst/>
-                <a:latin typeface="Arial Unicode MS"/>
-              </a:rPr>
-              <a:t>sys.stdout.flush</a:t>
-            </a:r>
-            <a:r>
-              <a:rPr kumimoji="0" lang="en-US" altLang="en-US" b="0" i="0" u="none" strike="noStrike" cap="none" normalizeH="0" baseline="0" dirty="0">
-                <a:ln>
-                  <a:noFill/>
-                </a:ln>
-                <a:solidFill>
-                  <a:srgbClr val="A9B7C6"/>
-                </a:solidFill>
-                <a:effectLst/>
-                <a:latin typeface="Arial Unicode MS"/>
-              </a:rPr>
-              <a:t>()</a:t>
-            </a:r>
-            <a:br>
-              <a:rPr kumimoji="0" lang="en-US" altLang="en-US" b="0" i="0" u="none" strike="noStrike" cap="none" normalizeH="0" baseline="0" dirty="0">
-                <a:ln>
-                  <a:noFill/>
-                </a:ln>
-                <a:solidFill>
-                  <a:srgbClr val="A9B7C6"/>
-                </a:solidFill>
-                <a:effectLst/>
-                <a:latin typeface="Arial Unicode MS"/>
-              </a:rPr>
-            </a:br>
-            <a:r>
-              <a:rPr kumimoji="0" lang="en-US" altLang="en-US" b="0" i="0" u="none" strike="noStrike" cap="none" normalizeH="0" baseline="0" dirty="0">
-                <a:ln>
-                  <a:noFill/>
-                </a:ln>
-                <a:solidFill>
-                  <a:srgbClr val="A9B7C6"/>
-                </a:solidFill>
-                <a:effectLst/>
-                <a:latin typeface="Arial Unicode MS"/>
-              </a:rPr>
-              <a:t>    </a:t>
-            </a:r>
-            <a:r>
-              <a:rPr kumimoji="0" lang="en-US" altLang="en-US" b="0" i="0" u="none" strike="noStrike" cap="none" normalizeH="0" baseline="0" dirty="0" err="1">
-                <a:ln>
-                  <a:noFill/>
-                </a:ln>
-                <a:solidFill>
-                  <a:srgbClr val="A9B7C6"/>
-                </a:solidFill>
-                <a:effectLst/>
-                <a:latin typeface="Arial Unicode MS"/>
-              </a:rPr>
-              <a:t>sys.stdout.write</a:t>
-            </a:r>
-            <a:r>
-              <a:rPr kumimoji="0" lang="en-US" altLang="en-US" b="0" i="0" u="none" strike="noStrike" cap="none" normalizeH="0" baseline="0" dirty="0">
-                <a:ln>
-                  <a:noFill/>
-                </a:ln>
-                <a:solidFill>
-                  <a:srgbClr val="A9B7C6"/>
-                </a:solidFill>
-                <a:effectLst/>
-                <a:latin typeface="Arial Unicode MS"/>
-              </a:rPr>
-              <a:t>(</a:t>
-            </a:r>
-            <a:r>
-              <a:rPr kumimoji="0" lang="en-US" altLang="en-US" b="0" i="0" u="none" strike="noStrike" cap="none" normalizeH="0" baseline="0" dirty="0" err="1">
-                <a:ln>
-                  <a:noFill/>
-                </a:ln>
-                <a:solidFill>
-                  <a:srgbClr val="A9B7C6"/>
-                </a:solidFill>
-                <a:effectLst/>
-                <a:latin typeface="Arial Unicode MS"/>
-              </a:rPr>
-              <a:t>mp.current_process</a:t>
-            </a:r>
-            <a:r>
-              <a:rPr kumimoji="0" lang="en-US" altLang="en-US" b="0" i="0" u="none" strike="noStrike" cap="none" normalizeH="0" baseline="0" dirty="0">
-                <a:ln>
-                  <a:noFill/>
-                </a:ln>
-                <a:solidFill>
-                  <a:srgbClr val="A9B7C6"/>
-                </a:solidFill>
-                <a:effectLst/>
-                <a:latin typeface="Arial Unicode MS"/>
-              </a:rPr>
-              <a:t>().name + </a:t>
-            </a:r>
-            <a:r>
-              <a:rPr kumimoji="0" lang="en-US" altLang="en-US" b="0" i="0" u="none" strike="noStrike" cap="none" normalizeH="0" baseline="0" dirty="0">
-                <a:ln>
-                  <a:noFill/>
-                </a:ln>
-                <a:solidFill>
-                  <a:srgbClr val="6A8759"/>
-                </a:solidFill>
-                <a:effectLst/>
-                <a:latin typeface="Arial Unicode MS"/>
-              </a:rPr>
-              <a:t>"</a:t>
-            </a:r>
-            <a:r>
-              <a:rPr kumimoji="0" lang="en-US" altLang="en-US" b="0" i="0" u="none" strike="noStrike" cap="none" normalizeH="0" baseline="0" dirty="0">
-                <a:ln>
-                  <a:noFill/>
-                </a:ln>
-                <a:solidFill>
-                  <a:srgbClr val="CC7832"/>
-                </a:solidFill>
-                <a:effectLst/>
-                <a:latin typeface="Arial Unicode MS"/>
-              </a:rPr>
-              <a:t>\n</a:t>
-            </a:r>
-            <a:r>
-              <a:rPr kumimoji="0" lang="en-US" altLang="en-US" b="0" i="0" u="none" strike="noStrike" cap="none" normalizeH="0" baseline="0" dirty="0">
-                <a:ln>
-                  <a:noFill/>
-                </a:ln>
-                <a:solidFill>
-                  <a:srgbClr val="6A8759"/>
-                </a:solidFill>
-                <a:effectLst/>
-                <a:latin typeface="Arial Unicode MS"/>
-              </a:rPr>
-              <a:t>"</a:t>
-            </a:r>
-            <a:r>
-              <a:rPr kumimoji="0" lang="en-US" altLang="en-US" b="0" i="0" u="none" strike="noStrike" cap="none" normalizeH="0" baseline="0" dirty="0">
-                <a:ln>
-                  <a:noFill/>
-                </a:ln>
-                <a:solidFill>
-                  <a:srgbClr val="A9B7C6"/>
-                </a:solidFill>
-                <a:effectLst/>
-                <a:latin typeface="Arial Unicode MS"/>
-              </a:rPr>
-              <a:t>)</a:t>
-            </a:r>
-            <a:br>
-              <a:rPr kumimoji="0" lang="en-US" altLang="en-US" b="0" i="0" u="none" strike="noStrike" cap="none" normalizeH="0" baseline="0" dirty="0">
-                <a:ln>
-                  <a:noFill/>
-                </a:ln>
-                <a:solidFill>
-                  <a:srgbClr val="A9B7C6"/>
-                </a:solidFill>
-                <a:effectLst/>
-                <a:latin typeface="Arial Unicode MS"/>
-              </a:rPr>
-            </a:br>
-            <a:r>
-              <a:rPr kumimoji="0" lang="en-US" altLang="en-US" b="0" i="0" u="none" strike="noStrike" cap="none" normalizeH="0" baseline="0" dirty="0">
-                <a:ln>
-                  <a:noFill/>
-                </a:ln>
-                <a:solidFill>
-                  <a:srgbClr val="A9B7C6"/>
-                </a:solidFill>
-                <a:effectLst/>
-                <a:latin typeface="Arial Unicode MS"/>
-              </a:rPr>
-              <a:t>    </a:t>
-            </a:r>
-            <a:r>
-              <a:rPr kumimoji="0" lang="en-US" altLang="en-US" b="0" i="0" u="none" strike="noStrike" cap="none" normalizeH="0" baseline="0" dirty="0" err="1">
-                <a:ln>
-                  <a:noFill/>
-                </a:ln>
-                <a:solidFill>
-                  <a:srgbClr val="A9B7C6"/>
-                </a:solidFill>
-                <a:effectLst/>
-                <a:latin typeface="Arial Unicode MS"/>
-              </a:rPr>
-              <a:t>sys.stdout.flush</a:t>
-            </a:r>
-            <a:r>
-              <a:rPr kumimoji="0" lang="en-US" altLang="en-US" b="0" i="0" u="none" strike="noStrike" cap="none" normalizeH="0" baseline="0" dirty="0">
-                <a:ln>
-                  <a:noFill/>
-                </a:ln>
-                <a:solidFill>
-                  <a:srgbClr val="A9B7C6"/>
-                </a:solidFill>
-                <a:effectLst/>
-                <a:latin typeface="Arial Unicode MS"/>
-              </a:rPr>
-              <a:t>()</a:t>
-            </a:r>
-            <a:br>
-              <a:rPr kumimoji="0" lang="en-US" altLang="en-US" b="0" i="0" u="none" strike="noStrike" cap="none" normalizeH="0" baseline="0" dirty="0">
-                <a:ln>
-                  <a:noFill/>
-                </a:ln>
-                <a:solidFill>
-                  <a:srgbClr val="A9B7C6"/>
-                </a:solidFill>
-                <a:effectLst/>
-                <a:latin typeface="Arial Unicode MS"/>
-              </a:rPr>
-            </a:br>
-            <a:r>
-              <a:rPr kumimoji="0" lang="en-US" altLang="en-US" b="0" i="0" u="none" strike="noStrike" cap="none" normalizeH="0" baseline="0" dirty="0">
-                <a:ln>
-                  <a:noFill/>
-                </a:ln>
-                <a:solidFill>
-                  <a:srgbClr val="A9B7C6"/>
-                </a:solidFill>
-                <a:effectLst/>
-                <a:latin typeface="Arial Unicode MS"/>
-              </a:rPr>
-              <a:t>    loop(lock)</a:t>
-            </a:r>
-            <a:endParaRPr kumimoji="0" lang="en-US" altLang="en-US" b="0" i="0" u="none" strike="noStrike" cap="none" normalizeH="0" baseline="0" dirty="0">
-              <a:ln>
-                <a:noFill/>
-              </a:ln>
-              <a:solidFill>
-                <a:schemeClr val="tx1"/>
-              </a:solidFill>
-              <a:effectLst/>
-              <a:latin typeface="Arial" panose="020B0604020202020204" pitchFamily="34" charset="0"/>
+              <a:rPr lang="en-US" b="0" i="0" dirty="0">
+                <a:solidFill>
+                  <a:srgbClr val="000000"/>
+                </a:solidFill>
+                <a:effectLst/>
+              </a:rPr>
+              <a:t>multiprocessing module has 3 classes for process synchronization: </a:t>
+            </a:r>
+          </a:p>
+          <a:p>
+            <a:pPr marL="742950" lvl="1" indent="-285750">
+              <a:buFont typeface="Arial" panose="020B0604020202020204" pitchFamily="34" charset="0"/>
+              <a:buChar char="•"/>
+            </a:pPr>
+            <a:r>
+              <a:rPr lang="en-US" b="0" i="0" dirty="0">
+                <a:solidFill>
+                  <a:srgbClr val="000000"/>
+                </a:solidFill>
+                <a:effectLst/>
+              </a:rPr>
+              <a:t>Lock - non-recursive lock object </a:t>
+            </a:r>
+          </a:p>
+          <a:p>
+            <a:pPr marL="742950" lvl="1" indent="-285750">
+              <a:buFont typeface="Arial" panose="020B0604020202020204" pitchFamily="34" charset="0"/>
+              <a:buChar char="•"/>
+            </a:pPr>
+            <a:r>
+              <a:rPr lang="en-US" b="0" i="0" dirty="0" err="1">
+                <a:solidFill>
+                  <a:srgbClr val="000000"/>
+                </a:solidFill>
+                <a:effectLst/>
+              </a:rPr>
+              <a:t>Rlock</a:t>
+            </a:r>
+            <a:r>
+              <a:rPr lang="en-US" b="0" i="0" dirty="0">
+                <a:solidFill>
+                  <a:srgbClr val="000000"/>
+                </a:solidFill>
+                <a:effectLst/>
+              </a:rPr>
+              <a:t> - recursive lock object </a:t>
+            </a:r>
+          </a:p>
+          <a:p>
+            <a:pPr marL="742950" lvl="1" indent="-285750">
+              <a:buFont typeface="Arial" panose="020B0604020202020204" pitchFamily="34" charset="0"/>
+              <a:buChar char="•"/>
+            </a:pPr>
+            <a:r>
+              <a:rPr lang="en-US" b="0" i="0" dirty="0">
+                <a:solidFill>
+                  <a:srgbClr val="000000"/>
+                </a:solidFill>
+                <a:effectLst/>
+              </a:rPr>
+              <a:t>Semaphore — created with internal counter and can be acquired </a:t>
+            </a:r>
+            <a:r>
+              <a:rPr lang="en-US" b="0" i="0" dirty="0" err="1">
+                <a:solidFill>
+                  <a:srgbClr val="000000"/>
+                </a:solidFill>
+                <a:effectLst/>
+              </a:rPr>
+              <a:t>countertimes</a:t>
+            </a:r>
+            <a:r>
+              <a:rPr lang="en-US" b="0" i="0" dirty="0">
+                <a:solidFill>
+                  <a:srgbClr val="000000"/>
+                </a:solidFill>
+                <a:effectLst/>
+              </a:rPr>
+              <a:t> before released </a:t>
+            </a:r>
+          </a:p>
+          <a:p>
+            <a:pPr marL="285750" indent="-285750">
+              <a:buFont typeface="Arial" panose="020B0604020202020204" pitchFamily="34" charset="0"/>
+              <a:buChar char="•"/>
+            </a:pPr>
+            <a:r>
+              <a:rPr lang="en-US" b="0" i="0" dirty="0">
+                <a:solidFill>
+                  <a:srgbClr val="000000"/>
+                </a:solidFill>
+                <a:effectLst/>
+              </a:rPr>
+              <a:t>They all support context manages and can be used with </a:t>
+            </a:r>
+            <a:r>
+              <a:rPr lang="en-US" b="0" i="0" dirty="0" err="1">
+                <a:solidFill>
+                  <a:srgbClr val="000000"/>
+                </a:solidFill>
+                <a:effectLst/>
+              </a:rPr>
+              <a:t>with</a:t>
+            </a:r>
+            <a:r>
+              <a:rPr lang="en-US" b="0" i="0" dirty="0">
+                <a:solidFill>
+                  <a:srgbClr val="000000"/>
+                </a:solidFill>
+                <a:effectLst/>
+              </a:rPr>
+              <a:t> statement </a:t>
+            </a:r>
+          </a:p>
+          <a:p>
+            <a:pPr marL="285750" indent="-285750">
+              <a:buFont typeface="Arial" panose="020B0604020202020204" pitchFamily="34" charset="0"/>
+              <a:buChar char="•"/>
+            </a:pPr>
+            <a:r>
+              <a:rPr lang="en-US" b="0" i="0" dirty="0">
+                <a:solidFill>
+                  <a:srgbClr val="000000"/>
+                </a:solidFill>
+                <a:effectLst/>
+              </a:rPr>
+              <a:t>They all have the following function: </a:t>
+            </a:r>
+          </a:p>
+          <a:p>
+            <a:r>
+              <a:rPr lang="en-US" b="0" i="0" dirty="0">
+                <a:solidFill>
+                  <a:srgbClr val="000000"/>
+                </a:solidFill>
+                <a:effectLst/>
+              </a:rPr>
+              <a:t>	— acquire(blocking=True, timeout=-1) </a:t>
+            </a:r>
+          </a:p>
+          <a:p>
+            <a:pPr marL="1200150" lvl="2" indent="-285750">
+              <a:buFont typeface="Arial" panose="020B0604020202020204" pitchFamily="34" charset="0"/>
+              <a:buChar char="•"/>
+            </a:pPr>
+            <a:r>
+              <a:rPr lang="en-US" b="0" i="0" dirty="0">
+                <a:solidFill>
+                  <a:srgbClr val="000000"/>
+                </a:solidFill>
+                <a:effectLst/>
+              </a:rPr>
+              <a:t>acquire returns True if the locking were successful and False; otherwise al </a:t>
+            </a:r>
+          </a:p>
+          <a:p>
+            <a:pPr lvl="1"/>
+            <a:r>
+              <a:rPr lang="en-US" b="0" i="0" dirty="0">
+                <a:solidFill>
+                  <a:srgbClr val="000000"/>
+                </a:solidFill>
+                <a:effectLst/>
+              </a:rPr>
+              <a:t>— release()</a:t>
+            </a:r>
+            <a:endParaRPr lang="en-US" dirty="0">
+              <a:cs typeface="Calibri" panose="020F0502020204030204" pitchFamily="34" charset="0"/>
             </a:endParaRPr>
           </a:p>
         </p:txBody>
@@ -12100,7 +12807,66 @@
     </p:spTree>
     <p:extLst>
       <p:ext uri="{BB962C8B-B14F-4D97-AF65-F5344CB8AC3E}">
-        <p14:creationId xmlns:p14="http://schemas.microsoft.com/office/powerpoint/2010/main" val="836256761"/>
+        <p14:creationId xmlns:p14="http://schemas.microsoft.com/office/powerpoint/2010/main" val="3214580080"/>
+      </p:ext>
+    </p:extLst>
+  </p:cSld>
+  <p:clrMapOvr>
+    <a:masterClrMapping/>
+  </p:clrMapOvr>
+</p:sld>
+</file>
+
+<file path=ppt/slides/slide18.xml><?xml version="1.0" encoding="utf-8"?>
+<p:sld xmlns:a="http://schemas.openxmlformats.org/drawingml/2006/main" xmlns:r="http://schemas.openxmlformats.org/officeDocument/2006/relationships" xmlns:p="http://schemas.openxmlformats.org/presentationml/2006/main">
+  <p:cSld>
+    <p:spTree>
+      <p:nvGrpSpPr>
+        <p:cNvPr id="1" name=""/>
+        <p:cNvGrpSpPr/>
+        <p:nvPr/>
+      </p:nvGrpSpPr>
+      <p:grpSpPr>
+        <a:xfrm>
+          <a:off x="0" y="0"/>
+          <a:ext cx="0" cy="0"/>
+          <a:chOff x="0" y="0"/>
+          <a:chExt cx="0" cy="0"/>
+        </a:xfrm>
+      </p:grpSpPr>
+      <p:sp>
+        <p:nvSpPr>
+          <p:cNvPr id="7" name="Title 6"/>
+          <p:cNvSpPr>
+            <a:spLocks noGrp="1"/>
+          </p:cNvSpPr>
+          <p:nvPr>
+            <p:ph type="title"/>
+          </p:nvPr>
+        </p:nvSpPr>
+        <p:spPr/>
+        <p:txBody>
+          <a:bodyPr/>
+          <a:lstStyle/>
+          <a:p>
+            <a:r>
+              <a:rPr lang="en-US" b="0" i="0" dirty="0">
+                <a:solidFill>
+                  <a:srgbClr val="000000"/>
+                </a:solidFill>
+                <a:effectLst/>
+                <a:latin typeface="+mn-lt"/>
+              </a:rPr>
+              <a:t>Multiprocessing Lock</a:t>
+            </a:r>
+            <a:endParaRPr lang="he-IL" dirty="0"/>
+          </a:p>
+        </p:txBody>
+      </p:sp>
+    </p:spTree>
+    <p:extLst>
+      <p:ext uri="{BB962C8B-B14F-4D97-AF65-F5344CB8AC3E}">
+        <p14:creationId xmlns:p14="http://schemas.microsoft.com/office/powerpoint/2010/main" val="1196678461"/>
       </p:ext>
     </p:extLst>
   </p:cSld>
@@ -12140,7 +12906,7 @@
         <p:spPr/>
         <p:txBody>
           <a:bodyPr>
-            <a:normAutofit/>
+            <a:noAutofit/>
           </a:bodyPr>
           <a:lstStyle/>
           <a:p>
@@ -12152,10 +12918,11 @@
                 <a:effectLst/>
                 <a:latin typeface="+mn-lt"/>
               </a:rPr>
-              <a:t>Multiprocessing Lock example — cont’d</a:t>
+              <a:t>Multiprocessing Lock example</a:t>
             </a:r>
             <a:endParaRPr lang="he-IL" dirty="0">
               <a:latin typeface="+mn-lt"/>
+              <a:cs typeface="Calibri" panose="020F0502020204030204" pitchFamily="34" charset="0"/>
             </a:endParaRPr>
           </a:p>
         </p:txBody>
@@ -12165,7 +12932,7 @@
           <p:cNvPr id="4" name="Rectangle 1">
             <a:extLst>
               <a:ext uri="{FF2B5EF4-FFF2-40B4-BE49-F238E27FC236}">
-                <a16:creationId xmlns:a16="http://schemas.microsoft.com/office/drawing/2014/main" id="{CC6AA48B-534B-4AB7-B40B-E30F6EB337C3}"/>
+                <a16:creationId xmlns:a16="http://schemas.microsoft.com/office/drawing/2014/main" id="{69F1CE1D-DD17-474D-ACF9-8B35C69498C2}"/>
               </a:ext>
             </a:extLst>
           </p:cNvPr>
@@ -12176,8 +12943,8 @@
         </p:nvSpPr>
         <p:spPr bwMode="auto">
           <a:xfrm>
-            <a:off x="815413" y="2070920"/>
-            <a:ext cx="7457243" cy="3293209"/>
+            <a:off x="815413" y="1785005"/>
+            <a:ext cx="8806648" cy="4524315"/>
           </a:xfrm>
           <a:prstGeom prst="rect">
             <a:avLst/>
@@ -12237,7 +13004,7 @@
               <a:tabLst/>
             </a:pPr>
             <a:r>
-              <a:rPr kumimoji="0" lang="en-US" altLang="en-US" sz="1600" b="0" i="0" u="none" strike="noStrike" cap="none" normalizeH="0" baseline="0" dirty="0">
+              <a:rPr kumimoji="0" lang="en-US" altLang="en-US" b="0" i="0" u="none" strike="noStrike" cap="none" normalizeH="0" baseline="0" dirty="0">
                 <a:ln>
                   <a:noFill/>
                 </a:ln>
@@ -12247,49 +13014,49 @@
                 <a:effectLst/>
                 <a:latin typeface="Arial Unicode MS"/>
               </a:rPr>
-              <a:t>if </a:t>
-            </a:r>
-            <a:r>
-              <a:rPr kumimoji="0" lang="en-US" altLang="en-US" sz="1600" b="0" i="0" u="none" strike="noStrike" cap="none" normalizeH="0" baseline="0" dirty="0">
-                <a:ln>
-                  <a:noFill/>
-                </a:ln>
-                <a:solidFill>
-                  <a:srgbClr val="A9B7C6"/>
-                </a:solidFill>
-                <a:effectLst/>
-                <a:latin typeface="Arial Unicode MS"/>
-              </a:rPr>
-              <a:t>__name__ == </a:t>
-            </a:r>
-            <a:r>
-              <a:rPr kumimoji="0" lang="en-US" altLang="en-US" sz="1600" b="0" i="0" u="none" strike="noStrike" cap="none" normalizeH="0" baseline="0" dirty="0">
-                <a:ln>
-                  <a:noFill/>
-                </a:ln>
-                <a:solidFill>
-                  <a:srgbClr val="6A8759"/>
-                </a:solidFill>
-                <a:effectLst/>
-                <a:latin typeface="Arial Unicode MS"/>
-              </a:rPr>
-              <a:t>"__main__"</a:t>
-            </a:r>
-            <a:r>
-              <a:rPr kumimoji="0" lang="en-US" altLang="en-US" sz="1600" b="0" i="0" u="none" strike="noStrike" cap="none" normalizeH="0" baseline="0" dirty="0">
-                <a:ln>
-                  <a:noFill/>
-                </a:ln>
-                <a:solidFill>
-                  <a:srgbClr val="A9B7C6"/>
-                </a:solidFill>
-                <a:effectLst/>
-                <a:latin typeface="Arial Unicode MS"/>
-              </a:rPr>
-              <a:t>:</a:t>
+              <a:t>import </a:t>
+            </a:r>
+            <a:r>
+              <a:rPr kumimoji="0" lang="en-US" altLang="en-US" b="0" i="0" u="none" strike="noStrike" cap="none" normalizeH="0" baseline="0" dirty="0">
+                <a:ln>
+                  <a:noFill/>
+                </a:ln>
+                <a:solidFill>
+                  <a:srgbClr val="A9B7C6"/>
+                </a:solidFill>
+                <a:effectLst/>
+                <a:latin typeface="Arial Unicode MS"/>
+              </a:rPr>
+              <a:t>multiprocessing </a:t>
+            </a:r>
+            <a:r>
+              <a:rPr kumimoji="0" lang="en-US" altLang="en-US" b="0" i="0" u="none" strike="noStrike" cap="none" normalizeH="0" baseline="0" dirty="0">
+                <a:ln>
+                  <a:noFill/>
+                </a:ln>
+                <a:solidFill>
+                  <a:srgbClr val="CC7832"/>
+                </a:solidFill>
+                <a:effectLst/>
+                <a:latin typeface="Arial Unicode MS"/>
+              </a:rPr>
+              <a:t>as </a:t>
+            </a:r>
+            <a:r>
+              <a:rPr kumimoji="0" lang="en-US" altLang="en-US" b="0" i="0" u="none" strike="noStrike" cap="none" normalizeH="0" baseline="0" dirty="0" err="1">
+                <a:ln>
+                  <a:noFill/>
+                </a:ln>
+                <a:solidFill>
+                  <a:srgbClr val="A9B7C6"/>
+                </a:solidFill>
+                <a:effectLst/>
+                <a:latin typeface="Arial Unicode MS"/>
+              </a:rPr>
+              <a:t>mp</a:t>
             </a:r>
             <a:br>
-              <a:rPr kumimoji="0" lang="en-US" altLang="en-US" sz="1600" b="0" i="0" u="none" strike="noStrike" cap="none" normalizeH="0" baseline="0" dirty="0">
+              <a:rPr kumimoji="0" lang="en-US" altLang="en-US" b="0" i="0" u="none" strike="noStrike" cap="none" normalizeH="0" baseline="0" dirty="0">
                 <a:ln>
                   <a:noFill/>
                 </a:ln>
@@ -12301,356 +13068,33 @@
               </a:rPr>
             </a:br>
             <a:r>
-              <a:rPr kumimoji="0" lang="en-US" altLang="en-US" sz="1600" b="0" i="0" u="none" strike="noStrike" cap="none" normalizeH="0" baseline="0" dirty="0">
-                <a:ln>
-                  <a:noFill/>
-                </a:ln>
-                <a:solidFill>
-                  <a:srgbClr val="A9B7C6"/>
-                </a:solidFill>
-                <a:effectLst/>
-                <a:latin typeface="Arial Unicode MS"/>
-              </a:rPr>
-              <a:t>    lock = </a:t>
-            </a:r>
-            <a:r>
-              <a:rPr kumimoji="0" lang="en-US" altLang="en-US" sz="1600" b="0" i="0" u="none" strike="noStrike" cap="none" normalizeH="0" baseline="0" dirty="0" err="1">
-                <a:ln>
-                  <a:noFill/>
-                </a:ln>
-                <a:solidFill>
-                  <a:srgbClr val="A9B7C6"/>
-                </a:solidFill>
-                <a:effectLst/>
-                <a:latin typeface="Arial Unicode MS"/>
-              </a:rPr>
-              <a:t>MP.Lock</a:t>
-            </a:r>
-            <a:r>
-              <a:rPr kumimoji="0" lang="en-US" altLang="en-US" sz="1600" b="0" i="0" u="none" strike="noStrike" cap="none" normalizeH="0" baseline="0" dirty="0">
-                <a:ln>
-                  <a:noFill/>
-                </a:ln>
-                <a:solidFill>
-                  <a:srgbClr val="A9B7C6"/>
-                </a:solidFill>
-                <a:effectLst/>
-                <a:latin typeface="Arial Unicode MS"/>
-              </a:rPr>
-              <a:t>()</a:t>
+              <a:rPr kumimoji="0" lang="en-US" altLang="en-US" b="0" i="0" u="none" strike="noStrike" cap="none" normalizeH="0" baseline="0" dirty="0">
+                <a:ln>
+                  <a:noFill/>
+                </a:ln>
+                <a:solidFill>
+                  <a:srgbClr val="CC7832"/>
+                </a:solidFill>
+                <a:effectLst/>
+                <a:latin typeface="Arial Unicode MS"/>
+              </a:rPr>
+              <a:t>import </a:t>
+            </a:r>
+            <a:r>
+              <a:rPr kumimoji="0" lang="en-US" altLang="en-US" b="0" i="0" u="none" strike="noStrike" cap="none" normalizeH="0" baseline="0" dirty="0">
+                <a:ln>
+                  <a:noFill/>
+                </a:ln>
+                <a:solidFill>
+                  <a:srgbClr val="A9B7C6"/>
+                </a:solidFill>
+                <a:effectLst/>
+                <a:latin typeface="Arial Unicode MS"/>
+              </a:rPr>
+              <a:t>sys</a:t>
             </a:r>
             <a:br>
-              <a:rPr kumimoji="0" lang="en-US" altLang="en-US" sz="1600" b="0" i="0" u="none" strike="noStrike" cap="none" normalizeH="0" baseline="0" dirty="0">
-                <a:ln>
-                  <a:noFill/>
-                </a:ln>
-                <a:solidFill>
-                  <a:srgbClr val="A9B7C6"/>
-                </a:solidFill>
-                <a:effectLst/>
-                <a:latin typeface="Arial Unicode MS"/>
-              </a:rPr>
-            </a:br>
-            <a:r>
-              <a:rPr kumimoji="0" lang="en-US" altLang="en-US" sz="1600" b="0" i="0" u="none" strike="noStrike" cap="none" normalizeH="0" baseline="0" dirty="0">
-                <a:ln>
-                  <a:noFill/>
-                </a:ln>
-                <a:solidFill>
-                  <a:srgbClr val="A9B7C6"/>
-                </a:solidFill>
-                <a:effectLst/>
-                <a:latin typeface="Arial Unicode MS"/>
-              </a:rPr>
-              <a:t>    </a:t>
-            </a:r>
-            <a:r>
-              <a:rPr kumimoji="0" lang="en-US" altLang="en-US" sz="1600" b="0" i="0" u="none" strike="noStrike" cap="none" normalizeH="0" baseline="0" dirty="0" err="1">
-                <a:ln>
-                  <a:noFill/>
-                </a:ln>
-                <a:solidFill>
-                  <a:srgbClr val="A9B7C6"/>
-                </a:solidFill>
-                <a:effectLst/>
-                <a:latin typeface="Arial Unicode MS"/>
-              </a:rPr>
-              <a:t>MP.Process</a:t>
-            </a:r>
-            <a:r>
-              <a:rPr kumimoji="0" lang="en-US" altLang="en-US" sz="1600" b="0" i="0" u="none" strike="noStrike" cap="none" normalizeH="0" baseline="0" dirty="0">
-                <a:ln>
-                  <a:noFill/>
-                </a:ln>
-                <a:solidFill>
-                  <a:srgbClr val="A9B7C6"/>
-                </a:solidFill>
-                <a:effectLst/>
-                <a:latin typeface="Arial Unicode MS"/>
-              </a:rPr>
-              <a:t>(target=loop</a:t>
-            </a:r>
-            <a:r>
-              <a:rPr kumimoji="0" lang="en-US" altLang="en-US" sz="1600" b="0" i="0" u="none" strike="noStrike" cap="none" normalizeH="0" baseline="0" dirty="0">
-                <a:ln>
-                  <a:noFill/>
-                </a:ln>
-                <a:solidFill>
-                  <a:srgbClr val="CC7832"/>
-                </a:solidFill>
-                <a:effectLst/>
-                <a:latin typeface="Arial Unicode MS"/>
-              </a:rPr>
-              <a:t>, </a:t>
-            </a:r>
-            <a:r>
-              <a:rPr kumimoji="0" lang="en-US" altLang="en-US" sz="1600" b="0" i="0" u="none" strike="noStrike" cap="none" normalizeH="0" baseline="0" dirty="0">
-                <a:ln>
-                  <a:noFill/>
-                </a:ln>
-                <a:solidFill>
-                  <a:srgbClr val="A9B7C6"/>
-                </a:solidFill>
-                <a:effectLst/>
-                <a:latin typeface="Arial Unicode MS"/>
-              </a:rPr>
-              <a:t>name=</a:t>
-            </a:r>
-            <a:r>
-              <a:rPr kumimoji="0" lang="en-US" altLang="en-US" sz="1600" b="0" i="0" u="none" strike="noStrike" cap="none" normalizeH="0" baseline="0" dirty="0">
-                <a:ln>
-                  <a:noFill/>
-                </a:ln>
-                <a:solidFill>
-                  <a:srgbClr val="6A8759"/>
-                </a:solidFill>
-                <a:effectLst/>
-                <a:latin typeface="Arial Unicode MS"/>
-              </a:rPr>
-              <a:t>"child1"</a:t>
-            </a:r>
-            <a:r>
-              <a:rPr kumimoji="0" lang="en-US" altLang="en-US" sz="1600" b="0" i="0" u="none" strike="noStrike" cap="none" normalizeH="0" baseline="0" dirty="0">
-                <a:ln>
-                  <a:noFill/>
-                </a:ln>
-                <a:solidFill>
-                  <a:srgbClr val="CC7832"/>
-                </a:solidFill>
-                <a:effectLst/>
-                <a:latin typeface="Arial Unicode MS"/>
-              </a:rPr>
-              <a:t>, </a:t>
-            </a:r>
-            <a:r>
-              <a:rPr kumimoji="0" lang="en-US" altLang="en-US" sz="1600" b="0" i="0" u="none" strike="noStrike" cap="none" normalizeH="0" baseline="0" dirty="0" err="1">
-                <a:ln>
-                  <a:noFill/>
-                </a:ln>
-                <a:solidFill>
-                  <a:srgbClr val="A9B7C6"/>
-                </a:solidFill>
-                <a:effectLst/>
-                <a:latin typeface="Arial Unicode MS"/>
-              </a:rPr>
-              <a:t>args</a:t>
-            </a:r>
-            <a:r>
-              <a:rPr kumimoji="0" lang="en-US" altLang="en-US" sz="1600" b="0" i="0" u="none" strike="noStrike" cap="none" normalizeH="0" baseline="0" dirty="0">
-                <a:ln>
-                  <a:noFill/>
-                </a:ln>
-                <a:solidFill>
-                  <a:srgbClr val="A9B7C6"/>
-                </a:solidFill>
-                <a:effectLst/>
-                <a:latin typeface="Arial Unicode MS"/>
-              </a:rPr>
-              <a:t>=(lock</a:t>
-            </a:r>
-            <a:r>
-              <a:rPr kumimoji="0" lang="en-US" altLang="en-US" sz="1600" b="0" i="0" u="none" strike="noStrike" cap="none" normalizeH="0" baseline="0" dirty="0">
-                <a:ln>
-                  <a:noFill/>
-                </a:ln>
-                <a:solidFill>
-                  <a:srgbClr val="CC7832"/>
-                </a:solidFill>
-                <a:effectLst/>
-                <a:latin typeface="Arial Unicode MS"/>
-              </a:rPr>
-              <a:t>,</a:t>
-            </a:r>
-            <a:r>
-              <a:rPr kumimoji="0" lang="en-US" altLang="en-US" sz="1600" b="0" i="0" u="none" strike="noStrike" cap="none" normalizeH="0" baseline="0" dirty="0">
-                <a:ln>
-                  <a:noFill/>
-                </a:ln>
-                <a:solidFill>
-                  <a:srgbClr val="A9B7C6"/>
-                </a:solidFill>
-                <a:effectLst/>
-                <a:latin typeface="Arial Unicode MS"/>
-              </a:rPr>
-              <a:t>)).start()</a:t>
-            </a:r>
-            <a:br>
-              <a:rPr kumimoji="0" lang="en-US" altLang="en-US" sz="1600" b="0" i="0" u="none" strike="noStrike" cap="none" normalizeH="0" baseline="0" dirty="0">
-                <a:ln>
-                  <a:noFill/>
-                </a:ln>
-                <a:solidFill>
-                  <a:srgbClr val="A9B7C6"/>
-                </a:solidFill>
-                <a:effectLst/>
-                <a:latin typeface="Arial Unicode MS"/>
-              </a:rPr>
-            </a:br>
-            <a:r>
-              <a:rPr kumimoji="0" lang="en-US" altLang="en-US" sz="1600" b="0" i="0" u="none" strike="noStrike" cap="none" normalizeH="0" baseline="0" dirty="0">
-                <a:ln>
-                  <a:noFill/>
-                </a:ln>
-                <a:solidFill>
-                  <a:srgbClr val="A9B7C6"/>
-                </a:solidFill>
-                <a:effectLst/>
-                <a:latin typeface="Arial Unicode MS"/>
-              </a:rPr>
-              <a:t>    </a:t>
-            </a:r>
-            <a:r>
-              <a:rPr kumimoji="0" lang="en-US" altLang="en-US" sz="1600" b="0" i="0" u="none" strike="noStrike" cap="none" normalizeH="0" baseline="0" dirty="0" err="1">
-                <a:ln>
-                  <a:noFill/>
-                </a:ln>
-                <a:solidFill>
-                  <a:srgbClr val="A9B7C6"/>
-                </a:solidFill>
-                <a:effectLst/>
-                <a:latin typeface="Arial Unicode MS"/>
-              </a:rPr>
-              <a:t>MP.Process</a:t>
-            </a:r>
-            <a:r>
-              <a:rPr kumimoji="0" lang="en-US" altLang="en-US" sz="1600" b="0" i="0" u="none" strike="noStrike" cap="none" normalizeH="0" baseline="0" dirty="0">
-                <a:ln>
-                  <a:noFill/>
-                </a:ln>
-                <a:solidFill>
-                  <a:srgbClr val="A9B7C6"/>
-                </a:solidFill>
-                <a:effectLst/>
-                <a:latin typeface="Arial Unicode MS"/>
-              </a:rPr>
-              <a:t>(target=loop</a:t>
-            </a:r>
-            <a:r>
-              <a:rPr kumimoji="0" lang="en-US" altLang="en-US" sz="1600" b="0" i="0" u="none" strike="noStrike" cap="none" normalizeH="0" baseline="0" dirty="0">
-                <a:ln>
-                  <a:noFill/>
-                </a:ln>
-                <a:solidFill>
-                  <a:srgbClr val="CC7832"/>
-                </a:solidFill>
-                <a:effectLst/>
-                <a:latin typeface="Arial Unicode MS"/>
-              </a:rPr>
-              <a:t>, </a:t>
-            </a:r>
-            <a:r>
-              <a:rPr kumimoji="0" lang="en-US" altLang="en-US" sz="1600" b="0" i="0" u="none" strike="noStrike" cap="none" normalizeH="0" baseline="0" dirty="0">
-                <a:ln>
-                  <a:noFill/>
-                </a:ln>
-                <a:solidFill>
-                  <a:srgbClr val="A9B7C6"/>
-                </a:solidFill>
-                <a:effectLst/>
-                <a:latin typeface="Arial Unicode MS"/>
-              </a:rPr>
-              <a:t>name=</a:t>
-            </a:r>
-            <a:r>
-              <a:rPr kumimoji="0" lang="en-US" altLang="en-US" sz="1600" b="0" i="0" u="none" strike="noStrike" cap="none" normalizeH="0" baseline="0" dirty="0">
-                <a:ln>
-                  <a:noFill/>
-                </a:ln>
-                <a:solidFill>
-                  <a:srgbClr val="6A8759"/>
-                </a:solidFill>
-                <a:effectLst/>
-                <a:latin typeface="Arial Unicode MS"/>
-              </a:rPr>
-              <a:t>"child2"</a:t>
-            </a:r>
-            <a:r>
-              <a:rPr kumimoji="0" lang="en-US" altLang="en-US" sz="1600" b="0" i="0" u="none" strike="noStrike" cap="none" normalizeH="0" baseline="0" dirty="0">
-                <a:ln>
-                  <a:noFill/>
-                </a:ln>
-                <a:solidFill>
-                  <a:srgbClr val="CC7832"/>
-                </a:solidFill>
-                <a:effectLst/>
-                <a:latin typeface="Arial Unicode MS"/>
-              </a:rPr>
-              <a:t>, </a:t>
-            </a:r>
-            <a:r>
-              <a:rPr kumimoji="0" lang="en-US" altLang="en-US" sz="1600" b="0" i="0" u="none" strike="noStrike" cap="none" normalizeH="0" baseline="0" dirty="0" err="1">
-                <a:ln>
-                  <a:noFill/>
-                </a:ln>
-                <a:solidFill>
-                  <a:srgbClr val="A9B7C6"/>
-                </a:solidFill>
-                <a:effectLst/>
-                <a:latin typeface="Arial Unicode MS"/>
-              </a:rPr>
-              <a:t>args</a:t>
-            </a:r>
-            <a:r>
-              <a:rPr kumimoji="0" lang="en-US" altLang="en-US" sz="1600" b="0" i="0" u="none" strike="noStrike" cap="none" normalizeH="0" baseline="0" dirty="0">
-                <a:ln>
-                  <a:noFill/>
-                </a:ln>
-                <a:solidFill>
-                  <a:srgbClr val="A9B7C6"/>
-                </a:solidFill>
-                <a:effectLst/>
-                <a:latin typeface="Arial Unicode MS"/>
-              </a:rPr>
-              <a:t>=(lock</a:t>
-            </a:r>
-            <a:r>
-              <a:rPr kumimoji="0" lang="en-US" altLang="en-US" sz="1600" b="0" i="0" u="none" strike="noStrike" cap="none" normalizeH="0" baseline="0" dirty="0">
-                <a:ln>
-                  <a:noFill/>
-                </a:ln>
-                <a:solidFill>
-                  <a:srgbClr val="CC7832"/>
-                </a:solidFill>
-                <a:effectLst/>
-                <a:latin typeface="Arial Unicode MS"/>
-              </a:rPr>
-              <a:t>,</a:t>
-            </a:r>
-            <a:r>
-              <a:rPr kumimoji="0" lang="en-US" altLang="en-US" sz="1600" b="0" i="0" u="none" strike="noStrike" cap="none" normalizeH="0" baseline="0" dirty="0">
-                <a:ln>
-                  <a:noFill/>
-                </a:ln>
-                <a:solidFill>
-                  <a:srgbClr val="A9B7C6"/>
-                </a:solidFill>
-                <a:effectLst/>
-                <a:latin typeface="Arial Unicode MS"/>
-              </a:rPr>
-              <a:t>)).start()</a:t>
-            </a:r>
-            <a:br>
-              <a:rPr kumimoji="0" lang="en-US" altLang="en-US" sz="1600" b="0" i="0" u="none" strike="noStrike" cap="none" normalizeH="0" baseline="0" dirty="0">
+              <a:rPr kumimoji="0" lang="en-US" altLang="en-US" b="0" i="0" u="none" strike="noStrike" cap="none" normalizeH="0" baseline="0" dirty="0">
                 <a:ln>
                   <a:noFill/>
                 </a:ln>
@@ -12662,7 +13106,7 @@
               </a:rPr>
             </a:br>
             <a:br>
-              <a:rPr kumimoji="0" lang="en-US" altLang="en-US" sz="1600" b="0" i="0" u="none" strike="noStrike" cap="none" normalizeH="0" baseline="0" dirty="0">
+              <a:rPr kumimoji="0" lang="en-US" altLang="en-US" b="0" i="0" u="none" strike="noStrike" cap="none" normalizeH="0" baseline="0" dirty="0">
                 <a:ln>
                   <a:noFill/>
                 </a:ln>
@@ -12674,7 +13118,58 @@
               </a:rPr>
             </a:br>
             <a:r>
-              <a:rPr kumimoji="0" lang="en-US" altLang="en-US" sz="1600" b="0" i="0" u="none" strike="noStrike" cap="none" normalizeH="0" baseline="0" dirty="0">
+              <a:rPr kumimoji="0" lang="en-US" altLang="en-US" b="0" i="0" u="none" strike="noStrike" cap="none" normalizeH="0" baseline="0" dirty="0">
+                <a:ln>
+                  <a:noFill/>
+                </a:ln>
+                <a:solidFill>
+                  <a:srgbClr val="CC7832"/>
+                </a:solidFill>
+                <a:effectLst/>
+                <a:latin typeface="Arial Unicode MS"/>
+              </a:rPr>
+              <a:t>def </a:t>
+            </a:r>
+            <a:r>
+              <a:rPr kumimoji="0" lang="en-US" altLang="en-US" b="0" i="0" u="none" strike="noStrike" cap="none" normalizeH="0" baseline="0" dirty="0">
+                <a:ln>
+                  <a:noFill/>
+                </a:ln>
+                <a:solidFill>
+                  <a:srgbClr val="FFC66D"/>
+                </a:solidFill>
+                <a:effectLst/>
+                <a:latin typeface="Arial Unicode MS"/>
+              </a:rPr>
+              <a:t>loop</a:t>
+            </a:r>
+            <a:r>
+              <a:rPr kumimoji="0" lang="en-US" altLang="en-US" b="0" i="0" u="none" strike="noStrike" cap="none" normalizeH="0" baseline="0" dirty="0">
+                <a:ln>
+                  <a:noFill/>
+                </a:ln>
+                <a:solidFill>
+                  <a:srgbClr val="A9B7C6"/>
+                </a:solidFill>
+                <a:effectLst/>
+                <a:latin typeface="Arial Unicode MS"/>
+              </a:rPr>
+              <a:t>(lock):</a:t>
+            </a:r>
+            <a:br>
+              <a:rPr kumimoji="0" lang="en-US" altLang="en-US" b="0" i="0" u="none" strike="noStrike" cap="none" normalizeH="0" baseline="0" dirty="0">
+                <a:ln>
+                  <a:noFill/>
+                </a:ln>
+                <a:solidFill>
+                  <a:srgbClr val="A9B7C6"/>
+                </a:solidFill>
+                <a:effectLst/>
+                <a:latin typeface="Arial Unicode MS"/>
+              </a:rPr>
+            </a:br>
+            <a:r>
+              <a:rPr kumimoji="0" lang="en-US" altLang="en-US" b="0" i="0" u="none" strike="noStrike" cap="none" normalizeH="0" baseline="0" dirty="0">
                 <a:ln>
                   <a:noFill/>
                 </a:ln>
@@ -12687,7 +13182,7 @@
               <a:t>    </a:t>
             </a:r>
             <a:r>
-              <a:rPr kumimoji="0" lang="en-US" altLang="en-US" sz="1600" b="0" i="0" u="none" strike="noStrike" cap="none" normalizeH="0" baseline="0" dirty="0">
+              <a:rPr kumimoji="0" lang="en-US" altLang="en-US" b="0" i="0" u="none" strike="noStrike" cap="none" normalizeH="0" baseline="0" dirty="0">
                 <a:ln>
                   <a:noFill/>
                 </a:ln>
@@ -12700,7 +13195,7 @@
               <a:t>for </a:t>
             </a:r>
             <a:r>
-              <a:rPr kumimoji="0" lang="en-US" altLang="en-US" sz="1600" b="0" i="0" u="none" strike="noStrike" cap="none" normalizeH="0" baseline="0" dirty="0" err="1">
+              <a:rPr kumimoji="0" lang="en-US" altLang="en-US" b="0" i="0" u="none" strike="noStrike" cap="none" normalizeH="0" baseline="0" dirty="0" err="1">
                 <a:ln>
                   <a:noFill/>
                 </a:ln>
@@ -12713,7 +13208,7 @@
               <a:t>i</a:t>
             </a:r>
             <a:r>
-              <a:rPr kumimoji="0" lang="en-US" altLang="en-US" sz="1600" b="0" i="0" u="none" strike="noStrike" cap="none" normalizeH="0" baseline="0" dirty="0">
+              <a:rPr kumimoji="0" lang="en-US" altLang="en-US" b="0" i="0" u="none" strike="noStrike" cap="none" normalizeH="0" baseline="0" dirty="0">
                 <a:ln>
                   <a:noFill/>
                 </a:ln>
@@ -12726,7 +13221,7 @@
               <a:t> </a:t>
             </a:r>
             <a:r>
-              <a:rPr kumimoji="0" lang="en-US" altLang="en-US" sz="1600" b="0" i="0" u="none" strike="noStrike" cap="none" normalizeH="0" baseline="0" dirty="0">
+              <a:rPr kumimoji="0" lang="en-US" altLang="en-US" b="0" i="0" u="none" strike="noStrike" cap="none" normalizeH="0" baseline="0" dirty="0">
                 <a:ln>
                   <a:noFill/>
                 </a:ln>
@@ -12739,20 +13234,33 @@
               <a:t>in </a:t>
             </a:r>
             <a:r>
-              <a:rPr kumimoji="0" lang="en-US" altLang="en-US" sz="1600" b="0" i="0" u="none" strike="noStrike" cap="none" normalizeH="0" baseline="0" dirty="0">
-                <a:ln>
-                  <a:noFill/>
-                </a:ln>
-                <a:solidFill>
-                  <a:srgbClr val="A9B7C6"/>
-                </a:solidFill>
-                <a:effectLst/>
-                <a:latin typeface="Arial Unicode MS"/>
-              </a:rPr>
-              <a:t>range(</a:t>
-            </a:r>
-            <a:r>
-              <a:rPr kumimoji="0" lang="en-US" altLang="en-US" sz="1600" b="0" i="0" u="none" strike="noStrike" cap="none" normalizeH="0" baseline="0" dirty="0">
+              <a:rPr kumimoji="0" lang="en-US" altLang="en-US" b="0" i="0" u="none" strike="noStrike" cap="none" normalizeH="0" baseline="0" dirty="0">
+                <a:ln>
+                  <a:noFill/>
+                </a:ln>
+                <a:solidFill>
+                  <a:srgbClr val="8888C6"/>
+                </a:solidFill>
+                <a:effectLst/>
+                <a:latin typeface="Arial Unicode MS"/>
+              </a:rPr>
+              <a:t>range</a:t>
+            </a:r>
+            <a:r>
+              <a:rPr kumimoji="0" lang="en-US" altLang="en-US" b="0" i="0" u="none" strike="noStrike" cap="none" normalizeH="0" baseline="0" dirty="0">
+                <a:ln>
+                  <a:noFill/>
+                </a:ln>
+                <a:solidFill>
+                  <a:srgbClr val="A9B7C6"/>
+                </a:solidFill>
+                <a:effectLst/>
+                <a:latin typeface="Arial Unicode MS"/>
+              </a:rPr>
+              <a:t>(</a:t>
+            </a:r>
+            <a:r>
+              <a:rPr kumimoji="0" lang="en-US" altLang="en-US" b="0" i="0" u="none" strike="noStrike" cap="none" normalizeH="0" baseline="0" dirty="0">
                 <a:ln>
                   <a:noFill/>
                 </a:ln>
@@ -12765,7 +13273,7 @@
               <a:t>400</a:t>
             </a:r>
             <a:r>
-              <a:rPr kumimoji="0" lang="en-US" altLang="en-US" sz="1600" b="0" i="0" u="none" strike="noStrike" cap="none" normalizeH="0" baseline="0" dirty="0">
+              <a:rPr kumimoji="0" lang="en-US" altLang="en-US" b="0" i="0" u="none" strike="noStrike" cap="none" normalizeH="0" baseline="0" dirty="0">
                 <a:ln>
                   <a:noFill/>
                 </a:ln>
@@ -12778,7 +13286,7 @@
               <a:t>):</a:t>
             </a:r>
             <a:br>
-              <a:rPr kumimoji="0" lang="en-US" altLang="en-US" sz="1600" b="0" i="0" u="none" strike="noStrike" cap="none" normalizeH="0" baseline="0" dirty="0">
+              <a:rPr kumimoji="0" lang="en-US" altLang="en-US" b="0" i="0" u="none" strike="noStrike" cap="none" normalizeH="0" baseline="0" dirty="0">
                 <a:ln>
                   <a:noFill/>
                 </a:ln>
@@ -12790,7 +13298,7 @@
               </a:rPr>
             </a:br>
             <a:r>
-              <a:rPr kumimoji="0" lang="en-US" altLang="en-US" sz="1600" b="0" i="0" u="none" strike="noStrike" cap="none" normalizeH="0" baseline="0" dirty="0">
+              <a:rPr kumimoji="0" lang="en-US" altLang="en-US" b="0" i="0" u="none" strike="noStrike" cap="none" normalizeH="0" baseline="0" dirty="0">
                 <a:ln>
                   <a:noFill/>
                 </a:ln>
@@ -12803,7 +13311,58 @@
               <a:t>        </a:t>
             </a:r>
             <a:r>
-              <a:rPr kumimoji="0" lang="en-US" altLang="en-US" sz="1600" b="0" i="0" u="none" strike="noStrike" cap="none" normalizeH="0" baseline="0" dirty="0" err="1">
+              <a:rPr kumimoji="0" lang="en-US" altLang="en-US" b="0" i="0" u="none" strike="noStrike" cap="none" normalizeH="0" baseline="0" dirty="0">
+                <a:ln>
+                  <a:noFill/>
+                </a:ln>
+                <a:solidFill>
+                  <a:srgbClr val="CC7832"/>
+                </a:solidFill>
+                <a:effectLst/>
+                <a:latin typeface="Arial Unicode MS"/>
+              </a:rPr>
+              <a:t>with </a:t>
+            </a:r>
+            <a:r>
+              <a:rPr kumimoji="0" lang="en-US" altLang="en-US" b="0" i="0" u="none" strike="noStrike" cap="none" normalizeH="0" baseline="0" dirty="0">
+                <a:ln>
+                  <a:noFill/>
+                </a:ln>
+                <a:solidFill>
+                  <a:srgbClr val="A9B7C6"/>
+                </a:solidFill>
+                <a:effectLst/>
+                <a:latin typeface="Arial Unicode MS"/>
+              </a:rPr>
+              <a:t>lock:</a:t>
+            </a:r>
+            <a:br>
+              <a:rPr kumimoji="0" lang="en-US" altLang="en-US" b="0" i="0" u="none" strike="noStrike" cap="none" normalizeH="0" baseline="0" dirty="0">
+                <a:ln>
+                  <a:noFill/>
+                </a:ln>
+                <a:solidFill>
+                  <a:srgbClr val="A9B7C6"/>
+                </a:solidFill>
+                <a:effectLst/>
+                <a:latin typeface="Arial Unicode MS"/>
+              </a:rPr>
+            </a:br>
+            <a:r>
+              <a:rPr kumimoji="0" lang="en-US" altLang="en-US" b="0" i="0" u="none" strike="noStrike" cap="none" normalizeH="0" baseline="0" dirty="0">
+                <a:ln>
+                  <a:noFill/>
+                </a:ln>
+                <a:solidFill>
+                  <a:srgbClr val="A9B7C6"/>
+                </a:solidFill>
+                <a:effectLst/>
+                <a:latin typeface="Arial Unicode MS"/>
+              </a:rPr>
+              <a:t>            </a:t>
+            </a:r>
+            <a:r>
+              <a:rPr kumimoji="0" lang="en-US" altLang="en-US" b="0" i="0" u="none" strike="noStrike" cap="none" normalizeH="0" baseline="0" dirty="0" err="1">
                 <a:ln>
                   <a:noFill/>
                 </a:ln>
@@ -12816,20 +13375,46 @@
               <a:t>sys.stdout.write</a:t>
             </a:r>
             <a:r>
-              <a:rPr kumimoji="0" lang="en-US" altLang="en-US" sz="1600" b="0" i="0" u="none" strike="noStrike" cap="none" normalizeH="0" baseline="0" dirty="0">
-                <a:ln>
-                  <a:noFill/>
-                </a:ln>
-                <a:solidFill>
-                  <a:srgbClr val="A9B7C6"/>
-                </a:solidFill>
-                <a:effectLst/>
-                <a:latin typeface="Arial Unicode MS"/>
-              </a:rPr>
-              <a:t>(str(</a:t>
-            </a:r>
-            <a:r>
-              <a:rPr kumimoji="0" lang="en-US" altLang="en-US" sz="1600" b="0" i="0" u="none" strike="noStrike" cap="none" normalizeH="0" baseline="0" dirty="0" err="1">
+              <a:rPr kumimoji="0" lang="en-US" altLang="en-US" b="0" i="0" u="none" strike="noStrike" cap="none" normalizeH="0" baseline="0" dirty="0">
+                <a:ln>
+                  <a:noFill/>
+                </a:ln>
+                <a:solidFill>
+                  <a:srgbClr val="A9B7C6"/>
+                </a:solidFill>
+                <a:effectLst/>
+                <a:latin typeface="Arial Unicode MS"/>
+              </a:rPr>
+              <a:t>(</a:t>
+            </a:r>
+            <a:r>
+              <a:rPr kumimoji="0" lang="en-US" altLang="en-US" b="0" i="0" u="none" strike="noStrike" cap="none" normalizeH="0" baseline="0" dirty="0">
+                <a:ln>
+                  <a:noFill/>
+                </a:ln>
+                <a:solidFill>
+                  <a:srgbClr val="8888C6"/>
+                </a:solidFill>
+                <a:effectLst/>
+                <a:latin typeface="Arial Unicode MS"/>
+              </a:rPr>
+              <a:t>str</a:t>
+            </a:r>
+            <a:r>
+              <a:rPr kumimoji="0" lang="en-US" altLang="en-US" b="0" i="0" u="none" strike="noStrike" cap="none" normalizeH="0" baseline="0" dirty="0">
+                <a:ln>
+                  <a:noFill/>
+                </a:ln>
+                <a:solidFill>
+                  <a:srgbClr val="A9B7C6"/>
+                </a:solidFill>
+                <a:effectLst/>
+                <a:latin typeface="Arial Unicode MS"/>
+              </a:rPr>
+              <a:t>(</a:t>
+            </a:r>
+            <a:r>
+              <a:rPr kumimoji="0" lang="en-US" altLang="en-US" b="0" i="0" u="none" strike="noStrike" cap="none" normalizeH="0" baseline="0" dirty="0" err="1">
                 <a:ln>
                   <a:noFill/>
                 </a:ln>
@@ -12842,7 +13427,7 @@
               <a:t>i</a:t>
             </a:r>
             <a:r>
-              <a:rPr kumimoji="0" lang="en-US" altLang="en-US" sz="1600" b="0" i="0" u="none" strike="noStrike" cap="none" normalizeH="0" baseline="0" dirty="0">
+              <a:rPr kumimoji="0" lang="en-US" altLang="en-US" b="0" i="0" u="none" strike="noStrike" cap="none" normalizeH="0" baseline="0" dirty="0">
                 <a:ln>
                   <a:noFill/>
                 </a:ln>
@@ -12855,7 +13440,7 @@
               <a:t>) + </a:t>
             </a:r>
             <a:r>
-              <a:rPr kumimoji="0" lang="en-US" altLang="en-US" sz="1600" b="0" i="0" u="none" strike="noStrike" cap="none" normalizeH="0" baseline="0" dirty="0">
+              <a:rPr kumimoji="0" lang="en-US" altLang="en-US" b="0" i="0" u="none" strike="noStrike" cap="none" normalizeH="0" baseline="0" dirty="0">
                 <a:ln>
                   <a:noFill/>
                 </a:ln>
@@ -12868,7 +13453,7 @@
               <a:t>" "</a:t>
             </a:r>
             <a:r>
-              <a:rPr kumimoji="0" lang="en-US" altLang="en-US" sz="1600" b="0" i="0" u="none" strike="noStrike" cap="none" normalizeH="0" baseline="0" dirty="0">
+              <a:rPr kumimoji="0" lang="en-US" altLang="en-US" b="0" i="0" u="none" strike="noStrike" cap="none" normalizeH="0" baseline="0" dirty="0">
                 <a:ln>
                   <a:noFill/>
                 </a:ln>
@@ -12881,7 +13466,7 @@
               <a:t>)</a:t>
             </a:r>
             <a:br>
-              <a:rPr kumimoji="0" lang="en-US" altLang="en-US" sz="1600" b="0" i="0" u="none" strike="noStrike" cap="none" normalizeH="0" baseline="0" dirty="0">
+              <a:rPr kumimoji="0" lang="en-US" altLang="en-US" b="0" i="0" u="none" strike="noStrike" cap="none" normalizeH="0" baseline="0" dirty="0">
                 <a:ln>
                   <a:noFill/>
                 </a:ln>
@@ -12893,20 +13478,20 @@
               </a:rPr>
             </a:br>
             <a:r>
-              <a:rPr kumimoji="0" lang="en-US" altLang="en-US" sz="1600" b="0" i="0" u="none" strike="noStrike" cap="none" normalizeH="0" baseline="0" dirty="0">
-                <a:ln>
-                  <a:noFill/>
-                </a:ln>
-                <a:solidFill>
-                  <a:srgbClr val="A9B7C6"/>
-                </a:solidFill>
-                <a:effectLst/>
-                <a:latin typeface="Arial Unicode MS"/>
-              </a:rPr>
-              <a:t>        </a:t>
-            </a:r>
-            <a:r>
-              <a:rPr kumimoji="0" lang="en-US" altLang="en-US" sz="1600" b="0" i="0" u="none" strike="noStrike" cap="none" normalizeH="0" baseline="0" dirty="0" err="1">
+              <a:rPr kumimoji="0" lang="en-US" altLang="en-US" b="0" i="0" u="none" strike="noStrike" cap="none" normalizeH="0" baseline="0" dirty="0">
+                <a:ln>
+                  <a:noFill/>
+                </a:ln>
+                <a:solidFill>
+                  <a:srgbClr val="A9B7C6"/>
+                </a:solidFill>
+                <a:effectLst/>
+                <a:latin typeface="Arial Unicode MS"/>
+              </a:rPr>
+              <a:t>            </a:t>
+            </a:r>
+            <a:r>
+              <a:rPr kumimoji="0" lang="en-US" altLang="en-US" b="0" i="0" u="none" strike="noStrike" cap="none" normalizeH="0" baseline="0" dirty="0" err="1">
                 <a:ln>
                   <a:noFill/>
                 </a:ln>
@@ -12919,7 +13504,7 @@
               <a:t>sys.stdout.flush</a:t>
             </a:r>
             <a:r>
-              <a:rPr kumimoji="0" lang="en-US" altLang="en-US" sz="1600" b="0" i="0" u="none" strike="noStrike" cap="none" normalizeH="0" baseline="0" dirty="0">
+              <a:rPr kumimoji="0" lang="en-US" altLang="en-US" b="0" i="0" u="none" strike="noStrike" cap="none" normalizeH="0" baseline="0" dirty="0">
                 <a:ln>
                   <a:noFill/>
                 </a:ln>
@@ -12932,7 +13517,7 @@
               <a:t>()</a:t>
             </a:r>
             <a:br>
-              <a:rPr kumimoji="0" lang="en-US" altLang="en-US" sz="1600" b="0" i="0" u="none" strike="noStrike" cap="none" normalizeH="0" baseline="0" dirty="0">
+              <a:rPr kumimoji="0" lang="en-US" altLang="en-US" b="0" i="0" u="none" strike="noStrike" cap="none" normalizeH="0" baseline="0" dirty="0">
                 <a:ln>
                   <a:noFill/>
                 </a:ln>
@@ -12944,7 +13529,7 @@
               </a:rPr>
             </a:br>
             <a:br>
-              <a:rPr kumimoji="0" lang="en-US" altLang="en-US" sz="1600" b="0" i="0" u="none" strike="noStrike" cap="none" normalizeH="0" baseline="0" dirty="0">
+              <a:rPr kumimoji="0" lang="en-US" altLang="en-US" b="0" i="0" u="none" strike="noStrike" cap="none" normalizeH="0" baseline="0" dirty="0">
                 <a:ln>
                   <a:noFill/>
                 </a:ln>
@@ -12956,7 +13541,122 @@
               </a:rPr>
             </a:br>
             <a:r>
-              <a:rPr kumimoji="0" lang="en-US" altLang="en-US" sz="1600" b="0" i="0" u="none" strike="noStrike" cap="none" normalizeH="0" baseline="0" dirty="0">
+              <a:rPr kumimoji="0" lang="en-US" altLang="en-US" b="0" i="0" u="none" strike="noStrike" cap="none" normalizeH="0" baseline="0" dirty="0">
+                <a:ln>
+                  <a:noFill/>
+                </a:ln>
+                <a:solidFill>
+                  <a:srgbClr val="CC7832"/>
+                </a:solidFill>
+                <a:effectLst/>
+                <a:latin typeface="Arial Unicode MS"/>
+              </a:rPr>
+              <a:t>if </a:t>
+            </a:r>
+            <a:r>
+              <a:rPr kumimoji="0" lang="en-US" altLang="en-US" b="0" i="0" u="none" strike="noStrike" cap="none" normalizeH="0" baseline="0" dirty="0">
+                <a:ln>
+                  <a:noFill/>
+                </a:ln>
+                <a:solidFill>
+                  <a:srgbClr val="A9B7C6"/>
+                </a:solidFill>
+                <a:effectLst/>
+                <a:latin typeface="Arial Unicode MS"/>
+              </a:rPr>
+              <a:t>__name__ == </a:t>
+            </a:r>
+            <a:r>
+              <a:rPr kumimoji="0" lang="en-US" altLang="en-US" b="0" i="0" u="none" strike="noStrike" cap="none" normalizeH="0" baseline="0" dirty="0">
+                <a:ln>
+                  <a:noFill/>
+                </a:ln>
+                <a:solidFill>
+                  <a:srgbClr val="6A8759"/>
+                </a:solidFill>
+                <a:effectLst/>
+                <a:latin typeface="Arial Unicode MS"/>
+              </a:rPr>
+              <a:t>"__main__"</a:t>
+            </a:r>
+            <a:r>
+              <a:rPr kumimoji="0" lang="en-US" altLang="en-US" b="0" i="0" u="none" strike="noStrike" cap="none" normalizeH="0" baseline="0" dirty="0">
+                <a:ln>
+                  <a:noFill/>
+                </a:ln>
+                <a:solidFill>
+                  <a:srgbClr val="A9B7C6"/>
+                </a:solidFill>
+                <a:effectLst/>
+                <a:latin typeface="Arial Unicode MS"/>
+              </a:rPr>
+              <a:t>:</a:t>
+            </a:r>
+            <a:br>
+              <a:rPr kumimoji="0" lang="en-US" altLang="en-US" b="0" i="0" u="none" strike="noStrike" cap="none" normalizeH="0" baseline="0" dirty="0">
+                <a:ln>
+                  <a:noFill/>
+                </a:ln>
+                <a:solidFill>
+                  <a:srgbClr val="A9B7C6"/>
+                </a:solidFill>
+                <a:effectLst/>
+                <a:latin typeface="Arial Unicode MS"/>
+              </a:rPr>
+            </a:br>
+            <a:r>
+              <a:rPr kumimoji="0" lang="en-US" altLang="en-US" b="0" i="0" u="none" strike="noStrike" cap="none" normalizeH="0" baseline="0" dirty="0">
+                <a:ln>
+                  <a:noFill/>
+                </a:ln>
+                <a:solidFill>
+                  <a:srgbClr val="A9B7C6"/>
+                </a:solidFill>
+                <a:effectLst/>
+                <a:latin typeface="Arial Unicode MS"/>
+              </a:rPr>
+              <a:t>    lock = </a:t>
+            </a:r>
+            <a:r>
+              <a:rPr kumimoji="0" lang="en-US" altLang="en-US" b="0" i="0" u="none" strike="noStrike" cap="none" normalizeH="0" baseline="0" dirty="0" err="1">
+                <a:ln>
+                  <a:noFill/>
+                </a:ln>
+                <a:solidFill>
+                  <a:srgbClr val="A9B7C6"/>
+                </a:solidFill>
+                <a:effectLst/>
+                <a:latin typeface="Arial Unicode MS"/>
+              </a:rPr>
+              <a:t>mp.Lock</a:t>
+            </a:r>
+            <a:r>
+              <a:rPr kumimoji="0" lang="en-US" altLang="en-US" b="0" i="0" u="none" strike="noStrike" cap="none" normalizeH="0" baseline="0" dirty="0">
+                <a:ln>
+                  <a:noFill/>
+                </a:ln>
+                <a:solidFill>
+                  <a:srgbClr val="A9B7C6"/>
+                </a:solidFill>
+                <a:effectLst/>
+                <a:latin typeface="Arial Unicode MS"/>
+              </a:rPr>
+              <a:t>()</a:t>
+            </a:r>
+            <a:br>
+              <a:rPr kumimoji="0" lang="en-US" altLang="en-US" b="0" i="0" u="none" strike="noStrike" cap="none" normalizeH="0" baseline="0" dirty="0">
+                <a:ln>
+                  <a:noFill/>
+                </a:ln>
+                <a:solidFill>
+                  <a:srgbClr val="A9B7C6"/>
+                </a:solidFill>
+                <a:effectLst/>
+                <a:latin typeface="Arial Unicode MS"/>
+              </a:rPr>
+            </a:br>
+            <a:r>
+              <a:rPr kumimoji="0" lang="en-US" altLang="en-US" b="0" i="0" u="none" strike="noStrike" cap="none" normalizeH="0" baseline="0" dirty="0">
                 <a:ln>
                   <a:noFill/>
                 </a:ln>
@@ -12969,7 +13669,7 @@
               <a:t>    </a:t>
             </a:r>
             <a:r>
-              <a:rPr kumimoji="0" lang="en-US" altLang="en-US" sz="1600" b="0" i="0" u="none" strike="noStrike" cap="none" normalizeH="0" baseline="0" dirty="0" err="1">
+              <a:rPr kumimoji="0" lang="en-US" altLang="en-US" b="0" i="0" u="none" strike="noStrike" cap="none" normalizeH="0" baseline="0" dirty="0" err="1">
                 <a:ln>
                   <a:noFill/>
                 </a:ln>
@@ -12982,7 +13682,7 @@
               <a:t>sys.stdout.write</a:t>
             </a:r>
             <a:r>
-              <a:rPr kumimoji="0" lang="en-US" altLang="en-US" sz="1600" b="0" i="0" u="none" strike="noStrike" cap="none" normalizeH="0" baseline="0" dirty="0">
+              <a:rPr kumimoji="0" lang="en-US" altLang="en-US" b="0" i="0" u="none" strike="noStrike" cap="none" normalizeH="0" baseline="0" dirty="0">
                 <a:ln>
                   <a:noFill/>
                 </a:ln>
@@ -12995,7 +13695,7 @@
               <a:t>(</a:t>
             </a:r>
             <a:r>
-              <a:rPr kumimoji="0" lang="en-US" altLang="en-US" sz="1600" b="0" i="0" u="none" strike="noStrike" cap="none" normalizeH="0" baseline="0" dirty="0">
+              <a:rPr kumimoji="0" lang="en-US" altLang="en-US" b="0" i="0" u="none" strike="noStrike" cap="none" normalizeH="0" baseline="0" dirty="0">
                 <a:ln>
                   <a:noFill/>
                 </a:ln>
@@ -13008,7 +13708,7 @@
               <a:t>"in process "</a:t>
             </a:r>
             <a:r>
-              <a:rPr kumimoji="0" lang="en-US" altLang="en-US" sz="1600" b="0" i="0" u="none" strike="noStrike" cap="none" normalizeH="0" baseline="0" dirty="0">
+              <a:rPr kumimoji="0" lang="en-US" altLang="en-US" b="0" i="0" u="none" strike="noStrike" cap="none" normalizeH="0" baseline="0" dirty="0">
                 <a:ln>
                   <a:noFill/>
                 </a:ln>
@@ -13021,7 +13721,7 @@
               <a:t>)</a:t>
             </a:r>
             <a:br>
-              <a:rPr kumimoji="0" lang="en-US" altLang="en-US" sz="1600" b="0" i="0" u="none" strike="noStrike" cap="none" normalizeH="0" baseline="0" dirty="0">
+              <a:rPr kumimoji="0" lang="en-US" altLang="en-US" b="0" i="0" u="none" strike="noStrike" cap="none" normalizeH="0" baseline="0" dirty="0">
                 <a:ln>
                   <a:noFill/>
                 </a:ln>
@@ -13033,7 +13733,7 @@
               </a:rPr>
             </a:br>
             <a:r>
-              <a:rPr kumimoji="0" lang="en-US" altLang="en-US" sz="1600" b="0" i="0" u="none" strike="noStrike" cap="none" normalizeH="0" baseline="0" dirty="0">
+              <a:rPr kumimoji="0" lang="en-US" altLang="en-US" b="0" i="0" u="none" strike="noStrike" cap="none" normalizeH="0" baseline="0" dirty="0">
                 <a:ln>
                   <a:noFill/>
                 </a:ln>
@@ -13046,7 +13746,7 @@
               <a:t>    </a:t>
             </a:r>
             <a:r>
-              <a:rPr kumimoji="0" lang="en-US" altLang="en-US" sz="1600" b="0" i="0" u="none" strike="noStrike" cap="none" normalizeH="0" baseline="0" dirty="0" err="1">
+              <a:rPr kumimoji="0" lang="en-US" altLang="en-US" b="0" i="0" u="none" strike="noStrike" cap="none" normalizeH="0" baseline="0" dirty="0" err="1">
                 <a:ln>
                   <a:noFill/>
                 </a:ln>
@@ -13059,7 +13759,7 @@
               <a:t>sys.stdout.flush</a:t>
             </a:r>
             <a:r>
-              <a:rPr kumimoji="0" lang="en-US" altLang="en-US" sz="1600" b="0" i="0" u="none" strike="noStrike" cap="none" normalizeH="0" baseline="0" dirty="0">
+              <a:rPr kumimoji="0" lang="en-US" altLang="en-US" b="0" i="0" u="none" strike="noStrike" cap="none" normalizeH="0" baseline="0" dirty="0">
                 <a:ln>
                   <a:noFill/>
                 </a:ln>
@@ -13072,7 +13772,7 @@
               <a:t>()</a:t>
             </a:r>
             <a:br>
-              <a:rPr kumimoji="0" lang="en-US" altLang="en-US" sz="1600" b="0" i="0" u="none" strike="noStrike" cap="none" normalizeH="0" baseline="0" dirty="0">
+              <a:rPr kumimoji="0" lang="en-US" altLang="en-US" b="0" i="0" u="none" strike="noStrike" cap="none" normalizeH="0" baseline="0" dirty="0">
                 <a:ln>
                   <a:noFill/>
                 </a:ln>
@@ -13084,7 +13784,7 @@
               </a:rPr>
             </a:br>
             <a:r>
-              <a:rPr kumimoji="0" lang="en-US" altLang="en-US" sz="1600" b="0" i="0" u="none" strike="noStrike" cap="none" normalizeH="0" baseline="0" dirty="0">
+              <a:rPr kumimoji="0" lang="en-US" altLang="en-US" b="0" i="0" u="none" strike="noStrike" cap="none" normalizeH="0" baseline="0" dirty="0">
                 <a:ln>
                   <a:noFill/>
                 </a:ln>
@@ -13097,7 +13797,7 @@
               <a:t>    </a:t>
             </a:r>
             <a:r>
-              <a:rPr kumimoji="0" lang="en-US" altLang="en-US" sz="1600" b="0" i="0" u="none" strike="noStrike" cap="none" normalizeH="0" baseline="0" dirty="0" err="1">
+              <a:rPr kumimoji="0" lang="en-US" altLang="en-US" b="0" i="0" u="none" strike="noStrike" cap="none" normalizeH="0" baseline="0" dirty="0" err="1">
                 <a:ln>
                   <a:noFill/>
                 </a:ln>
@@ -13110,7 +13810,7 @@
               <a:t>sys.stdout.write</a:t>
             </a:r>
             <a:r>
-              <a:rPr kumimoji="0" lang="en-US" altLang="en-US" sz="1600" b="0" i="0" u="none" strike="noStrike" cap="none" normalizeH="0" baseline="0" dirty="0">
+              <a:rPr kumimoji="0" lang="en-US" altLang="en-US" b="0" i="0" u="none" strike="noStrike" cap="none" normalizeH="0" baseline="0" dirty="0">
                 <a:ln>
                   <a:noFill/>
                 </a:ln>
@@ -13123,20 +13823,20 @@
               <a:t>(</a:t>
             </a:r>
             <a:r>
-              <a:rPr kumimoji="0" lang="en-US" altLang="en-US" sz="1600" b="0" i="0" u="none" strike="noStrike" cap="none" normalizeH="0" baseline="0" dirty="0" err="1">
-                <a:ln>
-                  <a:noFill/>
-                </a:ln>
-                <a:solidFill>
-                  <a:srgbClr val="A9B7C6"/>
-                </a:solidFill>
-                <a:effectLst/>
-                <a:latin typeface="Arial Unicode MS"/>
-              </a:rPr>
-              <a:t>MP.current_process</a:t>
-            </a:r>
-            <a:r>
-              <a:rPr kumimoji="0" lang="en-US" altLang="en-US" sz="1600" b="0" i="0" u="none" strike="noStrike" cap="none" normalizeH="0" baseline="0" dirty="0">
+              <a:rPr kumimoji="0" lang="en-US" altLang="en-US" b="0" i="0" u="none" strike="noStrike" cap="none" normalizeH="0" baseline="0" dirty="0" err="1">
+                <a:ln>
+                  <a:noFill/>
+                </a:ln>
+                <a:solidFill>
+                  <a:srgbClr val="A9B7C6"/>
+                </a:solidFill>
+                <a:effectLst/>
+                <a:latin typeface="Arial Unicode MS"/>
+              </a:rPr>
+              <a:t>mp.current_process</a:t>
+            </a:r>
+            <a:r>
+              <a:rPr kumimoji="0" lang="en-US" altLang="en-US" b="0" i="0" u="none" strike="noStrike" cap="none" normalizeH="0" baseline="0" dirty="0">
                 <a:ln>
                   <a:noFill/>
                 </a:ln>
@@ -13149,7 +13849,7 @@
               <a:t>().name + </a:t>
             </a:r>
             <a:r>
-              <a:rPr kumimoji="0" lang="en-US" altLang="en-US" sz="1600" b="0" i="0" u="none" strike="noStrike" cap="none" normalizeH="0" baseline="0" dirty="0">
+              <a:rPr kumimoji="0" lang="en-US" altLang="en-US" b="0" i="0" u="none" strike="noStrike" cap="none" normalizeH="0" baseline="0" dirty="0">
                 <a:ln>
                   <a:noFill/>
                 </a:ln>
@@ -13162,7 +13862,7 @@
               <a:t>"</a:t>
             </a:r>
             <a:r>
-              <a:rPr kumimoji="0" lang="en-US" altLang="en-US" sz="1600" b="0" i="0" u="none" strike="noStrike" cap="none" normalizeH="0" baseline="0" dirty="0">
+              <a:rPr kumimoji="0" lang="en-US" altLang="en-US" b="0" i="0" u="none" strike="noStrike" cap="none" normalizeH="0" baseline="0" dirty="0">
                 <a:ln>
                   <a:noFill/>
                 </a:ln>
@@ -13175,7 +13875,7 @@
               <a:t>\n</a:t>
             </a:r>
             <a:r>
-              <a:rPr kumimoji="0" lang="en-US" altLang="en-US" sz="1600" b="0" i="0" u="none" strike="noStrike" cap="none" normalizeH="0" baseline="0" dirty="0">
+              <a:rPr kumimoji="0" lang="en-US" altLang="en-US" b="0" i="0" u="none" strike="noStrike" cap="none" normalizeH="0" baseline="0" dirty="0">
                 <a:ln>
                   <a:noFill/>
                 </a:ln>
@@ -13188,7 +13888,7 @@
               <a:t>"</a:t>
             </a:r>
             <a:r>
-              <a:rPr kumimoji="0" lang="en-US" altLang="en-US" sz="1600" b="0" i="0" u="none" strike="noStrike" cap="none" normalizeH="0" baseline="0" dirty="0">
+              <a:rPr kumimoji="0" lang="en-US" altLang="en-US" b="0" i="0" u="none" strike="noStrike" cap="none" normalizeH="0" baseline="0" dirty="0">
                 <a:ln>
                   <a:noFill/>
                 </a:ln>
@@ -13201,7 +13901,7 @@
               <a:t>)</a:t>
             </a:r>
             <a:br>
-              <a:rPr kumimoji="0" lang="en-US" altLang="en-US" sz="1600" b="0" i="0" u="none" strike="noStrike" cap="none" normalizeH="0" baseline="0" dirty="0">
+              <a:rPr kumimoji="0" lang="en-US" altLang="en-US" b="0" i="0" u="none" strike="noStrike" cap="none" normalizeH="0" baseline="0" dirty="0">
                 <a:ln>
                   <a:noFill/>
                 </a:ln>
@@ -13213,7 +13913,7 @@
               </a:rPr>
             </a:br>
             <a:r>
-              <a:rPr kumimoji="0" lang="en-US" altLang="en-US" sz="1600" b="0" i="0" u="none" strike="noStrike" cap="none" normalizeH="0" baseline="0" dirty="0">
+              <a:rPr kumimoji="0" lang="en-US" altLang="en-US" b="0" i="0" u="none" strike="noStrike" cap="none" normalizeH="0" baseline="0" dirty="0">
                 <a:ln>
                   <a:noFill/>
                 </a:ln>
@@ -13226,7 +13926,7 @@
               <a:t>    </a:t>
             </a:r>
             <a:r>
-              <a:rPr kumimoji="0" lang="en-US" altLang="en-US" sz="1600" b="0" i="0" u="none" strike="noStrike" cap="none" normalizeH="0" baseline="0" dirty="0" err="1">
+              <a:rPr kumimoji="0" lang="en-US" altLang="en-US" b="0" i="0" u="none" strike="noStrike" cap="none" normalizeH="0" baseline="0" dirty="0" err="1">
                 <a:ln>
                   <a:noFill/>
                 </a:ln>
@@ -13239,7 +13939,7 @@
               <a:t>sys.stdout.flush</a:t>
             </a:r>
             <a:r>
-              <a:rPr kumimoji="0" lang="en-US" altLang="en-US" sz="1600" b="0" i="0" u="none" strike="noStrike" cap="none" normalizeH="0" baseline="0" dirty="0">
+              <a:rPr kumimoji="0" lang="en-US" altLang="en-US" b="0" i="0" u="none" strike="noStrike" cap="none" normalizeH="0" baseline="0" dirty="0">
                 <a:ln>
                   <a:noFill/>
                 </a:ln>
@@ -13251,7 +13951,32 @@
               </a:rPr>
               <a:t>()</a:t>
             </a:r>
-            <a:endParaRPr kumimoji="0" lang="en-US" altLang="en-US" sz="1600" b="0" i="0" u="none" strike="noStrike" cap="none" normalizeH="0" baseline="0" dirty="0">
+            <a:br>
+              <a:rPr kumimoji="0" lang="en-US" altLang="en-US" b="0" i="0" u="none" strike="noStrike" cap="none" normalizeH="0" baseline="0" dirty="0">
+                <a:ln>
+                  <a:noFill/>
+                </a:ln>
+                <a:solidFill>
+                  <a:srgbClr val="A9B7C6"/>
+                </a:solidFill>
+                <a:effectLst/>
+                <a:latin typeface="Arial Unicode MS"/>
+              </a:rPr>
+            </a:br>
+            <a:r>
+              <a:rPr kumimoji="0" lang="en-US" altLang="en-US" b="0" i="0" u="none" strike="noStrike" cap="none" normalizeH="0" baseline="0" dirty="0">
+                <a:ln>
+                  <a:noFill/>
+                </a:ln>
+                <a:solidFill>
+                  <a:srgbClr val="A9B7C6"/>
+                </a:solidFill>
+                <a:effectLst/>
+                <a:latin typeface="Arial Unicode MS"/>
+              </a:rPr>
+              <a:t>    loop(lock)</a:t>
+            </a:r>
+            <a:endParaRPr kumimoji="0" lang="en-US" altLang="en-US" b="0" i="0" u="none" strike="noStrike" cap="none" normalizeH="0" baseline="0" dirty="0">
               <a:ln>
                 <a:noFill/>
               </a:ln>
@@ -13267,7 +13992,7 @@
     </p:spTree>
     <p:extLst>
       <p:ext uri="{BB962C8B-B14F-4D97-AF65-F5344CB8AC3E}">
-        <p14:creationId xmlns:p14="http://schemas.microsoft.com/office/powerpoint/2010/main" val="2140523786"/>
+        <p14:creationId xmlns:p14="http://schemas.microsoft.com/office/powerpoint/2010/main" val="836256761"/>
       </p:ext>
     </p:extLst>
   </p:cSld>
@@ -13337,8 +14062,8 @@
         </p:nvSpPr>
         <p:spPr>
           <a:xfrm>
-            <a:off x="838200" y="1690688"/>
-            <a:ext cx="10515600" cy="4486275"/>
+            <a:off x="838199" y="1690688"/>
+            <a:ext cx="6512511" cy="4486275"/>
           </a:xfrm>
         </p:spPr>
         <p:txBody>
@@ -13349,7 +14074,7 @@
           <a:p>
             <a:pPr fontAlgn="base"/>
             <a:r>
-              <a:rPr lang="en-US" sz="3200" b="0" i="0" dirty="0">
+              <a:rPr lang="en-US" sz="2000" b="0" i="0" dirty="0">
                 <a:solidFill>
                   <a:srgbClr val="000000"/>
                 </a:solidFill>
@@ -13360,48 +14085,122 @@
           </a:p>
           <a:p>
             <a:pPr fontAlgn="base"/>
-            <a:r>
-              <a:rPr lang="en-US" sz="3200" b="0" i="0" dirty="0">
-                <a:solidFill>
-                  <a:srgbClr val="000000"/>
-                </a:solidFill>
-                <a:effectLst/>
-              </a:rPr>
-              <a:t>multiprocessing API is similar to threading API and it extends the threading module functionality </a:t>
-            </a:r>
-          </a:p>
-          <a:p>
-            <a:pPr fontAlgn="base"/>
-            <a:r>
-              <a:rPr lang="en-US" sz="3200" b="0" i="0" dirty="0">
-                <a:solidFill>
-                  <a:srgbClr val="000000"/>
-                </a:solidFill>
-                <a:effectLst/>
-              </a:rPr>
-              <a:t>Python processes avoid the Global Interpreter Lock (GIL)and take full advantages of multiple processors on a machine </a:t>
-            </a:r>
-          </a:p>
-          <a:p>
-            <a:pPr fontAlgn="base"/>
-            <a:r>
-              <a:rPr lang="en-US" sz="3200" b="0" i="0" dirty="0">
-                <a:solidFill>
-                  <a:srgbClr val="000000"/>
-                </a:solidFill>
-                <a:effectLst/>
-              </a:rPr>
-              <a:t>multiprocessing module includes a lot of useful classes for — processes creation, synchronization and IPC</a:t>
-            </a:r>
-            <a:endParaRPr lang="ru-RU" sz="3200" b="0" i="0" dirty="0">
+            <a:endParaRPr lang="en-US" sz="2000" b="0" i="0" dirty="0">
               <a:solidFill>
                 <a:srgbClr val="000000"/>
               </a:solidFill>
               <a:effectLst/>
             </a:endParaRPr>
           </a:p>
+          <a:p>
+            <a:pPr fontAlgn="base"/>
+            <a:r>
+              <a:rPr lang="en-US" sz="2000" b="0" i="0" dirty="0">
+                <a:solidFill>
+                  <a:srgbClr val="000000"/>
+                </a:solidFill>
+                <a:effectLst/>
+              </a:rPr>
+              <a:t>multiprocessing API is similar to threading API and it extends the threading module functionality </a:t>
+            </a:r>
+          </a:p>
+          <a:p>
+            <a:pPr fontAlgn="base"/>
+            <a:endParaRPr lang="en-US" sz="2000" b="0" i="0" dirty="0">
+              <a:solidFill>
+                <a:srgbClr val="000000"/>
+              </a:solidFill>
+              <a:effectLst/>
+            </a:endParaRPr>
+          </a:p>
+          <a:p>
+            <a:pPr fontAlgn="base"/>
+            <a:r>
+              <a:rPr lang="en-US" sz="2000" b="0" i="0" dirty="0">
+                <a:solidFill>
+                  <a:srgbClr val="000000"/>
+                </a:solidFill>
+                <a:effectLst/>
+              </a:rPr>
+              <a:t>Python processes avoid the Global Interpreter Lock (GIL)and take full advantages of multiple processors on a machine </a:t>
+            </a:r>
+          </a:p>
+          <a:p>
+            <a:pPr fontAlgn="base"/>
+            <a:endParaRPr lang="en-US" sz="2000" b="0" i="0" dirty="0">
+              <a:solidFill>
+                <a:srgbClr val="000000"/>
+              </a:solidFill>
+              <a:effectLst/>
+            </a:endParaRPr>
+          </a:p>
+          <a:p>
+            <a:pPr fontAlgn="base"/>
+            <a:r>
+              <a:rPr lang="en-US" sz="2000" b="0" i="0" dirty="0">
+                <a:solidFill>
+                  <a:srgbClr val="000000"/>
+                </a:solidFill>
+                <a:effectLst/>
+              </a:rPr>
+              <a:t>multiprocessing module includes a lot of useful classes for — processes creation, synchronization and IPC</a:t>
+            </a:r>
+            <a:endParaRPr lang="ru-RU" sz="2000" b="0" i="0" dirty="0">
+              <a:solidFill>
+                <a:srgbClr val="000000"/>
+              </a:solidFill>
+              <a:effectLst/>
+            </a:endParaRPr>
+          </a:p>
         </p:txBody>
       </p:sp>
+      <p:pic>
+        <p:nvPicPr>
+          <p:cNvPr id="1028" name="Picture 4" descr="Multiprocessing in Python">
+            <a:extLst>
+              <a:ext uri="{FF2B5EF4-FFF2-40B4-BE49-F238E27FC236}">
+                <a16:creationId xmlns:a16="http://schemas.microsoft.com/office/drawing/2014/main" id="{AC93F076-7A56-4B1B-959E-2A0E46FEFBA0}"/>
+              </a:ext>
+            </a:extLst>
+          </p:cNvPr>
+          <p:cNvPicPr>
+            <a:picLocks noChangeAspect="1" noChangeArrowheads="1"/>
+          </p:cNvPicPr>
+          <p:nvPr/>
+        </p:nvPicPr>
+        <p:blipFill>
+          <a:blip r:embed="rId3">
+            <a:extLst>
+              <a:ext uri="{28A0092B-C50C-407E-A947-70E740481C1C}">
+                <a14:useLocalDpi xmlns:a14="http://schemas.microsoft.com/office/drawing/2010/main" val="0"/>
+              </a:ext>
+            </a:extLst>
+          </a:blip>
+          <a:srcRect/>
+          <a:stretch>
+            <a:fillRect/>
+          </a:stretch>
+        </p:blipFill>
+        <p:spPr bwMode="auto">
+          <a:xfrm>
+            <a:off x="6577705" y="2006353"/>
+            <a:ext cx="5786474" cy="2631098"/>
+          </a:xfrm>
+          <a:prstGeom prst="rect">
+            <a:avLst/>
+          </a:prstGeom>
+          <a:noFill/>
+          <a:extLst>
+            <a:ext uri="{909E8E84-426E-40DD-AFC4-6F175D3DCCD1}">
+              <a14:hiddenFill xmlns:a14="http://schemas.microsoft.com/office/drawing/2010/main">
+                <a:solidFill>
+                  <a:srgbClr val="FFFFFF"/>
+                </a:solidFill>
+              </a14:hiddenFill>
+            </a:ext>
+          </a:extLst>
+        </p:spPr>
+      </p:pic>
     </p:spTree>
     <p:extLst>
       <p:ext uri="{BB962C8B-B14F-4D97-AF65-F5344CB8AC3E}">
@@ -13457,6 +14256,1173 @@
                 <a:effectLst/>
                 <a:latin typeface="+mn-lt"/>
               </a:rPr>
+              <a:t>Multiprocessing Lock example — cont’d</a:t>
+            </a:r>
+            <a:endParaRPr lang="he-IL" dirty="0">
+              <a:latin typeface="+mn-lt"/>
+            </a:endParaRPr>
+          </a:p>
+        </p:txBody>
+      </p:sp>
+      <p:sp>
+        <p:nvSpPr>
+          <p:cNvPr id="4" name="Rectangle 1">
+            <a:extLst>
+              <a:ext uri="{FF2B5EF4-FFF2-40B4-BE49-F238E27FC236}">
+                <a16:creationId xmlns:a16="http://schemas.microsoft.com/office/drawing/2014/main" id="{CC6AA48B-534B-4AB7-B40B-E30F6EB337C3}"/>
+              </a:ext>
+            </a:extLst>
+          </p:cNvPr>
+          <p:cNvSpPr>
+            <a:spLocks noChangeArrowheads="1"/>
+          </p:cNvSpPr>
+          <p:nvPr/>
+        </p:nvSpPr>
+        <p:spPr bwMode="auto">
+          <a:xfrm>
+            <a:off x="815413" y="2070920"/>
+            <a:ext cx="7457243" cy="3293209"/>
+          </a:xfrm>
+          <a:prstGeom prst="rect">
+            <a:avLst/>
+          </a:prstGeom>
+          <a:solidFill>
+            <a:srgbClr val="2B2B2B"/>
+          </a:solidFill>
+          <a:ln>
+            <a:noFill/>
+          </a:ln>
+          <a:effectLst/>
+          <a:extLst>
+            <a:ext uri="{91240B29-F687-4F45-9708-019B960494DF}">
+              <a14:hiddenLine xmlns:a14="http://schemas.microsoft.com/office/drawing/2010/main" w="9525">
+                <a:solidFill>
+                  <a:schemeClr val="tx1"/>
+                </a:solidFill>
+                <a:miter lim="800000"/>
+                <a:headEnd/>
+                <a:tailEnd/>
+              </a14:hiddenLine>
+            </a:ext>
+            <a:ext uri="{AF507438-7753-43E0-B8FC-AC1667EBCBE1}">
+              <a14:hiddenEffects xmlns:a14="http://schemas.microsoft.com/office/drawing/2010/main">
+                <a:effectLst>
+                  <a:outerShdw dist="35921" dir="2700000" algn="ctr" rotWithShape="0">
+                    <a:schemeClr val="bg2"/>
+                  </a:outerShdw>
+                </a:effectLst>
+              </a14:hiddenEffects>
+            </a:ext>
+          </a:extLst>
+        </p:spPr>
+        <p:txBody>
+          <a:bodyPr vert="horz" wrap="square" lIns="91440" tIns="45720" rIns="91440" bIns="45720" numCol="1" anchor="ctr" anchorCtr="0" compatLnSpc="1">
+            <a:prstTxWarp prst="textNoShape">
+              <a:avLst/>
+            </a:prstTxWarp>
+            <a:spAutoFit/>
+          </a:bodyPr>
+          <a:lstStyle/>
+          <a:p>
+            <a:pPr marL="0" marR="0" lvl="0" indent="0" algn="l" defTabSz="914400" rtl="0" eaLnBrk="0" fontAlgn="base" latinLnBrk="0" hangingPunct="0">
+              <a:lnSpc>
+                <a:spcPct val="100000"/>
+              </a:lnSpc>
+              <a:spcBef>
+                <a:spcPct val="0"/>
+              </a:spcBef>
+              <a:spcAft>
+                <a:spcPct val="0"/>
+              </a:spcAft>
+              <a:buClrTx/>
+              <a:buSzTx/>
+              <a:buFontTx/>
+              <a:buNone/>
+              <a:tabLst/>
+            </a:pPr>
+            <a:r>
+              <a:rPr kumimoji="0" lang="en-US" altLang="en-US" sz="1600" b="0" i="0" u="none" strike="noStrike" cap="none" normalizeH="0" baseline="0" dirty="0">
+                <a:ln>
+                  <a:noFill/>
+                </a:ln>
+                <a:solidFill>
+                  <a:srgbClr val="CC7832"/>
+                </a:solidFill>
+                <a:effectLst/>
+                <a:latin typeface="Arial Unicode MS"/>
+              </a:rPr>
+              <a:t>if </a:t>
+            </a:r>
+            <a:r>
+              <a:rPr kumimoji="0" lang="en-US" altLang="en-US" sz="1600" b="0" i="0" u="none" strike="noStrike" cap="none" normalizeH="0" baseline="0" dirty="0">
+                <a:ln>
+                  <a:noFill/>
+                </a:ln>
+                <a:solidFill>
+                  <a:srgbClr val="A9B7C6"/>
+                </a:solidFill>
+                <a:effectLst/>
+                <a:latin typeface="Arial Unicode MS"/>
+              </a:rPr>
+              <a:t>__name__ == </a:t>
+            </a:r>
+            <a:r>
+              <a:rPr kumimoji="0" lang="en-US" altLang="en-US" sz="1600" b="0" i="0" u="none" strike="noStrike" cap="none" normalizeH="0" baseline="0" dirty="0">
+                <a:ln>
+                  <a:noFill/>
+                </a:ln>
+                <a:solidFill>
+                  <a:srgbClr val="6A8759"/>
+                </a:solidFill>
+                <a:effectLst/>
+                <a:latin typeface="Arial Unicode MS"/>
+              </a:rPr>
+              <a:t>"__main__"</a:t>
+            </a:r>
+            <a:r>
+              <a:rPr kumimoji="0" lang="en-US" altLang="en-US" sz="1600" b="0" i="0" u="none" strike="noStrike" cap="none" normalizeH="0" baseline="0" dirty="0">
+                <a:ln>
+                  <a:noFill/>
+                </a:ln>
+                <a:solidFill>
+                  <a:srgbClr val="A9B7C6"/>
+                </a:solidFill>
+                <a:effectLst/>
+                <a:latin typeface="Arial Unicode MS"/>
+              </a:rPr>
+              <a:t>:</a:t>
+            </a:r>
+            <a:br>
+              <a:rPr kumimoji="0" lang="en-US" altLang="en-US" sz="1600" b="0" i="0" u="none" strike="noStrike" cap="none" normalizeH="0" baseline="0" dirty="0">
+                <a:ln>
+                  <a:noFill/>
+                </a:ln>
+                <a:solidFill>
+                  <a:srgbClr val="A9B7C6"/>
+                </a:solidFill>
+                <a:effectLst/>
+                <a:latin typeface="Arial Unicode MS"/>
+              </a:rPr>
+            </a:br>
+            <a:r>
+              <a:rPr kumimoji="0" lang="en-US" altLang="en-US" sz="1600" b="0" i="0" u="none" strike="noStrike" cap="none" normalizeH="0" baseline="0" dirty="0">
+                <a:ln>
+                  <a:noFill/>
+                </a:ln>
+                <a:solidFill>
+                  <a:srgbClr val="A9B7C6"/>
+                </a:solidFill>
+                <a:effectLst/>
+                <a:latin typeface="Arial Unicode MS"/>
+              </a:rPr>
+              <a:t>    lock = </a:t>
+            </a:r>
+            <a:r>
+              <a:rPr kumimoji="0" lang="en-US" altLang="en-US" sz="1600" b="0" i="0" u="none" strike="noStrike" cap="none" normalizeH="0" baseline="0" dirty="0" err="1">
+                <a:ln>
+                  <a:noFill/>
+                </a:ln>
+                <a:solidFill>
+                  <a:srgbClr val="A9B7C6"/>
+                </a:solidFill>
+                <a:effectLst/>
+                <a:latin typeface="Arial Unicode MS"/>
+              </a:rPr>
+              <a:t>MP.Lock</a:t>
+            </a:r>
+            <a:r>
+              <a:rPr kumimoji="0" lang="en-US" altLang="en-US" sz="1600" b="0" i="0" u="none" strike="noStrike" cap="none" normalizeH="0" baseline="0" dirty="0">
+                <a:ln>
+                  <a:noFill/>
+                </a:ln>
+                <a:solidFill>
+                  <a:srgbClr val="A9B7C6"/>
+                </a:solidFill>
+                <a:effectLst/>
+                <a:latin typeface="Arial Unicode MS"/>
+              </a:rPr>
+              <a:t>()</a:t>
+            </a:r>
+            <a:br>
+              <a:rPr kumimoji="0" lang="en-US" altLang="en-US" sz="1600" b="0" i="0" u="none" strike="noStrike" cap="none" normalizeH="0" baseline="0" dirty="0">
+                <a:ln>
+                  <a:noFill/>
+                </a:ln>
+                <a:solidFill>
+                  <a:srgbClr val="A9B7C6"/>
+                </a:solidFill>
+                <a:effectLst/>
+                <a:latin typeface="Arial Unicode MS"/>
+              </a:rPr>
+            </a:br>
+            <a:r>
+              <a:rPr kumimoji="0" lang="en-US" altLang="en-US" sz="1600" b="0" i="0" u="none" strike="noStrike" cap="none" normalizeH="0" baseline="0" dirty="0">
+                <a:ln>
+                  <a:noFill/>
+                </a:ln>
+                <a:solidFill>
+                  <a:srgbClr val="A9B7C6"/>
+                </a:solidFill>
+                <a:effectLst/>
+                <a:latin typeface="Arial Unicode MS"/>
+              </a:rPr>
+              <a:t>    </a:t>
+            </a:r>
+            <a:r>
+              <a:rPr kumimoji="0" lang="en-US" altLang="en-US" sz="1600" b="0" i="0" u="none" strike="noStrike" cap="none" normalizeH="0" baseline="0" dirty="0" err="1">
+                <a:ln>
+                  <a:noFill/>
+                </a:ln>
+                <a:solidFill>
+                  <a:srgbClr val="A9B7C6"/>
+                </a:solidFill>
+                <a:effectLst/>
+                <a:latin typeface="Arial Unicode MS"/>
+              </a:rPr>
+              <a:t>MP.Process</a:t>
+            </a:r>
+            <a:r>
+              <a:rPr kumimoji="0" lang="en-US" altLang="en-US" sz="1600" b="0" i="0" u="none" strike="noStrike" cap="none" normalizeH="0" baseline="0" dirty="0">
+                <a:ln>
+                  <a:noFill/>
+                </a:ln>
+                <a:solidFill>
+                  <a:srgbClr val="A9B7C6"/>
+                </a:solidFill>
+                <a:effectLst/>
+                <a:latin typeface="Arial Unicode MS"/>
+              </a:rPr>
+              <a:t>(target=loop</a:t>
+            </a:r>
+            <a:r>
+              <a:rPr kumimoji="0" lang="en-US" altLang="en-US" sz="1600" b="0" i="0" u="none" strike="noStrike" cap="none" normalizeH="0" baseline="0" dirty="0">
+                <a:ln>
+                  <a:noFill/>
+                </a:ln>
+                <a:solidFill>
+                  <a:srgbClr val="CC7832"/>
+                </a:solidFill>
+                <a:effectLst/>
+                <a:latin typeface="Arial Unicode MS"/>
+              </a:rPr>
+              <a:t>, </a:t>
+            </a:r>
+            <a:r>
+              <a:rPr kumimoji="0" lang="en-US" altLang="en-US" sz="1600" b="0" i="0" u="none" strike="noStrike" cap="none" normalizeH="0" baseline="0" dirty="0">
+                <a:ln>
+                  <a:noFill/>
+                </a:ln>
+                <a:solidFill>
+                  <a:srgbClr val="A9B7C6"/>
+                </a:solidFill>
+                <a:effectLst/>
+                <a:latin typeface="Arial Unicode MS"/>
+              </a:rPr>
+              <a:t>name=</a:t>
+            </a:r>
+            <a:r>
+              <a:rPr kumimoji="0" lang="en-US" altLang="en-US" sz="1600" b="0" i="0" u="none" strike="noStrike" cap="none" normalizeH="0" baseline="0" dirty="0">
+                <a:ln>
+                  <a:noFill/>
+                </a:ln>
+                <a:solidFill>
+                  <a:srgbClr val="6A8759"/>
+                </a:solidFill>
+                <a:effectLst/>
+                <a:latin typeface="Arial Unicode MS"/>
+              </a:rPr>
+              <a:t>"child1"</a:t>
+            </a:r>
+            <a:r>
+              <a:rPr kumimoji="0" lang="en-US" altLang="en-US" sz="1600" b="0" i="0" u="none" strike="noStrike" cap="none" normalizeH="0" baseline="0" dirty="0">
+                <a:ln>
+                  <a:noFill/>
+                </a:ln>
+                <a:solidFill>
+                  <a:srgbClr val="CC7832"/>
+                </a:solidFill>
+                <a:effectLst/>
+                <a:latin typeface="Arial Unicode MS"/>
+              </a:rPr>
+              <a:t>, </a:t>
+            </a:r>
+            <a:r>
+              <a:rPr kumimoji="0" lang="en-US" altLang="en-US" sz="1600" b="0" i="0" u="none" strike="noStrike" cap="none" normalizeH="0" baseline="0" dirty="0" err="1">
+                <a:ln>
+                  <a:noFill/>
+                </a:ln>
+                <a:solidFill>
+                  <a:srgbClr val="A9B7C6"/>
+                </a:solidFill>
+                <a:effectLst/>
+                <a:latin typeface="Arial Unicode MS"/>
+              </a:rPr>
+              <a:t>args</a:t>
+            </a:r>
+            <a:r>
+              <a:rPr kumimoji="0" lang="en-US" altLang="en-US" sz="1600" b="0" i="0" u="none" strike="noStrike" cap="none" normalizeH="0" baseline="0" dirty="0">
+                <a:ln>
+                  <a:noFill/>
+                </a:ln>
+                <a:solidFill>
+                  <a:srgbClr val="A9B7C6"/>
+                </a:solidFill>
+                <a:effectLst/>
+                <a:latin typeface="Arial Unicode MS"/>
+              </a:rPr>
+              <a:t>=(lock</a:t>
+            </a:r>
+            <a:r>
+              <a:rPr kumimoji="0" lang="en-US" altLang="en-US" sz="1600" b="0" i="0" u="none" strike="noStrike" cap="none" normalizeH="0" baseline="0" dirty="0">
+                <a:ln>
+                  <a:noFill/>
+                </a:ln>
+                <a:solidFill>
+                  <a:srgbClr val="CC7832"/>
+                </a:solidFill>
+                <a:effectLst/>
+                <a:latin typeface="Arial Unicode MS"/>
+              </a:rPr>
+              <a:t>,</a:t>
+            </a:r>
+            <a:r>
+              <a:rPr kumimoji="0" lang="en-US" altLang="en-US" sz="1600" b="0" i="0" u="none" strike="noStrike" cap="none" normalizeH="0" baseline="0" dirty="0">
+                <a:ln>
+                  <a:noFill/>
+                </a:ln>
+                <a:solidFill>
+                  <a:srgbClr val="A9B7C6"/>
+                </a:solidFill>
+                <a:effectLst/>
+                <a:latin typeface="Arial Unicode MS"/>
+              </a:rPr>
+              <a:t>)).start()</a:t>
+            </a:r>
+            <a:br>
+              <a:rPr kumimoji="0" lang="en-US" altLang="en-US" sz="1600" b="0" i="0" u="none" strike="noStrike" cap="none" normalizeH="0" baseline="0" dirty="0">
+                <a:ln>
+                  <a:noFill/>
+                </a:ln>
+                <a:solidFill>
+                  <a:srgbClr val="A9B7C6"/>
+                </a:solidFill>
+                <a:effectLst/>
+                <a:latin typeface="Arial Unicode MS"/>
+              </a:rPr>
+            </a:br>
+            <a:r>
+              <a:rPr kumimoji="0" lang="en-US" altLang="en-US" sz="1600" b="0" i="0" u="none" strike="noStrike" cap="none" normalizeH="0" baseline="0" dirty="0">
+                <a:ln>
+                  <a:noFill/>
+                </a:ln>
+                <a:solidFill>
+                  <a:srgbClr val="A9B7C6"/>
+                </a:solidFill>
+                <a:effectLst/>
+                <a:latin typeface="Arial Unicode MS"/>
+              </a:rPr>
+              <a:t>    </a:t>
+            </a:r>
+            <a:r>
+              <a:rPr kumimoji="0" lang="en-US" altLang="en-US" sz="1600" b="0" i="0" u="none" strike="noStrike" cap="none" normalizeH="0" baseline="0" dirty="0" err="1">
+                <a:ln>
+                  <a:noFill/>
+                </a:ln>
+                <a:solidFill>
+                  <a:srgbClr val="A9B7C6"/>
+                </a:solidFill>
+                <a:effectLst/>
+                <a:latin typeface="Arial Unicode MS"/>
+              </a:rPr>
+              <a:t>MP.Process</a:t>
+            </a:r>
+            <a:r>
+              <a:rPr kumimoji="0" lang="en-US" altLang="en-US" sz="1600" b="0" i="0" u="none" strike="noStrike" cap="none" normalizeH="0" baseline="0" dirty="0">
+                <a:ln>
+                  <a:noFill/>
+                </a:ln>
+                <a:solidFill>
+                  <a:srgbClr val="A9B7C6"/>
+                </a:solidFill>
+                <a:effectLst/>
+                <a:latin typeface="Arial Unicode MS"/>
+              </a:rPr>
+              <a:t>(target=loop</a:t>
+            </a:r>
+            <a:r>
+              <a:rPr kumimoji="0" lang="en-US" altLang="en-US" sz="1600" b="0" i="0" u="none" strike="noStrike" cap="none" normalizeH="0" baseline="0" dirty="0">
+                <a:ln>
+                  <a:noFill/>
+                </a:ln>
+                <a:solidFill>
+                  <a:srgbClr val="CC7832"/>
+                </a:solidFill>
+                <a:effectLst/>
+                <a:latin typeface="Arial Unicode MS"/>
+              </a:rPr>
+              <a:t>, </a:t>
+            </a:r>
+            <a:r>
+              <a:rPr kumimoji="0" lang="en-US" altLang="en-US" sz="1600" b="0" i="0" u="none" strike="noStrike" cap="none" normalizeH="0" baseline="0" dirty="0">
+                <a:ln>
+                  <a:noFill/>
+                </a:ln>
+                <a:solidFill>
+                  <a:srgbClr val="A9B7C6"/>
+                </a:solidFill>
+                <a:effectLst/>
+                <a:latin typeface="Arial Unicode MS"/>
+              </a:rPr>
+              <a:t>name=</a:t>
+            </a:r>
+            <a:r>
+              <a:rPr kumimoji="0" lang="en-US" altLang="en-US" sz="1600" b="0" i="0" u="none" strike="noStrike" cap="none" normalizeH="0" baseline="0" dirty="0">
+                <a:ln>
+                  <a:noFill/>
+                </a:ln>
+                <a:solidFill>
+                  <a:srgbClr val="6A8759"/>
+                </a:solidFill>
+                <a:effectLst/>
+                <a:latin typeface="Arial Unicode MS"/>
+              </a:rPr>
+              <a:t>"child2"</a:t>
+            </a:r>
+            <a:r>
+              <a:rPr kumimoji="0" lang="en-US" altLang="en-US" sz="1600" b="0" i="0" u="none" strike="noStrike" cap="none" normalizeH="0" baseline="0" dirty="0">
+                <a:ln>
+                  <a:noFill/>
+                </a:ln>
+                <a:solidFill>
+                  <a:srgbClr val="CC7832"/>
+                </a:solidFill>
+                <a:effectLst/>
+                <a:latin typeface="Arial Unicode MS"/>
+              </a:rPr>
+              <a:t>, </a:t>
+            </a:r>
+            <a:r>
+              <a:rPr kumimoji="0" lang="en-US" altLang="en-US" sz="1600" b="0" i="0" u="none" strike="noStrike" cap="none" normalizeH="0" baseline="0" dirty="0" err="1">
+                <a:ln>
+                  <a:noFill/>
+                </a:ln>
+                <a:solidFill>
+                  <a:srgbClr val="A9B7C6"/>
+                </a:solidFill>
+                <a:effectLst/>
+                <a:latin typeface="Arial Unicode MS"/>
+              </a:rPr>
+              <a:t>args</a:t>
+            </a:r>
+            <a:r>
+              <a:rPr kumimoji="0" lang="en-US" altLang="en-US" sz="1600" b="0" i="0" u="none" strike="noStrike" cap="none" normalizeH="0" baseline="0" dirty="0">
+                <a:ln>
+                  <a:noFill/>
+                </a:ln>
+                <a:solidFill>
+                  <a:srgbClr val="A9B7C6"/>
+                </a:solidFill>
+                <a:effectLst/>
+                <a:latin typeface="Arial Unicode MS"/>
+              </a:rPr>
+              <a:t>=(lock</a:t>
+            </a:r>
+            <a:r>
+              <a:rPr kumimoji="0" lang="en-US" altLang="en-US" sz="1600" b="0" i="0" u="none" strike="noStrike" cap="none" normalizeH="0" baseline="0" dirty="0">
+                <a:ln>
+                  <a:noFill/>
+                </a:ln>
+                <a:solidFill>
+                  <a:srgbClr val="CC7832"/>
+                </a:solidFill>
+                <a:effectLst/>
+                <a:latin typeface="Arial Unicode MS"/>
+              </a:rPr>
+              <a:t>,</a:t>
+            </a:r>
+            <a:r>
+              <a:rPr kumimoji="0" lang="en-US" altLang="en-US" sz="1600" b="0" i="0" u="none" strike="noStrike" cap="none" normalizeH="0" baseline="0" dirty="0">
+                <a:ln>
+                  <a:noFill/>
+                </a:ln>
+                <a:solidFill>
+                  <a:srgbClr val="A9B7C6"/>
+                </a:solidFill>
+                <a:effectLst/>
+                <a:latin typeface="Arial Unicode MS"/>
+              </a:rPr>
+              <a:t>)).start()</a:t>
+            </a:r>
+            <a:br>
+              <a:rPr kumimoji="0" lang="en-US" altLang="en-US" sz="1600" b="0" i="0" u="none" strike="noStrike" cap="none" normalizeH="0" baseline="0" dirty="0">
+                <a:ln>
+                  <a:noFill/>
+                </a:ln>
+                <a:solidFill>
+                  <a:srgbClr val="A9B7C6"/>
+                </a:solidFill>
+                <a:effectLst/>
+                <a:latin typeface="Arial Unicode MS"/>
+              </a:rPr>
+            </a:br>
+            <a:br>
+              <a:rPr kumimoji="0" lang="en-US" altLang="en-US" sz="1600" b="0" i="0" u="none" strike="noStrike" cap="none" normalizeH="0" baseline="0" dirty="0">
+                <a:ln>
+                  <a:noFill/>
+                </a:ln>
+                <a:solidFill>
+                  <a:srgbClr val="A9B7C6"/>
+                </a:solidFill>
+                <a:effectLst/>
+                <a:latin typeface="Arial Unicode MS"/>
+              </a:rPr>
+            </a:br>
+            <a:r>
+              <a:rPr kumimoji="0" lang="en-US" altLang="en-US" sz="1600" b="0" i="0" u="none" strike="noStrike" cap="none" normalizeH="0" baseline="0" dirty="0">
+                <a:ln>
+                  <a:noFill/>
+                </a:ln>
+                <a:solidFill>
+                  <a:srgbClr val="A9B7C6"/>
+                </a:solidFill>
+                <a:effectLst/>
+                <a:latin typeface="Arial Unicode MS"/>
+              </a:rPr>
+              <a:t>    </a:t>
+            </a:r>
+            <a:r>
+              <a:rPr kumimoji="0" lang="en-US" altLang="en-US" sz="1600" b="0" i="0" u="none" strike="noStrike" cap="none" normalizeH="0" baseline="0" dirty="0">
+                <a:ln>
+                  <a:noFill/>
+                </a:ln>
+                <a:solidFill>
+                  <a:srgbClr val="CC7832"/>
+                </a:solidFill>
+                <a:effectLst/>
+                <a:latin typeface="Arial Unicode MS"/>
+              </a:rPr>
+              <a:t>for </a:t>
+            </a:r>
+            <a:r>
+              <a:rPr kumimoji="0" lang="en-US" altLang="en-US" sz="1600" b="0" i="0" u="none" strike="noStrike" cap="none" normalizeH="0" baseline="0" dirty="0" err="1">
+                <a:ln>
+                  <a:noFill/>
+                </a:ln>
+                <a:solidFill>
+                  <a:srgbClr val="A9B7C6"/>
+                </a:solidFill>
+                <a:effectLst/>
+                <a:latin typeface="Arial Unicode MS"/>
+              </a:rPr>
+              <a:t>i</a:t>
+            </a:r>
+            <a:r>
+              <a:rPr kumimoji="0" lang="en-US" altLang="en-US" sz="1600" b="0" i="0" u="none" strike="noStrike" cap="none" normalizeH="0" baseline="0" dirty="0">
+                <a:ln>
+                  <a:noFill/>
+                </a:ln>
+                <a:solidFill>
+                  <a:srgbClr val="A9B7C6"/>
+                </a:solidFill>
+                <a:effectLst/>
+                <a:latin typeface="Arial Unicode MS"/>
+              </a:rPr>
+              <a:t> </a:t>
+            </a:r>
+            <a:r>
+              <a:rPr kumimoji="0" lang="en-US" altLang="en-US" sz="1600" b="0" i="0" u="none" strike="noStrike" cap="none" normalizeH="0" baseline="0" dirty="0">
+                <a:ln>
+                  <a:noFill/>
+                </a:ln>
+                <a:solidFill>
+                  <a:srgbClr val="CC7832"/>
+                </a:solidFill>
+                <a:effectLst/>
+                <a:latin typeface="Arial Unicode MS"/>
+              </a:rPr>
+              <a:t>in </a:t>
+            </a:r>
+            <a:r>
+              <a:rPr kumimoji="0" lang="en-US" altLang="en-US" sz="1600" b="0" i="0" u="none" strike="noStrike" cap="none" normalizeH="0" baseline="0" dirty="0">
+                <a:ln>
+                  <a:noFill/>
+                </a:ln>
+                <a:solidFill>
+                  <a:srgbClr val="A9B7C6"/>
+                </a:solidFill>
+                <a:effectLst/>
+                <a:latin typeface="Arial Unicode MS"/>
+              </a:rPr>
+              <a:t>range(</a:t>
+            </a:r>
+            <a:r>
+              <a:rPr kumimoji="0" lang="en-US" altLang="en-US" sz="1600" b="0" i="0" u="none" strike="noStrike" cap="none" normalizeH="0" baseline="0" dirty="0">
+                <a:ln>
+                  <a:noFill/>
+                </a:ln>
+                <a:solidFill>
+                  <a:srgbClr val="6897BB"/>
+                </a:solidFill>
+                <a:effectLst/>
+                <a:latin typeface="Arial Unicode MS"/>
+              </a:rPr>
+              <a:t>400</a:t>
+            </a:r>
+            <a:r>
+              <a:rPr kumimoji="0" lang="en-US" altLang="en-US" sz="1600" b="0" i="0" u="none" strike="noStrike" cap="none" normalizeH="0" baseline="0" dirty="0">
+                <a:ln>
+                  <a:noFill/>
+                </a:ln>
+                <a:solidFill>
+                  <a:srgbClr val="A9B7C6"/>
+                </a:solidFill>
+                <a:effectLst/>
+                <a:latin typeface="Arial Unicode MS"/>
+              </a:rPr>
+              <a:t>):</a:t>
+            </a:r>
+            <a:br>
+              <a:rPr kumimoji="0" lang="en-US" altLang="en-US" sz="1600" b="0" i="0" u="none" strike="noStrike" cap="none" normalizeH="0" baseline="0" dirty="0">
+                <a:ln>
+                  <a:noFill/>
+                </a:ln>
+                <a:solidFill>
+                  <a:srgbClr val="A9B7C6"/>
+                </a:solidFill>
+                <a:effectLst/>
+                <a:latin typeface="Arial Unicode MS"/>
+              </a:rPr>
+            </a:br>
+            <a:r>
+              <a:rPr kumimoji="0" lang="en-US" altLang="en-US" sz="1600" b="0" i="0" u="none" strike="noStrike" cap="none" normalizeH="0" baseline="0" dirty="0">
+                <a:ln>
+                  <a:noFill/>
+                </a:ln>
+                <a:solidFill>
+                  <a:srgbClr val="A9B7C6"/>
+                </a:solidFill>
+                <a:effectLst/>
+                <a:latin typeface="Arial Unicode MS"/>
+              </a:rPr>
+              <a:t>        </a:t>
+            </a:r>
+            <a:r>
+              <a:rPr kumimoji="0" lang="en-US" altLang="en-US" sz="1600" b="0" i="0" u="none" strike="noStrike" cap="none" normalizeH="0" baseline="0" dirty="0" err="1">
+                <a:ln>
+                  <a:noFill/>
+                </a:ln>
+                <a:solidFill>
+                  <a:srgbClr val="A9B7C6"/>
+                </a:solidFill>
+                <a:effectLst/>
+                <a:latin typeface="Arial Unicode MS"/>
+              </a:rPr>
+              <a:t>sys.stdout.write</a:t>
+            </a:r>
+            <a:r>
+              <a:rPr kumimoji="0" lang="en-US" altLang="en-US" sz="1600" b="0" i="0" u="none" strike="noStrike" cap="none" normalizeH="0" baseline="0" dirty="0">
+                <a:ln>
+                  <a:noFill/>
+                </a:ln>
+                <a:solidFill>
+                  <a:srgbClr val="A9B7C6"/>
+                </a:solidFill>
+                <a:effectLst/>
+                <a:latin typeface="Arial Unicode MS"/>
+              </a:rPr>
+              <a:t>(str(</a:t>
+            </a:r>
+            <a:r>
+              <a:rPr kumimoji="0" lang="en-US" altLang="en-US" sz="1600" b="0" i="0" u="none" strike="noStrike" cap="none" normalizeH="0" baseline="0" dirty="0" err="1">
+                <a:ln>
+                  <a:noFill/>
+                </a:ln>
+                <a:solidFill>
+                  <a:srgbClr val="A9B7C6"/>
+                </a:solidFill>
+                <a:effectLst/>
+                <a:latin typeface="Arial Unicode MS"/>
+              </a:rPr>
+              <a:t>i</a:t>
+            </a:r>
+            <a:r>
+              <a:rPr kumimoji="0" lang="en-US" altLang="en-US" sz="1600" b="0" i="0" u="none" strike="noStrike" cap="none" normalizeH="0" baseline="0" dirty="0">
+                <a:ln>
+                  <a:noFill/>
+                </a:ln>
+                <a:solidFill>
+                  <a:srgbClr val="A9B7C6"/>
+                </a:solidFill>
+                <a:effectLst/>
+                <a:latin typeface="Arial Unicode MS"/>
+              </a:rPr>
+              <a:t>) + </a:t>
+            </a:r>
+            <a:r>
+              <a:rPr kumimoji="0" lang="en-US" altLang="en-US" sz="1600" b="0" i="0" u="none" strike="noStrike" cap="none" normalizeH="0" baseline="0" dirty="0">
+                <a:ln>
+                  <a:noFill/>
+                </a:ln>
+                <a:solidFill>
+                  <a:srgbClr val="6A8759"/>
+                </a:solidFill>
+                <a:effectLst/>
+                <a:latin typeface="Arial Unicode MS"/>
+              </a:rPr>
+              <a:t>" "</a:t>
+            </a:r>
+            <a:r>
+              <a:rPr kumimoji="0" lang="en-US" altLang="en-US" sz="1600" b="0" i="0" u="none" strike="noStrike" cap="none" normalizeH="0" baseline="0" dirty="0">
+                <a:ln>
+                  <a:noFill/>
+                </a:ln>
+                <a:solidFill>
+                  <a:srgbClr val="A9B7C6"/>
+                </a:solidFill>
+                <a:effectLst/>
+                <a:latin typeface="Arial Unicode MS"/>
+              </a:rPr>
+              <a:t>)</a:t>
+            </a:r>
+            <a:br>
+              <a:rPr kumimoji="0" lang="en-US" altLang="en-US" sz="1600" b="0" i="0" u="none" strike="noStrike" cap="none" normalizeH="0" baseline="0" dirty="0">
+                <a:ln>
+                  <a:noFill/>
+                </a:ln>
+                <a:solidFill>
+                  <a:srgbClr val="A9B7C6"/>
+                </a:solidFill>
+                <a:effectLst/>
+                <a:latin typeface="Arial Unicode MS"/>
+              </a:rPr>
+            </a:br>
+            <a:r>
+              <a:rPr kumimoji="0" lang="en-US" altLang="en-US" sz="1600" b="0" i="0" u="none" strike="noStrike" cap="none" normalizeH="0" baseline="0" dirty="0">
+                <a:ln>
+                  <a:noFill/>
+                </a:ln>
+                <a:solidFill>
+                  <a:srgbClr val="A9B7C6"/>
+                </a:solidFill>
+                <a:effectLst/>
+                <a:latin typeface="Arial Unicode MS"/>
+              </a:rPr>
+              <a:t>        </a:t>
+            </a:r>
+            <a:r>
+              <a:rPr kumimoji="0" lang="en-US" altLang="en-US" sz="1600" b="0" i="0" u="none" strike="noStrike" cap="none" normalizeH="0" baseline="0" dirty="0" err="1">
+                <a:ln>
+                  <a:noFill/>
+                </a:ln>
+                <a:solidFill>
+                  <a:srgbClr val="A9B7C6"/>
+                </a:solidFill>
+                <a:effectLst/>
+                <a:latin typeface="Arial Unicode MS"/>
+              </a:rPr>
+              <a:t>sys.stdout.flush</a:t>
+            </a:r>
+            <a:r>
+              <a:rPr kumimoji="0" lang="en-US" altLang="en-US" sz="1600" b="0" i="0" u="none" strike="noStrike" cap="none" normalizeH="0" baseline="0" dirty="0">
+                <a:ln>
+                  <a:noFill/>
+                </a:ln>
+                <a:solidFill>
+                  <a:srgbClr val="A9B7C6"/>
+                </a:solidFill>
+                <a:effectLst/>
+                <a:latin typeface="Arial Unicode MS"/>
+              </a:rPr>
+              <a:t>()</a:t>
+            </a:r>
+            <a:br>
+              <a:rPr kumimoji="0" lang="en-US" altLang="en-US" sz="1600" b="0" i="0" u="none" strike="noStrike" cap="none" normalizeH="0" baseline="0" dirty="0">
+                <a:ln>
+                  <a:noFill/>
+                </a:ln>
+                <a:solidFill>
+                  <a:srgbClr val="A9B7C6"/>
+                </a:solidFill>
+                <a:effectLst/>
+                <a:latin typeface="Arial Unicode MS"/>
+              </a:rPr>
+            </a:br>
+            <a:br>
+              <a:rPr kumimoji="0" lang="en-US" altLang="en-US" sz="1600" b="0" i="0" u="none" strike="noStrike" cap="none" normalizeH="0" baseline="0" dirty="0">
+                <a:ln>
+                  <a:noFill/>
+                </a:ln>
+                <a:solidFill>
+                  <a:srgbClr val="A9B7C6"/>
+                </a:solidFill>
+                <a:effectLst/>
+                <a:latin typeface="Arial Unicode MS"/>
+              </a:rPr>
+            </a:br>
+            <a:r>
+              <a:rPr kumimoji="0" lang="en-US" altLang="en-US" sz="1600" b="0" i="0" u="none" strike="noStrike" cap="none" normalizeH="0" baseline="0" dirty="0">
+                <a:ln>
+                  <a:noFill/>
+                </a:ln>
+                <a:solidFill>
+                  <a:srgbClr val="A9B7C6"/>
+                </a:solidFill>
+                <a:effectLst/>
+                <a:latin typeface="Arial Unicode MS"/>
+              </a:rPr>
+              <a:t>    </a:t>
+            </a:r>
+            <a:r>
+              <a:rPr kumimoji="0" lang="en-US" altLang="en-US" sz="1600" b="0" i="0" u="none" strike="noStrike" cap="none" normalizeH="0" baseline="0" dirty="0" err="1">
+                <a:ln>
+                  <a:noFill/>
+                </a:ln>
+                <a:solidFill>
+                  <a:srgbClr val="A9B7C6"/>
+                </a:solidFill>
+                <a:effectLst/>
+                <a:latin typeface="Arial Unicode MS"/>
+              </a:rPr>
+              <a:t>sys.stdout.write</a:t>
+            </a:r>
+            <a:r>
+              <a:rPr kumimoji="0" lang="en-US" altLang="en-US" sz="1600" b="0" i="0" u="none" strike="noStrike" cap="none" normalizeH="0" baseline="0" dirty="0">
+                <a:ln>
+                  <a:noFill/>
+                </a:ln>
+                <a:solidFill>
+                  <a:srgbClr val="A9B7C6"/>
+                </a:solidFill>
+                <a:effectLst/>
+                <a:latin typeface="Arial Unicode MS"/>
+              </a:rPr>
+              <a:t>(</a:t>
+            </a:r>
+            <a:r>
+              <a:rPr kumimoji="0" lang="en-US" altLang="en-US" sz="1600" b="0" i="0" u="none" strike="noStrike" cap="none" normalizeH="0" baseline="0" dirty="0">
+                <a:ln>
+                  <a:noFill/>
+                </a:ln>
+                <a:solidFill>
+                  <a:srgbClr val="6A8759"/>
+                </a:solidFill>
+                <a:effectLst/>
+                <a:latin typeface="Arial Unicode MS"/>
+              </a:rPr>
+              <a:t>"in process "</a:t>
+            </a:r>
+            <a:r>
+              <a:rPr kumimoji="0" lang="en-US" altLang="en-US" sz="1600" b="0" i="0" u="none" strike="noStrike" cap="none" normalizeH="0" baseline="0" dirty="0">
+                <a:ln>
+                  <a:noFill/>
+                </a:ln>
+                <a:solidFill>
+                  <a:srgbClr val="A9B7C6"/>
+                </a:solidFill>
+                <a:effectLst/>
+                <a:latin typeface="Arial Unicode MS"/>
+              </a:rPr>
+              <a:t>)</a:t>
+            </a:r>
+            <a:br>
+              <a:rPr kumimoji="0" lang="en-US" altLang="en-US" sz="1600" b="0" i="0" u="none" strike="noStrike" cap="none" normalizeH="0" baseline="0" dirty="0">
+                <a:ln>
+                  <a:noFill/>
+                </a:ln>
+                <a:solidFill>
+                  <a:srgbClr val="A9B7C6"/>
+                </a:solidFill>
+                <a:effectLst/>
+                <a:latin typeface="Arial Unicode MS"/>
+              </a:rPr>
+            </a:br>
+            <a:r>
+              <a:rPr kumimoji="0" lang="en-US" altLang="en-US" sz="1600" b="0" i="0" u="none" strike="noStrike" cap="none" normalizeH="0" baseline="0" dirty="0">
+                <a:ln>
+                  <a:noFill/>
+                </a:ln>
+                <a:solidFill>
+                  <a:srgbClr val="A9B7C6"/>
+                </a:solidFill>
+                <a:effectLst/>
+                <a:latin typeface="Arial Unicode MS"/>
+              </a:rPr>
+              <a:t>    </a:t>
+            </a:r>
+            <a:r>
+              <a:rPr kumimoji="0" lang="en-US" altLang="en-US" sz="1600" b="0" i="0" u="none" strike="noStrike" cap="none" normalizeH="0" baseline="0" dirty="0" err="1">
+                <a:ln>
+                  <a:noFill/>
+                </a:ln>
+                <a:solidFill>
+                  <a:srgbClr val="A9B7C6"/>
+                </a:solidFill>
+                <a:effectLst/>
+                <a:latin typeface="Arial Unicode MS"/>
+              </a:rPr>
+              <a:t>sys.stdout.flush</a:t>
+            </a:r>
+            <a:r>
+              <a:rPr kumimoji="0" lang="en-US" altLang="en-US" sz="1600" b="0" i="0" u="none" strike="noStrike" cap="none" normalizeH="0" baseline="0" dirty="0">
+                <a:ln>
+                  <a:noFill/>
+                </a:ln>
+                <a:solidFill>
+                  <a:srgbClr val="A9B7C6"/>
+                </a:solidFill>
+                <a:effectLst/>
+                <a:latin typeface="Arial Unicode MS"/>
+              </a:rPr>
+              <a:t>()</a:t>
+            </a:r>
+            <a:br>
+              <a:rPr kumimoji="0" lang="en-US" altLang="en-US" sz="1600" b="0" i="0" u="none" strike="noStrike" cap="none" normalizeH="0" baseline="0" dirty="0">
+                <a:ln>
+                  <a:noFill/>
+                </a:ln>
+                <a:solidFill>
+                  <a:srgbClr val="A9B7C6"/>
+                </a:solidFill>
+                <a:effectLst/>
+                <a:latin typeface="Arial Unicode MS"/>
+              </a:rPr>
+            </a:br>
+            <a:r>
+              <a:rPr kumimoji="0" lang="en-US" altLang="en-US" sz="1600" b="0" i="0" u="none" strike="noStrike" cap="none" normalizeH="0" baseline="0" dirty="0">
+                <a:ln>
+                  <a:noFill/>
+                </a:ln>
+                <a:solidFill>
+                  <a:srgbClr val="A9B7C6"/>
+                </a:solidFill>
+                <a:effectLst/>
+                <a:latin typeface="Arial Unicode MS"/>
+              </a:rPr>
+              <a:t>    </a:t>
+            </a:r>
+            <a:r>
+              <a:rPr kumimoji="0" lang="en-US" altLang="en-US" sz="1600" b="0" i="0" u="none" strike="noStrike" cap="none" normalizeH="0" baseline="0" dirty="0" err="1">
+                <a:ln>
+                  <a:noFill/>
+                </a:ln>
+                <a:solidFill>
+                  <a:srgbClr val="A9B7C6"/>
+                </a:solidFill>
+                <a:effectLst/>
+                <a:latin typeface="Arial Unicode MS"/>
+              </a:rPr>
+              <a:t>sys.stdout.write</a:t>
+            </a:r>
+            <a:r>
+              <a:rPr kumimoji="0" lang="en-US" altLang="en-US" sz="1600" b="0" i="0" u="none" strike="noStrike" cap="none" normalizeH="0" baseline="0" dirty="0">
+                <a:ln>
+                  <a:noFill/>
+                </a:ln>
+                <a:solidFill>
+                  <a:srgbClr val="A9B7C6"/>
+                </a:solidFill>
+                <a:effectLst/>
+                <a:latin typeface="Arial Unicode MS"/>
+              </a:rPr>
+              <a:t>(</a:t>
+            </a:r>
+            <a:r>
+              <a:rPr kumimoji="0" lang="en-US" altLang="en-US" sz="1600" b="0" i="0" u="none" strike="noStrike" cap="none" normalizeH="0" baseline="0" dirty="0" err="1">
+                <a:ln>
+                  <a:noFill/>
+                </a:ln>
+                <a:solidFill>
+                  <a:srgbClr val="A9B7C6"/>
+                </a:solidFill>
+                <a:effectLst/>
+                <a:latin typeface="Arial Unicode MS"/>
+              </a:rPr>
+              <a:t>MP.current_process</a:t>
+            </a:r>
+            <a:r>
+              <a:rPr kumimoji="0" lang="en-US" altLang="en-US" sz="1600" b="0" i="0" u="none" strike="noStrike" cap="none" normalizeH="0" baseline="0" dirty="0">
+                <a:ln>
+                  <a:noFill/>
+                </a:ln>
+                <a:solidFill>
+                  <a:srgbClr val="A9B7C6"/>
+                </a:solidFill>
+                <a:effectLst/>
+                <a:latin typeface="Arial Unicode MS"/>
+              </a:rPr>
+              <a:t>().name + </a:t>
+            </a:r>
+            <a:r>
+              <a:rPr kumimoji="0" lang="en-US" altLang="en-US" sz="1600" b="0" i="0" u="none" strike="noStrike" cap="none" normalizeH="0" baseline="0" dirty="0">
+                <a:ln>
+                  <a:noFill/>
+                </a:ln>
+                <a:solidFill>
+                  <a:srgbClr val="6A8759"/>
+                </a:solidFill>
+                <a:effectLst/>
+                <a:latin typeface="Arial Unicode MS"/>
+              </a:rPr>
+              <a:t>"</a:t>
+            </a:r>
+            <a:r>
+              <a:rPr kumimoji="0" lang="en-US" altLang="en-US" sz="1600" b="0" i="0" u="none" strike="noStrike" cap="none" normalizeH="0" baseline="0" dirty="0">
+                <a:ln>
+                  <a:noFill/>
+                </a:ln>
+                <a:solidFill>
+                  <a:srgbClr val="CC7832"/>
+                </a:solidFill>
+                <a:effectLst/>
+                <a:latin typeface="Arial Unicode MS"/>
+              </a:rPr>
+              <a:t>\n</a:t>
+            </a:r>
+            <a:r>
+              <a:rPr kumimoji="0" lang="en-US" altLang="en-US" sz="1600" b="0" i="0" u="none" strike="noStrike" cap="none" normalizeH="0" baseline="0" dirty="0">
+                <a:ln>
+                  <a:noFill/>
+                </a:ln>
+                <a:solidFill>
+                  <a:srgbClr val="6A8759"/>
+                </a:solidFill>
+                <a:effectLst/>
+                <a:latin typeface="Arial Unicode MS"/>
+              </a:rPr>
+              <a:t>"</a:t>
+            </a:r>
+            <a:r>
+              <a:rPr kumimoji="0" lang="en-US" altLang="en-US" sz="1600" b="0" i="0" u="none" strike="noStrike" cap="none" normalizeH="0" baseline="0" dirty="0">
+                <a:ln>
+                  <a:noFill/>
+                </a:ln>
+                <a:solidFill>
+                  <a:srgbClr val="A9B7C6"/>
+                </a:solidFill>
+                <a:effectLst/>
+                <a:latin typeface="Arial Unicode MS"/>
+              </a:rPr>
+              <a:t>)</a:t>
+            </a:r>
+            <a:br>
+              <a:rPr kumimoji="0" lang="en-US" altLang="en-US" sz="1600" b="0" i="0" u="none" strike="noStrike" cap="none" normalizeH="0" baseline="0" dirty="0">
+                <a:ln>
+                  <a:noFill/>
+                </a:ln>
+                <a:solidFill>
+                  <a:srgbClr val="A9B7C6"/>
+                </a:solidFill>
+                <a:effectLst/>
+                <a:latin typeface="Arial Unicode MS"/>
+              </a:rPr>
+            </a:br>
+            <a:r>
+              <a:rPr kumimoji="0" lang="en-US" altLang="en-US" sz="1600" b="0" i="0" u="none" strike="noStrike" cap="none" normalizeH="0" baseline="0" dirty="0">
+                <a:ln>
+                  <a:noFill/>
+                </a:ln>
+                <a:solidFill>
+                  <a:srgbClr val="A9B7C6"/>
+                </a:solidFill>
+                <a:effectLst/>
+                <a:latin typeface="Arial Unicode MS"/>
+              </a:rPr>
+              <a:t>    </a:t>
+            </a:r>
+            <a:r>
+              <a:rPr kumimoji="0" lang="en-US" altLang="en-US" sz="1600" b="0" i="0" u="none" strike="noStrike" cap="none" normalizeH="0" baseline="0" dirty="0" err="1">
+                <a:ln>
+                  <a:noFill/>
+                </a:ln>
+                <a:solidFill>
+                  <a:srgbClr val="A9B7C6"/>
+                </a:solidFill>
+                <a:effectLst/>
+                <a:latin typeface="Arial Unicode MS"/>
+              </a:rPr>
+              <a:t>sys.stdout.flush</a:t>
+            </a:r>
+            <a:r>
+              <a:rPr kumimoji="0" lang="en-US" altLang="en-US" sz="1600" b="0" i="0" u="none" strike="noStrike" cap="none" normalizeH="0" baseline="0" dirty="0">
+                <a:ln>
+                  <a:noFill/>
+                </a:ln>
+                <a:solidFill>
+                  <a:srgbClr val="A9B7C6"/>
+                </a:solidFill>
+                <a:effectLst/>
+                <a:latin typeface="Arial Unicode MS"/>
+              </a:rPr>
+              <a:t>()</a:t>
+            </a:r>
+            <a:endParaRPr kumimoji="0" lang="en-US" altLang="en-US" sz="1600" b="0" i="0" u="none" strike="noStrike" cap="none" normalizeH="0" baseline="0" dirty="0">
+              <a:ln>
+                <a:noFill/>
+              </a:ln>
+              <a:solidFill>
+                <a:schemeClr val="tx1"/>
+              </a:solidFill>
+              <a:effectLst/>
+              <a:latin typeface="Arial" panose="020B0604020202020204" pitchFamily="34" charset="0"/>
+            </a:endParaRPr>
+          </a:p>
+        </p:txBody>
+      </p:sp>
+    </p:spTree>
+    <p:extLst>
+      <p:ext uri="{BB962C8B-B14F-4D97-AF65-F5344CB8AC3E}">
+        <p14:creationId xmlns:p14="http://schemas.microsoft.com/office/powerpoint/2010/main" val="2140523786"/>
+      </p:ext>
+    </p:extLst>
+  </p:cSld>
+  <p:clrMapOvr>
+    <a:masterClrMapping/>
+  </p:clrMapOvr>
+</p:sld>
+</file>
+
+<file path=ppt/slides/slide21.xml><?xml version="1.0" encoding="utf-8"?>
+<p:sld xmlns:a="http://schemas.openxmlformats.org/drawingml/2006/main" xmlns:r="http://schemas.openxmlformats.org/officeDocument/2006/relationships" xmlns:p="http://schemas.openxmlformats.org/presentationml/2006/main">
+  <p:cSld>
+    <p:spTree>
+      <p:nvGrpSpPr>
+        <p:cNvPr id="1" name=""/>
+        <p:cNvGrpSpPr/>
+        <p:nvPr/>
+      </p:nvGrpSpPr>
+      <p:grpSpPr>
+        <a:xfrm>
+          <a:off x="0" y="0"/>
+          <a:ext cx="0" cy="0"/>
+          <a:chOff x="0" y="0"/>
+          <a:chExt cx="0" cy="0"/>
+        </a:xfrm>
+      </p:grpSpPr>
+      <p:sp>
+        <p:nvSpPr>
+          <p:cNvPr id="2" name="Title 1"/>
+          <p:cNvSpPr>
+            <a:spLocks noGrp="1"/>
+          </p:cNvSpPr>
+          <p:nvPr>
+            <p:ph type="title"/>
+          </p:nvPr>
+        </p:nvSpPr>
+        <p:spPr/>
+        <p:txBody>
+          <a:bodyPr>
+            <a:normAutofit/>
+          </a:bodyPr>
+          <a:lstStyle/>
+          <a:p>
+            <a:r>
+              <a:rPr lang="en-US" b="0" i="0" dirty="0">
+                <a:solidFill>
+                  <a:srgbClr val="000000"/>
+                </a:solidFill>
+                <a:effectLst/>
+                <a:latin typeface="+mn-lt"/>
+              </a:rPr>
               <a:t>Multiprocessing Pool</a:t>
             </a:r>
             <a:endParaRPr lang="he-IL" dirty="0">
@@ -13720,7 +15686,7 @@
 </p:sld>
 </file>
 
-<file path=ppt/slides/slide21.xml><?xml version="1.0" encoding="utf-8"?>
+<file path=ppt/slides/slide22.xml><?xml version="1.0" encoding="utf-8"?>
 <p:sld xmlns:a="http://schemas.openxmlformats.org/drawingml/2006/main" xmlns:r="http://schemas.openxmlformats.org/officeDocument/2006/relationships" xmlns:p="http://schemas.openxmlformats.org/presentationml/2006/main">
   <p:cSld>
     <p:spTree>
@@ -13779,7 +15745,7 @@
 </p:sld>
 </file>
 
-<file path=ppt/slides/slide22.xml><?xml version="1.0" encoding="utf-8"?>
+<file path=ppt/slides/slide23.xml><?xml version="1.0" encoding="utf-8"?>
 <p:sld xmlns:a="http://schemas.openxmlformats.org/drawingml/2006/main" xmlns:r="http://schemas.openxmlformats.org/officeDocument/2006/relationships" xmlns:p="http://schemas.openxmlformats.org/presentationml/2006/main">
   <p:cSld>
     <p:spTree>
@@ -14742,7 +16708,7 @@
 </p:sld>
 </file>
 
-<file path=ppt/slides/slide23.xml><?xml version="1.0" encoding="utf-8"?>
+<file path=ppt/slides/slide24.xml><?xml version="1.0" encoding="utf-8"?>
 <p:sld xmlns:a="http://schemas.openxmlformats.org/drawingml/2006/main" xmlns:r="http://schemas.openxmlformats.org/officeDocument/2006/relationships" xmlns:p="http://schemas.openxmlformats.org/presentationml/2006/main">
   <p:cSld>
     <p:spTree>
@@ -14775,10 +16741,10 @@
           <a:lstStyle/>
           <a:p>
             <a:r>
-              <a:rPr lang="en-US"/>
+              <a:rPr lang="en-US" dirty="0"/>
               <a:t>Lab 01</a:t>
             </a:r>
-            <a:endParaRPr lang="he-IL"/>
+            <a:endParaRPr lang="he-IL" dirty="0"/>
           </a:p>
         </p:txBody>
       </p:sp>
@@ -14795,7 +16761,7 @@
 </p:sld>
 </file>
 
-<file path=ppt/slides/slide24.xml><?xml version="1.0" encoding="utf-8"?>
+<file path=ppt/slides/slide25.xml><?xml version="1.0" encoding="utf-8"?>
 <p:sld xmlns:a="http://schemas.openxmlformats.org/drawingml/2006/main" xmlns:r="http://schemas.openxmlformats.org/officeDocument/2006/relationships" xmlns:p="http://schemas.openxmlformats.org/presentationml/2006/main">
   <p:cSld>
     <p:spTree>

--- a/adv_new/Module 05 - Processes.pptx
+++ b/adv_new/Module 05 - Processes.pptx
@@ -8,7 +8,7 @@
     <p:notesMasterId r:id="rId27"/>
   </p:notesMasterIdLst>
   <p:sldIdLst>
-    <p:sldId id="321" r:id="rId2"/>
+    <p:sldId id="336" r:id="rId2"/>
     <p:sldId id="264" r:id="rId3"/>
     <p:sldId id="322" r:id="rId4"/>
     <p:sldId id="265" r:id="rId5"/>
@@ -774,11 +774,11 @@
 </file>
 
 <file path=ppt/notesSlides/notesSlide1.xml><?xml version="1.0" encoding="utf-8"?>
-<p:notes xmlns:a="http://schemas.openxmlformats.org/drawingml/2006/main" xmlns:r="http://schemas.openxmlformats.org/officeDocument/2006/relationships" xmlns:p="http://schemas.openxmlformats.org/presentationml/2006/main">
+<p:notes xmlns:a="http://schemas.openxmlformats.org/drawingml/2006/main" xmlns:r="http://schemas.openxmlformats.org/officeDocument/2006/relationships" xmlns:p="http://schemas.openxmlformats.org/presentationml/2006/main" showMasterSp="0" showMasterPhAnim="0">
   <p:cSld>
     <p:spTree>
       <p:nvGrpSpPr>
-        <p:cNvPr id="1" name=""/>
+        <p:cNvPr id="1" name="Shape 158"/>
         <p:cNvGrpSpPr/>
         <p:nvPr/>
       </p:nvGrpSpPr>
@@ -792,207 +792,84 @@
       </p:grpSpPr>
       <p:sp>
         <p:nvSpPr>
-          <p:cNvPr id="2" name="Slide Image Placeholder 1"/>
-          <p:cNvSpPr>
-            <a:spLocks noGrp="1" noRot="1" noChangeAspect="1"/>
-          </p:cNvSpPr>
-          <p:nvPr>
-            <p:ph type="sldImg"/>
-          </p:nvPr>
-        </p:nvSpPr>
-        <p:spPr/>
-      </p:sp>
-      <p:sp>
-        <p:nvSpPr>
-          <p:cNvPr id="3" name="Notes Placeholder 2"/>
-          <p:cNvSpPr>
+          <p:cNvPr id="159" name="Google Shape;159;p3:notes"/>
+          <p:cNvSpPr txBox="1">
             <a:spLocks noGrp="1"/>
           </p:cNvSpPr>
           <p:nvPr>
             <p:ph type="body" idx="1"/>
           </p:nvPr>
         </p:nvSpPr>
-        <p:spPr/>
+        <p:spPr>
+          <a:xfrm>
+            <a:off x="685800" y="4400550"/>
+            <a:ext cx="5486400" cy="3600450"/>
+          </a:xfrm>
+          <a:prstGeom prst="rect">
+            <a:avLst/>
+          </a:prstGeom>
+        </p:spPr>
         <p:txBody>
-          <a:bodyPr/>
+          <a:bodyPr spcFirstLastPara="1" wrap="square" lIns="91425" tIns="45700" rIns="91425" bIns="45700" anchor="t" anchorCtr="0">
+            <a:noAutofit/>
+          </a:bodyPr>
           <a:lstStyle/>
           <a:p>
-            <a:r>
-              <a:rPr lang="en-US" dirty="0"/>
-              <a:t>Python is dynamically-typed and garbage-collected. It supports multiple programming paradigms, including structured (particularly, procedural), object-oriented and functional programming.</a:t>
-            </a:r>
-          </a:p>
-          <a:p>
-            <a:endParaRPr lang="en-US" sz="1200" dirty="0">
-              <a:cs typeface="Calibri"/>
-            </a:endParaRPr>
-          </a:p>
-          <a:p>
-            <a:r>
-              <a:rPr lang="en-US" dirty="0">
-                <a:cs typeface="Calibri"/>
-              </a:rPr>
-              <a:t>It was built to be as readable as possible, and is </a:t>
-            </a:r>
-            <a:r>
-              <a:rPr lang="en-US" dirty="0"/>
-              <a:t>significant indentation driven (Off-side rule).</a:t>
-            </a:r>
-            <a:endParaRPr lang="en-US" dirty="0">
-              <a:cs typeface="Calibri"/>
-            </a:endParaRPr>
-          </a:p>
-          <a:p>
-            <a:pPr algn="l" rtl="0" eaLnBrk="1" hangingPunct="1"/>
-            <a:endParaRPr lang="en-US"/>
-          </a:p>
-          <a:p>
-            <a:r>
-              <a:rPr lang="en-US" dirty="0"/>
-              <a:t>The language's core philosophy is summarized in the document </a:t>
-            </a:r>
-            <a:r>
-              <a:rPr lang="en-US" i="1" dirty="0"/>
-              <a:t>The Zen of Python</a:t>
-            </a:r>
-            <a:r>
-              <a:rPr lang="en-US" dirty="0"/>
-              <a:t> (</a:t>
-            </a:r>
-            <a:r>
-              <a:rPr lang="en-US" i="1" dirty="0"/>
-              <a:t>PEP 20</a:t>
-            </a:r>
-            <a:r>
-              <a:rPr lang="en-US" dirty="0"/>
-              <a:t>), which includes aphorisms such as:</a:t>
-            </a:r>
-            <a:endParaRPr lang="en-US" dirty="0">
-              <a:cs typeface="Calibri"/>
-            </a:endParaRPr>
-          </a:p>
-          <a:p>
-            <a:pPr marL="285750" indent="-285750">
-              <a:buFont typeface="Arial"/>
-              <a:buChar char="•"/>
+            <a:pPr marL="0" lvl="0" indent="0" algn="l" rtl="0">
+              <a:spcBef>
+                <a:spcPts val="0"/>
+              </a:spcBef>
+              <a:spcAft>
+                <a:spcPts val="0"/>
+              </a:spcAft>
+              <a:buNone/>
             </a:pPr>
-            <a:r>
-              <a:rPr lang="en-US" dirty="0"/>
-              <a:t>Beautiful is better than ugly.</a:t>
-            </a:r>
-            <a:endParaRPr lang="en-US" dirty="0">
-              <a:cs typeface="Calibri"/>
-            </a:endParaRPr>
-          </a:p>
-          <a:p>
-            <a:pPr marL="285750" indent="-285750">
-              <a:buFont typeface="Arial"/>
-              <a:buChar char="•"/>
-            </a:pPr>
-            <a:r>
-              <a:rPr lang="en-US" dirty="0"/>
-              <a:t>Explicit is better than implicit.</a:t>
-            </a:r>
-            <a:endParaRPr lang="en-US" dirty="0">
-              <a:cs typeface="Calibri"/>
-            </a:endParaRPr>
-          </a:p>
-          <a:p>
-            <a:pPr marL="285750" indent="-285750">
-              <a:buFont typeface="Arial"/>
-              <a:buChar char="•"/>
-            </a:pPr>
-            <a:r>
-              <a:rPr lang="en-US" dirty="0"/>
-              <a:t>Simple is better than complex.</a:t>
-            </a:r>
-            <a:endParaRPr lang="en-US" dirty="0">
-              <a:cs typeface="Calibri"/>
-            </a:endParaRPr>
-          </a:p>
-          <a:p>
-            <a:pPr marL="285750" indent="-285750">
-              <a:buFont typeface="Arial"/>
-              <a:buChar char="•"/>
-            </a:pPr>
-            <a:r>
-              <a:rPr lang="en-US" dirty="0"/>
-              <a:t>Complex is better than complicated.</a:t>
-            </a:r>
-            <a:endParaRPr lang="en-US" dirty="0">
-              <a:cs typeface="Calibri"/>
-            </a:endParaRPr>
-          </a:p>
-          <a:p>
-            <a:pPr marL="285750" indent="-285750">
-              <a:buFont typeface="Arial"/>
-              <a:buChar char="•"/>
-            </a:pPr>
-            <a:r>
-              <a:rPr lang="en-US" dirty="0"/>
-              <a:t>Readability counts.</a:t>
-            </a:r>
-            <a:endParaRPr lang="en-US" dirty="0">
-              <a:cs typeface="Calibri"/>
-            </a:endParaRPr>
-          </a:p>
-          <a:p>
-            <a:pPr algn="l"/>
-            <a:endParaRPr lang="en-US" dirty="0">
-              <a:cs typeface="Calibri"/>
-            </a:endParaRPr>
-          </a:p>
-          <a:p>
-            <a:endParaRPr lang="en-US" u="sng"/>
-          </a:p>
-          <a:p>
-            <a:pPr algn="l" rtl="0" eaLnBrk="1" hangingPunct="1"/>
-            <a:r>
-              <a:rPr lang="en-US" u="sng" dirty="0"/>
-              <a:t>For further reading:</a:t>
-            </a:r>
-          </a:p>
-          <a:p>
-            <a:r>
-              <a:rPr lang="en-US" dirty="0">
-                <a:hlinkClick r:id="rId3"/>
-              </a:rPr>
-              <a:t>Python (programming language) - Wikipedia</a:t>
-            </a:r>
-            <a:endParaRPr lang="en-US"/>
+            <a:endParaRPr/>
           </a:p>
         </p:txBody>
       </p:sp>
       <p:sp>
         <p:nvSpPr>
-          <p:cNvPr id="4" name="Slide Number Placeholder 3"/>
+          <p:cNvPr id="160" name="Google Shape;160;p3:notes"/>
           <p:cNvSpPr>
-            <a:spLocks noGrp="1"/>
+            <a:spLocks noGrp="1" noRot="1" noChangeAspect="1"/>
           </p:cNvSpPr>
           <p:nvPr>
-            <p:ph type="sldNum" sz="quarter" idx="10"/>
+            <p:ph type="sldImg" idx="2"/>
           </p:nvPr>
         </p:nvSpPr>
-        <p:spPr/>
-        <p:txBody>
-          <a:bodyPr/>
-          <a:lstStyle/>
-          <a:p>
-            <a:fld id="{C18343ED-3762-4D46-A439-B4D407E13EF8}" type="slidenum">
-              <a:rPr lang="en-US" smtClean="0"/>
-              <a:pPr/>
-              <a:t>2</a:t>
-            </a:fld>
-            <a:endParaRPr lang="en-US"/>
-          </a:p>
-        </p:txBody>
+        <p:spPr>
+          <a:xfrm>
+            <a:off x="685800" y="1143000"/>
+            <a:ext cx="5486400" cy="3086100"/>
+          </a:xfrm>
+          <a:custGeom>
+            <a:avLst/>
+            <a:gdLst/>
+            <a:ahLst/>
+            <a:cxnLst/>
+            <a:rect l="l" t="t" r="r" b="b"/>
+            <a:pathLst>
+              <a:path w="120000" h="120000" extrusionOk="0">
+                <a:moveTo>
+                  <a:pt x="0" y="0"/>
+                </a:moveTo>
+                <a:lnTo>
+                  <a:pt x="120000" y="0"/>
+                </a:lnTo>
+                <a:lnTo>
+                  <a:pt x="120000" y="120000"/>
+                </a:lnTo>
+                <a:lnTo>
+                  <a:pt x="0" y="120000"/>
+                </a:lnTo>
+                <a:close/>
+              </a:path>
+            </a:pathLst>
+          </a:custGeom>
+        </p:spPr>
       </p:sp>
     </p:spTree>
-    <p:extLst>
-      <p:ext uri="{BB962C8B-B14F-4D97-AF65-F5344CB8AC3E}">
-        <p14:creationId xmlns:p14="http://schemas.microsoft.com/office/powerpoint/2010/main" val="3003253182"/>
-      </p:ext>
-    </p:extLst>
   </p:cSld>
   <p:clrMapOvr>
     <a:masterClrMapping/>
@@ -1044,13 +921,123 @@
           <a:bodyPr/>
           <a:lstStyle/>
           <a:p>
-            <a:pPr algn="l" rtl="0" eaLnBrk="1" hangingPunct="1">
-              <a:lnSpc>
-                <a:spcPct val="80000"/>
-              </a:lnSpc>
+            <a:r>
+              <a:rPr lang="en-US" dirty="0">
+                <a:solidFill>
+                  <a:srgbClr val="000000"/>
+                </a:solidFill>
+                <a:latin typeface="Tahoma"/>
+                <a:ea typeface="Tahoma"/>
+                <a:cs typeface="Tahoma"/>
+              </a:rPr>
+              <a:t>PyCharm is currently one of the most used IDE for python development, It provides code analysis, a graphical debugger, an integrated unit tester, integration with version control systems (VCSes), and supports web development with Django as well as data science with Anaconda.</a:t>
+            </a:r>
+          </a:p>
+          <a:p>
+            <a:endParaRPr lang="en-US" dirty="0">
+              <a:solidFill>
+                <a:srgbClr val="000000"/>
+              </a:solidFill>
+              <a:latin typeface="Tahoma"/>
+              <a:ea typeface="Tahoma"/>
+              <a:cs typeface="Tahoma"/>
+            </a:endParaRPr>
+          </a:p>
+          <a:p>
+            <a:r>
+              <a:rPr lang="en-US" dirty="0">
+                <a:solidFill>
+                  <a:srgbClr val="000000"/>
+                </a:solidFill>
+                <a:latin typeface="Tahoma"/>
+                <a:ea typeface="Tahoma"/>
+                <a:cs typeface="Tahoma"/>
+              </a:rPr>
+              <a:t>It was created by JetBrains</a:t>
+            </a:r>
+          </a:p>
+          <a:p>
+            <a:endParaRPr lang="en-US" dirty="0">
+              <a:solidFill>
+                <a:srgbClr val="000000"/>
+              </a:solidFill>
+              <a:latin typeface="Tahoma"/>
+              <a:ea typeface="Tahoma"/>
+              <a:cs typeface="Tahoma"/>
+            </a:endParaRPr>
+          </a:p>
+          <a:p>
+            <a:r>
+              <a:rPr lang="en-US" dirty="0">
+                <a:solidFill>
+                  <a:srgbClr val="000000"/>
+                </a:solidFill>
+                <a:latin typeface="Tahoma"/>
+                <a:ea typeface="Tahoma"/>
+                <a:cs typeface="Tahoma"/>
+              </a:rPr>
+              <a:t>It is mostly popular because of many things, such as:</a:t>
+            </a:r>
+          </a:p>
+          <a:p>
+            <a:pPr marL="171450" indent="-171450">
+              <a:buFont typeface="Arial"/>
+              <a:buChar char="•"/>
             </a:pPr>
+            <a:r>
+              <a:rPr lang="en-US" dirty="0">
+                <a:solidFill>
+                  <a:srgbClr val="000000"/>
+                </a:solidFill>
+                <a:latin typeface="Tahoma"/>
+                <a:ea typeface="Tahoma"/>
+                <a:cs typeface="Tahoma"/>
+              </a:rPr>
+              <a:t>It is considered as an intelligent code editor, fast and safe refactoring, and smart code.</a:t>
+            </a:r>
+          </a:p>
+          <a:p>
+            <a:pPr marL="171450" indent="-171450">
+              <a:buFont typeface="Arial"/>
+              <a:buChar char="•"/>
+            </a:pPr>
+            <a:r>
+              <a:rPr lang="en-US" dirty="0">
+                <a:solidFill>
+                  <a:srgbClr val="000000"/>
+                </a:solidFill>
+                <a:latin typeface="Tahoma"/>
+                <a:ea typeface="Tahoma"/>
+                <a:cs typeface="Tahoma"/>
+              </a:rPr>
+              <a:t>Features for debugging, profiling, remote development, testing the code, auto code completion, quick fixing, error detection and tools of the database.</a:t>
+            </a:r>
+          </a:p>
+          <a:p>
+            <a:pPr marL="171450" indent="-171450">
+              <a:buFont typeface="Arial"/>
+              <a:buChar char="•"/>
+            </a:pPr>
+            <a:r>
+              <a:rPr lang="en-US" dirty="0">
+                <a:solidFill>
+                  <a:srgbClr val="000000"/>
+                </a:solidFill>
+                <a:latin typeface="Tahoma"/>
+                <a:ea typeface="Tahoma"/>
+                <a:cs typeface="Tahoma"/>
+              </a:rPr>
+              <a:t>Support for Popular web technologies, web frameworks, scientific libraries and version control. </a:t>
+            </a:r>
+          </a:p>
+          <a:p>
             <a:endParaRPr lang="en-US" dirty="0">
-              <a:cs typeface="Calibri"/>
+              <a:solidFill>
+                <a:srgbClr val="000000"/>
+              </a:solidFill>
+              <a:latin typeface="Tahoma"/>
+              <a:ea typeface="Tahoma"/>
+              <a:cs typeface="Tahoma"/>
             </a:endParaRPr>
           </a:p>
         </p:txBody>
@@ -1073,7 +1060,7 @@
             <a:fld id="{C18343ED-3762-4D46-A439-B4D407E13EF8}" type="slidenum">
               <a:rPr lang="en-US" smtClean="0"/>
               <a:pPr/>
-              <a:t>16</a:t>
+              <a:t>15</a:t>
             </a:fld>
             <a:endParaRPr lang="en-US"/>
           </a:p>
@@ -1082,7 +1069,7 @@
     </p:spTree>
     <p:extLst>
       <p:ext uri="{BB962C8B-B14F-4D97-AF65-F5344CB8AC3E}">
-        <p14:creationId xmlns:p14="http://schemas.microsoft.com/office/powerpoint/2010/main" val="662288823"/>
+        <p14:creationId xmlns:p14="http://schemas.microsoft.com/office/powerpoint/2010/main" val="925471829"/>
       </p:ext>
     </p:extLst>
   </p:cSld>
@@ -1136,78 +1123,14 @@
           <a:bodyPr/>
           <a:lstStyle/>
           <a:p>
-            <a:pPr>
-              <a:defRPr/>
-            </a:pPr>
-            <a:r>
-              <a:rPr lang="en-US" dirty="0">
-                <a:cs typeface="Calibri"/>
-              </a:rPr>
-              <a:t>This is the main screen for opening a new project, all project are "of the same type" but not really.</a:t>
-            </a:r>
-          </a:p>
-          <a:p>
-            <a:pPr>
-              <a:defRPr/>
-            </a:pPr>
-            <a:r>
-              <a:rPr lang="en-US" dirty="0">
-                <a:cs typeface="+mn-lt"/>
-              </a:rPr>
-              <a:t>We can choose our projects name by changing the last section of the  location box</a:t>
-            </a:r>
-          </a:p>
-          <a:p>
-            <a:pPr>
-              <a:defRPr/>
-            </a:pPr>
-            <a:br>
-              <a:rPr lang="en-US" dirty="0">
-                <a:cs typeface="+mn-lt"/>
-              </a:rPr>
-            </a:br>
-            <a:r>
-              <a:rPr lang="en-US" dirty="0">
-                <a:cs typeface="Calibri"/>
-              </a:rPr>
-              <a:t>We can choose different environments like Virtualenv(the base one here), or Conda.</a:t>
-            </a:r>
-            <a:endParaRPr lang="en-US" dirty="0"/>
-          </a:p>
-          <a:p>
-            <a:pPr>
-              <a:defRPr/>
+            <a:pPr algn="l" rtl="0" eaLnBrk="1" hangingPunct="1">
+              <a:lnSpc>
+                <a:spcPct val="80000"/>
+              </a:lnSpc>
             </a:pPr>
             <a:endParaRPr lang="en-US" dirty="0">
               <a:cs typeface="Calibri"/>
             </a:endParaRPr>
-          </a:p>
-          <a:p>
-            <a:pPr>
-              <a:defRPr/>
-            </a:pPr>
-            <a:r>
-              <a:rPr lang="en-US" dirty="0">
-                <a:cs typeface="Calibri"/>
-              </a:rPr>
-              <a:t>Also, we can use a new (base) interpreter or just pick one of our previously used ones if we choose so.</a:t>
-            </a:r>
-            <a:br>
-              <a:rPr lang="en-US" dirty="0">
-                <a:cs typeface="+mn-lt"/>
-              </a:rPr>
-            </a:br>
-            <a:br>
-              <a:rPr lang="en-US" dirty="0">
-                <a:cs typeface="+mn-lt"/>
-              </a:rPr>
-            </a:br>
-            <a:r>
-              <a:rPr lang="en-US" dirty="0">
-                <a:cs typeface="Calibri"/>
-              </a:rPr>
-              <a:t>For beginners this is all we need to know, we want a new interpreter </a:t>
-            </a:r>
           </a:p>
         </p:txBody>
       </p:sp>
@@ -1229,7 +1152,7 @@
             <a:fld id="{C18343ED-3762-4D46-A439-B4D407E13EF8}" type="slidenum">
               <a:rPr lang="en-US" smtClean="0"/>
               <a:pPr/>
-              <a:t>17</a:t>
+              <a:t>16</a:t>
             </a:fld>
             <a:endParaRPr lang="en-US"/>
           </a:p>
@@ -1238,7 +1161,7 @@
     </p:spTree>
     <p:extLst>
       <p:ext uri="{BB962C8B-B14F-4D97-AF65-F5344CB8AC3E}">
-        <p14:creationId xmlns:p14="http://schemas.microsoft.com/office/powerpoint/2010/main" val="3949587220"/>
+        <p14:creationId xmlns:p14="http://schemas.microsoft.com/office/powerpoint/2010/main" val="662288823"/>
       </p:ext>
     </p:extLst>
   </p:cSld>
@@ -1292,10 +1215,31 @@
           <a:bodyPr/>
           <a:lstStyle/>
           <a:p>
-            <a:r>
-              <a:rPr lang="en-US" dirty="0"/>
-              <a:t>This is the main work area in PyCharm:</a:t>
-            </a:r>
+            <a:pPr>
+              <a:defRPr/>
+            </a:pPr>
+            <a:r>
+              <a:rPr lang="en-US" dirty="0">
+                <a:cs typeface="Calibri"/>
+              </a:rPr>
+              <a:t>This is the main screen for opening a new project, all project are "of the same type" but not really.</a:t>
+            </a:r>
+          </a:p>
+          <a:p>
+            <a:pPr>
+              <a:defRPr/>
+            </a:pPr>
+            <a:r>
+              <a:rPr lang="en-US" dirty="0">
+                <a:cs typeface="+mn-lt"/>
+              </a:rPr>
+              <a:t>We can choose our projects name by changing the last section of the  location box</a:t>
+            </a:r>
+          </a:p>
+          <a:p>
+            <a:pPr>
+              <a:defRPr/>
+            </a:pPr>
             <a:br>
               <a:rPr lang="en-US" dirty="0">
                 <a:cs typeface="+mn-lt"/>
@@ -1305,45 +1249,44 @@
               <a:rPr lang="en-US" dirty="0">
                 <a:cs typeface="Calibri"/>
               </a:rPr>
-              <a:t>The Coding section is where you write you code</a:t>
-            </a:r>
-          </a:p>
-          <a:p>
-            <a:r>
-              <a:rPr lang="en-US" dirty="0">
-                <a:cs typeface="Calibri"/>
-              </a:rPr>
-              <a:t>Menu bar is all the options, setting etc.</a:t>
-            </a:r>
-          </a:p>
-          <a:p>
-            <a:r>
-              <a:rPr lang="en-US" dirty="0">
-                <a:cs typeface="Calibri"/>
-              </a:rPr>
-              <a:t>Project explorer is where all of our current project files and folders are located, we can navigate between them there</a:t>
-            </a:r>
-          </a:p>
-          <a:p>
-            <a:r>
-              <a:rPr lang="en-US" dirty="0">
-                <a:cs typeface="Calibri"/>
-              </a:rPr>
-              <a:t>The tools are our main uses, like the console, terminal, debug section, etc.</a:t>
-            </a:r>
-          </a:p>
-          <a:p>
-            <a:r>
-              <a:rPr lang="en-US" dirty="0">
-                <a:cs typeface="Calibri"/>
-              </a:rPr>
-              <a:t>The run script section is where we run our current open script, of course our script can run our entire project, depends on what's connected to the script we are running</a:t>
-            </a:r>
-          </a:p>
-          <a:p>
+              <a:t>We can choose different environments like Virtualenv(the base one here), or Conda.</a:t>
+            </a:r>
+            <a:endParaRPr lang="en-US" dirty="0"/>
+          </a:p>
+          <a:p>
+            <a:pPr>
+              <a:defRPr/>
+            </a:pPr>
             <a:endParaRPr lang="en-US" dirty="0">
               <a:cs typeface="Calibri"/>
             </a:endParaRPr>
+          </a:p>
+          <a:p>
+            <a:pPr>
+              <a:defRPr/>
+            </a:pPr>
+            <a:r>
+              <a:rPr lang="en-US" dirty="0">
+                <a:cs typeface="Calibri"/>
+              </a:rPr>
+              <a:t>Also, we can use a new (base) interpreter or just pick one of our previously used ones if we choose so.</a:t>
+            </a:r>
+            <a:br>
+              <a:rPr lang="en-US" dirty="0">
+                <a:cs typeface="+mn-lt"/>
+              </a:rPr>
+            </a:br>
+            <a:br>
+              <a:rPr lang="en-US" dirty="0">
+                <a:cs typeface="+mn-lt"/>
+              </a:rPr>
+            </a:br>
+            <a:r>
+              <a:rPr lang="en-US" dirty="0">
+                <a:cs typeface="Calibri"/>
+              </a:rPr>
+              <a:t>For beginners this is all we need to know, we want a new interpreter </a:t>
+            </a:r>
           </a:p>
         </p:txBody>
       </p:sp>
@@ -1365,7 +1308,7 @@
             <a:fld id="{C18343ED-3762-4D46-A439-B4D407E13EF8}" type="slidenum">
               <a:rPr lang="en-US" smtClean="0"/>
               <a:pPr/>
-              <a:t>19</a:t>
+              <a:t>17</a:t>
             </a:fld>
             <a:endParaRPr lang="en-US"/>
           </a:p>
@@ -1374,7 +1317,7 @@
     </p:spTree>
     <p:extLst>
       <p:ext uri="{BB962C8B-B14F-4D97-AF65-F5344CB8AC3E}">
-        <p14:creationId xmlns:p14="http://schemas.microsoft.com/office/powerpoint/2010/main" val="2368652420"/>
+        <p14:creationId xmlns:p14="http://schemas.microsoft.com/office/powerpoint/2010/main" val="3949587220"/>
       </p:ext>
     </p:extLst>
   </p:cSld>
@@ -1501,7 +1444,7 @@
             <a:fld id="{C18343ED-3762-4D46-A439-B4D407E13EF8}" type="slidenum">
               <a:rPr lang="en-US" smtClean="0"/>
               <a:pPr/>
-              <a:t>20</a:t>
+              <a:t>19</a:t>
             </a:fld>
             <a:endParaRPr lang="en-US"/>
           </a:p>
@@ -1510,7 +1453,7 @@
     </p:spTree>
     <p:extLst>
       <p:ext uri="{BB962C8B-B14F-4D97-AF65-F5344CB8AC3E}">
-        <p14:creationId xmlns:p14="http://schemas.microsoft.com/office/powerpoint/2010/main" val="2292869806"/>
+        <p14:creationId xmlns:p14="http://schemas.microsoft.com/office/powerpoint/2010/main" val="2368652420"/>
       </p:ext>
     </p:extLst>
   </p:cSld>
@@ -1637,6 +1580,142 @@
             <a:fld id="{C18343ED-3762-4D46-A439-B4D407E13EF8}" type="slidenum">
               <a:rPr lang="en-US" smtClean="0"/>
               <a:pPr/>
+              <a:t>20</a:t>
+            </a:fld>
+            <a:endParaRPr lang="en-US"/>
+          </a:p>
+        </p:txBody>
+      </p:sp>
+    </p:spTree>
+    <p:extLst>
+      <p:ext uri="{BB962C8B-B14F-4D97-AF65-F5344CB8AC3E}">
+        <p14:creationId xmlns:p14="http://schemas.microsoft.com/office/powerpoint/2010/main" val="2292869806"/>
+      </p:ext>
+    </p:extLst>
+  </p:cSld>
+  <p:clrMapOvr>
+    <a:masterClrMapping/>
+  </p:clrMapOvr>
+</p:notes>
+</file>
+
+<file path=ppt/notesSlides/notesSlide15.xml><?xml version="1.0" encoding="utf-8"?>
+<p:notes xmlns:a="http://schemas.openxmlformats.org/drawingml/2006/main" xmlns:r="http://schemas.openxmlformats.org/officeDocument/2006/relationships" xmlns:p="http://schemas.openxmlformats.org/presentationml/2006/main">
+  <p:cSld>
+    <p:spTree>
+      <p:nvGrpSpPr>
+        <p:cNvPr id="1" name=""/>
+        <p:cNvGrpSpPr/>
+        <p:nvPr/>
+      </p:nvGrpSpPr>
+      <p:grpSpPr>
+        <a:xfrm>
+          <a:off x="0" y="0"/>
+          <a:ext cx="0" cy="0"/>
+          <a:chOff x="0" y="0"/>
+          <a:chExt cx="0" cy="0"/>
+        </a:xfrm>
+      </p:grpSpPr>
+      <p:sp>
+        <p:nvSpPr>
+          <p:cNvPr id="2" name="Slide Image Placeholder 1"/>
+          <p:cNvSpPr>
+            <a:spLocks noGrp="1" noRot="1" noChangeAspect="1"/>
+          </p:cNvSpPr>
+          <p:nvPr>
+            <p:ph type="sldImg"/>
+          </p:nvPr>
+        </p:nvSpPr>
+        <p:spPr/>
+      </p:sp>
+      <p:sp>
+        <p:nvSpPr>
+          <p:cNvPr id="3" name="Notes Placeholder 2"/>
+          <p:cNvSpPr>
+            <a:spLocks noGrp="1"/>
+          </p:cNvSpPr>
+          <p:nvPr>
+            <p:ph type="body" idx="1"/>
+          </p:nvPr>
+        </p:nvSpPr>
+        <p:spPr/>
+        <p:txBody>
+          <a:bodyPr/>
+          <a:lstStyle/>
+          <a:p>
+            <a:r>
+              <a:rPr lang="en-US" dirty="0"/>
+              <a:t>This is the main work area in PyCharm:</a:t>
+            </a:r>
+            <a:br>
+              <a:rPr lang="en-US" dirty="0">
+                <a:cs typeface="+mn-lt"/>
+              </a:rPr>
+            </a:br>
+            <a:r>
+              <a:rPr lang="en-US" dirty="0">
+                <a:cs typeface="Calibri"/>
+              </a:rPr>
+              <a:t>The Coding section is where you write you code</a:t>
+            </a:r>
+          </a:p>
+          <a:p>
+            <a:r>
+              <a:rPr lang="en-US" dirty="0">
+                <a:cs typeface="Calibri"/>
+              </a:rPr>
+              <a:t>Menu bar is all the options, setting etc.</a:t>
+            </a:r>
+          </a:p>
+          <a:p>
+            <a:r>
+              <a:rPr lang="en-US" dirty="0">
+                <a:cs typeface="Calibri"/>
+              </a:rPr>
+              <a:t>Project explorer is where all of our current project files and folders are located, we can navigate between them there</a:t>
+            </a:r>
+          </a:p>
+          <a:p>
+            <a:r>
+              <a:rPr lang="en-US" dirty="0">
+                <a:cs typeface="Calibri"/>
+              </a:rPr>
+              <a:t>The tools are our main uses, like the console, terminal, debug section, etc.</a:t>
+            </a:r>
+          </a:p>
+          <a:p>
+            <a:r>
+              <a:rPr lang="en-US" dirty="0">
+                <a:cs typeface="Calibri"/>
+              </a:rPr>
+              <a:t>The run script section is where we run our current open script, of course our script can run our entire project, depends on what's connected to the script we are running</a:t>
+            </a:r>
+          </a:p>
+          <a:p>
+            <a:endParaRPr lang="en-US" dirty="0">
+              <a:cs typeface="Calibri"/>
+            </a:endParaRPr>
+          </a:p>
+        </p:txBody>
+      </p:sp>
+      <p:sp>
+        <p:nvSpPr>
+          <p:cNvPr id="4" name="Slide Number Placeholder 3"/>
+          <p:cNvSpPr>
+            <a:spLocks noGrp="1"/>
+          </p:cNvSpPr>
+          <p:nvPr>
+            <p:ph type="sldNum" sz="quarter" idx="10"/>
+          </p:nvPr>
+        </p:nvSpPr>
+        <p:spPr/>
+        <p:txBody>
+          <a:bodyPr/>
+          <a:lstStyle/>
+          <a:p>
+            <a:fld id="{C18343ED-3762-4D46-A439-B4D407E13EF8}" type="slidenum">
+              <a:rPr lang="en-US" smtClean="0"/>
+              <a:pPr/>
               <a:t>21</a:t>
             </a:fld>
             <a:endParaRPr lang="en-US"/>
@@ -1656,7 +1735,7 @@
 </p:notes>
 </file>
 
-<file path=ppt/notesSlides/notesSlide15.xml><?xml version="1.0" encoding="utf-8"?>
+<file path=ppt/notesSlides/notesSlide16.xml><?xml version="1.0" encoding="utf-8"?>
 <p:notes xmlns:a="http://schemas.openxmlformats.org/drawingml/2006/main" xmlns:r="http://schemas.openxmlformats.org/officeDocument/2006/relationships" xmlns:p="http://schemas.openxmlformats.org/presentationml/2006/main">
   <p:cSld>
     <p:spTree>
@@ -2000,7 +2079,7 @@
             <a:fld id="{C18343ED-3762-4D46-A439-B4D407E13EF8}" type="slidenum">
               <a:rPr lang="en-US" smtClean="0"/>
               <a:pPr/>
-              <a:t>3</a:t>
+              <a:t>2</a:t>
             </a:fld>
             <a:endParaRPr lang="en-US"/>
           </a:p>
@@ -2009,7 +2088,7 @@
     </p:spTree>
     <p:extLst>
       <p:ext uri="{BB962C8B-B14F-4D97-AF65-F5344CB8AC3E}">
-        <p14:creationId xmlns:p14="http://schemas.microsoft.com/office/powerpoint/2010/main" val="2030585090"/>
+        <p14:creationId xmlns:p14="http://schemas.microsoft.com/office/powerpoint/2010/main" val="3003253182"/>
       </p:ext>
     </p:extLst>
   </p:cSld>
@@ -2064,123 +2143,148 @@
           <a:lstStyle/>
           <a:p>
             <a:r>
+              <a:rPr lang="en-US" dirty="0"/>
+              <a:t>Python is dynamically-typed and garbage-collected. It supports multiple programming paradigms, including structured (particularly, procedural), object-oriented and functional programming.</a:t>
+            </a:r>
+          </a:p>
+          <a:p>
+            <a:endParaRPr lang="en-US" sz="1200" dirty="0">
+              <a:cs typeface="Calibri"/>
+            </a:endParaRPr>
+          </a:p>
+          <a:p>
+            <a:r>
               <a:rPr lang="en-US" dirty="0">
-                <a:solidFill>
-                  <a:srgbClr val="000000"/>
-                </a:solidFill>
-                <a:latin typeface="Tahoma"/>
-                <a:ea typeface="Tahoma"/>
-                <a:cs typeface="Tahoma"/>
-              </a:rPr>
-              <a:t>PyCharm is currently one of the most used IDE for python development, It provides code analysis, a graphical debugger, an integrated unit tester, integration with version control systems (VCSes), and supports web development with Django as well as data science with Anaconda.</a:t>
-            </a:r>
-          </a:p>
-          <a:p>
+                <a:cs typeface="Calibri"/>
+              </a:rPr>
+              <a:t>It was built to be as readable as possible, and is </a:t>
+            </a:r>
+            <a:r>
+              <a:rPr lang="en-US" dirty="0"/>
+              <a:t>significant indentation driven (Off-side rule).</a:t>
+            </a:r>
             <a:endParaRPr lang="en-US" dirty="0">
-              <a:solidFill>
-                <a:srgbClr val="000000"/>
-              </a:solidFill>
-              <a:latin typeface="Tahoma"/>
-              <a:ea typeface="Tahoma"/>
-              <a:cs typeface="Tahoma"/>
+              <a:cs typeface="Calibri"/>
             </a:endParaRPr>
           </a:p>
           <a:p>
-            <a:r>
-              <a:rPr lang="en-US" dirty="0">
-                <a:solidFill>
-                  <a:srgbClr val="000000"/>
-                </a:solidFill>
-                <a:latin typeface="Tahoma"/>
-                <a:ea typeface="Tahoma"/>
-                <a:cs typeface="Tahoma"/>
-              </a:rPr>
-              <a:t>It was created by JetBrains</a:t>
-            </a:r>
-          </a:p>
-          <a:p>
+            <a:pPr algn="l" rtl="0" eaLnBrk="1" hangingPunct="1"/>
+            <a:endParaRPr lang="en-US"/>
+          </a:p>
+          <a:p>
+            <a:r>
+              <a:rPr lang="en-US" dirty="0"/>
+              <a:t>The language's core philosophy is summarized in the document </a:t>
+            </a:r>
+            <a:r>
+              <a:rPr lang="en-US" i="1" dirty="0"/>
+              <a:t>The Zen of Python</a:t>
+            </a:r>
+            <a:r>
+              <a:rPr lang="en-US" dirty="0"/>
+              <a:t> (</a:t>
+            </a:r>
+            <a:r>
+              <a:rPr lang="en-US" i="1" dirty="0"/>
+              <a:t>PEP 20</a:t>
+            </a:r>
+            <a:r>
+              <a:rPr lang="en-US" dirty="0"/>
+              <a:t>), which includes aphorisms such as:</a:t>
+            </a:r>
             <a:endParaRPr lang="en-US" dirty="0">
-              <a:solidFill>
-                <a:srgbClr val="000000"/>
-              </a:solidFill>
-              <a:latin typeface="Tahoma"/>
-              <a:ea typeface="Tahoma"/>
-              <a:cs typeface="Tahoma"/>
+              <a:cs typeface="Calibri"/>
             </a:endParaRPr>
           </a:p>
           <a:p>
-            <a:r>
-              <a:rPr lang="en-US" dirty="0">
-                <a:solidFill>
-                  <a:srgbClr val="000000"/>
-                </a:solidFill>
-                <a:latin typeface="Tahoma"/>
-                <a:ea typeface="Tahoma"/>
-                <a:cs typeface="Tahoma"/>
-              </a:rPr>
-              <a:t>It is mostly popular because of many things, such as:</a:t>
-            </a:r>
-          </a:p>
-          <a:p>
-            <a:pPr marL="171450" indent="-171450">
+            <a:pPr marL="285750" indent="-285750">
               <a:buFont typeface="Arial"/>
               <a:buChar char="•"/>
             </a:pPr>
             <a:r>
-              <a:rPr lang="en-US" dirty="0">
-                <a:solidFill>
-                  <a:srgbClr val="000000"/>
-                </a:solidFill>
-                <a:latin typeface="Tahoma"/>
-                <a:ea typeface="Tahoma"/>
-                <a:cs typeface="Tahoma"/>
-              </a:rPr>
-              <a:t>It is considered as an intelligent code editor, fast and safe refactoring, and smart code.</a:t>
-            </a:r>
-          </a:p>
-          <a:p>
-            <a:pPr marL="171450" indent="-171450">
+              <a:rPr lang="en-US" dirty="0"/>
+              <a:t>Beautiful is better than ugly.</a:t>
+            </a:r>
+            <a:endParaRPr lang="en-US" dirty="0">
+              <a:cs typeface="Calibri"/>
+            </a:endParaRPr>
+          </a:p>
+          <a:p>
+            <a:pPr marL="285750" indent="-285750">
               <a:buFont typeface="Arial"/>
               <a:buChar char="•"/>
             </a:pPr>
             <a:r>
-              <a:rPr lang="en-US" dirty="0">
-                <a:solidFill>
-                  <a:srgbClr val="000000"/>
-                </a:solidFill>
-                <a:latin typeface="Tahoma"/>
-                <a:ea typeface="Tahoma"/>
-                <a:cs typeface="Tahoma"/>
-              </a:rPr>
-              <a:t>Features for debugging, profiling, remote development, testing the code, auto code completion, quick fixing, error detection and tools of the database.</a:t>
-            </a:r>
-          </a:p>
-          <a:p>
-            <a:pPr marL="171450" indent="-171450">
+              <a:rPr lang="en-US" dirty="0"/>
+              <a:t>Explicit is better than implicit.</a:t>
+            </a:r>
+            <a:endParaRPr lang="en-US" dirty="0">
+              <a:cs typeface="Calibri"/>
+            </a:endParaRPr>
+          </a:p>
+          <a:p>
+            <a:pPr marL="285750" indent="-285750">
               <a:buFont typeface="Arial"/>
               <a:buChar char="•"/>
             </a:pPr>
             <a:r>
+              <a:rPr lang="en-US" dirty="0"/>
+              <a:t>Simple is better than complex.</a:t>
+            </a:r>
+            <a:endParaRPr lang="en-US" dirty="0">
+              <a:cs typeface="Calibri"/>
+            </a:endParaRPr>
+          </a:p>
+          <a:p>
+            <a:pPr marL="285750" indent="-285750">
+              <a:buFont typeface="Arial"/>
+              <a:buChar char="•"/>
+            </a:pPr>
+            <a:r>
+              <a:rPr lang="en-US" dirty="0"/>
+              <a:t>Complex is better than complicated.</a:t>
+            </a:r>
+            <a:endParaRPr lang="en-US" dirty="0">
+              <a:cs typeface="Calibri"/>
+            </a:endParaRPr>
+          </a:p>
+          <a:p>
+            <a:pPr marL="285750" indent="-285750">
+              <a:buFont typeface="Arial"/>
+              <a:buChar char="•"/>
+            </a:pPr>
+            <a:r>
+              <a:rPr lang="en-US" dirty="0"/>
+              <a:t>Readability counts.</a:t>
+            </a:r>
+            <a:endParaRPr lang="en-US" dirty="0">
+              <a:cs typeface="Calibri"/>
+            </a:endParaRPr>
+          </a:p>
+          <a:p>
+            <a:pPr algn="l"/>
+            <a:endParaRPr lang="en-US" dirty="0">
+              <a:cs typeface="Calibri"/>
+            </a:endParaRPr>
+          </a:p>
+          <a:p>
+            <a:endParaRPr lang="en-US" u="sng"/>
+          </a:p>
+          <a:p>
+            <a:pPr algn="l" rtl="0" eaLnBrk="1" hangingPunct="1"/>
+            <a:r>
+              <a:rPr lang="en-US" u="sng" dirty="0"/>
+              <a:t>For further reading:</a:t>
+            </a:r>
+          </a:p>
+          <a:p>
+            <a:r>
               <a:rPr lang="en-US" dirty="0">
-                <a:solidFill>
-                  <a:srgbClr val="000000"/>
-                </a:solidFill>
-                <a:latin typeface="Tahoma"/>
-                <a:ea typeface="Tahoma"/>
-                <a:cs typeface="Tahoma"/>
-              </a:rPr>
-              <a:t>Support for Popular web technologies, web frameworks, scientific libraries and version control. </a:t>
-            </a:r>
-          </a:p>
-          <a:p>
-            <a:endParaRPr lang="en-US" dirty="0">
-              <a:solidFill>
-                <a:srgbClr val="000000"/>
-              </a:solidFill>
-              <a:latin typeface="Tahoma"/>
-              <a:ea typeface="Tahoma"/>
-              <a:cs typeface="Tahoma"/>
-            </a:endParaRPr>
+                <a:hlinkClick r:id="rId3"/>
+              </a:rPr>
+              <a:t>Python (programming language) - Wikipedia</a:t>
+            </a:r>
+            <a:endParaRPr lang="en-US"/>
           </a:p>
         </p:txBody>
       </p:sp>
@@ -2202,7 +2306,7 @@
             <a:fld id="{C18343ED-3762-4D46-A439-B4D407E13EF8}" type="slidenum">
               <a:rPr lang="en-US" smtClean="0"/>
               <a:pPr/>
-              <a:t>7</a:t>
+              <a:t>3</a:t>
             </a:fld>
             <a:endParaRPr lang="en-US"/>
           </a:p>
@@ -2211,7 +2315,7 @@
     </p:spTree>
     <p:extLst>
       <p:ext uri="{BB962C8B-B14F-4D97-AF65-F5344CB8AC3E}">
-        <p14:creationId xmlns:p14="http://schemas.microsoft.com/office/powerpoint/2010/main" val="3013686146"/>
+        <p14:creationId xmlns:p14="http://schemas.microsoft.com/office/powerpoint/2010/main" val="2030585090"/>
       </p:ext>
     </p:extLst>
   </p:cSld>
@@ -2404,7 +2508,7 @@
             <a:fld id="{C18343ED-3762-4D46-A439-B4D407E13EF8}" type="slidenum">
               <a:rPr lang="en-US" smtClean="0"/>
               <a:pPr/>
-              <a:t>8</a:t>
+              <a:t>7</a:t>
             </a:fld>
             <a:endParaRPr lang="en-US"/>
           </a:p>
@@ -2413,7 +2517,7 @@
     </p:spTree>
     <p:extLst>
       <p:ext uri="{BB962C8B-B14F-4D97-AF65-F5344CB8AC3E}">
-        <p14:creationId xmlns:p14="http://schemas.microsoft.com/office/powerpoint/2010/main" val="4088648762"/>
+        <p14:creationId xmlns:p14="http://schemas.microsoft.com/office/powerpoint/2010/main" val="3013686146"/>
       </p:ext>
     </p:extLst>
   </p:cSld>
@@ -2606,7 +2710,7 @@
             <a:fld id="{C18343ED-3762-4D46-A439-B4D407E13EF8}" type="slidenum">
               <a:rPr lang="en-US" smtClean="0"/>
               <a:pPr/>
-              <a:t>9</a:t>
+              <a:t>8</a:t>
             </a:fld>
             <a:endParaRPr lang="en-US"/>
           </a:p>
@@ -2615,7 +2719,7 @@
     </p:spTree>
     <p:extLst>
       <p:ext uri="{BB962C8B-B14F-4D97-AF65-F5344CB8AC3E}">
-        <p14:creationId xmlns:p14="http://schemas.microsoft.com/office/powerpoint/2010/main" val="1157867576"/>
+        <p14:creationId xmlns:p14="http://schemas.microsoft.com/office/powerpoint/2010/main" val="4088648762"/>
       </p:ext>
     </p:extLst>
   </p:cSld>
@@ -2808,7 +2912,7 @@
             <a:fld id="{C18343ED-3762-4D46-A439-B4D407E13EF8}" type="slidenum">
               <a:rPr lang="en-US" smtClean="0"/>
               <a:pPr/>
-              <a:t>10</a:t>
+              <a:t>9</a:t>
             </a:fld>
             <a:endParaRPr lang="en-US"/>
           </a:p>
@@ -2817,7 +2921,7 @@
     </p:spTree>
     <p:extLst>
       <p:ext uri="{BB962C8B-B14F-4D97-AF65-F5344CB8AC3E}">
-        <p14:creationId xmlns:p14="http://schemas.microsoft.com/office/powerpoint/2010/main" val="849729191"/>
+        <p14:creationId xmlns:p14="http://schemas.microsoft.com/office/powerpoint/2010/main" val="1157867576"/>
       </p:ext>
     </p:extLst>
   </p:cSld>
@@ -3010,7 +3114,7 @@
             <a:fld id="{C18343ED-3762-4D46-A439-B4D407E13EF8}" type="slidenum">
               <a:rPr lang="en-US" smtClean="0"/>
               <a:pPr/>
-              <a:t>12</a:t>
+              <a:t>10</a:t>
             </a:fld>
             <a:endParaRPr lang="en-US"/>
           </a:p>
@@ -3019,7 +3123,7 @@
     </p:spTree>
     <p:extLst>
       <p:ext uri="{BB962C8B-B14F-4D97-AF65-F5344CB8AC3E}">
-        <p14:creationId xmlns:p14="http://schemas.microsoft.com/office/powerpoint/2010/main" val="2779813135"/>
+        <p14:creationId xmlns:p14="http://schemas.microsoft.com/office/powerpoint/2010/main" val="849729191"/>
       </p:ext>
     </p:extLst>
   </p:cSld>
@@ -3212,7 +3316,7 @@
             <a:fld id="{C18343ED-3762-4D46-A439-B4D407E13EF8}" type="slidenum">
               <a:rPr lang="en-US" smtClean="0"/>
               <a:pPr/>
-              <a:t>13</a:t>
+              <a:t>12</a:t>
             </a:fld>
             <a:endParaRPr lang="en-US"/>
           </a:p>
@@ -3221,7 +3325,7 @@
     </p:spTree>
     <p:extLst>
       <p:ext uri="{BB962C8B-B14F-4D97-AF65-F5344CB8AC3E}">
-        <p14:creationId xmlns:p14="http://schemas.microsoft.com/office/powerpoint/2010/main" val="89710469"/>
+        <p14:creationId xmlns:p14="http://schemas.microsoft.com/office/powerpoint/2010/main" val="2779813135"/>
       </p:ext>
     </p:extLst>
   </p:cSld>
@@ -3414,7 +3518,7 @@
             <a:fld id="{C18343ED-3762-4D46-A439-B4D407E13EF8}" type="slidenum">
               <a:rPr lang="en-US" smtClean="0"/>
               <a:pPr/>
-              <a:t>15</a:t>
+              <a:t>13</a:t>
             </a:fld>
             <a:endParaRPr lang="en-US"/>
           </a:p>
@@ -3423,7 +3527,7 @@
     </p:spTree>
     <p:extLst>
       <p:ext uri="{BB962C8B-B14F-4D97-AF65-F5344CB8AC3E}">
-        <p14:creationId xmlns:p14="http://schemas.microsoft.com/office/powerpoint/2010/main" val="925471829"/>
+        <p14:creationId xmlns:p14="http://schemas.microsoft.com/office/powerpoint/2010/main" val="89710469"/>
       </p:ext>
     </p:extLst>
   </p:cSld>
@@ -4066,298 +4170,6 @@
 </file>
 
 <file path=ppt/slideLayouts/slideLayout12.xml><?xml version="1.0" encoding="utf-8"?>
-<p:sldLayout xmlns:a="http://schemas.openxmlformats.org/drawingml/2006/main" xmlns:r="http://schemas.openxmlformats.org/officeDocument/2006/relationships" xmlns:p="http://schemas.openxmlformats.org/presentationml/2006/main" userDrawn="1">
-  <p:cSld name="1_Title Slide">
-    <p:spTree>
-      <p:nvGrpSpPr>
-        <p:cNvPr id="1" name=""/>
-        <p:cNvGrpSpPr/>
-        <p:nvPr/>
-      </p:nvGrpSpPr>
-      <p:grpSpPr>
-        <a:xfrm>
-          <a:off x="0" y="0"/>
-          <a:ext cx="0" cy="0"/>
-          <a:chOff x="0" y="0"/>
-          <a:chExt cx="0" cy="0"/>
-        </a:xfrm>
-      </p:grpSpPr>
-      <p:sp>
-        <p:nvSpPr>
-          <p:cNvPr id="2" name="Title 1"/>
-          <p:cNvSpPr>
-            <a:spLocks noGrp="1"/>
-          </p:cNvSpPr>
-          <p:nvPr>
-            <p:ph type="ctrTitle"/>
-          </p:nvPr>
-        </p:nvSpPr>
-        <p:spPr>
-          <a:xfrm>
-            <a:off x="774049" y="1340768"/>
-            <a:ext cx="9850763" cy="1085850"/>
-          </a:xfrm>
-        </p:spPr>
-        <p:txBody>
-          <a:bodyPr vert="horz" lIns="0" tIns="45720" rIns="91440" bIns="45720" rtlCol="0" anchor="t" anchorCtr="0">
-            <a:normAutofit/>
-          </a:bodyPr>
-          <a:lstStyle>
-            <a:lvl1pPr>
-              <a:defRPr lang="en-US" sz="3200" dirty="0">
-                <a:ln w="3175">
-                  <a:noFill/>
-                </a:ln>
-              </a:defRPr>
-            </a:lvl1pPr>
-          </a:lstStyle>
-          <a:p>
-            <a:pPr lvl="0"/>
-            <a:r>
-              <a:rPr lang="en-US"/>
-              <a:t>Click to edit Master title style</a:t>
-            </a:r>
-          </a:p>
-        </p:txBody>
-      </p:sp>
-      <p:sp>
-        <p:nvSpPr>
-          <p:cNvPr id="11" name="TextBox 10"/>
-          <p:cNvSpPr txBox="1"/>
-          <p:nvPr userDrawn="1"/>
-        </p:nvSpPr>
-        <p:spPr>
-          <a:xfrm>
-            <a:off x="774050" y="6362070"/>
-            <a:ext cx="10506527" cy="261610"/>
-          </a:xfrm>
-          <a:prstGeom prst="rect">
-            <a:avLst/>
-          </a:prstGeom>
-          <a:noFill/>
-        </p:spPr>
-        <p:txBody>
-          <a:bodyPr wrap="square" lIns="0" rtlCol="0">
-            <a:spAutoFit/>
-          </a:bodyPr>
-          <a:lstStyle/>
-          <a:p>
-            <a:pPr algn="l"/>
-            <a:r>
-              <a:rPr lang="en-US" sz="1100" kern="1200">
-                <a:solidFill>
-                  <a:schemeClr val="tx1">
-                    <a:lumMod val="85000"/>
-                    <a:lumOff val="15000"/>
-                  </a:schemeClr>
-                </a:solidFill>
-                <a:latin typeface="Segoe" panose="020B0502040504020203" pitchFamily="34" charset="0"/>
-                <a:ea typeface="+mn-ea"/>
-                <a:cs typeface="+mn-cs"/>
-              </a:rPr>
-              <a:t>Copyright © SELA Software &amp; Education Labs, Ltd. | 14-18 Baruch Hirsch St., </a:t>
-            </a:r>
-            <a:r>
-              <a:rPr lang="en-US" sz="1100" kern="1200" err="1">
-                <a:solidFill>
-                  <a:schemeClr val="tx1">
-                    <a:lumMod val="85000"/>
-                    <a:lumOff val="15000"/>
-                  </a:schemeClr>
-                </a:solidFill>
-                <a:latin typeface="Segoe" panose="020B0502040504020203" pitchFamily="34" charset="0"/>
-                <a:ea typeface="+mn-ea"/>
-                <a:cs typeface="+mn-cs"/>
-              </a:rPr>
-              <a:t>Bnei</a:t>
-            </a:r>
-            <a:r>
-              <a:rPr lang="en-US" sz="1100" kern="1200">
-                <a:solidFill>
-                  <a:schemeClr val="tx1">
-                    <a:lumMod val="85000"/>
-                    <a:lumOff val="15000"/>
-                  </a:schemeClr>
-                </a:solidFill>
-                <a:latin typeface="Segoe" panose="020B0502040504020203" pitchFamily="34" charset="0"/>
-                <a:ea typeface="+mn-ea"/>
-                <a:cs typeface="+mn-cs"/>
-              </a:rPr>
-              <a:t> </a:t>
-            </a:r>
-            <a:r>
-              <a:rPr lang="en-US" sz="1100" kern="1200" err="1">
-                <a:solidFill>
-                  <a:schemeClr val="tx1">
-                    <a:lumMod val="85000"/>
-                    <a:lumOff val="15000"/>
-                  </a:schemeClr>
-                </a:solidFill>
-                <a:latin typeface="Segoe" panose="020B0502040504020203" pitchFamily="34" charset="0"/>
-                <a:ea typeface="+mn-ea"/>
-                <a:cs typeface="+mn-cs"/>
-              </a:rPr>
-              <a:t>Brak</a:t>
-            </a:r>
-            <a:r>
-              <a:rPr lang="en-US" sz="1100" kern="1200">
-                <a:solidFill>
-                  <a:schemeClr val="tx1">
-                    <a:lumMod val="85000"/>
-                    <a:lumOff val="15000"/>
-                  </a:schemeClr>
-                </a:solidFill>
-                <a:latin typeface="Segoe" panose="020B0502040504020203" pitchFamily="34" charset="0"/>
-                <a:ea typeface="+mn-ea"/>
-                <a:cs typeface="+mn-cs"/>
-              </a:rPr>
-              <a:t> 51202, Israel | www.selagroup.com</a:t>
-            </a:r>
-            <a:endParaRPr lang="en-US" sz="800">
-              <a:solidFill>
-                <a:schemeClr val="tx1">
-                  <a:lumMod val="85000"/>
-                  <a:lumOff val="15000"/>
-                </a:schemeClr>
-              </a:solidFill>
-              <a:latin typeface="Segoe" panose="020B0502040504020203" pitchFamily="34" charset="0"/>
-            </a:endParaRPr>
-          </a:p>
-        </p:txBody>
-      </p:sp>
-      <p:pic>
-        <p:nvPicPr>
-          <p:cNvPr id="13" name="Picture 12"/>
-          <p:cNvPicPr>
-            <a:picLocks noChangeAspect="1"/>
-          </p:cNvPicPr>
-          <p:nvPr userDrawn="1"/>
-        </p:nvPicPr>
-        <p:blipFill>
-          <a:blip r:embed="rId2" cstate="print">
-            <a:extLst>
-              <a:ext uri="{28A0092B-C50C-407E-A947-70E740481C1C}">
-                <a14:useLocalDpi xmlns:a14="http://schemas.microsoft.com/office/drawing/2010/main" val="0"/>
-              </a:ext>
-            </a:extLst>
-          </a:blip>
-          <a:stretch>
-            <a:fillRect/>
-          </a:stretch>
-        </p:blipFill>
-        <p:spPr>
-          <a:xfrm>
-            <a:off x="774050" y="534798"/>
-            <a:ext cx="3509932" cy="483907"/>
-          </a:xfrm>
-          <a:prstGeom prst="rect">
-            <a:avLst/>
-          </a:prstGeom>
-        </p:spPr>
-      </p:pic>
-      <p:sp>
-        <p:nvSpPr>
-          <p:cNvPr id="7" name="Text Placeholder 6"/>
-          <p:cNvSpPr>
-            <a:spLocks noGrp="1"/>
-          </p:cNvSpPr>
-          <p:nvPr>
-            <p:ph type="body" sz="quarter" idx="10"/>
-          </p:nvPr>
-        </p:nvSpPr>
-        <p:spPr>
-          <a:xfrm>
-            <a:off x="774701" y="2427289"/>
-            <a:ext cx="9850967" cy="1362075"/>
-          </a:xfrm>
-          <a:prstGeom prst="rect">
-            <a:avLst/>
-          </a:prstGeom>
-        </p:spPr>
-        <p:txBody>
-          <a:bodyPr/>
-          <a:lstStyle>
-            <a:lvl1pPr marL="0" marR="0" indent="0" algn="l" defTabSz="914400" rtl="0" eaLnBrk="1" fontAlgn="auto" latinLnBrk="0" hangingPunct="1">
-              <a:lnSpc>
-                <a:spcPct val="100000"/>
-              </a:lnSpc>
-              <a:spcBef>
-                <a:spcPct val="20000"/>
-              </a:spcBef>
-              <a:spcAft>
-                <a:spcPts val="0"/>
-              </a:spcAft>
-              <a:buClrTx/>
-              <a:buSzTx/>
-              <a:buFontTx/>
-              <a:buNone/>
-              <a:tabLst/>
-              <a:defRPr>
-                <a:solidFill>
-                  <a:srgbClr val="E89636"/>
-                </a:solidFill>
-              </a:defRPr>
-            </a:lvl1pPr>
-            <a:lvl2pPr marL="457200" indent="0" algn="l" rtl="0">
-              <a:buFontTx/>
-              <a:buNone/>
-              <a:defRPr/>
-            </a:lvl2pPr>
-            <a:lvl3pPr marL="914400" indent="0" algn="l" rtl="0">
-              <a:buFontTx/>
-              <a:buNone/>
-              <a:defRPr/>
-            </a:lvl3pPr>
-            <a:lvl4pPr marL="1371600" indent="0" algn="l" rtl="0">
-              <a:buFontTx/>
-              <a:buNone/>
-              <a:defRPr/>
-            </a:lvl4pPr>
-            <a:lvl5pPr marL="1828800" indent="0" algn="l" rtl="0">
-              <a:buFontTx/>
-              <a:buNone/>
-              <a:defRPr/>
-            </a:lvl5pPr>
-          </a:lstStyle>
-          <a:p>
-            <a:pPr lvl="0"/>
-            <a:r>
-              <a:rPr lang="en-US"/>
-              <a:t>Click to edit Master text styles</a:t>
-            </a:r>
-          </a:p>
-        </p:txBody>
-      </p:sp>
-    </p:spTree>
-    <p:extLst>
-      <p:ext uri="{BB962C8B-B14F-4D97-AF65-F5344CB8AC3E}">
-        <p14:creationId xmlns:p14="http://schemas.microsoft.com/office/powerpoint/2010/main" val="2797336940"/>
-      </p:ext>
-    </p:extLst>
-  </p:cSld>
-  <p:clrMapOvr>
-    <a:masterClrMapping/>
-  </p:clrMapOvr>
-  <p:extLst>
-    <p:ext uri="{DCECCB84-F9BA-43D5-87BE-67443E8EF086}">
-      <p15:sldGuideLst xmlns:p15="http://schemas.microsoft.com/office/powerpoint/2012/main">
-        <p15:guide id="1" orient="horz" pos="789">
-          <p15:clr>
-            <a:srgbClr val="FBAE40"/>
-          </p15:clr>
-        </p15:guide>
-        <p15:guide id="2" pos="612">
-          <p15:clr>
-            <a:srgbClr val="FBAE40"/>
-          </p15:clr>
-        </p15:guide>
-      </p15:sldGuideLst>
-    </p:ext>
-  </p:extLst>
-</p:sldLayout>
-</file>
-
-<file path=ppt/slideLayouts/slideLayout13.xml><?xml version="1.0" encoding="utf-8"?>
 <p:sldLayout xmlns:a="http://schemas.openxmlformats.org/drawingml/2006/main" xmlns:r="http://schemas.openxmlformats.org/officeDocument/2006/relationships" xmlns:p="http://schemas.openxmlformats.org/presentationml/2006/main" userDrawn="1">
   <p:cSld name="Empty Page">
     <p:spTree>
@@ -4500,7 +4312,7 @@
 </p:sldLayout>
 </file>
 
-<file path=ppt/slideLayouts/slideLayout14.xml><?xml version="1.0" encoding="utf-8"?>
+<file path=ppt/slideLayouts/slideLayout13.xml><?xml version="1.0" encoding="utf-8"?>
 <p:sldLayout xmlns:a="http://schemas.openxmlformats.org/drawingml/2006/main" xmlns:r="http://schemas.openxmlformats.org/officeDocument/2006/relationships" xmlns:p="http://schemas.openxmlformats.org/presentationml/2006/main" userDrawn="1">
   <p:cSld name="Demo Page">
     <p:spTree>
@@ -5017,7 +4829,7 @@
 </p:sldLayout>
 </file>
 
-<file path=ppt/slideLayouts/slideLayout15.xml><?xml version="1.0" encoding="utf-8"?>
+<file path=ppt/slideLayouts/slideLayout14.xml><?xml version="1.0" encoding="utf-8"?>
 <p:sldLayout xmlns:a="http://schemas.openxmlformats.org/drawingml/2006/main" xmlns:r="http://schemas.openxmlformats.org/officeDocument/2006/relationships" xmlns:p="http://schemas.openxmlformats.org/presentationml/2006/main" userDrawn="1">
   <p:cSld name="Lab">
     <p:spTree>
@@ -5534,7 +5346,7 @@
 </p:sldLayout>
 </file>
 
-<file path=ppt/slideLayouts/slideLayout16.xml><?xml version="1.0" encoding="utf-8"?>
+<file path=ppt/slideLayouts/slideLayout15.xml><?xml version="1.0" encoding="utf-8"?>
 <p:sldLayout xmlns:a="http://schemas.openxmlformats.org/drawingml/2006/main" xmlns:r="http://schemas.openxmlformats.org/officeDocument/2006/relationships" xmlns:p="http://schemas.openxmlformats.org/presentationml/2006/main" userDrawn="1">
   <p:cSld name="Questions">
     <p:spTree>
@@ -6015,6 +5827,63 @@
 </p:sldLayout>
 </file>
 
+<file path=ppt/slideLayouts/slideLayout16.xml><?xml version="1.0" encoding="utf-8"?>
+<p:sldLayout xmlns:a="http://schemas.openxmlformats.org/drawingml/2006/main" xmlns:r="http://schemas.openxmlformats.org/officeDocument/2006/relationships" xmlns:p="http://schemas.openxmlformats.org/presentationml/2006/main" matchingName="6_Title Slide">
+  <p:cSld name="6_Title Slide">
+    <p:spTree>
+      <p:nvGrpSpPr>
+        <p:cNvPr id="1" name="Shape 16"/>
+        <p:cNvGrpSpPr/>
+        <p:nvPr/>
+      </p:nvGrpSpPr>
+      <p:grpSpPr>
+        <a:xfrm>
+          <a:off x="0" y="0"/>
+          <a:ext cx="0" cy="0"/>
+          <a:chOff x="0" y="0"/>
+          <a:chExt cx="0" cy="0"/>
+        </a:xfrm>
+      </p:grpSpPr>
+      <p:pic>
+        <p:nvPicPr>
+          <p:cNvPr id="17" name="Google Shape;17;p10"/>
+          <p:cNvPicPr preferRelativeResize="0"/>
+          <p:nvPr/>
+        </p:nvPicPr>
+        <p:blipFill rotWithShape="1">
+          <a:blip r:embed="rId2">
+            <a:alphaModFix/>
+          </a:blip>
+          <a:srcRect/>
+          <a:stretch/>
+        </p:blipFill>
+        <p:spPr>
+          <a:xfrm>
+            <a:off x="10668000" y="5981612"/>
+            <a:ext cx="1246029" cy="511263"/>
+          </a:xfrm>
+          <a:prstGeom prst="rect">
+            <a:avLst/>
+          </a:prstGeom>
+          <a:noFill/>
+          <a:ln>
+            <a:noFill/>
+          </a:ln>
+        </p:spPr>
+      </p:pic>
+    </p:spTree>
+    <p:extLst>
+      <p:ext uri="{BB962C8B-B14F-4D97-AF65-F5344CB8AC3E}">
+        <p14:creationId xmlns:p14="http://schemas.microsoft.com/office/powerpoint/2010/main" val="4004118919"/>
+      </p:ext>
+    </p:extLst>
+  </p:cSld>
+  <p:clrMapOvr>
+    <a:masterClrMapping/>
+  </p:clrMapOvr>
+</p:sldLayout>
+</file>
+
 <file path=ppt/slideLayouts/slideLayout2.xml><?xml version="1.0" encoding="utf-8"?>
 <p:sldLayout xmlns:a="http://schemas.openxmlformats.org/drawingml/2006/main" xmlns:r="http://schemas.openxmlformats.org/officeDocument/2006/relationships" xmlns:p="http://schemas.openxmlformats.org/presentationml/2006/main" type="obj" preserve="1">
   <p:cSld name="Title and Content">
@@ -8317,11 +8186,11 @@
     <p:sldLayoutId id="2147483657" r:id="rId9"/>
     <p:sldLayoutId id="2147483658" r:id="rId10"/>
     <p:sldLayoutId id="2147483659" r:id="rId11"/>
-    <p:sldLayoutId id="2147483660" r:id="rId12"/>
-    <p:sldLayoutId id="2147483663" r:id="rId13"/>
-    <p:sldLayoutId id="2147483665" r:id="rId14"/>
-    <p:sldLayoutId id="2147483667" r:id="rId15"/>
-    <p:sldLayoutId id="2147483670" r:id="rId16"/>
+    <p:sldLayoutId id="2147483663" r:id="rId12"/>
+    <p:sldLayoutId id="2147483665" r:id="rId13"/>
+    <p:sldLayoutId id="2147483667" r:id="rId14"/>
+    <p:sldLayoutId id="2147483670" r:id="rId15"/>
+    <p:sldLayoutId id="2147483671" r:id="rId16"/>
   </p:sldLayoutIdLst>
   <p:txStyles>
     <p:titleStyle>
@@ -8611,7 +8480,7 @@
   <p:cSld>
     <p:spTree>
       <p:nvGrpSpPr>
-        <p:cNvPr id="1" name=""/>
+        <p:cNvPr id="1" name="Shape 161"/>
         <p:cNvGrpSpPr/>
         <p:nvPr/>
       </p:nvGrpSpPr>
@@ -8625,50 +8494,501 @@
       </p:grpSpPr>
       <p:sp>
         <p:nvSpPr>
-          <p:cNvPr id="2" name="Title 1"/>
-          <p:cNvSpPr>
-            <a:spLocks noGrp="1"/>
-          </p:cNvSpPr>
-          <p:nvPr>
-            <p:ph type="ctrTitle"/>
-          </p:nvPr>
+          <p:cNvPr id="162" name="Google Shape;162;p3"/>
+          <p:cNvSpPr/>
+          <p:nvPr/>
         </p:nvSpPr>
         <p:spPr>
           <a:xfrm>
-            <a:off x="2135560" y="1700808"/>
-            <a:ext cx="7388072" cy="1085850"/>
+            <a:off x="753215" y="731221"/>
+            <a:ext cx="1852408" cy="1804715"/>
           </a:xfrm>
+          <a:prstGeom prst="rect">
+            <a:avLst/>
+          </a:prstGeom>
+          <a:noFill/>
+          <a:ln w="114300" cap="flat" cmpd="sng">
+            <a:solidFill>
+              <a:srgbClr val="0071F6"/>
+            </a:solidFill>
+            <a:prstDash val="solid"/>
+            <a:miter lim="800000"/>
+            <a:headEnd type="none" w="sm" len="sm"/>
+            <a:tailEnd type="none" w="sm" len="sm"/>
+          </a:ln>
         </p:spPr>
         <p:txBody>
-          <a:bodyPr>
-            <a:normAutofit/>
+          <a:bodyPr spcFirstLastPara="1" wrap="square" lIns="91425" tIns="45700" rIns="91425" bIns="45700" anchor="ctr" anchorCtr="0">
+            <a:noAutofit/>
           </a:bodyPr>
           <a:lstStyle/>
           <a:p>
-            <a:r>
-              <a:rPr lang="en-US" dirty="0"/>
-              <a:t>Module 05 – Processes</a:t>
-            </a:r>
-            <a:endParaRPr lang="he-IL" dirty="0"/>
+            <a:pPr marL="0" marR="0" lvl="0" indent="0" algn="ctr" rtl="0">
+              <a:spcBef>
+                <a:spcPts val="0"/>
+              </a:spcBef>
+              <a:spcAft>
+                <a:spcPts val="0"/>
+              </a:spcAft>
+              <a:buNone/>
+            </a:pPr>
+            <a:endParaRPr sz="10000" b="0" i="0" u="none" strike="noStrike" cap="none">
+              <a:solidFill>
+                <a:schemeClr val="lt1"/>
+              </a:solidFill>
+              <a:latin typeface="Calibri"/>
+              <a:ea typeface="Calibri"/>
+              <a:cs typeface="Calibri"/>
+              <a:sym typeface="Calibri"/>
+            </a:endParaRPr>
           </a:p>
         </p:txBody>
       </p:sp>
+      <p:sp>
+        <p:nvSpPr>
+          <p:cNvPr id="163" name="Google Shape;163;p3"/>
+          <p:cNvSpPr/>
+          <p:nvPr/>
+        </p:nvSpPr>
+        <p:spPr>
+          <a:xfrm>
+            <a:off x="1024128" y="974550"/>
+            <a:ext cx="1938528" cy="1220010"/>
+          </a:xfrm>
+          <a:prstGeom prst="rect">
+            <a:avLst/>
+          </a:prstGeom>
+          <a:solidFill>
+            <a:schemeClr val="lt1"/>
+          </a:solidFill>
+          <a:ln>
+            <a:noFill/>
+          </a:ln>
+        </p:spPr>
+        <p:txBody>
+          <a:bodyPr spcFirstLastPara="1" wrap="square" lIns="91425" tIns="45700" rIns="91425" bIns="45700" anchor="ctr" anchorCtr="0">
+            <a:noAutofit/>
+          </a:bodyPr>
+          <a:lstStyle/>
+          <a:p>
+            <a:pPr marL="0" marR="0" lvl="0" indent="0" algn="ctr" rtl="0">
+              <a:spcBef>
+                <a:spcPts val="0"/>
+              </a:spcBef>
+              <a:spcAft>
+                <a:spcPts val="0"/>
+              </a:spcAft>
+              <a:buNone/>
+            </a:pPr>
+            <a:endParaRPr sz="1800" b="0" i="0" u="none" strike="noStrike" cap="none">
+              <a:solidFill>
+                <a:schemeClr val="lt1"/>
+              </a:solidFill>
+              <a:latin typeface="Calibri"/>
+              <a:ea typeface="Calibri"/>
+              <a:cs typeface="Calibri"/>
+              <a:sym typeface="Calibri"/>
+            </a:endParaRPr>
+          </a:p>
+        </p:txBody>
+      </p:sp>
+      <p:sp>
+        <p:nvSpPr>
+          <p:cNvPr id="164" name="Google Shape;164;p3"/>
+          <p:cNvSpPr txBox="1"/>
+          <p:nvPr/>
+        </p:nvSpPr>
+        <p:spPr>
+          <a:xfrm>
+            <a:off x="1197504" y="1264978"/>
+            <a:ext cx="9479731" cy="696987"/>
+          </a:xfrm>
+          <a:prstGeom prst="rect">
+            <a:avLst/>
+          </a:prstGeom>
+          <a:noFill/>
+          <a:ln>
+            <a:noFill/>
+          </a:ln>
+        </p:spPr>
+        <p:txBody>
+          <a:bodyPr spcFirstLastPara="1" wrap="square" lIns="0" tIns="0" rIns="0" bIns="0" anchor="t" anchorCtr="0">
+            <a:noAutofit/>
+          </a:bodyPr>
+          <a:lstStyle/>
+          <a:p>
+            <a:pPr marL="0" marR="0" lvl="0" indent="0" algn="l" rtl="0">
+              <a:lnSpc>
+                <a:spcPct val="90000"/>
+              </a:lnSpc>
+              <a:spcBef>
+                <a:spcPts val="0"/>
+              </a:spcBef>
+              <a:spcAft>
+                <a:spcPts val="0"/>
+              </a:spcAft>
+              <a:buClr>
+                <a:schemeClr val="dk1"/>
+              </a:buClr>
+              <a:buSzPts val="5000"/>
+              <a:buFont typeface="Lexend"/>
+              <a:buNone/>
+            </a:pPr>
+            <a:r>
+              <a:rPr lang="en-US" sz="5400" b="1" dirty="0">
+                <a:latin typeface="Lexend" panose="020B0604020202020204"/>
+              </a:rPr>
+              <a:t>Module 05 – Processes</a:t>
+            </a:r>
+            <a:endParaRPr lang="en-US" sz="2000" b="1" i="0" u="none" strike="noStrike" cap="none" dirty="0">
+              <a:solidFill>
+                <a:schemeClr val="tx2">
+                  <a:lumMod val="25000"/>
+                </a:schemeClr>
+              </a:solidFill>
+              <a:latin typeface="Lexend" panose="020B0604020202020204"/>
+              <a:ea typeface="Lexend" panose="020B0604020202020204"/>
+              <a:cs typeface="Lexend" panose="020B0604020202020204"/>
+              <a:sym typeface="Lexend"/>
+            </a:endParaRPr>
+          </a:p>
+        </p:txBody>
+      </p:sp>
+      <p:grpSp>
+        <p:nvGrpSpPr>
+          <p:cNvPr id="26" name="Group 25">
+            <a:extLst>
+              <a:ext uri="{FF2B5EF4-FFF2-40B4-BE49-F238E27FC236}">
+                <a16:creationId xmlns:a16="http://schemas.microsoft.com/office/drawing/2014/main" id="{3707614E-B472-D72F-3362-F3D5800A79AE}"/>
+              </a:ext>
+            </a:extLst>
+          </p:cNvPr>
+          <p:cNvGrpSpPr/>
+          <p:nvPr/>
+        </p:nvGrpSpPr>
+        <p:grpSpPr>
+          <a:xfrm>
+            <a:off x="4768981" y="6314787"/>
+            <a:ext cx="2898939" cy="435065"/>
+            <a:chOff x="4346126" y="6301065"/>
+            <a:chExt cx="2898939" cy="435065"/>
+          </a:xfrm>
+        </p:grpSpPr>
+        <p:sp>
+          <p:nvSpPr>
+            <p:cNvPr id="27" name="Google Shape;157;p2">
+              <a:extLst>
+                <a:ext uri="{FF2B5EF4-FFF2-40B4-BE49-F238E27FC236}">
+                  <a16:creationId xmlns:a16="http://schemas.microsoft.com/office/drawing/2014/main" id="{4EA5EBB7-68D9-5C27-8971-C58931043AB0}"/>
+                </a:ext>
+              </a:extLst>
+            </p:cNvPr>
+            <p:cNvSpPr txBox="1"/>
+            <p:nvPr/>
+          </p:nvSpPr>
+          <p:spPr>
+            <a:xfrm>
+              <a:off x="4346126" y="6301065"/>
+              <a:ext cx="2898939" cy="260080"/>
+            </a:xfrm>
+            <a:prstGeom prst="rect">
+              <a:avLst/>
+            </a:prstGeom>
+            <a:noFill/>
+            <a:ln>
+              <a:noFill/>
+            </a:ln>
+          </p:spPr>
+          <p:txBody>
+            <a:bodyPr spcFirstLastPara="1" wrap="square" lIns="91425" tIns="45700" rIns="91425" bIns="45700" anchor="t" anchorCtr="0">
+              <a:noAutofit/>
+            </a:bodyPr>
+            <a:lstStyle/>
+            <a:p>
+              <a:pPr marL="0" marR="0" lvl="0" indent="0" algn="ctr" rtl="0">
+                <a:lnSpc>
+                  <a:spcPct val="90000"/>
+                </a:lnSpc>
+                <a:spcBef>
+                  <a:spcPts val="0"/>
+                </a:spcBef>
+                <a:spcAft>
+                  <a:spcPts val="0"/>
+                </a:spcAft>
+                <a:buClr>
+                  <a:schemeClr val="lt1"/>
+                </a:buClr>
+                <a:buSzPts val="4000"/>
+                <a:buFont typeface="Lexend"/>
+                <a:buNone/>
+              </a:pPr>
+              <a:r>
+                <a:rPr lang="en-US" sz="1100" b="1" i="0" u="none" strike="noStrike" cap="none" dirty="0">
+                  <a:solidFill>
+                    <a:srgbClr val="00DBE9"/>
+                  </a:solidFill>
+                  <a:latin typeface="+mn-lt"/>
+                  <a:ea typeface="Lexend"/>
+                  <a:cs typeface="+mn-cs"/>
+                  <a:sym typeface="Lexend"/>
+                  <a:hlinkClick r:id="rId3">
+                    <a:extLst>
+                      <a:ext uri="{A12FA001-AC4F-418D-AE19-62706E023703}">
+                        <ahyp:hlinkClr xmlns:ahyp="http://schemas.microsoft.com/office/drawing/2018/hyperlinkcolor" val="tx"/>
+                      </a:ext>
+                    </a:extLst>
+                  </a:hlinkClick>
+                </a:rPr>
+                <a:t>WWW.SELACLOUD.COM</a:t>
+              </a:r>
+              <a:endParaRPr sz="1100" dirty="0">
+                <a:solidFill>
+                  <a:srgbClr val="00DBE9"/>
+                </a:solidFill>
+                <a:latin typeface="+mn-lt"/>
+                <a:cs typeface="+mn-cs"/>
+              </a:endParaRPr>
+            </a:p>
+            <a:p>
+              <a:pPr marL="0" marR="0" lvl="0" indent="0" algn="ctr" rtl="0">
+                <a:lnSpc>
+                  <a:spcPct val="90000"/>
+                </a:lnSpc>
+                <a:spcBef>
+                  <a:spcPts val="0"/>
+                </a:spcBef>
+                <a:spcAft>
+                  <a:spcPts val="0"/>
+                </a:spcAft>
+                <a:buClr>
+                  <a:schemeClr val="lt1"/>
+                </a:buClr>
+                <a:buSzPts val="4000"/>
+                <a:buFont typeface="Noto Sans Hebrew"/>
+                <a:buNone/>
+              </a:pPr>
+              <a:endParaRPr sz="1100" b="1" i="0" u="none" strike="noStrike" cap="none" dirty="0">
+                <a:solidFill>
+                  <a:srgbClr val="00DBE9"/>
+                </a:solidFill>
+                <a:latin typeface="Lexend Light" pitchFamily="2" charset="0"/>
+                <a:ea typeface="Lexend"/>
+                <a:cs typeface="Lexend"/>
+                <a:sym typeface="Lexend"/>
+              </a:endParaRPr>
+            </a:p>
+          </p:txBody>
+        </p:sp>
+        <p:grpSp>
+          <p:nvGrpSpPr>
+            <p:cNvPr id="28" name="Group 27">
+              <a:extLst>
+                <a:ext uri="{FF2B5EF4-FFF2-40B4-BE49-F238E27FC236}">
+                  <a16:creationId xmlns:a16="http://schemas.microsoft.com/office/drawing/2014/main" id="{60FDA890-33F8-40FC-59E2-9BD7B4CF4B60}"/>
+                </a:ext>
+              </a:extLst>
+            </p:cNvPr>
+            <p:cNvGrpSpPr/>
+            <p:nvPr/>
+          </p:nvGrpSpPr>
+          <p:grpSpPr>
+            <a:xfrm>
+              <a:off x="5196988" y="6503312"/>
+              <a:ext cx="1188416" cy="232818"/>
+              <a:chOff x="5196988" y="6503312"/>
+              <a:chExt cx="1188416" cy="232818"/>
+            </a:xfrm>
+          </p:grpSpPr>
+          <p:pic>
+            <p:nvPicPr>
+              <p:cNvPr id="29" name="Picture 28" descr="Icon&#10;&#10;Description automatically generated">
+                <a:hlinkClick r:id="rId4"/>
+                <a:extLst>
+                  <a:ext uri="{FF2B5EF4-FFF2-40B4-BE49-F238E27FC236}">
+                    <a16:creationId xmlns:a16="http://schemas.microsoft.com/office/drawing/2014/main" id="{64501E28-0CD7-BEAB-240F-3FE7691367B8}"/>
+                  </a:ext>
+                </a:extLst>
+              </p:cNvPr>
+              <p:cNvPicPr>
+                <a:picLocks noChangeAspect="1"/>
+              </p:cNvPicPr>
+              <p:nvPr/>
+            </p:nvPicPr>
+            <p:blipFill>
+              <a:blip r:embed="rId5"/>
+              <a:stretch>
+                <a:fillRect/>
+              </a:stretch>
+            </p:blipFill>
+            <p:spPr>
+              <a:xfrm>
+                <a:off x="5407162" y="6503312"/>
+                <a:ext cx="338919" cy="232817"/>
+              </a:xfrm>
+              <a:prstGeom prst="rect">
+                <a:avLst/>
+              </a:prstGeom>
+            </p:spPr>
+          </p:pic>
+          <p:pic>
+            <p:nvPicPr>
+              <p:cNvPr id="30" name="Picture 29" descr="Logo, icon&#10;&#10;Description automatically generated">
+                <a:hlinkClick r:id="rId6"/>
+                <a:extLst>
+                  <a:ext uri="{FF2B5EF4-FFF2-40B4-BE49-F238E27FC236}">
+                    <a16:creationId xmlns:a16="http://schemas.microsoft.com/office/drawing/2014/main" id="{4D899894-16A2-81DC-1AC3-0E3C481677CD}"/>
+                  </a:ext>
+                </a:extLst>
+              </p:cNvPr>
+              <p:cNvPicPr>
+                <a:picLocks noChangeAspect="1"/>
+              </p:cNvPicPr>
+              <p:nvPr/>
+            </p:nvPicPr>
+            <p:blipFill>
+              <a:blip r:embed="rId7"/>
+              <a:stretch>
+                <a:fillRect/>
+              </a:stretch>
+            </p:blipFill>
+            <p:spPr>
+              <a:xfrm>
+                <a:off x="5837917" y="6503313"/>
+                <a:ext cx="338919" cy="232817"/>
+              </a:xfrm>
+              <a:prstGeom prst="rect">
+                <a:avLst/>
+              </a:prstGeom>
+            </p:spPr>
+          </p:pic>
+          <p:pic>
+            <p:nvPicPr>
+              <p:cNvPr id="31" name="Picture 30" descr="Logo&#10;&#10;Description automatically generated">
+                <a:hlinkClick r:id="rId8"/>
+                <a:extLst>
+                  <a:ext uri="{FF2B5EF4-FFF2-40B4-BE49-F238E27FC236}">
+                    <a16:creationId xmlns:a16="http://schemas.microsoft.com/office/drawing/2014/main" id="{6DECAAD2-14ED-D62E-83E5-01D62FD73E58}"/>
+                  </a:ext>
+                </a:extLst>
+              </p:cNvPr>
+              <p:cNvPicPr>
+                <a:picLocks noChangeAspect="1"/>
+              </p:cNvPicPr>
+              <p:nvPr/>
+            </p:nvPicPr>
+            <p:blipFill>
+              <a:blip r:embed="rId9"/>
+              <a:stretch>
+                <a:fillRect/>
+              </a:stretch>
+            </p:blipFill>
+            <p:spPr>
+              <a:xfrm>
+                <a:off x="6046485" y="6503313"/>
+                <a:ext cx="338919" cy="232817"/>
+              </a:xfrm>
+              <a:prstGeom prst="rect">
+                <a:avLst/>
+              </a:prstGeom>
+            </p:spPr>
+          </p:pic>
+          <p:pic>
+            <p:nvPicPr>
+              <p:cNvPr id="32" name="Picture 31" descr="Icon&#10;&#10;Description automatically generated">
+                <a:hlinkClick r:id="rId10"/>
+                <a:extLst>
+                  <a:ext uri="{FF2B5EF4-FFF2-40B4-BE49-F238E27FC236}">
+                    <a16:creationId xmlns:a16="http://schemas.microsoft.com/office/drawing/2014/main" id="{DC102836-817A-8573-C7AB-C2724E6E5F1C}"/>
+                  </a:ext>
+                </a:extLst>
+              </p:cNvPr>
+              <p:cNvPicPr>
+                <a:picLocks noChangeAspect="1"/>
+              </p:cNvPicPr>
+              <p:nvPr/>
+            </p:nvPicPr>
+            <p:blipFill>
+              <a:blip r:embed="rId11"/>
+              <a:stretch>
+                <a:fillRect/>
+              </a:stretch>
+            </p:blipFill>
+            <p:spPr>
+              <a:xfrm>
+                <a:off x="5196988" y="6503312"/>
+                <a:ext cx="338919" cy="232817"/>
+              </a:xfrm>
+              <a:prstGeom prst="rect">
+                <a:avLst/>
+              </a:prstGeom>
+            </p:spPr>
+          </p:pic>
+          <p:pic>
+            <p:nvPicPr>
+              <p:cNvPr id="33" name="Picture 32" descr="Icon&#10;&#10;Description automatically generated">
+                <a:hlinkClick r:id="rId12"/>
+                <a:extLst>
+                  <a:ext uri="{FF2B5EF4-FFF2-40B4-BE49-F238E27FC236}">
+                    <a16:creationId xmlns:a16="http://schemas.microsoft.com/office/drawing/2014/main" id="{F46B6109-4740-9E76-5C84-B96F79785CAF}"/>
+                  </a:ext>
+                </a:extLst>
+              </p:cNvPr>
+              <p:cNvPicPr>
+                <a:picLocks noChangeAspect="1"/>
+              </p:cNvPicPr>
+              <p:nvPr/>
+            </p:nvPicPr>
+            <p:blipFill>
+              <a:blip r:embed="rId13"/>
+              <a:stretch>
+                <a:fillRect/>
+              </a:stretch>
+            </p:blipFill>
+            <p:spPr>
+              <a:xfrm>
+                <a:off x="5626137" y="6503312"/>
+                <a:ext cx="338919" cy="232817"/>
+              </a:xfrm>
+              <a:prstGeom prst="rect">
+                <a:avLst/>
+              </a:prstGeom>
+            </p:spPr>
+          </p:pic>
+        </p:grpSp>
+      </p:grpSp>
     </p:spTree>
-    <p:extLst>
-      <p:ext uri="{BB962C8B-B14F-4D97-AF65-F5344CB8AC3E}">
-        <p14:creationId xmlns:p14="http://schemas.microsoft.com/office/powerpoint/2010/main" val="2844620833"/>
-      </p:ext>
-    </p:extLst>
   </p:cSld>
   <p:clrMapOvr>
     <a:masterClrMapping/>
   </p:clrMapOvr>
+  <mc:AlternateContent xmlns:mc="http://schemas.openxmlformats.org/markup-compatibility/2006" xmlns:p14="http://schemas.microsoft.com/office/powerpoint/2010/main">
+    <mc:Choice Requires="p14">
+      <p:transition spd="slow" p14:dur="2000" advTm="2283"/>
+    </mc:Choice>
+    <mc:Fallback xmlns="">
+      <p:transition spd="slow" advTm="2283"/>
+    </mc:Fallback>
+  </mc:AlternateContent>
 </p:sld>
 </file>
 
 <file path=ppt/slides/slide10.xml><?xml version="1.0" encoding="utf-8"?>
 <p:sld xmlns:a="http://schemas.openxmlformats.org/drawingml/2006/main" xmlns:r="http://schemas.openxmlformats.org/officeDocument/2006/relationships" xmlns:p="http://schemas.openxmlformats.org/presentationml/2006/main">
   <p:cSld>
+    <p:bg>
+      <p:bgPr>
+        <a:blipFill dpi="0" rotWithShape="1">
+          <a:blip r:embed="rId3">
+            <a:lum/>
+          </a:blip>
+          <a:srcRect/>
+          <a:stretch>
+            <a:fillRect/>
+          </a:stretch>
+        </a:blipFill>
+        <a:effectLst/>
+      </p:bgPr>
+    </p:bg>
     <p:spTree>
       <p:nvGrpSpPr>
         <p:cNvPr id="1" name=""/>
@@ -8701,17 +9021,20 @@
           <a:lstStyle/>
           <a:p>
             <a:r>
-              <a:rPr lang="en-US" b="0" i="0" dirty="0">
-                <a:solidFill>
-                  <a:srgbClr val="000000"/>
-                </a:solidFill>
-                <a:effectLst/>
-                <a:latin typeface="+mn-lt"/>
+              <a:rPr lang="en-US" b="1" i="0" dirty="0">
+                <a:solidFill>
+                  <a:srgbClr val="0071F6"/>
+                </a:solidFill>
+                <a:effectLst/>
+                <a:latin typeface="Lexend" panose="020B0604020202020204"/>
               </a:rPr>
               <a:t>Exchanging data between processes — Queue</a:t>
             </a:r>
-            <a:endParaRPr lang="en-US" dirty="0">
-              <a:latin typeface="+mn-lt"/>
+            <a:endParaRPr lang="en-US" b="1" dirty="0">
+              <a:solidFill>
+                <a:srgbClr val="0071F6"/>
+              </a:solidFill>
+              <a:latin typeface="Lexend" panose="020B0604020202020204"/>
               <a:cs typeface="Calibri" panose="020F0502020204030204" pitchFamily="34" charset="0"/>
             </a:endParaRPr>
           </a:p>
@@ -8755,6 +9078,7 @@
                   <a:srgbClr val="000000"/>
                 </a:solidFill>
                 <a:effectLst/>
+                <a:latin typeface="Lexend Light"/>
               </a:rPr>
               <a:t>Multiprocessing Queue main functions: </a:t>
             </a:r>
@@ -8767,6 +9091,7 @@
                   <a:srgbClr val="000000"/>
                 </a:solidFill>
                 <a:effectLst/>
+                <a:latin typeface="Lexend Light"/>
               </a:rPr>
               <a:t>— put </a:t>
             </a:r>
@@ -8779,6 +9104,7 @@
                   <a:srgbClr val="000000"/>
                 </a:solidFill>
                 <a:effectLst/>
+                <a:latin typeface="Lexend Light"/>
               </a:rPr>
               <a:t>— </a:t>
             </a:r>
@@ -8788,6 +9114,7 @@
                   <a:srgbClr val="000000"/>
                 </a:solidFill>
                 <a:effectLst/>
+                <a:latin typeface="Lexend Light"/>
               </a:rPr>
               <a:t>put_nowait</a:t>
             </a:r>
@@ -8797,6 +9124,7 @@
                   <a:srgbClr val="000000"/>
                 </a:solidFill>
                 <a:effectLst/>
+                <a:latin typeface="Lexend Light"/>
               </a:rPr>
               <a:t> </a:t>
             </a:r>
@@ -8809,6 +9137,7 @@
                   <a:srgbClr val="000000"/>
                 </a:solidFill>
                 <a:effectLst/>
+                <a:latin typeface="Lexend Light"/>
               </a:rPr>
               <a:t>— get </a:t>
             </a:r>
@@ -8821,6 +9150,7 @@
                   <a:srgbClr val="000000"/>
                 </a:solidFill>
                 <a:effectLst/>
+                <a:latin typeface="Lexend Light"/>
               </a:rPr>
               <a:t>— </a:t>
             </a:r>
@@ -8830,6 +9160,7 @@
                   <a:srgbClr val="000000"/>
                 </a:solidFill>
                 <a:effectLst/>
+                <a:latin typeface="Lexend Light"/>
               </a:rPr>
               <a:t>get_nowait</a:t>
             </a:r>
@@ -8839,6 +9170,7 @@
                   <a:srgbClr val="000000"/>
                 </a:solidFill>
                 <a:effectLst/>
+                <a:latin typeface="Lexend Light"/>
               </a:rPr>
               <a:t> </a:t>
             </a:r>
@@ -8851,10 +9183,12 @@
                   <a:srgbClr val="000000"/>
                 </a:solidFill>
                 <a:effectLst/>
+                <a:latin typeface="Lexend Light"/>
               </a:rPr>
               <a:t>— empty / full</a:t>
             </a:r>
             <a:endParaRPr lang="en-GB" sz="3600" dirty="0">
+              <a:latin typeface="Lexend Light"/>
               <a:cs typeface="Calibri" panose="020F0502020204030204" pitchFamily="34" charset="0"/>
             </a:endParaRPr>
           </a:p>
@@ -8875,7 +9209,7 @@
           <p:nvPr/>
         </p:nvPicPr>
         <p:blipFill>
-          <a:blip r:embed="rId3">
+          <a:blip r:embed="rId4">
             <a:extLst>
               <a:ext uri="{28A0092B-C50C-407E-A947-70E740481C1C}">
                 <a14:useLocalDpi xmlns:a14="http://schemas.microsoft.com/office/drawing/2010/main" val="0"/>
@@ -8923,6 +9257,20 @@
 <file path=ppt/slides/slide11.xml><?xml version="1.0" encoding="utf-8"?>
 <p:sld xmlns:a="http://schemas.openxmlformats.org/drawingml/2006/main" xmlns:r="http://schemas.openxmlformats.org/officeDocument/2006/relationships" xmlns:p="http://schemas.openxmlformats.org/presentationml/2006/main">
   <p:cSld>
+    <p:bg>
+      <p:bgPr>
+        <a:blipFill dpi="0" rotWithShape="1">
+          <a:blip r:embed="rId2">
+            <a:lum/>
+          </a:blip>
+          <a:srcRect/>
+          <a:stretch>
+            <a:fillRect/>
+          </a:stretch>
+        </a:blipFill>
+        <a:effectLst/>
+      </p:bgPr>
+    </p:bg>
     <p:spTree>
       <p:nvGrpSpPr>
         <p:cNvPr id="1" name=""/>
@@ -8953,16 +9301,18 @@
           <a:lstStyle/>
           <a:p>
             <a:r>
-              <a:rPr lang="en-US" b="0" i="0" dirty="0">
+              <a:rPr lang="en-US" b="1" i="0" dirty="0">
                 <a:solidFill>
                   <a:srgbClr val="000000"/>
                 </a:solidFill>
                 <a:effectLst/>
-                <a:latin typeface="+mn-lt"/>
+                <a:latin typeface="Lexend Light"/>
               </a:rPr>
               <a:t>The Process - Queue</a:t>
             </a:r>
-            <a:endParaRPr lang="he-IL" dirty="0"/>
+            <a:endParaRPr lang="he-IL" b="1" dirty="0">
+              <a:latin typeface="Lexend Light"/>
+            </a:endParaRPr>
           </a:p>
         </p:txBody>
       </p:sp>
@@ -8982,6 +9332,20 @@
 <file path=ppt/slides/slide12.xml><?xml version="1.0" encoding="utf-8"?>
 <p:sld xmlns:a="http://schemas.openxmlformats.org/drawingml/2006/main" xmlns:r="http://schemas.openxmlformats.org/officeDocument/2006/relationships" xmlns:p="http://schemas.openxmlformats.org/presentationml/2006/main">
   <p:cSld>
+    <p:bg>
+      <p:bgPr>
+        <a:blipFill dpi="0" rotWithShape="1">
+          <a:blip r:embed="rId3">
+            <a:lum/>
+          </a:blip>
+          <a:srcRect/>
+          <a:stretch>
+            <a:fillRect/>
+          </a:stretch>
+        </a:blipFill>
+        <a:effectLst/>
+      </p:bgPr>
+    </p:bg>
     <p:spTree>
       <p:nvGrpSpPr>
         <p:cNvPr id="1" name=""/>
@@ -9014,17 +9378,14 @@
           <a:lstStyle/>
           <a:p>
             <a:r>
-              <a:rPr lang="en-US" b="0" i="0" dirty="0">
-                <a:solidFill>
-                  <a:srgbClr val="000000"/>
-                </a:solidFill>
-                <a:effectLst/>
-                <a:latin typeface="+mn-lt"/>
+              <a:rPr lang="en-US" b="1" i="0" dirty="0">
+                <a:effectLst/>
+                <a:latin typeface="Lexend" panose="020B0604020202020204"/>
               </a:rPr>
               <a:t>Exchanging data between processes — Queue</a:t>
             </a:r>
-            <a:endParaRPr lang="en-US" dirty="0">
-              <a:latin typeface="+mn-lt"/>
+            <a:endParaRPr lang="en-US" b="1" dirty="0">
+              <a:latin typeface="Lexend" panose="020B0604020202020204"/>
               <a:cs typeface="Calibri" panose="020F0502020204030204" pitchFamily="34" charset="0"/>
             </a:endParaRPr>
           </a:p>
@@ -9761,6 +10122,20 @@
 <file path=ppt/slides/slide13.xml><?xml version="1.0" encoding="utf-8"?>
 <p:sld xmlns:a="http://schemas.openxmlformats.org/drawingml/2006/main" xmlns:r="http://schemas.openxmlformats.org/officeDocument/2006/relationships" xmlns:p="http://schemas.openxmlformats.org/presentationml/2006/main">
   <p:cSld>
+    <p:bg>
+      <p:bgPr>
+        <a:blipFill dpi="0" rotWithShape="1">
+          <a:blip r:embed="rId3">
+            <a:lum/>
+          </a:blip>
+          <a:srcRect/>
+          <a:stretch>
+            <a:fillRect/>
+          </a:stretch>
+        </a:blipFill>
+        <a:effectLst/>
+      </p:bgPr>
+    </p:bg>
     <p:spTree>
       <p:nvGrpSpPr>
         <p:cNvPr id="1" name=""/>
@@ -9793,17 +10168,20 @@
           <a:lstStyle/>
           <a:p>
             <a:r>
-              <a:rPr lang="en-US" b="0" i="0" dirty="0">
-                <a:solidFill>
-                  <a:srgbClr val="000000"/>
-                </a:solidFill>
-                <a:effectLst/>
-                <a:latin typeface="+mn-lt"/>
+              <a:rPr lang="en-US" b="1" i="0" dirty="0">
+                <a:solidFill>
+                  <a:srgbClr val="0071F6"/>
+                </a:solidFill>
+                <a:effectLst/>
+                <a:latin typeface="Lexend" panose="020B0604020202020204"/>
               </a:rPr>
               <a:t>Exchanging data between processes -— Pipe</a:t>
             </a:r>
-            <a:endParaRPr lang="en-US" dirty="0">
-              <a:latin typeface="+mn-lt"/>
+            <a:endParaRPr lang="en-US" b="1" dirty="0">
+              <a:solidFill>
+                <a:srgbClr val="0071F6"/>
+              </a:solidFill>
+              <a:latin typeface="Lexend" panose="020B0604020202020204"/>
               <a:cs typeface="Calibri" panose="020F0502020204030204" pitchFamily="34" charset="0"/>
             </a:endParaRPr>
           </a:p>
@@ -9932,6 +10310,20 @@
 <file path=ppt/slides/slide14.xml><?xml version="1.0" encoding="utf-8"?>
 <p:sld xmlns:a="http://schemas.openxmlformats.org/drawingml/2006/main" xmlns:r="http://schemas.openxmlformats.org/officeDocument/2006/relationships" xmlns:p="http://schemas.openxmlformats.org/presentationml/2006/main">
   <p:cSld>
+    <p:bg>
+      <p:bgPr>
+        <a:blipFill dpi="0" rotWithShape="1">
+          <a:blip r:embed="rId2">
+            <a:lum/>
+          </a:blip>
+          <a:srcRect/>
+          <a:stretch>
+            <a:fillRect/>
+          </a:stretch>
+        </a:blipFill>
+        <a:effectLst/>
+      </p:bgPr>
+    </p:bg>
     <p:spTree>
       <p:nvGrpSpPr>
         <p:cNvPr id="1" name=""/>
@@ -9962,16 +10354,18 @@
           <a:lstStyle/>
           <a:p>
             <a:r>
-              <a:rPr lang="en-US" b="0" i="0" dirty="0">
+              <a:rPr lang="en-US" b="1" i="0" dirty="0">
                 <a:solidFill>
                   <a:srgbClr val="000000"/>
                 </a:solidFill>
                 <a:effectLst/>
-                <a:latin typeface="+mn-lt"/>
+                <a:latin typeface="Lexend Light"/>
               </a:rPr>
               <a:t>The Process - Pipe</a:t>
             </a:r>
-            <a:endParaRPr lang="he-IL" dirty="0"/>
+            <a:endParaRPr lang="he-IL" b="1" dirty="0">
+              <a:latin typeface="Lexend Light"/>
+            </a:endParaRPr>
           </a:p>
         </p:txBody>
       </p:sp>
@@ -9991,6 +10385,20 @@
 <file path=ppt/slides/slide15.xml><?xml version="1.0" encoding="utf-8"?>
 <p:sld xmlns:a="http://schemas.openxmlformats.org/drawingml/2006/main" xmlns:r="http://schemas.openxmlformats.org/officeDocument/2006/relationships" xmlns:p="http://schemas.openxmlformats.org/presentationml/2006/main">
   <p:cSld>
+    <p:bg>
+      <p:bgPr>
+        <a:blipFill dpi="0" rotWithShape="1">
+          <a:blip r:embed="rId3">
+            <a:lum/>
+          </a:blip>
+          <a:srcRect/>
+          <a:stretch>
+            <a:fillRect/>
+          </a:stretch>
+        </a:blipFill>
+        <a:effectLst/>
+      </p:bgPr>
+    </p:bg>
     <p:spTree>
       <p:nvGrpSpPr>
         <p:cNvPr id="1" name=""/>
@@ -10023,17 +10431,17 @@
           <a:lstStyle/>
           <a:p>
             <a:r>
-              <a:rPr lang="en-US" b="0" i="0" dirty="0">
+              <a:rPr lang="en-US" b="1" i="0" dirty="0">
                 <a:solidFill>
                   <a:srgbClr val="000000"/>
                 </a:solidFill>
                 <a:effectLst/>
-                <a:latin typeface="+mn-lt"/>
-              </a:rPr>
-              <a:t>Exchanging data between processes -— Pipe</a:t>
-            </a:r>
-            <a:endParaRPr lang="en-US" dirty="0">
-              <a:latin typeface="+mn-lt"/>
+                <a:latin typeface="Lexend Light"/>
+              </a:rPr>
+              <a:t>Exchanging data between processes — Pipe</a:t>
+            </a:r>
+            <a:endParaRPr lang="en-US" b="1" dirty="0">
+              <a:latin typeface="Lexend Light"/>
               <a:cs typeface="Calibri" panose="020F0502020204030204" pitchFamily="34" charset="0"/>
             </a:endParaRPr>
           </a:p>
@@ -10847,6 +11255,20 @@
 <file path=ppt/slides/slide16.xml><?xml version="1.0" encoding="utf-8"?>
 <p:sld xmlns:a="http://schemas.openxmlformats.org/drawingml/2006/main" xmlns:r="http://schemas.openxmlformats.org/officeDocument/2006/relationships" xmlns:p="http://schemas.openxmlformats.org/presentationml/2006/main">
   <p:cSld>
+    <p:bg>
+      <p:bgPr>
+        <a:blipFill dpi="0" rotWithShape="1">
+          <a:blip r:embed="rId3">
+            <a:lum/>
+          </a:blip>
+          <a:srcRect/>
+          <a:stretch>
+            <a:fillRect/>
+          </a:stretch>
+        </a:blipFill>
+        <a:effectLst/>
+      </p:bgPr>
+    </p:bg>
     <p:spTree>
       <p:nvGrpSpPr>
         <p:cNvPr id="1" name=""/>
@@ -10879,17 +11301,20 @@
           <a:lstStyle/>
           <a:p>
             <a:r>
-              <a:rPr lang="en-US" b="0" i="0" dirty="0">
-                <a:solidFill>
-                  <a:srgbClr val="000000"/>
-                </a:solidFill>
-                <a:effectLst/>
-                <a:latin typeface="+mn-lt"/>
+              <a:rPr lang="en-US" b="1" i="0" dirty="0">
+                <a:solidFill>
+                  <a:srgbClr val="0071F6"/>
+                </a:solidFill>
+                <a:effectLst/>
+                <a:latin typeface="Lexend" panose="020B0604020202020204"/>
               </a:rPr>
               <a:t>Synchronization between processes</a:t>
             </a:r>
-            <a:endParaRPr lang="he-IL" dirty="0">
-              <a:latin typeface="+mn-lt"/>
+            <a:endParaRPr lang="he-IL" b="1" dirty="0">
+              <a:solidFill>
+                <a:srgbClr val="0071F6"/>
+              </a:solidFill>
+              <a:latin typeface="Lexend" panose="020B0604020202020204"/>
               <a:cs typeface="Calibri" panose="020F0502020204030204" pitchFamily="34" charset="0"/>
             </a:endParaRPr>
           </a:p>
@@ -10928,22 +11353,10 @@
                   <a:srgbClr val="000000"/>
                 </a:solidFill>
                 <a:effectLst/>
+                <a:latin typeface="Lexend Light"/>
               </a:rPr>
               <a:t>Take a look at the following program: </a:t>
             </a:r>
-          </a:p>
-          <a:p>
-            <a:pPr marL="0" indent="0">
-              <a:lnSpc>
-                <a:spcPct val="100000"/>
-              </a:lnSpc>
-              <a:buNone/>
-            </a:pPr>
-            <a:endParaRPr lang="en-US" sz="1800" dirty="0">
-              <a:solidFill>
-                <a:srgbClr val="000000"/>
-              </a:solidFill>
-            </a:endParaRPr>
           </a:p>
         </p:txBody>
       </p:sp>
@@ -12551,6 +12964,20 @@
 <file path=ppt/slides/slide17.xml><?xml version="1.0" encoding="utf-8"?>
 <p:sld xmlns:a="http://schemas.openxmlformats.org/drawingml/2006/main" xmlns:r="http://schemas.openxmlformats.org/officeDocument/2006/relationships" xmlns:p="http://schemas.openxmlformats.org/presentationml/2006/main">
   <p:cSld>
+    <p:bg>
+      <p:bgPr>
+        <a:blipFill dpi="0" rotWithShape="1">
+          <a:blip r:embed="rId3">
+            <a:lum/>
+          </a:blip>
+          <a:srcRect/>
+          <a:stretch>
+            <a:fillRect/>
+          </a:stretch>
+        </a:blipFill>
+        <a:effectLst/>
+      </p:bgPr>
+    </p:bg>
     <p:spTree>
       <p:nvGrpSpPr>
         <p:cNvPr id="1" name=""/>
@@ -12583,17 +13010,20 @@
           <a:lstStyle/>
           <a:p>
             <a:r>
-              <a:rPr lang="en-US" b="0" i="0" dirty="0">
-                <a:solidFill>
-                  <a:srgbClr val="000000"/>
-                </a:solidFill>
-                <a:effectLst/>
-                <a:latin typeface="+mn-lt"/>
+              <a:rPr lang="en-US" b="1" i="0" dirty="0">
+                <a:solidFill>
+                  <a:srgbClr val="0071F6"/>
+                </a:solidFill>
+                <a:effectLst/>
+                <a:latin typeface="Lexend" panose="020B0604020202020204"/>
               </a:rPr>
               <a:t>Synchronization between processes-cont’d</a:t>
             </a:r>
-            <a:endParaRPr lang="he-IL" dirty="0">
-              <a:latin typeface="+mn-lt"/>
+            <a:endParaRPr lang="he-IL" b="1" dirty="0">
+              <a:solidFill>
+                <a:srgbClr val="0071F6"/>
+              </a:solidFill>
+              <a:latin typeface="Lexend" panose="020B0604020202020204"/>
               <a:cs typeface="Calibri" panose="020F0502020204030204" pitchFamily="34" charset="0"/>
             </a:endParaRPr>
           </a:p>
@@ -12637,6 +13067,7 @@
                   <a:srgbClr val="000000"/>
                 </a:solidFill>
                 <a:effectLst/>
+                <a:latin typeface="Lexend Light"/>
               </a:rPr>
               <a:t>multiprocessing module has 3 classes for process synchronization: </a:t>
             </a:r>
@@ -12652,6 +13083,7 @@
                   <a:srgbClr val="000000"/>
                 </a:solidFill>
                 <a:effectLst/>
+                <a:latin typeface="Lexend Light"/>
               </a:rPr>
               <a:t>Lock - non-recursive lock object </a:t>
             </a:r>
@@ -12667,6 +13099,7 @@
                   <a:srgbClr val="000000"/>
                 </a:solidFill>
                 <a:effectLst/>
+                <a:latin typeface="Lexend Light"/>
               </a:rPr>
               <a:t>Rlock</a:t>
             </a:r>
@@ -12676,6 +13109,7 @@
                   <a:srgbClr val="000000"/>
                 </a:solidFill>
                 <a:effectLst/>
+                <a:latin typeface="Lexend Light"/>
               </a:rPr>
               <a:t> - recursive lock object </a:t>
             </a:r>
@@ -12691,6 +13125,7 @@
                   <a:srgbClr val="000000"/>
                 </a:solidFill>
                 <a:effectLst/>
+                <a:latin typeface="Lexend Light"/>
               </a:rPr>
               <a:t>Semaphore — created with internal counter and can be acquired </a:t>
             </a:r>
@@ -12700,6 +13135,7 @@
                   <a:srgbClr val="000000"/>
                 </a:solidFill>
                 <a:effectLst/>
+                <a:latin typeface="Lexend Light"/>
               </a:rPr>
               <a:t>countertimes</a:t>
             </a:r>
@@ -12709,6 +13145,7 @@
                   <a:srgbClr val="000000"/>
                 </a:solidFill>
                 <a:effectLst/>
+                <a:latin typeface="Lexend Light"/>
               </a:rPr>
               <a:t> before released </a:t>
             </a:r>
@@ -12724,6 +13161,7 @@
                   <a:srgbClr val="000000"/>
                 </a:solidFill>
                 <a:effectLst/>
+                <a:latin typeface="Lexend Light"/>
               </a:rPr>
               <a:t>They all support context manages and can be used with </a:t>
             </a:r>
@@ -12733,6 +13171,7 @@
                   <a:srgbClr val="000000"/>
                 </a:solidFill>
                 <a:effectLst/>
+                <a:latin typeface="Lexend Light"/>
               </a:rPr>
               <a:t>with</a:t>
             </a:r>
@@ -12742,6 +13181,7 @@
                   <a:srgbClr val="000000"/>
                 </a:solidFill>
                 <a:effectLst/>
+                <a:latin typeface="Lexend Light"/>
               </a:rPr>
               <a:t> statement </a:t>
             </a:r>
@@ -12757,6 +13197,7 @@
                   <a:srgbClr val="000000"/>
                 </a:solidFill>
                 <a:effectLst/>
+                <a:latin typeface="Lexend Light"/>
               </a:rPr>
               <a:t>They all have the following function: </a:t>
             </a:r>
@@ -12768,6 +13209,7 @@
                   <a:srgbClr val="000000"/>
                 </a:solidFill>
                 <a:effectLst/>
+                <a:latin typeface="Lexend Light"/>
               </a:rPr>
               <a:t>	— acquire(blocking=True, timeout=-1) </a:t>
             </a:r>
@@ -12783,6 +13225,7 @@
                   <a:srgbClr val="000000"/>
                 </a:solidFill>
                 <a:effectLst/>
+                <a:latin typeface="Lexend Light"/>
               </a:rPr>
               <a:t>acquire returns True if the locking were successful and False; otherwise al </a:t>
             </a:r>
@@ -12795,10 +13238,12 @@
                   <a:srgbClr val="000000"/>
                 </a:solidFill>
                 <a:effectLst/>
+                <a:latin typeface="Lexend Light"/>
               </a:rPr>
               <a:t>— release()</a:t>
             </a:r>
             <a:endParaRPr lang="en-US" dirty="0">
+              <a:latin typeface="Lexend Light"/>
               <a:cs typeface="Calibri" panose="020F0502020204030204" pitchFamily="34" charset="0"/>
             </a:endParaRPr>
           </a:p>
@@ -12820,6 +13265,20 @@
 <file path=ppt/slides/slide18.xml><?xml version="1.0" encoding="utf-8"?>
 <p:sld xmlns:a="http://schemas.openxmlformats.org/drawingml/2006/main" xmlns:r="http://schemas.openxmlformats.org/officeDocument/2006/relationships" xmlns:p="http://schemas.openxmlformats.org/presentationml/2006/main">
   <p:cSld>
+    <p:bg>
+      <p:bgPr>
+        <a:blipFill dpi="0" rotWithShape="1">
+          <a:blip r:embed="rId2">
+            <a:lum/>
+          </a:blip>
+          <a:srcRect/>
+          <a:stretch>
+            <a:fillRect/>
+          </a:stretch>
+        </a:blipFill>
+        <a:effectLst/>
+      </p:bgPr>
+    </p:bg>
     <p:spTree>
       <p:nvGrpSpPr>
         <p:cNvPr id="1" name=""/>
@@ -12850,16 +13309,18 @@
           <a:lstStyle/>
           <a:p>
             <a:r>
-              <a:rPr lang="en-US" b="0" i="0" dirty="0">
+              <a:rPr lang="en-US" b="1" i="0" dirty="0">
                 <a:solidFill>
                   <a:srgbClr val="000000"/>
                 </a:solidFill>
                 <a:effectLst/>
-                <a:latin typeface="+mn-lt"/>
+                <a:latin typeface="Lexend Light"/>
               </a:rPr>
               <a:t>Multiprocessing Lock</a:t>
             </a:r>
-            <a:endParaRPr lang="he-IL" dirty="0"/>
+            <a:endParaRPr lang="he-IL" b="1" dirty="0">
+              <a:latin typeface="Lexend Light"/>
+            </a:endParaRPr>
           </a:p>
         </p:txBody>
       </p:sp>
@@ -12879,6 +13340,20 @@
 <file path=ppt/slides/slide19.xml><?xml version="1.0" encoding="utf-8"?>
 <p:sld xmlns:a="http://schemas.openxmlformats.org/drawingml/2006/main" xmlns:r="http://schemas.openxmlformats.org/officeDocument/2006/relationships" xmlns:p="http://schemas.openxmlformats.org/presentationml/2006/main">
   <p:cSld>
+    <p:bg>
+      <p:bgPr>
+        <a:blipFill dpi="0" rotWithShape="1">
+          <a:blip r:embed="rId3">
+            <a:lum/>
+          </a:blip>
+          <a:srcRect/>
+          <a:stretch>
+            <a:fillRect/>
+          </a:stretch>
+        </a:blipFill>
+        <a:effectLst/>
+      </p:bgPr>
+    </p:bg>
     <p:spTree>
       <p:nvGrpSpPr>
         <p:cNvPr id="1" name=""/>
@@ -12911,17 +13386,17 @@
           <a:lstStyle/>
           <a:p>
             <a:r>
-              <a:rPr lang="en-US" b="0" i="0" dirty="0">
+              <a:rPr lang="en-US" b="1" i="0" dirty="0">
                 <a:solidFill>
                   <a:srgbClr val="000000"/>
                 </a:solidFill>
                 <a:effectLst/>
-                <a:latin typeface="+mn-lt"/>
+                <a:latin typeface="Lexend Light"/>
               </a:rPr>
               <a:t>Multiprocessing Lock example</a:t>
             </a:r>
-            <a:endParaRPr lang="he-IL" dirty="0">
-              <a:latin typeface="+mn-lt"/>
+            <a:endParaRPr lang="he-IL" b="1" dirty="0">
+              <a:latin typeface="Lexend Light"/>
               <a:cs typeface="Calibri" panose="020F0502020204030204" pitchFamily="34" charset="0"/>
             </a:endParaRPr>
           </a:p>
@@ -14005,6 +14480,20 @@
 <file path=ppt/slides/slide2.xml><?xml version="1.0" encoding="utf-8"?>
 <p:sld xmlns:a="http://schemas.openxmlformats.org/drawingml/2006/main" xmlns:r="http://schemas.openxmlformats.org/officeDocument/2006/relationships" xmlns:p="http://schemas.openxmlformats.org/presentationml/2006/main">
   <p:cSld>
+    <p:bg>
+      <p:bgPr>
+        <a:blipFill dpi="0" rotWithShape="1">
+          <a:blip r:embed="rId3">
+            <a:lum/>
+          </a:blip>
+          <a:srcRect/>
+          <a:stretch>
+            <a:fillRect/>
+          </a:stretch>
+        </a:blipFill>
+        <a:effectLst/>
+      </p:bgPr>
+    </p:bg>
     <p:spTree>
       <p:nvGrpSpPr>
         <p:cNvPr id="1" name=""/>
@@ -14035,17 +14524,20 @@
           <a:lstStyle/>
           <a:p>
             <a:r>
-              <a:rPr lang="en-US" b="0" i="0" dirty="0">
-                <a:solidFill>
-                  <a:srgbClr val="000000"/>
-                </a:solidFill>
-                <a:effectLst/>
-                <a:latin typeface="+mn-lt"/>
+              <a:rPr lang="en-US" b="1" i="0" dirty="0">
+                <a:solidFill>
+                  <a:srgbClr val="0071F6"/>
+                </a:solidFill>
+                <a:effectLst/>
+                <a:latin typeface="Lexend" panose="020B0604020202020204"/>
               </a:rPr>
               <a:t>multiprocessing</a:t>
             </a:r>
-            <a:endParaRPr lang="he-IL" dirty="0">
-              <a:latin typeface="+mn-lt"/>
+            <a:endParaRPr lang="he-IL" b="1" dirty="0">
+              <a:solidFill>
+                <a:srgbClr val="0071F6"/>
+              </a:solidFill>
+              <a:latin typeface="Lexend" panose="020B0604020202020204"/>
             </a:endParaRPr>
           </a:p>
         </p:txBody>
@@ -14079,6 +14571,7 @@
                   <a:srgbClr val="000000"/>
                 </a:solidFill>
                 <a:effectLst/>
+                <a:latin typeface="Lexend Light"/>
               </a:rPr>
               <a:t>multiprocessing module is responsible for processes creation and management</a:t>
             </a:r>
@@ -14090,6 +14583,7 @@
                 <a:srgbClr val="000000"/>
               </a:solidFill>
               <a:effectLst/>
+              <a:latin typeface="Lexend Light"/>
             </a:endParaRPr>
           </a:p>
           <a:p>
@@ -14100,6 +14594,7 @@
                   <a:srgbClr val="000000"/>
                 </a:solidFill>
                 <a:effectLst/>
+                <a:latin typeface="Lexend Light"/>
               </a:rPr>
               <a:t>multiprocessing API is similar to threading API and it extends the threading module functionality </a:t>
             </a:r>
@@ -14111,6 +14606,7 @@
                 <a:srgbClr val="000000"/>
               </a:solidFill>
               <a:effectLst/>
+              <a:latin typeface="Lexend Light"/>
             </a:endParaRPr>
           </a:p>
           <a:p>
@@ -14121,6 +14617,7 @@
                   <a:srgbClr val="000000"/>
                 </a:solidFill>
                 <a:effectLst/>
+                <a:latin typeface="Lexend Light"/>
               </a:rPr>
               <a:t>Python processes avoid the Global Interpreter Lock (GIL)and take full advantages of multiple processors on a machine </a:t>
             </a:r>
@@ -14132,6 +14629,7 @@
                 <a:srgbClr val="000000"/>
               </a:solidFill>
               <a:effectLst/>
+              <a:latin typeface="Lexend Light"/>
             </a:endParaRPr>
           </a:p>
           <a:p>
@@ -14142,6 +14640,7 @@
                   <a:srgbClr val="000000"/>
                 </a:solidFill>
                 <a:effectLst/>
+                <a:latin typeface="Lexend Light"/>
               </a:rPr>
               <a:t>multiprocessing module includes a lot of useful classes for — processes creation, synchronization and IPC</a:t>
             </a:r>
@@ -14150,6 +14649,7 @@
                 <a:srgbClr val="000000"/>
               </a:solidFill>
               <a:effectLst/>
+              <a:latin typeface="Lexend Light"/>
             </a:endParaRPr>
           </a:p>
         </p:txBody>
@@ -14169,7 +14669,7 @@
           <p:nvPr/>
         </p:nvPicPr>
         <p:blipFill>
-          <a:blip r:embed="rId3">
+          <a:blip r:embed="rId4">
             <a:extLst>
               <a:ext uri="{28A0092B-C50C-407E-A947-70E740481C1C}">
                 <a14:useLocalDpi xmlns:a14="http://schemas.microsoft.com/office/drawing/2010/main" val="0"/>
@@ -14217,6 +14717,20 @@
 <file path=ppt/slides/slide20.xml><?xml version="1.0" encoding="utf-8"?>
 <p:sld xmlns:a="http://schemas.openxmlformats.org/drawingml/2006/main" xmlns:r="http://schemas.openxmlformats.org/officeDocument/2006/relationships" xmlns:p="http://schemas.openxmlformats.org/presentationml/2006/main">
   <p:cSld>
+    <p:bg>
+      <p:bgPr>
+        <a:blipFill dpi="0" rotWithShape="1">
+          <a:blip r:embed="rId3">
+            <a:lum/>
+          </a:blip>
+          <a:srcRect/>
+          <a:stretch>
+            <a:fillRect/>
+          </a:stretch>
+        </a:blipFill>
+        <a:effectLst/>
+      </p:bgPr>
+    </p:bg>
     <p:spTree>
       <p:nvGrpSpPr>
         <p:cNvPr id="1" name=""/>
@@ -14249,17 +14763,17 @@
           <a:lstStyle/>
           <a:p>
             <a:r>
-              <a:rPr lang="en-US" b="0" i="0" dirty="0">
+              <a:rPr lang="en-US" b="1" i="0" dirty="0">
                 <a:solidFill>
                   <a:srgbClr val="000000"/>
                 </a:solidFill>
                 <a:effectLst/>
-                <a:latin typeface="+mn-lt"/>
+                <a:latin typeface="Lexend Light"/>
               </a:rPr>
               <a:t>Multiprocessing Lock example — cont’d</a:t>
             </a:r>
-            <a:endParaRPr lang="he-IL" dirty="0">
-              <a:latin typeface="+mn-lt"/>
+            <a:endParaRPr lang="he-IL" b="1" dirty="0">
+              <a:latin typeface="Lexend Light"/>
             </a:endParaRPr>
           </a:p>
         </p:txBody>
@@ -15384,6 +15898,20 @@
 <file path=ppt/slides/slide21.xml><?xml version="1.0" encoding="utf-8"?>
 <p:sld xmlns:a="http://schemas.openxmlformats.org/drawingml/2006/main" xmlns:r="http://schemas.openxmlformats.org/officeDocument/2006/relationships" xmlns:p="http://schemas.openxmlformats.org/presentationml/2006/main">
   <p:cSld>
+    <p:bg>
+      <p:bgPr>
+        <a:blipFill dpi="0" rotWithShape="1">
+          <a:blip r:embed="rId3">
+            <a:lum/>
+          </a:blip>
+          <a:srcRect/>
+          <a:stretch>
+            <a:fillRect/>
+          </a:stretch>
+        </a:blipFill>
+        <a:effectLst/>
+      </p:bgPr>
+    </p:bg>
     <p:spTree>
       <p:nvGrpSpPr>
         <p:cNvPr id="1" name=""/>
@@ -15416,17 +15944,20 @@
           <a:lstStyle/>
           <a:p>
             <a:r>
-              <a:rPr lang="en-US" b="0" i="0" dirty="0">
-                <a:solidFill>
-                  <a:srgbClr val="000000"/>
-                </a:solidFill>
-                <a:effectLst/>
-                <a:latin typeface="+mn-lt"/>
+              <a:rPr lang="en-US" b="1" i="0" dirty="0">
+                <a:solidFill>
+                  <a:srgbClr val="0071F6"/>
+                </a:solidFill>
+                <a:effectLst/>
+                <a:latin typeface="Lexend"/>
               </a:rPr>
               <a:t>Multiprocessing Pool</a:t>
             </a:r>
-            <a:endParaRPr lang="he-IL" dirty="0">
-              <a:latin typeface="+mn-lt"/>
+            <a:endParaRPr lang="he-IL" b="1" dirty="0">
+              <a:solidFill>
+                <a:srgbClr val="0071F6"/>
+              </a:solidFill>
+              <a:latin typeface="Lexend"/>
             </a:endParaRPr>
           </a:p>
         </p:txBody>
@@ -15446,7 +15977,7 @@
         <p:spPr>
           <a:xfrm>
             <a:off x="815413" y="1744134"/>
-            <a:ext cx="10301320" cy="2554545"/>
+            <a:ext cx="10301320" cy="3477875"/>
           </a:xfrm>
           <a:prstGeom prst="rect">
             <a:avLst/>
@@ -15464,11 +15995,12 @@
               <a:buChar char="•"/>
             </a:pPr>
             <a:r>
-              <a:rPr lang="en-US" sz="1600" b="0" i="0" dirty="0">
+              <a:rPr lang="en-US" sz="2000" b="0" i="0" dirty="0">
                 <a:solidFill>
                   <a:srgbClr val="000000"/>
                 </a:solidFill>
                 <a:effectLst/>
+                <a:latin typeface="Lexend Light"/>
               </a:rPr>
               <a:t>Multiprocessing module contains (among others) a Pool class that can be used for parallelize executing a function across multiple inputs. </a:t>
             </a:r>
@@ -15478,11 +16010,12 @@
               <a:buFont typeface="Arial" panose="020B0604020202020204" pitchFamily="34" charset="0"/>
               <a:buChar char="•"/>
             </a:pPr>
-            <a:endParaRPr lang="en-US" sz="1600" b="0" i="0" dirty="0">
+            <a:endParaRPr lang="en-US" sz="2000" b="0" i="0" dirty="0">
               <a:solidFill>
                 <a:srgbClr val="000000"/>
               </a:solidFill>
               <a:effectLst/>
+              <a:latin typeface="Lexend Light"/>
             </a:endParaRPr>
           </a:p>
           <a:p>
@@ -15491,11 +16024,12 @@
               <a:buChar char="•"/>
             </a:pPr>
             <a:r>
-              <a:rPr lang="en-US" sz="1600" b="0" i="0" dirty="0">
+              <a:rPr lang="en-US" sz="2000" b="0" i="0" dirty="0">
                 <a:solidFill>
                   <a:srgbClr val="000000"/>
                 </a:solidFill>
                 <a:effectLst/>
+                <a:latin typeface="Lexend Light"/>
               </a:rPr>
               <a:t>Using a Poo! can be a convenient approach for simple parallel processing tasks. Some of Pool tasks are: </a:t>
             </a:r>
@@ -15503,56 +16037,62 @@
           <a:p>
             <a:pPr lvl="1" defTabSz="360000"/>
             <a:r>
-              <a:rPr lang="en-US" sz="1600" b="0" i="0" dirty="0">
+              <a:rPr lang="en-US" sz="2000" b="0" i="0" dirty="0">
                 <a:solidFill>
                   <a:srgbClr val="000000"/>
                 </a:solidFill>
                 <a:effectLst/>
+                <a:latin typeface="Lexend Light"/>
               </a:rPr>
               <a:t>— </a:t>
             </a:r>
             <a:r>
-              <a:rPr lang="en-US" sz="1600" b="0" i="0" dirty="0" err="1">
+              <a:rPr lang="en-US" sz="2000" b="0" i="0" dirty="0" err="1">
                 <a:solidFill>
                   <a:srgbClr val="000000"/>
                 </a:solidFill>
                 <a:effectLst/>
+                <a:latin typeface="Lexend Light"/>
               </a:rPr>
               <a:t>pool.map</a:t>
             </a:r>
-            <a:endParaRPr lang="en-US" sz="1600" b="0" i="0" dirty="0">
+            <a:endParaRPr lang="en-US" sz="2000" b="0" i="0" dirty="0">
               <a:solidFill>
                 <a:srgbClr val="000000"/>
               </a:solidFill>
               <a:effectLst/>
+              <a:latin typeface="Lexend Light"/>
             </a:endParaRPr>
           </a:p>
           <a:p>
             <a:pPr lvl="1" defTabSz="360000"/>
             <a:r>
-              <a:rPr lang="en-US" sz="1600" b="0" i="0" dirty="0">
+              <a:rPr lang="en-US" sz="2000" b="0" i="0" dirty="0">
                 <a:solidFill>
                   <a:srgbClr val="000000"/>
                 </a:solidFill>
                 <a:effectLst/>
+                <a:latin typeface="Lexend Light"/>
               </a:rPr>
               <a:t>— </a:t>
             </a:r>
             <a:r>
-              <a:rPr lang="en-US" sz="1600" b="0" i="0" dirty="0" err="1">
+              <a:rPr lang="en-US" sz="2000" b="0" i="0" dirty="0" err="1">
                 <a:solidFill>
                   <a:srgbClr val="000000"/>
                 </a:solidFill>
                 <a:effectLst/>
+                <a:latin typeface="Lexend Light"/>
               </a:rPr>
               <a:t>pool.map_unordered</a:t>
             </a:r>
             <a:r>
-              <a:rPr lang="en-US" sz="1600" b="0" i="0" dirty="0">
+              <a:rPr lang="en-US" sz="2000" b="0" i="0" dirty="0">
                 <a:solidFill>
                   <a:srgbClr val="000000"/>
                 </a:solidFill>
                 <a:effectLst/>
+                <a:latin typeface="Lexend Light"/>
               </a:rPr>
               <a:t> </a:t>
             </a:r>
@@ -15560,29 +16100,32 @@
           <a:p>
             <a:pPr lvl="1" defTabSz="360000"/>
             <a:r>
-              <a:rPr lang="en-US" sz="1600" b="0" i="0" dirty="0">
+              <a:rPr lang="en-US" sz="2000" b="0" i="0" dirty="0">
                 <a:solidFill>
                   <a:srgbClr val="000000"/>
                 </a:solidFill>
                 <a:effectLst/>
+                <a:latin typeface="Lexend Light"/>
               </a:rPr>
               <a:t>— </a:t>
             </a:r>
             <a:r>
-              <a:rPr lang="en-US" sz="1600" b="0" i="0" dirty="0" err="1">
+              <a:rPr lang="en-US" sz="2000" b="0" i="0" dirty="0" err="1">
                 <a:solidFill>
                   <a:srgbClr val="000000"/>
                 </a:solidFill>
                 <a:effectLst/>
+                <a:latin typeface="Lexend Light"/>
               </a:rPr>
               <a:t>pool.imap</a:t>
             </a:r>
             <a:r>
-              <a:rPr lang="en-US" sz="1600" b="0" i="0" dirty="0">
+              <a:rPr lang="en-US" sz="2000" b="0" i="0" dirty="0">
                 <a:solidFill>
                   <a:srgbClr val="000000"/>
                 </a:solidFill>
                 <a:effectLst/>
+                <a:latin typeface="Lexend Light"/>
               </a:rPr>
               <a:t> </a:t>
             </a:r>
@@ -15590,29 +16133,32 @@
           <a:p>
             <a:pPr lvl="1" defTabSz="360000"/>
             <a:r>
-              <a:rPr lang="en-US" sz="1600" b="0" i="0" dirty="0">
+              <a:rPr lang="en-US" sz="2000" b="0" i="0" dirty="0">
                 <a:solidFill>
                   <a:srgbClr val="000000"/>
                 </a:solidFill>
                 <a:effectLst/>
+                <a:latin typeface="Lexend Light"/>
               </a:rPr>
               <a:t>— </a:t>
             </a:r>
             <a:r>
-              <a:rPr lang="en-US" sz="1600" b="0" i="0" dirty="0" err="1">
+              <a:rPr lang="en-US" sz="2000" b="0" i="0" dirty="0" err="1">
                 <a:solidFill>
                   <a:srgbClr val="000000"/>
                 </a:solidFill>
                 <a:effectLst/>
+                <a:latin typeface="Lexend Light"/>
               </a:rPr>
               <a:t>pool.map_async</a:t>
             </a:r>
             <a:r>
-              <a:rPr lang="en-US" sz="1600" b="0" i="0" dirty="0">
+              <a:rPr lang="en-US" sz="2000" b="0" i="0" dirty="0">
                 <a:solidFill>
                   <a:srgbClr val="000000"/>
                 </a:solidFill>
                 <a:effectLst/>
+                <a:latin typeface="Lexend Light"/>
               </a:rPr>
               <a:t> </a:t>
             </a:r>
@@ -15620,29 +16166,32 @@
           <a:p>
             <a:pPr lvl="1" defTabSz="360000"/>
             <a:r>
-              <a:rPr lang="en-US" sz="1600" b="0" i="0" dirty="0">
+              <a:rPr lang="en-US" sz="2000" b="0" i="0" dirty="0">
                 <a:solidFill>
                   <a:srgbClr val="000000"/>
                 </a:solidFill>
                 <a:effectLst/>
+                <a:latin typeface="Lexend Light"/>
               </a:rPr>
               <a:t>— </a:t>
             </a:r>
             <a:r>
-              <a:rPr lang="en-US" sz="1600" b="0" i="0" dirty="0" err="1">
+              <a:rPr lang="en-US" sz="2000" b="0" i="0" dirty="0" err="1">
                 <a:solidFill>
                   <a:srgbClr val="000000"/>
                 </a:solidFill>
                 <a:effectLst/>
+                <a:latin typeface="Lexend Light"/>
               </a:rPr>
               <a:t>pool.apply</a:t>
             </a:r>
             <a:r>
-              <a:rPr lang="en-US" sz="1600" b="0" i="0" dirty="0">
+              <a:rPr lang="en-US" sz="2000" b="0" i="0" dirty="0">
                 <a:solidFill>
                   <a:srgbClr val="000000"/>
                 </a:solidFill>
                 <a:effectLst/>
+                <a:latin typeface="Lexend Light"/>
               </a:rPr>
               <a:t> </a:t>
             </a:r>
@@ -15650,24 +16199,27 @@
           <a:p>
             <a:pPr lvl="1" defTabSz="360000"/>
             <a:r>
-              <a:rPr lang="en-US" sz="1600" b="0" i="0" dirty="0">
+              <a:rPr lang="en-US" sz="2000" b="0" i="0" dirty="0">
                 <a:solidFill>
                   <a:srgbClr val="000000"/>
                 </a:solidFill>
                 <a:effectLst/>
+                <a:latin typeface="Lexend Light"/>
               </a:rPr>
               <a:t>— </a:t>
             </a:r>
             <a:r>
-              <a:rPr lang="en-US" sz="1600" b="0" i="0" dirty="0" err="1">
+              <a:rPr lang="en-US" sz="2000" b="0" i="0" dirty="0" err="1">
                 <a:solidFill>
                   <a:srgbClr val="000000"/>
                 </a:solidFill>
                 <a:effectLst/>
+                <a:latin typeface="Lexend Light"/>
               </a:rPr>
               <a:t>etc</a:t>
             </a:r>
-            <a:endParaRPr lang="en-US" sz="1600" dirty="0">
+            <a:endParaRPr lang="en-US" sz="2000" dirty="0">
+              <a:latin typeface="Lexend Light"/>
               <a:cs typeface="Calibri" panose="020F0502020204030204" pitchFamily="34" charset="0"/>
             </a:endParaRPr>
           </a:p>
@@ -15689,6 +16241,20 @@
 <file path=ppt/slides/slide22.xml><?xml version="1.0" encoding="utf-8"?>
 <p:sld xmlns:a="http://schemas.openxmlformats.org/drawingml/2006/main" xmlns:r="http://schemas.openxmlformats.org/officeDocument/2006/relationships" xmlns:p="http://schemas.openxmlformats.org/presentationml/2006/main">
   <p:cSld>
+    <p:bg>
+      <p:bgPr>
+        <a:blipFill dpi="0" rotWithShape="1">
+          <a:blip r:embed="rId2">
+            <a:lum/>
+          </a:blip>
+          <a:srcRect/>
+          <a:stretch>
+            <a:fillRect/>
+          </a:stretch>
+        </a:blipFill>
+        <a:effectLst/>
+      </p:bgPr>
+    </p:bg>
     <p:spTree>
       <p:nvGrpSpPr>
         <p:cNvPr id="1" name=""/>
@@ -15719,16 +16285,18 @@
           <a:lstStyle/>
           <a:p>
             <a:r>
-              <a:rPr lang="en-US" b="0" i="0" dirty="0">
+              <a:rPr lang="en-US" b="1" i="0" dirty="0">
                 <a:solidFill>
                   <a:srgbClr val="000000"/>
                 </a:solidFill>
                 <a:effectLst/>
-                <a:latin typeface="+mn-lt"/>
+                <a:latin typeface="Lexend Light"/>
               </a:rPr>
               <a:t>Multiprocessing Pool</a:t>
             </a:r>
-            <a:endParaRPr lang="he-IL" dirty="0"/>
+            <a:endParaRPr lang="he-IL" b="1" dirty="0">
+              <a:latin typeface="Lexend Light"/>
+            </a:endParaRPr>
           </a:p>
         </p:txBody>
       </p:sp>
@@ -15748,6 +16316,20 @@
 <file path=ppt/slides/slide23.xml><?xml version="1.0" encoding="utf-8"?>
 <p:sld xmlns:a="http://schemas.openxmlformats.org/drawingml/2006/main" xmlns:r="http://schemas.openxmlformats.org/officeDocument/2006/relationships" xmlns:p="http://schemas.openxmlformats.org/presentationml/2006/main">
   <p:cSld>
+    <p:bg>
+      <p:bgPr>
+        <a:blipFill dpi="0" rotWithShape="1">
+          <a:blip r:embed="rId3">
+            <a:lum/>
+          </a:blip>
+          <a:srcRect/>
+          <a:stretch>
+            <a:fillRect/>
+          </a:stretch>
+        </a:blipFill>
+        <a:effectLst/>
+      </p:bgPr>
+    </p:bg>
     <p:spTree>
       <p:nvGrpSpPr>
         <p:cNvPr id="1" name=""/>
@@ -15780,17 +16362,17 @@
           <a:lstStyle/>
           <a:p>
             <a:r>
-              <a:rPr lang="en-US" b="0" i="0" dirty="0">
+              <a:rPr lang="en-US" b="1" i="0" dirty="0">
                 <a:solidFill>
                   <a:srgbClr val="000000"/>
                 </a:solidFill>
                 <a:effectLst/>
-                <a:latin typeface="+mn-lt"/>
+                <a:latin typeface="Lexend Light"/>
               </a:rPr>
               <a:t>Multiprocessing Pool —- example</a:t>
             </a:r>
-            <a:endParaRPr lang="he-IL" dirty="0">
-              <a:latin typeface="+mn-lt"/>
+            <a:endParaRPr lang="he-IL" b="1" dirty="0">
+              <a:latin typeface="Lexend Light"/>
               <a:cs typeface="Calibri" panose="020F0502020204030204" pitchFamily="34" charset="0"/>
             </a:endParaRPr>
           </a:p>
@@ -16711,6 +17293,20 @@
 <file path=ppt/slides/slide24.xml><?xml version="1.0" encoding="utf-8"?>
 <p:sld xmlns:a="http://schemas.openxmlformats.org/drawingml/2006/main" xmlns:r="http://schemas.openxmlformats.org/officeDocument/2006/relationships" xmlns:p="http://schemas.openxmlformats.org/presentationml/2006/main">
   <p:cSld>
+    <p:bg>
+      <p:bgPr>
+        <a:blipFill dpi="0" rotWithShape="1">
+          <a:blip r:embed="rId2">
+            <a:lum/>
+          </a:blip>
+          <a:srcRect/>
+          <a:stretch>
+            <a:fillRect/>
+          </a:stretch>
+        </a:blipFill>
+        <a:effectLst/>
+      </p:bgPr>
+    </p:bg>
     <p:spTree>
       <p:nvGrpSpPr>
         <p:cNvPr id="1" name=""/>
@@ -16741,10 +17337,14 @@
           <a:lstStyle/>
           <a:p>
             <a:r>
-              <a:rPr lang="en-US" dirty="0"/>
+              <a:rPr lang="en-US" b="1" dirty="0">
+                <a:latin typeface="Lexend Light"/>
+              </a:rPr>
               <a:t>Lab 01</a:t>
             </a:r>
-            <a:endParaRPr lang="he-IL" dirty="0"/>
+            <a:endParaRPr lang="he-IL" b="1" dirty="0">
+              <a:latin typeface="Lexend Light"/>
+            </a:endParaRPr>
           </a:p>
         </p:txBody>
       </p:sp>
@@ -16764,6 +17364,20 @@
 <file path=ppt/slides/slide25.xml><?xml version="1.0" encoding="utf-8"?>
 <p:sld xmlns:a="http://schemas.openxmlformats.org/drawingml/2006/main" xmlns:r="http://schemas.openxmlformats.org/officeDocument/2006/relationships" xmlns:p="http://schemas.openxmlformats.org/presentationml/2006/main">
   <p:cSld>
+    <p:bg>
+      <p:bgPr>
+        <a:blipFill dpi="0" rotWithShape="1">
+          <a:blip r:embed="rId2">
+            <a:lum/>
+          </a:blip>
+          <a:srcRect/>
+          <a:stretch>
+            <a:fillRect/>
+          </a:stretch>
+        </a:blipFill>
+        <a:effectLst/>
+      </p:bgPr>
+    </p:bg>
     <p:spTree>
       <p:nvGrpSpPr>
         <p:cNvPr id="1" name=""/>
@@ -16794,238 +17408,20 @@
 <file path=ppt/slides/slide3.xml><?xml version="1.0" encoding="utf-8"?>
 <p:sld xmlns:a="http://schemas.openxmlformats.org/drawingml/2006/main" xmlns:r="http://schemas.openxmlformats.org/officeDocument/2006/relationships" xmlns:p="http://schemas.openxmlformats.org/presentationml/2006/main">
   <p:cSld>
-    <p:spTree>
-      <p:nvGrpSpPr>
-        <p:cNvPr id="1" name=""/>
-        <p:cNvGrpSpPr/>
-        <p:nvPr/>
-      </p:nvGrpSpPr>
-      <p:grpSpPr>
-        <a:xfrm>
-          <a:off x="0" y="0"/>
-          <a:ext cx="0" cy="0"/>
-          <a:chOff x="0" y="0"/>
-          <a:chExt cx="0" cy="0"/>
-        </a:xfrm>
-      </p:grpSpPr>
-      <p:sp>
-        <p:nvSpPr>
-          <p:cNvPr id="2" name="Title 1"/>
-          <p:cNvSpPr>
-            <a:spLocks noGrp="1"/>
-          </p:cNvSpPr>
-          <p:nvPr>
-            <p:ph type="title"/>
-          </p:nvPr>
-        </p:nvSpPr>
-        <p:spPr/>
-        <p:txBody>
-          <a:bodyPr>
-            <a:normAutofit/>
-          </a:bodyPr>
-          <a:lstStyle/>
-          <a:p>
-            <a:r>
-              <a:rPr lang="en-US" b="0" i="0" dirty="0">
-                <a:solidFill>
-                  <a:srgbClr val="000000"/>
-                </a:solidFill>
-                <a:effectLst/>
-                <a:latin typeface="+mn-lt"/>
-              </a:rPr>
-              <a:t>The </a:t>
-            </a:r>
-            <a:r>
-              <a:rPr lang="en-US" b="0" i="0" dirty="0" err="1">
-                <a:solidFill>
-                  <a:srgbClr val="000000"/>
-                </a:solidFill>
-                <a:effectLst/>
-                <a:latin typeface="+mn-lt"/>
-              </a:rPr>
-              <a:t>multiprocessing.Process</a:t>
-            </a:r>
-            <a:r>
-              <a:rPr lang="en-US" b="0" i="0" dirty="0">
-                <a:solidFill>
-                  <a:srgbClr val="000000"/>
-                </a:solidFill>
-                <a:effectLst/>
-                <a:latin typeface="+mn-lt"/>
-              </a:rPr>
-              <a:t> class </a:t>
-            </a:r>
-            <a:br>
-              <a:rPr lang="en-US" dirty="0">
-                <a:latin typeface="+mn-lt"/>
-              </a:rPr>
-            </a:br>
-            <a:endParaRPr lang="he-IL" dirty="0">
-              <a:latin typeface="+mn-lt"/>
-            </a:endParaRPr>
-          </a:p>
-        </p:txBody>
-      </p:sp>
-      <p:sp>
-        <p:nvSpPr>
-          <p:cNvPr id="3" name="Content Placeholder 2"/>
-          <p:cNvSpPr>
-            <a:spLocks noGrp="1"/>
-          </p:cNvSpPr>
-          <p:nvPr>
-            <p:ph idx="1"/>
-          </p:nvPr>
-        </p:nvSpPr>
-        <p:spPr>
-          <a:xfrm>
-            <a:off x="838200" y="1690688"/>
-            <a:ext cx="10515600" cy="4486275"/>
-          </a:xfrm>
-        </p:spPr>
-        <p:txBody>
-          <a:bodyPr>
-            <a:normAutofit/>
-          </a:bodyPr>
-          <a:lstStyle/>
-          <a:p>
-            <a:pPr algn="l" rtl="0" fontAlgn="base"/>
-            <a:r>
-              <a:rPr lang="en-US" sz="3200" b="0" i="0" dirty="0">
-                <a:solidFill>
-                  <a:srgbClr val="000000"/>
-                </a:solidFill>
-                <a:effectLst/>
-              </a:rPr>
-              <a:t>We can use the Process class to create a process object </a:t>
-            </a:r>
-          </a:p>
-          <a:p>
-            <a:pPr algn="l" rtl="0" fontAlgn="base"/>
-            <a:r>
-              <a:rPr lang="en-US" sz="3200" b="0" i="0" dirty="0">
-                <a:solidFill>
-                  <a:srgbClr val="000000"/>
-                </a:solidFill>
-                <a:effectLst/>
-              </a:rPr>
-              <a:t>Process(group=None, target=None, name=None, </a:t>
-            </a:r>
-            <a:r>
-              <a:rPr lang="en-US" sz="3200" b="0" i="0" dirty="0" err="1">
-                <a:solidFill>
-                  <a:srgbClr val="000000"/>
-                </a:solidFill>
-                <a:effectLst/>
-              </a:rPr>
-              <a:t>args</a:t>
-            </a:r>
-            <a:r>
-              <a:rPr lang="en-US" sz="3200" b="0" i="0" dirty="0">
-                <a:solidFill>
-                  <a:srgbClr val="000000"/>
-                </a:solidFill>
-                <a:effectLst/>
-              </a:rPr>
-              <a:t>=()) </a:t>
-            </a:r>
-          </a:p>
-          <a:p>
-            <a:pPr marL="457200" lvl="1" indent="0" fontAlgn="base">
-              <a:buNone/>
-            </a:pPr>
-            <a:r>
-              <a:rPr lang="en-US" sz="3200" b="0" i="0" dirty="0">
-                <a:solidFill>
-                  <a:srgbClr val="000000"/>
-                </a:solidFill>
-                <a:effectLst/>
-              </a:rPr>
-              <a:t>— target is the callable object to be invoked by the Process </a:t>
-            </a:r>
-          </a:p>
-          <a:p>
-            <a:pPr marL="457200" lvl="1" indent="0" fontAlgn="base">
-              <a:buNone/>
-            </a:pPr>
-            <a:r>
-              <a:rPr lang="en-US" sz="3200" b="0" i="0" dirty="0">
-                <a:solidFill>
-                  <a:srgbClr val="000000"/>
-                </a:solidFill>
-                <a:effectLst/>
-              </a:rPr>
-              <a:t>— name is the process name </a:t>
-            </a:r>
-          </a:p>
-          <a:p>
-            <a:pPr marL="457200" lvl="1" indent="0" fontAlgn="base">
-              <a:buNone/>
-            </a:pPr>
-            <a:r>
-              <a:rPr lang="en-US" sz="3200" b="0" i="0" dirty="0">
-                <a:solidFill>
-                  <a:srgbClr val="000000"/>
-                </a:solidFill>
-                <a:effectLst/>
-              </a:rPr>
-              <a:t>— </a:t>
-            </a:r>
-            <a:r>
-              <a:rPr lang="en-US" sz="3200" b="0" i="0" dirty="0" err="1">
-                <a:solidFill>
-                  <a:srgbClr val="000000"/>
-                </a:solidFill>
-                <a:effectLst/>
-              </a:rPr>
-              <a:t>args</a:t>
-            </a:r>
-            <a:r>
-              <a:rPr lang="en-US" sz="3200" b="0" i="0" dirty="0">
-                <a:solidFill>
-                  <a:srgbClr val="000000"/>
-                </a:solidFill>
-                <a:effectLst/>
-              </a:rPr>
-              <a:t> is the argument tuple for the target invocation. </a:t>
-            </a:r>
-          </a:p>
-          <a:p>
-            <a:pPr marL="457200" lvl="1" indent="0" fontAlgn="base">
-              <a:buNone/>
-            </a:pPr>
-            <a:r>
-              <a:rPr lang="en-US" sz="3200" b="0" i="0" dirty="0">
-                <a:solidFill>
-                  <a:srgbClr val="000000"/>
-                </a:solidFill>
-                <a:effectLst/>
-              </a:rPr>
-              <a:t>— group — should be always be None</a:t>
-            </a:r>
-            <a:endParaRPr lang="en-US" sz="3200" dirty="0">
-              <a:solidFill>
-                <a:srgbClr val="000000"/>
-              </a:solidFill>
-            </a:endParaRPr>
-          </a:p>
-        </p:txBody>
-      </p:sp>
-    </p:spTree>
-    <p:extLst>
-      <p:ext uri="{BB962C8B-B14F-4D97-AF65-F5344CB8AC3E}">
-        <p14:creationId xmlns:p14="http://schemas.microsoft.com/office/powerpoint/2010/main" val="1299589496"/>
-      </p:ext>
-    </p:extLst>
-  </p:cSld>
-  <p:clrMapOvr>
-    <a:masterClrMapping/>
-  </p:clrMapOvr>
-</p:sld>
-</file>
-
-<file path=ppt/slides/slide4.xml><?xml version="1.0" encoding="utf-8"?>
-<p:sld xmlns:a="http://schemas.openxmlformats.org/drawingml/2006/main" xmlns:r="http://schemas.openxmlformats.org/officeDocument/2006/relationships" xmlns:p="http://schemas.openxmlformats.org/presentationml/2006/main">
-  <p:cSld>
+    <p:bg>
+      <p:bgPr>
+        <a:blipFill dpi="0" rotWithShape="1">
+          <a:blip r:embed="rId3">
+            <a:lum/>
+          </a:blip>
+          <a:srcRect/>
+          <a:stretch>
+            <a:fillRect/>
+          </a:stretch>
+        </a:blipFill>
+        <a:effectLst/>
+      </p:bgPr>
+    </p:bg>
     <p:spTree>
       <p:nvGrpSpPr>
         <p:cNvPr id="1" name=""/>
@@ -17052,8 +17448,8 @@
         </p:nvSpPr>
         <p:spPr>
           <a:xfrm>
-            <a:off x="136237" y="291155"/>
-            <a:ext cx="10515600" cy="1325563"/>
+            <a:off x="838200" y="681038"/>
+            <a:ext cx="10515600" cy="695002"/>
           </a:xfrm>
         </p:spPr>
         <p:txBody>
@@ -17063,17 +17459,280 @@
           <a:lstStyle/>
           <a:p>
             <a:r>
-              <a:rPr lang="en-US" b="0" i="0" dirty="0">
+              <a:rPr lang="en-US" b="1" i="0" dirty="0">
+                <a:solidFill>
+                  <a:srgbClr val="0071F6"/>
+                </a:solidFill>
+                <a:effectLst/>
+                <a:latin typeface="Lexend" panose="020B0604020202020204"/>
+              </a:rPr>
+              <a:t>The </a:t>
+            </a:r>
+            <a:r>
+              <a:rPr lang="en-US" b="1" i="0" dirty="0" err="1">
+                <a:solidFill>
+                  <a:srgbClr val="0071F6"/>
+                </a:solidFill>
+                <a:effectLst/>
+                <a:latin typeface="Lexend" panose="020B0604020202020204"/>
+              </a:rPr>
+              <a:t>multiprocessing.Process</a:t>
+            </a:r>
+            <a:r>
+              <a:rPr lang="en-US" b="1" i="0" dirty="0">
+                <a:solidFill>
+                  <a:srgbClr val="0071F6"/>
+                </a:solidFill>
+                <a:effectLst/>
+                <a:latin typeface="Lexend" panose="020B0604020202020204"/>
+              </a:rPr>
+              <a:t> class </a:t>
+            </a:r>
+            <a:endParaRPr lang="he-IL" b="1" dirty="0">
+              <a:solidFill>
+                <a:srgbClr val="0071F6"/>
+              </a:solidFill>
+              <a:latin typeface="Lexend" panose="020B0604020202020204"/>
+            </a:endParaRPr>
+          </a:p>
+        </p:txBody>
+      </p:sp>
+      <p:sp>
+        <p:nvSpPr>
+          <p:cNvPr id="3" name="Content Placeholder 2"/>
+          <p:cNvSpPr>
+            <a:spLocks noGrp="1"/>
+          </p:cNvSpPr>
+          <p:nvPr>
+            <p:ph idx="1"/>
+          </p:nvPr>
+        </p:nvSpPr>
+        <p:spPr>
+          <a:xfrm>
+            <a:off x="838200" y="1690688"/>
+            <a:ext cx="10515600" cy="4486275"/>
+          </a:xfrm>
+        </p:spPr>
+        <p:txBody>
+          <a:bodyPr>
+            <a:normAutofit/>
+          </a:bodyPr>
+          <a:lstStyle/>
+          <a:p>
+            <a:pPr algn="l" rtl="0" fontAlgn="base"/>
+            <a:r>
+              <a:rPr lang="en-US" sz="3200" b="0" i="0" dirty="0">
                 <a:solidFill>
                   <a:srgbClr val="000000"/>
                 </a:solidFill>
                 <a:effectLst/>
-                <a:latin typeface="+mn-lt"/>
+                <a:latin typeface="Lexend Light"/>
+              </a:rPr>
+              <a:t>We can use the Process class to create a process object </a:t>
+            </a:r>
+          </a:p>
+          <a:p>
+            <a:pPr algn="l" rtl="0" fontAlgn="base"/>
+            <a:r>
+              <a:rPr lang="en-US" sz="3200" b="0" i="0" dirty="0">
+                <a:solidFill>
+                  <a:srgbClr val="000000"/>
+                </a:solidFill>
+                <a:effectLst/>
+                <a:latin typeface="Lexend Light"/>
+              </a:rPr>
+              <a:t>Process(group=None, target=None, name=None, </a:t>
+            </a:r>
+            <a:r>
+              <a:rPr lang="en-US" sz="3200" b="0" i="0" dirty="0" err="1">
+                <a:solidFill>
+                  <a:srgbClr val="000000"/>
+                </a:solidFill>
+                <a:effectLst/>
+                <a:latin typeface="Lexend Light"/>
+              </a:rPr>
+              <a:t>args</a:t>
+            </a:r>
+            <a:r>
+              <a:rPr lang="en-US" sz="3200" b="0" i="0" dirty="0">
+                <a:solidFill>
+                  <a:srgbClr val="000000"/>
+                </a:solidFill>
+                <a:effectLst/>
+                <a:latin typeface="Lexend Light"/>
+              </a:rPr>
+              <a:t>=()) </a:t>
+            </a:r>
+          </a:p>
+          <a:p>
+            <a:pPr marL="457200" lvl="1" indent="0" fontAlgn="base">
+              <a:buNone/>
+            </a:pPr>
+            <a:r>
+              <a:rPr lang="en-US" sz="3200" b="0" i="0" dirty="0">
+                <a:solidFill>
+                  <a:srgbClr val="000000"/>
+                </a:solidFill>
+                <a:effectLst/>
+                <a:latin typeface="Lexend Light"/>
+              </a:rPr>
+              <a:t>— target is the callable object to be invoked by the Process </a:t>
+            </a:r>
+          </a:p>
+          <a:p>
+            <a:pPr marL="457200" lvl="1" indent="0" fontAlgn="base">
+              <a:buNone/>
+            </a:pPr>
+            <a:r>
+              <a:rPr lang="en-US" sz="3200" b="0" i="0" dirty="0">
+                <a:solidFill>
+                  <a:srgbClr val="000000"/>
+                </a:solidFill>
+                <a:effectLst/>
+                <a:latin typeface="Lexend Light"/>
+              </a:rPr>
+              <a:t>— name is the process name </a:t>
+            </a:r>
+          </a:p>
+          <a:p>
+            <a:pPr marL="457200" lvl="1" indent="0" fontAlgn="base">
+              <a:buNone/>
+            </a:pPr>
+            <a:r>
+              <a:rPr lang="en-US" sz="3200" b="0" i="0" dirty="0">
+                <a:solidFill>
+                  <a:srgbClr val="000000"/>
+                </a:solidFill>
+                <a:effectLst/>
+                <a:latin typeface="Lexend Light"/>
+              </a:rPr>
+              <a:t>— </a:t>
+            </a:r>
+            <a:r>
+              <a:rPr lang="en-US" sz="3200" b="0" i="0" dirty="0" err="1">
+                <a:solidFill>
+                  <a:srgbClr val="000000"/>
+                </a:solidFill>
+                <a:effectLst/>
+                <a:latin typeface="Lexend Light"/>
+              </a:rPr>
+              <a:t>args</a:t>
+            </a:r>
+            <a:r>
+              <a:rPr lang="en-US" sz="3200" b="0" i="0" dirty="0">
+                <a:solidFill>
+                  <a:srgbClr val="000000"/>
+                </a:solidFill>
+                <a:effectLst/>
+                <a:latin typeface="Lexend Light"/>
+              </a:rPr>
+              <a:t> is the argument tuple for the target invocation. </a:t>
+            </a:r>
+          </a:p>
+          <a:p>
+            <a:pPr marL="457200" lvl="1" indent="0" fontAlgn="base">
+              <a:buNone/>
+            </a:pPr>
+            <a:r>
+              <a:rPr lang="en-US" sz="3200" b="0" i="0" dirty="0">
+                <a:solidFill>
+                  <a:srgbClr val="000000"/>
+                </a:solidFill>
+                <a:effectLst/>
+                <a:latin typeface="Lexend Light"/>
+              </a:rPr>
+              <a:t>— group — should be always be None</a:t>
+            </a:r>
+            <a:endParaRPr lang="en-US" sz="3200" dirty="0">
+              <a:solidFill>
+                <a:srgbClr val="000000"/>
+              </a:solidFill>
+              <a:latin typeface="Lexend Light"/>
+            </a:endParaRPr>
+          </a:p>
+        </p:txBody>
+      </p:sp>
+    </p:spTree>
+    <p:extLst>
+      <p:ext uri="{BB962C8B-B14F-4D97-AF65-F5344CB8AC3E}">
+        <p14:creationId xmlns:p14="http://schemas.microsoft.com/office/powerpoint/2010/main" val="1299589496"/>
+      </p:ext>
+    </p:extLst>
+  </p:cSld>
+  <p:clrMapOvr>
+    <a:masterClrMapping/>
+  </p:clrMapOvr>
+</p:sld>
+</file>
+
+<file path=ppt/slides/slide4.xml><?xml version="1.0" encoding="utf-8"?>
+<p:sld xmlns:a="http://schemas.openxmlformats.org/drawingml/2006/main" xmlns:r="http://schemas.openxmlformats.org/officeDocument/2006/relationships" xmlns:p="http://schemas.openxmlformats.org/presentationml/2006/main">
+  <p:cSld>
+    <p:bg>
+      <p:bgPr>
+        <a:blipFill dpi="0" rotWithShape="1">
+          <a:blip r:embed="rId2">
+            <a:lum/>
+          </a:blip>
+          <a:srcRect/>
+          <a:stretch>
+            <a:fillRect/>
+          </a:stretch>
+        </a:blipFill>
+        <a:effectLst/>
+      </p:bgPr>
+    </p:bg>
+    <p:spTree>
+      <p:nvGrpSpPr>
+        <p:cNvPr id="1" name=""/>
+        <p:cNvGrpSpPr/>
+        <p:nvPr/>
+      </p:nvGrpSpPr>
+      <p:grpSpPr>
+        <a:xfrm>
+          <a:off x="0" y="0"/>
+          <a:ext cx="0" cy="0"/>
+          <a:chOff x="0" y="0"/>
+          <a:chExt cx="0" cy="0"/>
+        </a:xfrm>
+      </p:grpSpPr>
+      <p:sp>
+        <p:nvSpPr>
+          <p:cNvPr id="2" name="Title 1"/>
+          <p:cNvSpPr>
+            <a:spLocks noGrp="1"/>
+          </p:cNvSpPr>
+          <p:nvPr>
+            <p:ph type="title"/>
+          </p:nvPr>
+        </p:nvSpPr>
+        <p:spPr>
+          <a:xfrm>
+            <a:off x="745723" y="291155"/>
+            <a:ext cx="9906113" cy="1325563"/>
+          </a:xfrm>
+        </p:spPr>
+        <p:txBody>
+          <a:bodyPr>
+            <a:normAutofit/>
+          </a:bodyPr>
+          <a:lstStyle/>
+          <a:p>
+            <a:r>
+              <a:rPr lang="en-US" b="1" i="0" dirty="0">
+                <a:solidFill>
+                  <a:srgbClr val="0071F6"/>
+                </a:solidFill>
+                <a:effectLst/>
+                <a:latin typeface="Lexend" panose="020B0604020202020204"/>
               </a:rPr>
               <a:t>Process start and join functions</a:t>
             </a:r>
-            <a:endParaRPr lang="he-IL" dirty="0">
-              <a:latin typeface="+mn-lt"/>
+            <a:endParaRPr lang="he-IL" b="1" dirty="0">
+              <a:solidFill>
+                <a:srgbClr val="0071F6"/>
+              </a:solidFill>
+              <a:latin typeface="Lexend" panose="020B0604020202020204"/>
             </a:endParaRPr>
           </a:p>
         </p:txBody>
@@ -17092,8 +17751,8 @@
         </p:nvSpPr>
         <p:spPr>
           <a:xfrm>
-            <a:off x="136238" y="1616718"/>
-            <a:ext cx="11734029" cy="5632311"/>
+            <a:off x="745723" y="1616718"/>
+            <a:ext cx="10528918" cy="5632311"/>
           </a:xfrm>
           <a:prstGeom prst="rect">
             <a:avLst/>
@@ -17116,6 +17775,7 @@
                   <a:srgbClr val="000000"/>
                 </a:solidFill>
                 <a:effectLst/>
+                <a:latin typeface="Lexend Light"/>
               </a:rPr>
               <a:t>start() - Starts the process’s activity. </a:t>
             </a:r>
@@ -17129,6 +17789,7 @@
               <a:solidFill>
                 <a:srgbClr val="000000"/>
               </a:solidFill>
+              <a:latin typeface="Lexend Light"/>
             </a:endParaRPr>
           </a:p>
           <a:p>
@@ -17142,6 +17803,7 @@
                   <a:srgbClr val="000000"/>
                 </a:solidFill>
                 <a:effectLst/>
+                <a:latin typeface="Lexend Light"/>
               </a:rPr>
               <a:t>join([timeout]) </a:t>
             </a:r>
@@ -17154,6 +17816,7 @@
                   <a:srgbClr val="000000"/>
                 </a:solidFill>
                 <a:effectLst/>
+                <a:latin typeface="Lexend Light"/>
               </a:rPr>
               <a:t>— Block the calling method until the process whose join() method is called terminates or until the optional timeout occurs. </a:t>
             </a:r>
@@ -17165,6 +17828,7 @@
                 <a:srgbClr val="000000"/>
               </a:solidFill>
               <a:effectLst/>
+              <a:latin typeface="Lexend Light"/>
             </a:endParaRPr>
           </a:p>
           <a:p>
@@ -17175,6 +17839,7 @@
                   <a:srgbClr val="000000"/>
                 </a:solidFill>
                 <a:effectLst/>
+                <a:latin typeface="Lexend Light"/>
               </a:rPr>
               <a:t>— If timeout parameter specified the calling method will be blocked up to timeout seconds. The </a:t>
             </a:r>
@@ -17184,6 +17849,7 @@
                   <a:srgbClr val="000000"/>
                 </a:solidFill>
                 <a:effectLst/>
+                <a:latin typeface="Lexend Light"/>
               </a:rPr>
               <a:t>exitcode</a:t>
             </a:r>
@@ -17193,28 +17859,43 @@
                   <a:srgbClr val="000000"/>
                 </a:solidFill>
                 <a:effectLst/>
+                <a:latin typeface="Lexend Light"/>
               </a:rPr>
               <a:t> will stays None until the process is actually finishes (Will be discussed later)”</a:t>
             </a:r>
-            <a:endParaRPr lang="en-US" sz="2800" dirty="0"/>
-          </a:p>
-          <a:p>
-            <a:endParaRPr lang="en-US" dirty="0"/>
-          </a:p>
-          <a:p>
-            <a:endParaRPr lang="en-US" dirty="0"/>
-          </a:p>
-          <a:p>
-            <a:endParaRPr lang="en-US" dirty="0"/>
-          </a:p>
-          <a:p>
-            <a:endParaRPr lang="en-US" dirty="0"/>
-          </a:p>
-          <a:p>
-            <a:endParaRPr lang="en-US" dirty="0"/>
-          </a:p>
-          <a:p>
-            <a:endParaRPr lang="he-IL" dirty="0"/>
+            <a:endParaRPr lang="en-US" sz="2800" dirty="0">
+              <a:latin typeface="Lexend Light"/>
+            </a:endParaRPr>
+          </a:p>
+          <a:p>
+            <a:endParaRPr lang="en-US" dirty="0">
+              <a:latin typeface="Lexend Light"/>
+            </a:endParaRPr>
+          </a:p>
+          <a:p>
+            <a:endParaRPr lang="en-US" dirty="0">
+              <a:latin typeface="Lexend Light"/>
+            </a:endParaRPr>
+          </a:p>
+          <a:p>
+            <a:endParaRPr lang="en-US" dirty="0">
+              <a:latin typeface="Lexend Light"/>
+            </a:endParaRPr>
+          </a:p>
+          <a:p>
+            <a:endParaRPr lang="en-US" dirty="0">
+              <a:latin typeface="Lexend Light"/>
+            </a:endParaRPr>
+          </a:p>
+          <a:p>
+            <a:endParaRPr lang="en-US" dirty="0">
+              <a:latin typeface="Lexend Light"/>
+            </a:endParaRPr>
+          </a:p>
+          <a:p>
+            <a:endParaRPr lang="he-IL" dirty="0">
+              <a:latin typeface="Lexend Light"/>
+            </a:endParaRPr>
           </a:p>
         </p:txBody>
       </p:sp>
@@ -17234,6 +17915,20 @@
 <file path=ppt/slides/slide5.xml><?xml version="1.0" encoding="utf-8"?>
 <p:sld xmlns:a="http://schemas.openxmlformats.org/drawingml/2006/main" xmlns:r="http://schemas.openxmlformats.org/officeDocument/2006/relationships" xmlns:p="http://schemas.openxmlformats.org/presentationml/2006/main">
   <p:cSld>
+    <p:bg>
+      <p:bgPr>
+        <a:blipFill dpi="0" rotWithShape="1">
+          <a:blip r:embed="rId2">
+            <a:lum/>
+          </a:blip>
+          <a:srcRect/>
+          <a:stretch>
+            <a:fillRect/>
+          </a:stretch>
+        </a:blipFill>
+        <a:effectLst/>
+      </p:bgPr>
+    </p:bg>
     <p:spTree>
       <p:nvGrpSpPr>
         <p:cNvPr id="1" name=""/>
@@ -17264,16 +17959,18 @@
           <a:lstStyle/>
           <a:p>
             <a:r>
-              <a:rPr lang="en-US" b="0" i="0" dirty="0">
+              <a:rPr lang="en-US" b="1" i="0" dirty="0">
                 <a:solidFill>
                   <a:srgbClr val="000000"/>
                 </a:solidFill>
                 <a:effectLst/>
-                <a:latin typeface="+mn-lt"/>
+                <a:latin typeface="Lexend Light"/>
               </a:rPr>
               <a:t>The Process example</a:t>
             </a:r>
-            <a:endParaRPr lang="he-IL" dirty="0"/>
+            <a:endParaRPr lang="he-IL" b="1" dirty="0">
+              <a:latin typeface="Lexend Light"/>
+            </a:endParaRPr>
           </a:p>
         </p:txBody>
       </p:sp>
@@ -17293,6 +17990,20 @@
 <file path=ppt/slides/slide6.xml><?xml version="1.0" encoding="utf-8"?>
 <p:sld xmlns:a="http://schemas.openxmlformats.org/drawingml/2006/main" xmlns:r="http://schemas.openxmlformats.org/officeDocument/2006/relationships" xmlns:p="http://schemas.openxmlformats.org/presentationml/2006/main">
   <p:cSld>
+    <p:bg>
+      <p:bgPr>
+        <a:blipFill dpi="0" rotWithShape="1">
+          <a:blip r:embed="rId2">
+            <a:lum/>
+          </a:blip>
+          <a:srcRect/>
+          <a:stretch>
+            <a:fillRect/>
+          </a:stretch>
+        </a:blipFill>
+        <a:effectLst/>
+      </p:bgPr>
+    </p:bg>
     <p:spTree>
       <p:nvGrpSpPr>
         <p:cNvPr id="1" name=""/>
@@ -17334,17 +18045,17 @@
           <a:lstStyle/>
           <a:p>
             <a:r>
-              <a:rPr lang="en-US" b="0" i="0" dirty="0">
+              <a:rPr lang="en-US" b="1" i="0" dirty="0">
                 <a:solidFill>
                   <a:srgbClr val="000000"/>
                 </a:solidFill>
                 <a:effectLst/>
-                <a:latin typeface="+mn-lt"/>
+                <a:latin typeface="Lexend Light"/>
               </a:rPr>
               <a:t>The Process example</a:t>
             </a:r>
-            <a:endParaRPr lang="he-IL" dirty="0">
-              <a:latin typeface="+mn-lt"/>
+            <a:endParaRPr lang="he-IL" b="1" dirty="0">
+              <a:latin typeface="Lexend Light"/>
               <a:cs typeface="Calibri" panose="020F0502020204030204" pitchFamily="34" charset="0"/>
             </a:endParaRPr>
           </a:p>
@@ -18200,6 +18911,20 @@
 <file path=ppt/slides/slide7.xml><?xml version="1.0" encoding="utf-8"?>
 <p:sld xmlns:a="http://schemas.openxmlformats.org/drawingml/2006/main" xmlns:r="http://schemas.openxmlformats.org/officeDocument/2006/relationships" xmlns:p="http://schemas.openxmlformats.org/presentationml/2006/main">
   <p:cSld>
+    <p:bg>
+      <p:bgPr>
+        <a:blipFill dpi="0" rotWithShape="1">
+          <a:blip r:embed="rId3">
+            <a:lum/>
+          </a:blip>
+          <a:srcRect/>
+          <a:stretch>
+            <a:fillRect/>
+          </a:stretch>
+        </a:blipFill>
+        <a:effectLst/>
+      </p:bgPr>
+    </p:bg>
     <p:spTree>
       <p:nvGrpSpPr>
         <p:cNvPr id="1" name=""/>
@@ -18232,17 +18957,20 @@
           <a:lstStyle/>
           <a:p>
             <a:r>
-              <a:rPr lang="en-US" b="0" i="0" dirty="0">
-                <a:solidFill>
-                  <a:srgbClr val="000000"/>
-                </a:solidFill>
-                <a:effectLst/>
-                <a:latin typeface="+mn-lt"/>
+              <a:rPr lang="en-US" b="1" i="0" dirty="0">
+                <a:solidFill>
+                  <a:srgbClr val="0071F6"/>
+                </a:solidFill>
+                <a:effectLst/>
+                <a:latin typeface="Lexend" panose="020B0604020202020204"/>
               </a:rPr>
               <a:t>The Process example — cont’d</a:t>
             </a:r>
-            <a:endParaRPr lang="en-US" dirty="0">
-              <a:latin typeface="+mn-lt"/>
+            <a:endParaRPr lang="en-US" b="1" dirty="0">
+              <a:solidFill>
+                <a:srgbClr val="0071F6"/>
+              </a:solidFill>
+              <a:latin typeface="Lexend" panose="020B0604020202020204"/>
             </a:endParaRPr>
           </a:p>
         </p:txBody>
@@ -18267,7 +18995,9 @@
             <a:pPr marL="0" indent="0">
               <a:buNone/>
             </a:pPr>
-            <a:endParaRPr lang="en-US" dirty="0"/>
+            <a:endParaRPr lang="en-US" dirty="0">
+              <a:latin typeface="Lexend Light"/>
+            </a:endParaRPr>
           </a:p>
           <a:p>
             <a:r>
@@ -18276,6 +19006,7 @@
                   <a:srgbClr val="000000"/>
                 </a:solidFill>
                 <a:effectLst/>
+                <a:latin typeface="Lexend Light"/>
               </a:rPr>
               <a:t>In some platform, like windows, the child process goes through the main space before executing the target function. This is why the creation of child process must be ' f under the: if __name__==“__main__’’</a:t>
             </a:r>
@@ -18285,6 +19016,7 @@
               <a:solidFill>
                 <a:srgbClr val="000000"/>
               </a:solidFill>
+              <a:latin typeface="Lexend Light"/>
             </a:endParaRPr>
           </a:p>
           <a:p>
@@ -18294,6 +19026,7 @@
                   <a:srgbClr val="000000"/>
                 </a:solidFill>
                 <a:effectLst/>
+                <a:latin typeface="Lexend Light"/>
               </a:rPr>
               <a:t> Single-item tuples require a trailing comma: </a:t>
             </a:r>
@@ -18306,6 +19039,7 @@
                   <a:srgbClr val="000000"/>
                 </a:solidFill>
                 <a:effectLst/>
+                <a:latin typeface="Lexend Light"/>
               </a:rPr>
               <a:t>tpl</a:t>
             </a:r>
@@ -18315,10 +19049,12 @@
                   <a:srgbClr val="000000"/>
                 </a:solidFill>
                 <a:effectLst/>
+                <a:latin typeface="Lexend Light"/>
               </a:rPr>
               <a:t> = (1,)</a:t>
             </a:r>
             <a:endParaRPr lang="en-US" dirty="0">
+              <a:latin typeface="Lexend Light"/>
               <a:cs typeface="Calibri" panose="020F0502020204030204" pitchFamily="34" charset="0"/>
             </a:endParaRPr>
           </a:p>
@@ -18340,6 +19076,20 @@
 <file path=ppt/slides/slide8.xml><?xml version="1.0" encoding="utf-8"?>
 <p:sld xmlns:a="http://schemas.openxmlformats.org/drawingml/2006/main" xmlns:r="http://schemas.openxmlformats.org/officeDocument/2006/relationships" xmlns:p="http://schemas.openxmlformats.org/presentationml/2006/main">
   <p:cSld>
+    <p:bg>
+      <p:bgPr>
+        <a:blipFill dpi="0" rotWithShape="1">
+          <a:blip r:embed="rId3">
+            <a:lum/>
+          </a:blip>
+          <a:srcRect/>
+          <a:stretch>
+            <a:fillRect/>
+          </a:stretch>
+        </a:blipFill>
+        <a:effectLst/>
+      </p:bgPr>
+    </p:bg>
     <p:spTree>
       <p:nvGrpSpPr>
         <p:cNvPr id="1" name=""/>
@@ -18372,22 +19122,15 @@
           <a:lstStyle/>
           <a:p>
             <a:r>
-              <a:rPr lang="en-US" b="0" i="0" dirty="0">
-                <a:solidFill>
-                  <a:srgbClr val="000000"/>
-                </a:solidFill>
-                <a:effectLst/>
-                <a:latin typeface="+mn-lt"/>
+              <a:rPr lang="en-US" b="1" i="0" dirty="0">
+                <a:solidFill>
+                  <a:srgbClr val="0071F6"/>
+                </a:solidFill>
+                <a:effectLst/>
+                <a:latin typeface="Lexend" panose="020B0604020202020204"/>
               </a:rPr>
               <a:t>join with timeout example</a:t>
             </a:r>
-            <a:endParaRPr lang="en-US" i="0" dirty="0">
-              <a:solidFill>
-                <a:srgbClr val="242424"/>
-              </a:solidFill>
-              <a:effectLst/>
-              <a:latin typeface="+mn-lt"/>
-            </a:endParaRPr>
           </a:p>
         </p:txBody>
       </p:sp>
@@ -18420,6 +19163,7 @@
                   <a:srgbClr val="000000"/>
                 </a:solidFill>
                 <a:effectLst/>
+                <a:latin typeface="Lexend Light"/>
               </a:rPr>
               <a:t>import multiprocessing as MP </a:t>
             </a:r>
@@ -18437,6 +19181,7 @@
                   <a:srgbClr val="000000"/>
                 </a:solidFill>
                 <a:effectLst/>
+                <a:latin typeface="Lexend Light"/>
               </a:rPr>
               <a:t>import time </a:t>
             </a:r>
@@ -18454,6 +19199,7 @@
                   <a:srgbClr val="000000"/>
                 </a:solidFill>
                 <a:effectLst/>
+                <a:latin typeface="Lexend Light"/>
               </a:rPr>
               <a:t>def </a:t>
             </a:r>
@@ -18463,6 +19209,7 @@
                   <a:srgbClr val="000000"/>
                 </a:solidFill>
                 <a:effectLst/>
+                <a:latin typeface="Lexend Light"/>
               </a:rPr>
               <a:t>func</a:t>
             </a:r>
@@ -18472,6 +19219,7 @@
                   <a:srgbClr val="000000"/>
                 </a:solidFill>
                 <a:effectLst/>
+                <a:latin typeface="Lexend Light"/>
               </a:rPr>
               <a:t>():</a:t>
             </a:r>
@@ -18489,6 +19237,7 @@
                   <a:srgbClr val="000000"/>
                 </a:solidFill>
                 <a:effectLst/>
+                <a:latin typeface="Lexend Light"/>
               </a:rPr>
               <a:t> 	for n in range(100000000): </a:t>
             </a:r>
@@ -18506,6 +19255,7 @@
                   <a:srgbClr val="000000"/>
                 </a:solidFill>
                 <a:effectLst/>
+                <a:latin typeface="Lexend Light"/>
               </a:rPr>
               <a:t>		pass </a:t>
             </a:r>
@@ -18521,6 +19271,7 @@
               <a:solidFill>
                 <a:srgbClr val="000000"/>
               </a:solidFill>
+              <a:latin typeface="Lexend Light"/>
             </a:endParaRPr>
           </a:p>
           <a:p>
@@ -18536,6 +19287,7 @@
                   <a:srgbClr val="000000"/>
                 </a:solidFill>
                 <a:effectLst/>
+                <a:latin typeface="Lexend Light"/>
               </a:rPr>
               <a:t>if __name__ == "__main__": </a:t>
             </a:r>
@@ -18553,6 +19305,7 @@
                   <a:srgbClr val="000000"/>
                 </a:solidFill>
                 <a:effectLst/>
+                <a:latin typeface="Lexend Light"/>
               </a:rPr>
               <a:t>	p = </a:t>
             </a:r>
@@ -18562,6 +19315,7 @@
                   <a:srgbClr val="000000"/>
                 </a:solidFill>
                 <a:effectLst/>
+                <a:latin typeface="Lexend Light"/>
               </a:rPr>
               <a:t>MP.Process</a:t>
             </a:r>
@@ -18571,6 +19325,7 @@
                   <a:srgbClr val="000000"/>
                 </a:solidFill>
                 <a:effectLst/>
+                <a:latin typeface="Lexend Light"/>
               </a:rPr>
               <a:t>(target=</a:t>
             </a:r>
@@ -18580,6 +19335,7 @@
                   <a:srgbClr val="000000"/>
                 </a:solidFill>
                 <a:effectLst/>
+                <a:latin typeface="Lexend Light"/>
               </a:rPr>
               <a:t>func</a:t>
             </a:r>
@@ -18589,6 +19345,7 @@
                   <a:srgbClr val="000000"/>
                 </a:solidFill>
                 <a:effectLst/>
+                <a:latin typeface="Lexend Light"/>
               </a:rPr>
               <a:t>) </a:t>
             </a:r>
@@ -18606,6 +19363,7 @@
                   <a:srgbClr val="000000"/>
                 </a:solidFill>
                 <a:effectLst/>
+                <a:latin typeface="Lexend Light"/>
               </a:rPr>
               <a:t>	</a:t>
             </a:r>
@@ -18615,6 +19373,7 @@
                   <a:srgbClr val="000000"/>
                 </a:solidFill>
                 <a:effectLst/>
+                <a:latin typeface="Lexend Light"/>
               </a:rPr>
               <a:t>p.start</a:t>
             </a:r>
@@ -18624,6 +19383,7 @@
                   <a:srgbClr val="000000"/>
                 </a:solidFill>
                 <a:effectLst/>
+                <a:latin typeface="Lexend Light"/>
               </a:rPr>
               <a:t>() 				The output: </a:t>
             </a:r>
@@ -18639,6 +19399,7 @@
               <a:solidFill>
                 <a:srgbClr val="000000"/>
               </a:solidFill>
+              <a:latin typeface="Lexend Light"/>
             </a:endParaRPr>
           </a:p>
           <a:p>
@@ -18654,6 +19415,7 @@
                   <a:srgbClr val="000000"/>
                 </a:solidFill>
                 <a:effectLst/>
+                <a:latin typeface="Lexend Light"/>
               </a:rPr>
               <a:t>	</a:t>
             </a:r>
@@ -18663,6 +19425,7 @@
                   <a:srgbClr val="000000"/>
                 </a:solidFill>
                 <a:effectLst/>
+                <a:latin typeface="Lexend Light"/>
               </a:rPr>
               <a:t>p.join</a:t>
             </a:r>
@@ -18672,6 +19435,7 @@
                   <a:srgbClr val="000000"/>
                 </a:solidFill>
                 <a:effectLst/>
+                <a:latin typeface="Lexend Light"/>
               </a:rPr>
               <a:t>(1) 				</a:t>
             </a:r>
@@ -18689,6 +19453,7 @@
                   <a:srgbClr val="000000"/>
                 </a:solidFill>
                 <a:effectLst/>
+                <a:latin typeface="Lexend Light"/>
               </a:rPr>
               <a:t>	while </a:t>
             </a:r>
@@ -18698,6 +19463,7 @@
                   <a:srgbClr val="000000"/>
                 </a:solidFill>
                 <a:effectLst/>
+                <a:latin typeface="Lexend Light"/>
               </a:rPr>
               <a:t>p.exitcode</a:t>
             </a:r>
@@ -18707,6 +19473,7 @@
                   <a:srgbClr val="000000"/>
                 </a:solidFill>
                 <a:effectLst/>
+                <a:latin typeface="Lexend Light"/>
               </a:rPr>
               <a:t> is None: 		In loop </a:t>
             </a:r>
@@ -18724,6 +19491,7 @@
                   <a:srgbClr val="000000"/>
                 </a:solidFill>
                 <a:effectLst/>
+                <a:latin typeface="Lexend Light"/>
               </a:rPr>
               <a:t>	print("in loop") 			In loop </a:t>
             </a:r>
@@ -18741,6 +19509,7 @@
                   <a:srgbClr val="000000"/>
                 </a:solidFill>
                 <a:effectLst/>
+                <a:latin typeface="Lexend Light"/>
               </a:rPr>
               <a:t>	</a:t>
             </a:r>
@@ -18750,6 +19519,7 @@
                   <a:srgbClr val="000000"/>
                 </a:solidFill>
                 <a:effectLst/>
+                <a:latin typeface="Lexend Light"/>
               </a:rPr>
               <a:t>p.join</a:t>
             </a:r>
@@ -18759,6 +19529,7 @@
                   <a:srgbClr val="000000"/>
                 </a:solidFill>
                 <a:effectLst/>
+                <a:latin typeface="Lexend Light"/>
               </a:rPr>
               <a:t>(1) 			In loop </a:t>
             </a:r>
@@ -18776,6 +19547,7 @@
                   <a:srgbClr val="000000"/>
                 </a:solidFill>
                 <a:effectLst/>
+                <a:latin typeface="Lexend Light"/>
               </a:rPr>
               <a:t>	</a:t>
             </a:r>
@@ -18785,6 +19557,7 @@
                   <a:srgbClr val="000000"/>
                 </a:solidFill>
                 <a:effectLst/>
+                <a:latin typeface="Lexend Light"/>
               </a:rPr>
               <a:t>time.sleep</a:t>
             </a:r>
@@ -18794,10 +19567,12 @@
                   <a:srgbClr val="000000"/>
                 </a:solidFill>
                 <a:effectLst/>
+                <a:latin typeface="Lexend Light"/>
               </a:rPr>
               <a:t>(1)			In loop </a:t>
             </a:r>
             <a:endParaRPr lang="en-US" sz="2000" dirty="0">
+              <a:latin typeface="Lexend Light"/>
               <a:cs typeface="Calibri" panose="020F0502020204030204" pitchFamily="34" charset="0"/>
             </a:endParaRPr>
           </a:p>
@@ -18819,6 +19594,20 @@
 <file path=ppt/slides/slide9.xml><?xml version="1.0" encoding="utf-8"?>
 <p:sld xmlns:a="http://schemas.openxmlformats.org/drawingml/2006/main" xmlns:r="http://schemas.openxmlformats.org/officeDocument/2006/relationships" xmlns:p="http://schemas.openxmlformats.org/presentationml/2006/main">
   <p:cSld>
+    <p:bg>
+      <p:bgPr>
+        <a:blipFill dpi="0" rotWithShape="1">
+          <a:blip r:embed="rId3">
+            <a:lum/>
+          </a:blip>
+          <a:srcRect/>
+          <a:stretch>
+            <a:fillRect/>
+          </a:stretch>
+        </a:blipFill>
+        <a:effectLst/>
+      </p:bgPr>
+    </p:bg>
     <p:spTree>
       <p:nvGrpSpPr>
         <p:cNvPr id="1" name=""/>
@@ -18851,17 +19640,20 @@
           <a:lstStyle/>
           <a:p>
             <a:r>
-              <a:rPr lang="en-US" b="0" i="0" dirty="0">
-                <a:solidFill>
-                  <a:srgbClr val="000000"/>
-                </a:solidFill>
-                <a:effectLst/>
-                <a:latin typeface="+mn-lt"/>
+              <a:rPr lang="en-US" b="1" i="0" dirty="0">
+                <a:solidFill>
+                  <a:srgbClr val="0071F6"/>
+                </a:solidFill>
+                <a:effectLst/>
+                <a:latin typeface="Lexend" panose="020B0604020202020204"/>
               </a:rPr>
               <a:t>Exchanging data between processes</a:t>
             </a:r>
-            <a:endParaRPr lang="en-US" dirty="0">
-              <a:latin typeface="+mn-lt"/>
+            <a:endParaRPr lang="en-US" b="1" dirty="0">
+              <a:solidFill>
+                <a:srgbClr val="0071F6"/>
+              </a:solidFill>
+              <a:latin typeface="Lexend" panose="020B0604020202020204"/>
               <a:cs typeface="Calibri" panose="020F0502020204030204" pitchFamily="34" charset="0"/>
             </a:endParaRPr>
           </a:p>
@@ -18905,6 +19697,7 @@
                   <a:srgbClr val="000000"/>
                 </a:solidFill>
                 <a:effectLst/>
+                <a:latin typeface="Lexend Light"/>
               </a:rPr>
               <a:t>When it comes to communicating between processes, the multiprocessing modules has two primary methods: </a:t>
             </a:r>
@@ -18916,6 +19709,7 @@
                   <a:srgbClr val="000000"/>
                 </a:solidFill>
                 <a:effectLst/>
+                <a:latin typeface="Lexend Light"/>
               </a:rPr>
               <a:t>	— Queues </a:t>
             </a:r>
@@ -18927,10 +19721,12 @@
                   <a:srgbClr val="000000"/>
                 </a:solidFill>
                 <a:effectLst/>
+                <a:latin typeface="Lexend Light"/>
               </a:rPr>
               <a:t>	— Pipes</a:t>
             </a:r>
             <a:endParaRPr lang="en-GB" sz="3200" dirty="0">
+              <a:latin typeface="Lexend Light"/>
               <a:cs typeface="Calibri" panose="020F0502020204030204" pitchFamily="34" charset="0"/>
             </a:endParaRPr>
           </a:p>
